--- a/final_deliverable/poster/Poster.pptx
+++ b/final_deliverable/poster/Poster.pptx
@@ -1,6 +1,6 @@
 
 <file path=ppt/presentation.xml><?xml version="1.0" encoding="utf-8"?>
-<p:presentation xmlns:a="http://schemas.openxmlformats.org/drawingml/2006/main" xmlns:r="http://schemas.openxmlformats.org/officeDocument/2006/relationships" xmlns:p="http://schemas.openxmlformats.org/presentationml/2006/main" saveSubsetFonts="1">
+<p:presentation xmlns:a="http://schemas.openxmlformats.org/drawingml/2006/main" xmlns:r="http://schemas.openxmlformats.org/officeDocument/2006/relationships" xmlns:p="http://schemas.openxmlformats.org/presentationml/2006/main" saveSubsetFonts="1" autoCompressPictures="0">
   <p:sldMasterIdLst>
     <p:sldMasterId id="2147483660" r:id="rId1"/>
   </p:sldMasterIdLst>
@@ -254,7 +254,7 @@
           <a:p>
             <a:fld id="{FF9CF86C-9498-4717-8AB5-811567CBC580}" type="datetimeFigureOut">
               <a:rPr lang="en-SG" smtClean="0"/>
-              <a:t>7/4/2021</a:t>
+              <a:t>9/4/2021</a:t>
             </a:fld>
             <a:endParaRPr lang="en-SG"/>
           </a:p>
@@ -424,7 +424,7 @@
           <a:p>
             <a:fld id="{FF9CF86C-9498-4717-8AB5-811567CBC580}" type="datetimeFigureOut">
               <a:rPr lang="en-SG" smtClean="0"/>
-              <a:t>7/4/2021</a:t>
+              <a:t>9/4/2021</a:t>
             </a:fld>
             <a:endParaRPr lang="en-SG"/>
           </a:p>
@@ -604,7 +604,7 @@
           <a:p>
             <a:fld id="{FF9CF86C-9498-4717-8AB5-811567CBC580}" type="datetimeFigureOut">
               <a:rPr lang="en-SG" smtClean="0"/>
-              <a:t>7/4/2021</a:t>
+              <a:t>9/4/2021</a:t>
             </a:fld>
             <a:endParaRPr lang="en-SG"/>
           </a:p>
@@ -774,7 +774,7 @@
           <a:p>
             <a:fld id="{FF9CF86C-9498-4717-8AB5-811567CBC580}" type="datetimeFigureOut">
               <a:rPr lang="en-SG" smtClean="0"/>
-              <a:t>7/4/2021</a:t>
+              <a:t>9/4/2021</a:t>
             </a:fld>
             <a:endParaRPr lang="en-SG"/>
           </a:p>
@@ -1018,7 +1018,7 @@
           <a:p>
             <a:fld id="{FF9CF86C-9498-4717-8AB5-811567CBC580}" type="datetimeFigureOut">
               <a:rPr lang="en-SG" smtClean="0"/>
-              <a:t>7/4/2021</a:t>
+              <a:t>9/4/2021</a:t>
             </a:fld>
             <a:endParaRPr lang="en-SG"/>
           </a:p>
@@ -1250,7 +1250,7 @@
           <a:p>
             <a:fld id="{FF9CF86C-9498-4717-8AB5-811567CBC580}" type="datetimeFigureOut">
               <a:rPr lang="en-SG" smtClean="0"/>
-              <a:t>7/4/2021</a:t>
+              <a:t>9/4/2021</a:t>
             </a:fld>
             <a:endParaRPr lang="en-SG"/>
           </a:p>
@@ -1617,7 +1617,7 @@
           <a:p>
             <a:fld id="{FF9CF86C-9498-4717-8AB5-811567CBC580}" type="datetimeFigureOut">
               <a:rPr lang="en-SG" smtClean="0"/>
-              <a:t>7/4/2021</a:t>
+              <a:t>9/4/2021</a:t>
             </a:fld>
             <a:endParaRPr lang="en-SG"/>
           </a:p>
@@ -1735,7 +1735,7 @@
           <a:p>
             <a:fld id="{FF9CF86C-9498-4717-8AB5-811567CBC580}" type="datetimeFigureOut">
               <a:rPr lang="en-SG" smtClean="0"/>
-              <a:t>7/4/2021</a:t>
+              <a:t>9/4/2021</a:t>
             </a:fld>
             <a:endParaRPr lang="en-SG"/>
           </a:p>
@@ -1830,7 +1830,7 @@
           <a:p>
             <a:fld id="{FF9CF86C-9498-4717-8AB5-811567CBC580}" type="datetimeFigureOut">
               <a:rPr lang="en-SG" smtClean="0"/>
-              <a:t>7/4/2021</a:t>
+              <a:t>9/4/2021</a:t>
             </a:fld>
             <a:endParaRPr lang="en-SG"/>
           </a:p>
@@ -2107,7 +2107,7 @@
           <a:p>
             <a:fld id="{FF9CF86C-9498-4717-8AB5-811567CBC580}" type="datetimeFigureOut">
               <a:rPr lang="en-SG" smtClean="0"/>
-              <a:t>7/4/2021</a:t>
+              <a:t>9/4/2021</a:t>
             </a:fld>
             <a:endParaRPr lang="en-SG"/>
           </a:p>
@@ -2364,7 +2364,7 @@
           <a:p>
             <a:fld id="{FF9CF86C-9498-4717-8AB5-811567CBC580}" type="datetimeFigureOut">
               <a:rPr lang="en-SG" smtClean="0"/>
-              <a:t>7/4/2021</a:t>
+              <a:t>9/4/2021</a:t>
             </a:fld>
             <a:endParaRPr lang="en-SG"/>
           </a:p>
@@ -2586,7 +2586,7 @@
           <a:p>
             <a:fld id="{FF9CF86C-9498-4717-8AB5-811567CBC580}" type="datetimeFigureOut">
               <a:rPr lang="en-SG" smtClean="0"/>
-              <a:t>7/4/2021</a:t>
+              <a:t>9/4/2021</a:t>
             </a:fld>
             <a:endParaRPr lang="en-SG"/>
           </a:p>
@@ -2981,23 +2981,12 @@
       <p:bgPr>
         <a:blipFill dpi="0" rotWithShape="1">
           <a:blip r:embed="rId2">
-            <a:alphaModFix amt="85000"/>
+            <a:alphaModFix amt="95000"/>
             <a:lum/>
-            <a:extLst>
-              <a:ext uri="{BEBA8EAE-BF5A-486C-A8C5-ECC9F3942E4B}">
-                <a14:imgProps xmlns:a14="http://schemas.microsoft.com/office/drawing/2010/main">
-                  <a14:imgLayer r:embed="rId3">
-                    <a14:imgEffect>
-                      <a14:colorTemperature colorTemp="6000"/>
-                    </a14:imgEffect>
-                  </a14:imgLayer>
-                </a14:imgProps>
-              </a:ext>
-            </a:extLst>
           </a:blip>
           <a:srcRect/>
           <a:stretch>
-            <a:fillRect l="-31000" r="-31000"/>
+            <a:fillRect l="-17000" r="-17000"/>
           </a:stretch>
         </a:blipFill>
         <a:effectLst/>
@@ -3019,6 +3008,64 @@
       </p:grpSpPr>
       <p:sp>
         <p:nvSpPr>
+          <p:cNvPr id="11" name="Rectangle 10">
+            <a:extLst>
+              <a:ext uri="{FF2B5EF4-FFF2-40B4-BE49-F238E27FC236}">
+                <a16:creationId xmlns:a16="http://schemas.microsoft.com/office/drawing/2014/main" id="{0EB5E6C3-B863-487C-B3DF-F9AEBEC49AD3}"/>
+              </a:ext>
+            </a:extLst>
+          </p:cNvPr>
+          <p:cNvSpPr/>
+          <p:nvPr/>
+        </p:nvSpPr>
+        <p:spPr>
+          <a:xfrm>
+            <a:off x="0" y="383906"/>
+            <a:ext cx="38404800" cy="4983224"/>
+          </a:xfrm>
+          <a:prstGeom prst="rect">
+            <a:avLst/>
+          </a:prstGeom>
+          <a:solidFill>
+            <a:srgbClr val="7C283E">
+              <a:alpha val="80000"/>
+            </a:srgbClr>
+          </a:solidFill>
+          <a:effectLst>
+            <a:outerShdw blurRad="50800" dist="38100" dir="2700000" algn="tl" rotWithShape="0">
+              <a:prstClr val="black">
+                <a:alpha val="40000"/>
+              </a:prstClr>
+            </a:outerShdw>
+          </a:effectLst>
+        </p:spPr>
+        <p:style>
+          <a:lnRef idx="2">
+            <a:schemeClr val="accent1">
+              <a:shade val="50000"/>
+            </a:schemeClr>
+          </a:lnRef>
+          <a:fillRef idx="1">
+            <a:schemeClr val="accent1"/>
+          </a:fillRef>
+          <a:effectRef idx="0">
+            <a:schemeClr val="accent1"/>
+          </a:effectRef>
+          <a:fontRef idx="minor">
+            <a:schemeClr val="lt1"/>
+          </a:fontRef>
+        </p:style>
+        <p:txBody>
+          <a:bodyPr rtlCol="0" anchor="ctr"/>
+          <a:lstStyle/>
+          <a:p>
+            <a:pPr algn="ctr"/>
+            <a:endParaRPr lang="en-US" sz="8000" b="1" dirty="0"/>
+          </a:p>
+        </p:txBody>
+      </p:sp>
+      <p:sp>
+        <p:nvSpPr>
           <p:cNvPr id="4" name="TextBox 3">
             <a:extLst>
               <a:ext uri="{FF2B5EF4-FFF2-40B4-BE49-F238E27FC236}">
@@ -3031,7 +3078,7 @@
         </p:nvSpPr>
         <p:spPr>
           <a:xfrm>
-            <a:off x="1292087" y="778625"/>
+            <a:off x="1292087" y="622189"/>
             <a:ext cx="35820626" cy="4462760"/>
           </a:xfrm>
           <a:prstGeom prst="rect">
@@ -3069,8 +3116,45 @@
                 <a:solidFill>
                   <a:schemeClr val="bg1"/>
                 </a:solidFill>
-              </a:rPr>
-              <a:t>An analysis of the impacts of air travel on the spread of COVID-19 </a:t>
+                <a:effectLst>
+                  <a:outerShdw blurRad="38100" dist="38100" dir="2700000" algn="tl">
+                    <a:srgbClr val="000000">
+                      <a:alpha val="43137"/>
+                    </a:srgbClr>
+                  </a:outerShdw>
+                </a:effectLst>
+              </a:rPr>
+              <a:t>An analysis of the impacts of air travel on </a:t>
+            </a:r>
+            <a:r>
+              <a:rPr lang="en-US" sz="8000" dirty="0">
+                <a:solidFill>
+                  <a:schemeClr val="bg1"/>
+                </a:solidFill>
+                <a:effectLst>
+                  <a:outerShdw blurRad="50800" dist="38100" dir="2700000" algn="tl" rotWithShape="0">
+                    <a:prstClr val="black">
+                      <a:alpha val="40000"/>
+                    </a:prstClr>
+                  </a:outerShdw>
+                </a:effectLst>
+              </a:rPr>
+              <a:t>the</a:t>
+            </a:r>
+            <a:r>
+              <a:rPr lang="en-US" sz="8000" dirty="0">
+                <a:solidFill>
+                  <a:schemeClr val="bg1"/>
+                </a:solidFill>
+                <a:effectLst>
+                  <a:outerShdw blurRad="38100" dist="38100" dir="2700000" algn="tl">
+                    <a:srgbClr val="000000">
+                      <a:alpha val="43137"/>
+                    </a:srgbClr>
+                  </a:outerShdw>
+                </a:effectLst>
+              </a:rPr>
+              <a:t> spread of COVID-19 </a:t>
             </a:r>
           </a:p>
           <a:p>
@@ -3080,6 +3164,13 @@
                 <a:solidFill>
                   <a:schemeClr val="bg1"/>
                 </a:solidFill>
+                <a:effectLst>
+                  <a:outerShdw blurRad="38100" dist="38100" dir="2700000" algn="tl">
+                    <a:srgbClr val="000000">
+                      <a:alpha val="43137"/>
+                    </a:srgbClr>
+                  </a:outerShdw>
+                </a:effectLst>
               </a:rPr>
               <a:t>Jian Cong Loh, Joshua Neronha, Stephen Sun, Tzuhwan Seet</a:t>
             </a:r>
@@ -3087,6 +3178,13 @@
               <a:solidFill>
                 <a:schemeClr val="bg1"/>
               </a:solidFill>
+              <a:effectLst>
+                <a:outerShdw blurRad="38100" dist="38100" dir="2700000" algn="tl">
+                  <a:srgbClr val="000000">
+                    <a:alpha val="43137"/>
+                  </a:srgbClr>
+                </a:outerShdw>
+              </a:effectLst>
             </a:endParaRPr>
           </a:p>
         </p:txBody>
@@ -3105,7 +3203,7 @@
         </p:nvSpPr>
         <p:spPr>
           <a:xfrm>
-            <a:off x="775251" y="5875135"/>
+            <a:off x="894521" y="6713984"/>
             <a:ext cx="11191461" cy="5336678"/>
           </a:xfrm>
           <a:prstGeom prst="rect">
@@ -3163,7 +3261,7 @@
         </p:nvSpPr>
         <p:spPr>
           <a:xfrm>
-            <a:off x="1411355" y="7564162"/>
+            <a:off x="1530625" y="8403011"/>
             <a:ext cx="9919252" cy="3170099"/>
           </a:xfrm>
           <a:prstGeom prst="rect">
@@ -3512,7 +3610,7 @@
         </p:nvSpPr>
         <p:spPr>
           <a:xfrm>
-            <a:off x="3915823" y="6057929"/>
+            <a:off x="4035091" y="6826708"/>
             <a:ext cx="4910319" cy="1323439"/>
           </a:xfrm>
           <a:prstGeom prst="rect">
@@ -3557,11 +3655,11 @@
           <p:nvPr/>
         </p:nvPicPr>
         <p:blipFill>
-          <a:blip r:embed="rId4">
+          <a:blip r:embed="rId3">
             <a:extLst>
               <a:ext uri="{BEBA8EAE-BF5A-486C-A8C5-ECC9F3942E4B}">
                 <a14:imgProps xmlns:a14="http://schemas.microsoft.com/office/drawing/2010/main">
-                  <a14:imgLayer r:embed="rId5">
+                  <a14:imgLayer r:embed="rId4">
                     <a14:imgEffect>
                       <a14:colorTemperature colorTemp="1500"/>
                     </a14:imgEffect>
@@ -3610,11 +3708,11 @@
           <p:nvPr/>
         </p:nvPicPr>
         <p:blipFill>
-          <a:blip r:embed="rId6">
+          <a:blip r:embed="rId5">
             <a:extLst>
               <a:ext uri="{BEBA8EAE-BF5A-486C-A8C5-ECC9F3942E4B}">
                 <a14:imgProps xmlns:a14="http://schemas.microsoft.com/office/drawing/2010/main">
-                  <a14:imgLayer r:embed="rId7">
+                  <a14:imgLayer r:embed="rId6">
                     <a14:imgEffect>
                       <a14:colorTemperature colorTemp="1500"/>
                     </a14:imgEffect>
@@ -3657,6 +3755,122 @@
           </a:extLst>
         </p:spPr>
       </p:pic>
+      <p:sp>
+        <p:nvSpPr>
+          <p:cNvPr id="10" name="Rectangle 9">
+            <a:extLst>
+              <a:ext uri="{FF2B5EF4-FFF2-40B4-BE49-F238E27FC236}">
+                <a16:creationId xmlns:a16="http://schemas.microsoft.com/office/drawing/2014/main" id="{C7922F35-5C78-4CD0-90F7-1141527BAC52}"/>
+              </a:ext>
+            </a:extLst>
+          </p:cNvPr>
+          <p:cNvSpPr/>
+          <p:nvPr/>
+        </p:nvSpPr>
+        <p:spPr>
+          <a:xfrm>
+            <a:off x="13606669" y="6826707"/>
+            <a:ext cx="11191461" cy="12415449"/>
+          </a:xfrm>
+          <a:prstGeom prst="rect">
+            <a:avLst/>
+          </a:prstGeom>
+          <a:solidFill>
+            <a:srgbClr val="7C283E">
+              <a:alpha val="80000"/>
+            </a:srgbClr>
+          </a:solidFill>
+          <a:effectLst>
+            <a:outerShdw blurRad="50800" dist="38100" dir="2700000" algn="tl" rotWithShape="0">
+              <a:prstClr val="black">
+                <a:alpha val="40000"/>
+              </a:prstClr>
+            </a:outerShdw>
+          </a:effectLst>
+        </p:spPr>
+        <p:style>
+          <a:lnRef idx="2">
+            <a:schemeClr val="accent1">
+              <a:shade val="50000"/>
+            </a:schemeClr>
+          </a:lnRef>
+          <a:fillRef idx="1">
+            <a:schemeClr val="accent1"/>
+          </a:fillRef>
+          <a:effectRef idx="0">
+            <a:schemeClr val="accent1"/>
+          </a:effectRef>
+          <a:fontRef idx="minor">
+            <a:schemeClr val="lt1"/>
+          </a:fontRef>
+        </p:style>
+        <p:txBody>
+          <a:bodyPr rtlCol="0" anchor="ctr"/>
+          <a:lstStyle/>
+          <a:p>
+            <a:pPr algn="ctr"/>
+            <a:endParaRPr lang="en-US" sz="8000" b="1" dirty="0"/>
+          </a:p>
+        </p:txBody>
+      </p:sp>
+      <p:sp>
+        <p:nvSpPr>
+          <p:cNvPr id="12" name="Rectangle 11">
+            <a:extLst>
+              <a:ext uri="{FF2B5EF4-FFF2-40B4-BE49-F238E27FC236}">
+                <a16:creationId xmlns:a16="http://schemas.microsoft.com/office/drawing/2014/main" id="{2DF93F0E-4A44-40F7-BB4A-D3551DBAC35E}"/>
+              </a:ext>
+            </a:extLst>
+          </p:cNvPr>
+          <p:cNvSpPr/>
+          <p:nvPr/>
+        </p:nvSpPr>
+        <p:spPr>
+          <a:xfrm>
+            <a:off x="26318817" y="6713984"/>
+            <a:ext cx="11191461" cy="5336678"/>
+          </a:xfrm>
+          <a:prstGeom prst="rect">
+            <a:avLst/>
+          </a:prstGeom>
+          <a:solidFill>
+            <a:srgbClr val="7C283E">
+              <a:alpha val="80000"/>
+            </a:srgbClr>
+          </a:solidFill>
+          <a:effectLst>
+            <a:outerShdw blurRad="50800" dist="38100" dir="2700000" algn="tl" rotWithShape="0">
+              <a:prstClr val="black">
+                <a:alpha val="40000"/>
+              </a:prstClr>
+            </a:outerShdw>
+          </a:effectLst>
+        </p:spPr>
+        <p:style>
+          <a:lnRef idx="2">
+            <a:schemeClr val="accent1">
+              <a:shade val="50000"/>
+            </a:schemeClr>
+          </a:lnRef>
+          <a:fillRef idx="1">
+            <a:schemeClr val="accent1"/>
+          </a:fillRef>
+          <a:effectRef idx="0">
+            <a:schemeClr val="accent1"/>
+          </a:effectRef>
+          <a:fontRef idx="minor">
+            <a:schemeClr val="lt1"/>
+          </a:fontRef>
+        </p:style>
+        <p:txBody>
+          <a:bodyPr rtlCol="0" anchor="ctr"/>
+          <a:lstStyle/>
+          <a:p>
+            <a:pPr algn="ctr"/>
+            <a:endParaRPr lang="en-US" sz="8000" b="1" dirty="0"/>
+          </a:p>
+        </p:txBody>
+      </p:sp>
     </p:spTree>
     <p:extLst>
       <p:ext uri="{BB962C8B-B14F-4D97-AF65-F5344CB8AC3E}">

--- a/final_deliverable/poster/Poster.pptx
+++ b/final_deliverable/poster/Poster.pptx
@@ -4,6 +4,9 @@
   <p:sldMasterIdLst>
     <p:sldMasterId id="2147483660" r:id="rId1"/>
   </p:sldMasterIdLst>
+  <p:notesMasterIdLst>
+    <p:notesMasterId r:id="rId3"/>
+  </p:notesMasterIdLst>
   <p:sldIdLst>
     <p:sldId id="256" r:id="rId2"/>
   </p:sldIdLst>
@@ -119,8 +122,373 @@
         </p15:guide>
       </p15:sldGuideLst>
     </p:ext>
+    <p:ext uri="{2D200454-40CA-4A62-9FC3-DE9A4176ACB9}">
+      <p15:notesGuideLst xmlns:p15="http://schemas.microsoft.com/office/powerpoint/2012/main"/>
+    </p:ext>
   </p:extLst>
 </p:presentation>
+</file>
+
+<file path=ppt/commentAuthors.xml><?xml version="1.0" encoding="utf-8"?>
+<p:cmAuthorLst xmlns:a="http://schemas.openxmlformats.org/drawingml/2006/main" xmlns:r="http://schemas.openxmlformats.org/officeDocument/2006/relationships" xmlns:p="http://schemas.openxmlformats.org/presentationml/2006/main">
+  <p:cmAuthor id="1" name="Jian Cong Loh" initials="JCL" lastIdx="1" clrIdx="0">
+    <p:extLst>
+      <p:ext uri="{19B8F6BF-5375-455C-9EA6-DF929625EA0E}">
+        <p15:presenceInfo xmlns:p15="http://schemas.microsoft.com/office/powerpoint/2012/main" userId="88cba1773beb637c" providerId="Windows Live"/>
+      </p:ext>
+    </p:extLst>
+  </p:cmAuthor>
+</p:cmAuthorLst>
+</file>
+
+<file path=ppt/notesMasters/notesMaster1.xml><?xml version="1.0" encoding="utf-8"?>
+<p:notesMaster xmlns:a="http://schemas.openxmlformats.org/drawingml/2006/main" xmlns:r="http://schemas.openxmlformats.org/officeDocument/2006/relationships" xmlns:p="http://schemas.openxmlformats.org/presentationml/2006/main">
+  <p:cSld>
+    <p:bg>
+      <p:bgRef idx="1001">
+        <a:schemeClr val="bg1"/>
+      </p:bgRef>
+    </p:bg>
+    <p:spTree>
+      <p:nvGrpSpPr>
+        <p:cNvPr id="1" name=""/>
+        <p:cNvGrpSpPr/>
+        <p:nvPr/>
+      </p:nvGrpSpPr>
+      <p:grpSpPr>
+        <a:xfrm>
+          <a:off x="0" y="0"/>
+          <a:ext cx="0" cy="0"/>
+          <a:chOff x="0" y="0"/>
+          <a:chExt cx="0" cy="0"/>
+        </a:xfrm>
+      </p:grpSpPr>
+      <p:sp>
+        <p:nvSpPr>
+          <p:cNvPr id="2" name="Header Placeholder 1"/>
+          <p:cNvSpPr>
+            <a:spLocks noGrp="1"/>
+          </p:cNvSpPr>
+          <p:nvPr>
+            <p:ph type="hdr" sz="quarter"/>
+          </p:nvPr>
+        </p:nvSpPr>
+        <p:spPr>
+          <a:xfrm>
+            <a:off x="0" y="0"/>
+            <a:ext cx="2971800" cy="458788"/>
+          </a:xfrm>
+          <a:prstGeom prst="rect">
+            <a:avLst/>
+          </a:prstGeom>
+        </p:spPr>
+        <p:txBody>
+          <a:bodyPr vert="horz" lIns="91440" tIns="45720" rIns="91440" bIns="45720" rtlCol="0"/>
+          <a:lstStyle>
+            <a:lvl1pPr algn="l">
+              <a:defRPr sz="1200"/>
+            </a:lvl1pPr>
+          </a:lstStyle>
+          <a:p>
+            <a:endParaRPr lang="en-SG"/>
+          </a:p>
+        </p:txBody>
+      </p:sp>
+      <p:sp>
+        <p:nvSpPr>
+          <p:cNvPr id="3" name="Date Placeholder 2"/>
+          <p:cNvSpPr>
+            <a:spLocks noGrp="1"/>
+          </p:cNvSpPr>
+          <p:nvPr>
+            <p:ph type="dt" idx="1"/>
+          </p:nvPr>
+        </p:nvSpPr>
+        <p:spPr>
+          <a:xfrm>
+            <a:off x="3884613" y="0"/>
+            <a:ext cx="2971800" cy="458788"/>
+          </a:xfrm>
+          <a:prstGeom prst="rect">
+            <a:avLst/>
+          </a:prstGeom>
+        </p:spPr>
+        <p:txBody>
+          <a:bodyPr vert="horz" lIns="91440" tIns="45720" rIns="91440" bIns="45720" rtlCol="0"/>
+          <a:lstStyle>
+            <a:lvl1pPr algn="r">
+              <a:defRPr sz="1200"/>
+            </a:lvl1pPr>
+          </a:lstStyle>
+          <a:p>
+            <a:fld id="{5716143F-58AF-4D19-B770-69E1D2A429B3}" type="datetimeFigureOut">
+              <a:rPr lang="en-SG" smtClean="0"/>
+              <a:t>12/4/2021</a:t>
+            </a:fld>
+            <a:endParaRPr lang="en-SG"/>
+          </a:p>
+        </p:txBody>
+      </p:sp>
+      <p:sp>
+        <p:nvSpPr>
+          <p:cNvPr id="4" name="Slide Image Placeholder 3"/>
+          <p:cNvSpPr>
+            <a:spLocks noGrp="1" noRot="1" noChangeAspect="1"/>
+          </p:cNvSpPr>
+          <p:nvPr>
+            <p:ph type="sldImg" idx="2"/>
+          </p:nvPr>
+        </p:nvSpPr>
+        <p:spPr>
+          <a:xfrm>
+            <a:off x="1371600" y="1143000"/>
+            <a:ext cx="4114800" cy="3086100"/>
+          </a:xfrm>
+          <a:prstGeom prst="rect">
+            <a:avLst/>
+          </a:prstGeom>
+          <a:noFill/>
+          <a:ln w="12700">
+            <a:solidFill>
+              <a:prstClr val="black"/>
+            </a:solidFill>
+          </a:ln>
+        </p:spPr>
+        <p:txBody>
+          <a:bodyPr vert="horz" lIns="91440" tIns="45720" rIns="91440" bIns="45720" rtlCol="0" anchor="ctr"/>
+          <a:lstStyle/>
+          <a:p>
+            <a:endParaRPr lang="en-SG"/>
+          </a:p>
+        </p:txBody>
+      </p:sp>
+      <p:sp>
+        <p:nvSpPr>
+          <p:cNvPr id="5" name="Notes Placeholder 4"/>
+          <p:cNvSpPr>
+            <a:spLocks noGrp="1"/>
+          </p:cNvSpPr>
+          <p:nvPr>
+            <p:ph type="body" sz="quarter" idx="3"/>
+          </p:nvPr>
+        </p:nvSpPr>
+        <p:spPr>
+          <a:xfrm>
+            <a:off x="685800" y="4400550"/>
+            <a:ext cx="5486400" cy="3600450"/>
+          </a:xfrm>
+          <a:prstGeom prst="rect">
+            <a:avLst/>
+          </a:prstGeom>
+        </p:spPr>
+        <p:txBody>
+          <a:bodyPr vert="horz" lIns="91440" tIns="45720" rIns="91440" bIns="45720" rtlCol="0"/>
+          <a:lstStyle/>
+          <a:p>
+            <a:pPr lvl="0"/>
+            <a:r>
+              <a:rPr lang="en-US"/>
+              <a:t>Click to edit Master text styles</a:t>
+            </a:r>
+          </a:p>
+          <a:p>
+            <a:pPr lvl="1"/>
+            <a:r>
+              <a:rPr lang="en-US"/>
+              <a:t>Second level</a:t>
+            </a:r>
+          </a:p>
+          <a:p>
+            <a:pPr lvl="2"/>
+            <a:r>
+              <a:rPr lang="en-US"/>
+              <a:t>Third level</a:t>
+            </a:r>
+          </a:p>
+          <a:p>
+            <a:pPr lvl="3"/>
+            <a:r>
+              <a:rPr lang="en-US"/>
+              <a:t>Fourth level</a:t>
+            </a:r>
+          </a:p>
+          <a:p>
+            <a:pPr lvl="4"/>
+            <a:r>
+              <a:rPr lang="en-US"/>
+              <a:t>Fifth level</a:t>
+            </a:r>
+            <a:endParaRPr lang="en-SG"/>
+          </a:p>
+        </p:txBody>
+      </p:sp>
+      <p:sp>
+        <p:nvSpPr>
+          <p:cNvPr id="6" name="Footer Placeholder 5"/>
+          <p:cNvSpPr>
+            <a:spLocks noGrp="1"/>
+          </p:cNvSpPr>
+          <p:nvPr>
+            <p:ph type="ftr" sz="quarter" idx="4"/>
+          </p:nvPr>
+        </p:nvSpPr>
+        <p:spPr>
+          <a:xfrm>
+            <a:off x="0" y="8685213"/>
+            <a:ext cx="2971800" cy="458787"/>
+          </a:xfrm>
+          <a:prstGeom prst="rect">
+            <a:avLst/>
+          </a:prstGeom>
+        </p:spPr>
+        <p:txBody>
+          <a:bodyPr vert="horz" lIns="91440" tIns="45720" rIns="91440" bIns="45720" rtlCol="0" anchor="b"/>
+          <a:lstStyle>
+            <a:lvl1pPr algn="l">
+              <a:defRPr sz="1200"/>
+            </a:lvl1pPr>
+          </a:lstStyle>
+          <a:p>
+            <a:endParaRPr lang="en-SG"/>
+          </a:p>
+        </p:txBody>
+      </p:sp>
+      <p:sp>
+        <p:nvSpPr>
+          <p:cNvPr id="7" name="Slide Number Placeholder 6"/>
+          <p:cNvSpPr>
+            <a:spLocks noGrp="1"/>
+          </p:cNvSpPr>
+          <p:nvPr>
+            <p:ph type="sldNum" sz="quarter" idx="5"/>
+          </p:nvPr>
+        </p:nvSpPr>
+        <p:spPr>
+          <a:xfrm>
+            <a:off x="3884613" y="8685213"/>
+            <a:ext cx="2971800" cy="458787"/>
+          </a:xfrm>
+          <a:prstGeom prst="rect">
+            <a:avLst/>
+          </a:prstGeom>
+        </p:spPr>
+        <p:txBody>
+          <a:bodyPr vert="horz" lIns="91440" tIns="45720" rIns="91440" bIns="45720" rtlCol="0" anchor="b"/>
+          <a:lstStyle>
+            <a:lvl1pPr algn="r">
+              <a:defRPr sz="1200"/>
+            </a:lvl1pPr>
+          </a:lstStyle>
+          <a:p>
+            <a:fld id="{80E3EE29-611D-4BD4-845A-C29834549AD7}" type="slidenum">
+              <a:rPr lang="en-SG" smtClean="0"/>
+              <a:t>‹#›</a:t>
+            </a:fld>
+            <a:endParaRPr lang="en-SG"/>
+          </a:p>
+        </p:txBody>
+      </p:sp>
+    </p:spTree>
+    <p:extLst>
+      <p:ext uri="{BB962C8B-B14F-4D97-AF65-F5344CB8AC3E}">
+        <p14:creationId xmlns:p14="http://schemas.microsoft.com/office/powerpoint/2010/main" val="2785584607"/>
+      </p:ext>
+    </p:extLst>
+  </p:cSld>
+  <p:clrMap bg1="lt1" tx1="dk1" bg2="lt2" tx2="dk2" accent1="accent1" accent2="accent2" accent3="accent3" accent4="accent4" accent5="accent5" accent6="accent6" hlink="hlink" folHlink="folHlink"/>
+  <p:notesStyle>
+    <a:lvl1pPr marL="0" algn="l" defTabSz="914400" rtl="0" eaLnBrk="1" latinLnBrk="0" hangingPunct="1">
+      <a:defRPr sz="1200" kern="1200">
+        <a:solidFill>
+          <a:schemeClr val="tx1"/>
+        </a:solidFill>
+        <a:latin typeface="+mn-lt"/>
+        <a:ea typeface="+mn-ea"/>
+        <a:cs typeface="+mn-cs"/>
+      </a:defRPr>
+    </a:lvl1pPr>
+    <a:lvl2pPr marL="457200" algn="l" defTabSz="914400" rtl="0" eaLnBrk="1" latinLnBrk="0" hangingPunct="1">
+      <a:defRPr sz="1200" kern="1200">
+        <a:solidFill>
+          <a:schemeClr val="tx1"/>
+        </a:solidFill>
+        <a:latin typeface="+mn-lt"/>
+        <a:ea typeface="+mn-ea"/>
+        <a:cs typeface="+mn-cs"/>
+      </a:defRPr>
+    </a:lvl2pPr>
+    <a:lvl3pPr marL="914400" algn="l" defTabSz="914400" rtl="0" eaLnBrk="1" latinLnBrk="0" hangingPunct="1">
+      <a:defRPr sz="1200" kern="1200">
+        <a:solidFill>
+          <a:schemeClr val="tx1"/>
+        </a:solidFill>
+        <a:latin typeface="+mn-lt"/>
+        <a:ea typeface="+mn-ea"/>
+        <a:cs typeface="+mn-cs"/>
+      </a:defRPr>
+    </a:lvl3pPr>
+    <a:lvl4pPr marL="1371600" algn="l" defTabSz="914400" rtl="0" eaLnBrk="1" latinLnBrk="0" hangingPunct="1">
+      <a:defRPr sz="1200" kern="1200">
+        <a:solidFill>
+          <a:schemeClr val="tx1"/>
+        </a:solidFill>
+        <a:latin typeface="+mn-lt"/>
+        <a:ea typeface="+mn-ea"/>
+        <a:cs typeface="+mn-cs"/>
+      </a:defRPr>
+    </a:lvl4pPr>
+    <a:lvl5pPr marL="1828800" algn="l" defTabSz="914400" rtl="0" eaLnBrk="1" latinLnBrk="0" hangingPunct="1">
+      <a:defRPr sz="1200" kern="1200">
+        <a:solidFill>
+          <a:schemeClr val="tx1"/>
+        </a:solidFill>
+        <a:latin typeface="+mn-lt"/>
+        <a:ea typeface="+mn-ea"/>
+        <a:cs typeface="+mn-cs"/>
+      </a:defRPr>
+    </a:lvl5pPr>
+    <a:lvl6pPr marL="2286000" algn="l" defTabSz="914400" rtl="0" eaLnBrk="1" latinLnBrk="0" hangingPunct="1">
+      <a:defRPr sz="1200" kern="1200">
+        <a:solidFill>
+          <a:schemeClr val="tx1"/>
+        </a:solidFill>
+        <a:latin typeface="+mn-lt"/>
+        <a:ea typeface="+mn-ea"/>
+        <a:cs typeface="+mn-cs"/>
+      </a:defRPr>
+    </a:lvl6pPr>
+    <a:lvl7pPr marL="2743200" algn="l" defTabSz="914400" rtl="0" eaLnBrk="1" latinLnBrk="0" hangingPunct="1">
+      <a:defRPr sz="1200" kern="1200">
+        <a:solidFill>
+          <a:schemeClr val="tx1"/>
+        </a:solidFill>
+        <a:latin typeface="+mn-lt"/>
+        <a:ea typeface="+mn-ea"/>
+        <a:cs typeface="+mn-cs"/>
+      </a:defRPr>
+    </a:lvl7pPr>
+    <a:lvl8pPr marL="3200400" algn="l" defTabSz="914400" rtl="0" eaLnBrk="1" latinLnBrk="0" hangingPunct="1">
+      <a:defRPr sz="1200" kern="1200">
+        <a:solidFill>
+          <a:schemeClr val="tx1"/>
+        </a:solidFill>
+        <a:latin typeface="+mn-lt"/>
+        <a:ea typeface="+mn-ea"/>
+        <a:cs typeface="+mn-cs"/>
+      </a:defRPr>
+    </a:lvl8pPr>
+    <a:lvl9pPr marL="3657600" algn="l" defTabSz="914400" rtl="0" eaLnBrk="1" latinLnBrk="0" hangingPunct="1">
+      <a:defRPr sz="1200" kern="1200">
+        <a:solidFill>
+          <a:schemeClr val="tx1"/>
+        </a:solidFill>
+        <a:latin typeface="+mn-lt"/>
+        <a:ea typeface="+mn-ea"/>
+        <a:cs typeface="+mn-cs"/>
+      </a:defRPr>
+    </a:lvl9pPr>
+  </p:notesStyle>
+</p:notesMaster>
 </file>
 
 <file path=ppt/slideLayouts/slideLayout1.xml><?xml version="1.0" encoding="utf-8"?>
@@ -254,7 +622,7 @@
           <a:p>
             <a:fld id="{FF9CF86C-9498-4717-8AB5-811567CBC580}" type="datetimeFigureOut">
               <a:rPr lang="en-SG" smtClean="0"/>
-              <a:t>9/4/2021</a:t>
+              <a:t>12/4/2021</a:t>
             </a:fld>
             <a:endParaRPr lang="en-SG"/>
           </a:p>
@@ -298,6 +666,73 @@
               <a:rPr lang="en-SG" smtClean="0"/>
               <a:t>‹#›</a:t>
             </a:fld>
+            <a:endParaRPr lang="en-SG"/>
+          </a:p>
+        </p:txBody>
+      </p:sp>
+      <p:sp>
+        <p:nvSpPr>
+          <p:cNvPr id="8" name="Rectangle 7">
+            <a:extLst>
+              <a:ext uri="{FF2B5EF4-FFF2-40B4-BE49-F238E27FC236}">
+                <a16:creationId xmlns:a16="http://schemas.microsoft.com/office/drawing/2014/main" id="{A69057AB-C60C-4973-B3A2-916EF459BCFA}"/>
+              </a:ext>
+            </a:extLst>
+          </p:cNvPr>
+          <p:cNvSpPr/>
+          <p:nvPr userDrawn="1"/>
+        </p:nvSpPr>
+        <p:spPr>
+          <a:xfrm>
+            <a:off x="0" y="-125810"/>
+            <a:ext cx="38404800" cy="28803600"/>
+          </a:xfrm>
+          <a:prstGeom prst="rect">
+            <a:avLst/>
+          </a:prstGeom>
+          <a:gradFill flip="none" rotWithShape="1">
+            <a:gsLst>
+              <a:gs pos="30000">
+                <a:schemeClr val="tx1">
+                  <a:alpha val="25000"/>
+                </a:schemeClr>
+              </a:gs>
+              <a:gs pos="100000">
+                <a:schemeClr val="bg1">
+                  <a:alpha val="0"/>
+                </a:schemeClr>
+              </a:gs>
+            </a:gsLst>
+            <a:path path="circle">
+              <a:fillToRect l="50000" t="50000" r="50000" b="50000"/>
+            </a:path>
+            <a:tileRect/>
+          </a:gradFill>
+          <a:ln>
+            <a:noFill/>
+          </a:ln>
+        </p:spPr>
+        <p:style>
+          <a:lnRef idx="2">
+            <a:schemeClr val="accent1">
+              <a:shade val="50000"/>
+            </a:schemeClr>
+          </a:lnRef>
+          <a:fillRef idx="1">
+            <a:schemeClr val="accent1"/>
+          </a:fillRef>
+          <a:effectRef idx="0">
+            <a:schemeClr val="accent1"/>
+          </a:effectRef>
+          <a:fontRef idx="minor">
+            <a:schemeClr val="lt1"/>
+          </a:fontRef>
+        </p:style>
+        <p:txBody>
+          <a:bodyPr rtlCol="0" anchor="ctr"/>
+          <a:lstStyle/>
+          <a:p>
+            <a:pPr algn="ctr"/>
             <a:endParaRPr lang="en-SG"/>
           </a:p>
         </p:txBody>
@@ -424,7 +859,7 @@
           <a:p>
             <a:fld id="{FF9CF86C-9498-4717-8AB5-811567CBC580}" type="datetimeFigureOut">
               <a:rPr lang="en-SG" smtClean="0"/>
-              <a:t>9/4/2021</a:t>
+              <a:t>12/4/2021</a:t>
             </a:fld>
             <a:endParaRPr lang="en-SG"/>
           </a:p>
@@ -604,7 +1039,7 @@
           <a:p>
             <a:fld id="{FF9CF86C-9498-4717-8AB5-811567CBC580}" type="datetimeFigureOut">
               <a:rPr lang="en-SG" smtClean="0"/>
-              <a:t>9/4/2021</a:t>
+              <a:t>12/4/2021</a:t>
             </a:fld>
             <a:endParaRPr lang="en-SG"/>
           </a:p>
@@ -774,7 +1209,7 @@
           <a:p>
             <a:fld id="{FF9CF86C-9498-4717-8AB5-811567CBC580}" type="datetimeFigureOut">
               <a:rPr lang="en-SG" smtClean="0"/>
-              <a:t>9/4/2021</a:t>
+              <a:t>12/4/2021</a:t>
             </a:fld>
             <a:endParaRPr lang="en-SG"/>
           </a:p>
@@ -1018,7 +1453,7 @@
           <a:p>
             <a:fld id="{FF9CF86C-9498-4717-8AB5-811567CBC580}" type="datetimeFigureOut">
               <a:rPr lang="en-SG" smtClean="0"/>
-              <a:t>9/4/2021</a:t>
+              <a:t>12/4/2021</a:t>
             </a:fld>
             <a:endParaRPr lang="en-SG"/>
           </a:p>
@@ -1250,7 +1685,7 @@
           <a:p>
             <a:fld id="{FF9CF86C-9498-4717-8AB5-811567CBC580}" type="datetimeFigureOut">
               <a:rPr lang="en-SG" smtClean="0"/>
-              <a:t>9/4/2021</a:t>
+              <a:t>12/4/2021</a:t>
             </a:fld>
             <a:endParaRPr lang="en-SG"/>
           </a:p>
@@ -1617,7 +2052,7 @@
           <a:p>
             <a:fld id="{FF9CF86C-9498-4717-8AB5-811567CBC580}" type="datetimeFigureOut">
               <a:rPr lang="en-SG" smtClean="0"/>
-              <a:t>9/4/2021</a:t>
+              <a:t>12/4/2021</a:t>
             </a:fld>
             <a:endParaRPr lang="en-SG"/>
           </a:p>
@@ -1735,7 +2170,7 @@
           <a:p>
             <a:fld id="{FF9CF86C-9498-4717-8AB5-811567CBC580}" type="datetimeFigureOut">
               <a:rPr lang="en-SG" smtClean="0"/>
-              <a:t>9/4/2021</a:t>
+              <a:t>12/4/2021</a:t>
             </a:fld>
             <a:endParaRPr lang="en-SG"/>
           </a:p>
@@ -1830,7 +2265,7 @@
           <a:p>
             <a:fld id="{FF9CF86C-9498-4717-8AB5-811567CBC580}" type="datetimeFigureOut">
               <a:rPr lang="en-SG" smtClean="0"/>
-              <a:t>9/4/2021</a:t>
+              <a:t>12/4/2021</a:t>
             </a:fld>
             <a:endParaRPr lang="en-SG"/>
           </a:p>
@@ -2107,7 +2542,7 @@
           <a:p>
             <a:fld id="{FF9CF86C-9498-4717-8AB5-811567CBC580}" type="datetimeFigureOut">
               <a:rPr lang="en-SG" smtClean="0"/>
-              <a:t>9/4/2021</a:t>
+              <a:t>12/4/2021</a:t>
             </a:fld>
             <a:endParaRPr lang="en-SG"/>
           </a:p>
@@ -2364,7 +2799,7 @@
           <a:p>
             <a:fld id="{FF9CF86C-9498-4717-8AB5-811567CBC580}" type="datetimeFigureOut">
               <a:rPr lang="en-SG" smtClean="0"/>
-              <a:t>9/4/2021</a:t>
+              <a:t>12/4/2021</a:t>
             </a:fld>
             <a:endParaRPr lang="en-SG"/>
           </a:p>
@@ -2436,7 +2871,7 @@
           </a:blip>
           <a:srcRect/>
           <a:stretch>
-            <a:fillRect l="-31000" r="-31000"/>
+            <a:fillRect l="-17000" r="-17000"/>
           </a:stretch>
         </a:blipFill>
         <a:effectLst/>
@@ -2586,7 +3021,7 @@
           <a:p>
             <a:fld id="{FF9CF86C-9498-4717-8AB5-811567CBC580}" type="datetimeFigureOut">
               <a:rPr lang="en-SG" smtClean="0"/>
-              <a:t>9/4/2021</a:t>
+              <a:t>12/4/2021</a:t>
             </a:fld>
             <a:endParaRPr lang="en-SG"/>
           </a:p>
@@ -2977,21 +3412,6 @@
 <file path=ppt/slides/slide1.xml><?xml version="1.0" encoding="utf-8"?>
 <p:sld xmlns:a="http://schemas.openxmlformats.org/drawingml/2006/main" xmlns:r="http://schemas.openxmlformats.org/officeDocument/2006/relationships" xmlns:p="http://schemas.openxmlformats.org/presentationml/2006/main">
   <p:cSld>
-    <p:bg>
-      <p:bgPr>
-        <a:blipFill dpi="0" rotWithShape="1">
-          <a:blip r:embed="rId2">
-            <a:alphaModFix amt="95000"/>
-            <a:lum/>
-          </a:blip>
-          <a:srcRect/>
-          <a:stretch>
-            <a:fillRect l="-17000" r="-17000"/>
-          </a:stretch>
-        </a:blipFill>
-        <a:effectLst/>
-      </p:bgPr>
-    </p:bg>
     <p:spTree>
       <p:nvGrpSpPr>
         <p:cNvPr id="1" name=""/>
@@ -3008,59 +3428,263 @@
       </p:grpSpPr>
       <p:sp>
         <p:nvSpPr>
-          <p:cNvPr id="11" name="Rectangle 10">
+          <p:cNvPr id="28" name="TextBox 27">
             <a:extLst>
               <a:ext uri="{FF2B5EF4-FFF2-40B4-BE49-F238E27FC236}">
-                <a16:creationId xmlns:a16="http://schemas.microsoft.com/office/drawing/2014/main" id="{0EB5E6C3-B863-487C-B3DF-F9AEBEC49AD3}"/>
+                <a16:creationId xmlns:a16="http://schemas.microsoft.com/office/drawing/2014/main" id="{EE3C635C-A894-46B4-8BCE-B6A63ED9C924}"/>
               </a:ext>
             </a:extLst>
           </p:cNvPr>
-          <p:cNvSpPr/>
+          <p:cNvSpPr txBox="1"/>
           <p:nvPr/>
         </p:nvSpPr>
         <p:spPr>
           <a:xfrm>
-            <a:off x="0" y="383906"/>
-            <a:ext cx="38404800" cy="4983224"/>
+            <a:off x="685186" y="6597945"/>
+            <a:ext cx="10387851" cy="8002191"/>
           </a:xfrm>
           <a:prstGeom prst="rect">
             <a:avLst/>
           </a:prstGeom>
-          <a:solidFill>
-            <a:srgbClr val="7C283E">
-              <a:alpha val="80000"/>
-            </a:srgbClr>
-          </a:solidFill>
-          <a:effectLst>
-            <a:outerShdw blurRad="50800" dist="38100" dir="2700000" algn="tl" rotWithShape="0">
-              <a:prstClr val="black">
-                <a:alpha val="40000"/>
-              </a:prstClr>
-            </a:outerShdw>
-          </a:effectLst>
+          <a:noFill/>
         </p:spPr>
-        <p:style>
-          <a:lnRef idx="2">
-            <a:schemeClr val="accent1">
-              <a:shade val="50000"/>
-            </a:schemeClr>
-          </a:lnRef>
-          <a:fillRef idx="1">
-            <a:schemeClr val="accent1"/>
-          </a:fillRef>
-          <a:effectRef idx="0">
-            <a:schemeClr val="accent1"/>
-          </a:effectRef>
-          <a:fontRef idx="minor">
-            <a:schemeClr val="lt1"/>
-          </a:fontRef>
-        </p:style>
-        <p:txBody>
-          <a:bodyPr rtlCol="0" anchor="ctr"/>
-          <a:lstStyle/>
-          <a:p>
-            <a:pPr algn="ctr"/>
-            <a:endParaRPr lang="en-US" sz="8000" b="1" dirty="0"/>
+        <p:txBody>
+          <a:bodyPr wrap="square" rtlCol="0">
+            <a:spAutoFit/>
+          </a:bodyPr>
+          <a:lstStyle/>
+          <a:p>
+            <a:pPr marL="457200" indent="-457200" algn="just">
+              <a:spcAft>
+                <a:spcPts val="600"/>
+              </a:spcAft>
+              <a:buFont typeface="Arial" panose="020B0604020202020204" pitchFamily="34" charset="0"/>
+              <a:buChar char="•"/>
+            </a:pPr>
+            <a:r>
+              <a:rPr lang="en-US" sz="2800" dirty="0">
+                <a:solidFill>
+                  <a:schemeClr val="bg1"/>
+                </a:solidFill>
+                <a:latin typeface="Open Sans" panose="020B0606030504020204" pitchFamily="34" charset="0"/>
+                <a:ea typeface="Open Sans" panose="020B0606030504020204" pitchFamily="34" charset="0"/>
+                <a:cs typeface="Open Sans" panose="020B0606030504020204" pitchFamily="34" charset="0"/>
+              </a:rPr>
+              <a:t>Our </a:t>
+            </a:r>
+            <a:r>
+              <a:rPr lang="en-US" sz="2800" b="1" dirty="0">
+                <a:solidFill>
+                  <a:schemeClr val="bg1"/>
+                </a:solidFill>
+                <a:latin typeface="Open Sans" panose="020B0606030504020204" pitchFamily="34" charset="0"/>
+                <a:ea typeface="Open Sans" panose="020B0606030504020204" pitchFamily="34" charset="0"/>
+                <a:cs typeface="Open Sans" panose="020B0606030504020204" pitchFamily="34" charset="0"/>
+              </a:rPr>
+              <a:t>COVID-19 data</a:t>
+            </a:r>
+            <a:r>
+              <a:rPr lang="en-US" sz="2800" dirty="0">
+                <a:solidFill>
+                  <a:schemeClr val="bg1"/>
+                </a:solidFill>
+                <a:latin typeface="Open Sans" panose="020B0606030504020204" pitchFamily="34" charset="0"/>
+                <a:ea typeface="Open Sans" panose="020B0606030504020204" pitchFamily="34" charset="0"/>
+                <a:cs typeface="Open Sans" panose="020B0606030504020204" pitchFamily="34" charset="0"/>
+              </a:rPr>
+              <a:t> is obtained from </a:t>
+            </a:r>
+            <a:r>
+              <a:rPr lang="en-US" sz="2800" i="1" dirty="0">
+                <a:solidFill>
+                  <a:schemeClr val="bg1"/>
+                </a:solidFill>
+                <a:latin typeface="Open Sans" panose="020B0606030504020204" pitchFamily="34" charset="0"/>
+                <a:ea typeface="Open Sans" panose="020B0606030504020204" pitchFamily="34" charset="0"/>
+                <a:cs typeface="Open Sans" panose="020B0606030504020204" pitchFamily="34" charset="0"/>
+              </a:rPr>
+              <a:t>The Atlantic’s </a:t>
+            </a:r>
+            <a:r>
+              <a:rPr lang="en-US" sz="2800" b="1" dirty="0">
+                <a:solidFill>
+                  <a:schemeClr val="bg1"/>
+                </a:solidFill>
+                <a:latin typeface="Open Sans" panose="020B0606030504020204" pitchFamily="34" charset="0"/>
+                <a:ea typeface="Open Sans" panose="020B0606030504020204" pitchFamily="34" charset="0"/>
+                <a:cs typeface="Open Sans" panose="020B0606030504020204" pitchFamily="34" charset="0"/>
+              </a:rPr>
+              <a:t>The COVID Tracking Project</a:t>
+            </a:r>
+            <a:r>
+              <a:rPr lang="en-US" sz="2800" dirty="0">
+                <a:solidFill>
+                  <a:schemeClr val="bg1"/>
+                </a:solidFill>
+                <a:latin typeface="Open Sans" panose="020B0606030504020204" pitchFamily="34" charset="0"/>
+                <a:ea typeface="Open Sans" panose="020B0606030504020204" pitchFamily="34" charset="0"/>
+                <a:cs typeface="Open Sans" panose="020B0606030504020204" pitchFamily="34" charset="0"/>
+              </a:rPr>
+              <a:t>. It gives the daily number of positive cases for each of the 50 states, five territories and D.C., and our data spans Jan 20 and Feb 21.</a:t>
+            </a:r>
+          </a:p>
+          <a:p>
+            <a:pPr marL="457200" indent="-457200" algn="just">
+              <a:spcAft>
+                <a:spcPts val="600"/>
+              </a:spcAft>
+              <a:buFont typeface="Arial" panose="020B0604020202020204" pitchFamily="34" charset="0"/>
+              <a:buChar char="•"/>
+            </a:pPr>
+            <a:r>
+              <a:rPr lang="en-US" sz="2800" dirty="0">
+                <a:solidFill>
+                  <a:schemeClr val="bg1"/>
+                </a:solidFill>
+                <a:latin typeface="Open Sans" panose="020B0606030504020204" pitchFamily="34" charset="0"/>
+                <a:ea typeface="Open Sans" panose="020B0606030504020204" pitchFamily="34" charset="0"/>
+                <a:cs typeface="Open Sans" panose="020B0606030504020204" pitchFamily="34" charset="0"/>
+              </a:rPr>
+              <a:t>Our </a:t>
+            </a:r>
+            <a:r>
+              <a:rPr lang="en-US" sz="2800" b="1" dirty="0">
+                <a:solidFill>
+                  <a:schemeClr val="bg1"/>
+                </a:solidFill>
+                <a:latin typeface="Open Sans" panose="020B0606030504020204" pitchFamily="34" charset="0"/>
+                <a:ea typeface="Open Sans" panose="020B0606030504020204" pitchFamily="34" charset="0"/>
+                <a:cs typeface="Open Sans" panose="020B0606030504020204" pitchFamily="34" charset="0"/>
+              </a:rPr>
+              <a:t>air passenger arrival data </a:t>
+            </a:r>
+            <a:r>
+              <a:rPr lang="en-US" sz="2800" dirty="0">
+                <a:solidFill>
+                  <a:schemeClr val="bg1"/>
+                </a:solidFill>
+                <a:latin typeface="Open Sans" panose="020B0606030504020204" pitchFamily="34" charset="0"/>
+                <a:ea typeface="Open Sans" panose="020B0606030504020204" pitchFamily="34" charset="0"/>
+                <a:cs typeface="Open Sans" panose="020B0606030504020204" pitchFamily="34" charset="0"/>
+              </a:rPr>
+              <a:t>is compiled from two datasets from the USDOT. The </a:t>
+            </a:r>
+            <a:r>
+              <a:rPr lang="en-US" sz="2800" b="1" dirty="0">
+                <a:solidFill>
+                  <a:schemeClr val="bg1"/>
+                </a:solidFill>
+                <a:latin typeface="Open Sans" panose="020B0606030504020204" pitchFamily="34" charset="0"/>
+                <a:ea typeface="Open Sans" panose="020B0606030504020204" pitchFamily="34" charset="0"/>
+                <a:cs typeface="Open Sans" panose="020B0606030504020204" pitchFamily="34" charset="0"/>
+              </a:rPr>
+              <a:t>DB1B</a:t>
+            </a:r>
+            <a:r>
+              <a:rPr lang="en-US" sz="2800" dirty="0">
+                <a:solidFill>
+                  <a:schemeClr val="bg1"/>
+                </a:solidFill>
+                <a:latin typeface="Open Sans" panose="020B0606030504020204" pitchFamily="34" charset="0"/>
+                <a:ea typeface="Open Sans" panose="020B0606030504020204" pitchFamily="34" charset="0"/>
+                <a:cs typeface="Open Sans" panose="020B0606030504020204" pitchFamily="34" charset="0"/>
+              </a:rPr>
+              <a:t> gives a 10% sample of all flight itineraries by quarter, and covers the first three quarters of 2020. The </a:t>
+            </a:r>
+            <a:r>
+              <a:rPr lang="en-US" sz="2800" b="1" dirty="0">
+                <a:solidFill>
+                  <a:schemeClr val="bg1"/>
+                </a:solidFill>
+                <a:latin typeface="Open Sans" panose="020B0606030504020204" pitchFamily="34" charset="0"/>
+                <a:ea typeface="Open Sans" panose="020B0606030504020204" pitchFamily="34" charset="0"/>
+                <a:cs typeface="Open Sans" panose="020B0606030504020204" pitchFamily="34" charset="0"/>
+              </a:rPr>
+              <a:t>T100</a:t>
+            </a:r>
+            <a:r>
+              <a:rPr lang="en-US" sz="2800" dirty="0">
+                <a:solidFill>
+                  <a:schemeClr val="bg1"/>
+                </a:solidFill>
+                <a:latin typeface="Open Sans" panose="020B0606030504020204" pitchFamily="34" charset="0"/>
+                <a:ea typeface="Open Sans" panose="020B0606030504020204" pitchFamily="34" charset="0"/>
+                <a:cs typeface="Open Sans" panose="020B0606030504020204" pitchFamily="34" charset="0"/>
+              </a:rPr>
+              <a:t> breaks down the number of passengers flying between two airports (including layovers) by month, and covers Jan to Nov 2020. We combined the two datasets to estimate the number of passengers travelling between every pair of states per month, excluding layovers. </a:t>
+            </a:r>
+          </a:p>
+          <a:p>
+            <a:pPr marL="457200" indent="-457200" algn="just">
+              <a:spcAft>
+                <a:spcPts val="600"/>
+              </a:spcAft>
+              <a:buFont typeface="Arial" panose="020B0604020202020204" pitchFamily="34" charset="0"/>
+              <a:buChar char="•"/>
+            </a:pPr>
+            <a:r>
+              <a:rPr lang="en-US" sz="2800" dirty="0">
+                <a:solidFill>
+                  <a:schemeClr val="bg1"/>
+                </a:solidFill>
+                <a:latin typeface="Open Sans" panose="020B0606030504020204" pitchFamily="34" charset="0"/>
+                <a:ea typeface="Open Sans" panose="020B0606030504020204" pitchFamily="34" charset="0"/>
+                <a:cs typeface="Open Sans" panose="020B0606030504020204" pitchFamily="34" charset="0"/>
+              </a:rPr>
+              <a:t>Our </a:t>
+            </a:r>
+            <a:r>
+              <a:rPr lang="en-US" sz="2800" b="1" dirty="0">
+                <a:solidFill>
+                  <a:schemeClr val="bg1"/>
+                </a:solidFill>
+                <a:latin typeface="Open Sans" panose="020B0606030504020204" pitchFamily="34" charset="0"/>
+                <a:ea typeface="Open Sans" panose="020B0606030504020204" pitchFamily="34" charset="0"/>
+                <a:cs typeface="Open Sans" panose="020B0606030504020204" pitchFamily="34" charset="0"/>
+              </a:rPr>
+              <a:t>policy data</a:t>
+            </a:r>
+            <a:r>
+              <a:rPr lang="en-US" sz="2800" dirty="0">
+                <a:solidFill>
+                  <a:schemeClr val="bg1"/>
+                </a:solidFill>
+                <a:latin typeface="Open Sans" panose="020B0606030504020204" pitchFamily="34" charset="0"/>
+                <a:ea typeface="Open Sans" panose="020B0606030504020204" pitchFamily="34" charset="0"/>
+                <a:cs typeface="Open Sans" panose="020B0606030504020204" pitchFamily="34" charset="0"/>
+              </a:rPr>
+              <a:t> comes from the </a:t>
+            </a:r>
+            <a:r>
+              <a:rPr lang="en-US" sz="2800" b="1" dirty="0">
+                <a:solidFill>
+                  <a:schemeClr val="bg1"/>
+                </a:solidFill>
+                <a:latin typeface="Open Sans" panose="020B0606030504020204" pitchFamily="34" charset="0"/>
+                <a:ea typeface="Open Sans" panose="020B0606030504020204" pitchFamily="34" charset="0"/>
+                <a:cs typeface="Open Sans" panose="020B0606030504020204" pitchFamily="34" charset="0"/>
+              </a:rPr>
+              <a:t>COVID-19 US State Policy Database</a:t>
+            </a:r>
+            <a:r>
+              <a:rPr lang="en-US" sz="2800" dirty="0">
+                <a:solidFill>
+                  <a:schemeClr val="bg1"/>
+                </a:solidFill>
+                <a:latin typeface="Open Sans" panose="020B0606030504020204" pitchFamily="34" charset="0"/>
+                <a:ea typeface="Open Sans" panose="020B0606030504020204" pitchFamily="34" charset="0"/>
+                <a:cs typeface="Open Sans" panose="020B0606030504020204" pitchFamily="34" charset="0"/>
+              </a:rPr>
+              <a:t> developed by the Boston University School of Public Health. It tracks the dates when each US state implemented COVID-19-related social safety net, economic, and social distancing policies.</a:t>
+            </a:r>
+            <a:endParaRPr lang="en-SG" sz="2800" b="1" dirty="0">
+              <a:solidFill>
+                <a:schemeClr val="bg1"/>
+              </a:solidFill>
+              <a:latin typeface="Open Sans" panose="020B0606030504020204" pitchFamily="34" charset="0"/>
+              <a:ea typeface="Open Sans" panose="020B0606030504020204" pitchFamily="34" charset="0"/>
+              <a:cs typeface="Open Sans" panose="020B0606030504020204" pitchFamily="34" charset="0"/>
+            </a:endParaRPr>
           </a:p>
         </p:txBody>
       </p:sp>
@@ -3078,8 +3702,8 @@
         </p:nvSpPr>
         <p:spPr>
           <a:xfrm>
-            <a:off x="1292087" y="622189"/>
-            <a:ext cx="35820626" cy="4462760"/>
+            <a:off x="1230328" y="203329"/>
+            <a:ext cx="35820626" cy="2369880"/>
           </a:xfrm>
           <a:prstGeom prst="rect">
             <a:avLst/>
@@ -3094,7 +3718,7 @@
           <a:p>
             <a:pPr algn="ctr"/>
             <a:r>
-              <a:rPr lang="en-US" sz="13800" b="1" dirty="0">
+              <a:rPr lang="en-US" sz="7200" b="1" dirty="0">
                 <a:solidFill>
                   <a:schemeClr val="bg1"/>
                 </a:solidFill>
@@ -3105,6 +3729,9 @@
                     </a:srgbClr>
                   </a:outerShdw>
                 </a:effectLst>
+                <a:latin typeface="Open Sans" panose="020B0606030504020204" pitchFamily="34" charset="0"/>
+                <a:ea typeface="Open Sans" panose="020B0606030504020204" pitchFamily="34" charset="0"/>
+                <a:cs typeface="Open Sans" panose="020B0606030504020204" pitchFamily="34" charset="0"/>
               </a:rPr>
               <a:t>PandAIRmic</a:t>
             </a:r>
@@ -3112,7 +3739,7 @@
           <a:p>
             <a:pPr algn="ctr"/>
             <a:r>
-              <a:rPr lang="en-US" sz="8000" dirty="0">
+              <a:rPr lang="en-US" sz="4400" dirty="0">
                 <a:solidFill>
                   <a:schemeClr val="bg1"/>
                 </a:solidFill>
@@ -3123,11 +3750,14 @@
                     </a:srgbClr>
                   </a:outerShdw>
                 </a:effectLst>
+                <a:latin typeface="Open Sans" panose="020B0606030504020204" pitchFamily="34" charset="0"/>
+                <a:ea typeface="Open Sans" panose="020B0606030504020204" pitchFamily="34" charset="0"/>
+                <a:cs typeface="Open Sans" panose="020B0606030504020204" pitchFamily="34" charset="0"/>
               </a:rPr>
               <a:t>An analysis of the impacts of air travel on </a:t>
             </a:r>
             <a:r>
-              <a:rPr lang="en-US" sz="8000" dirty="0">
+              <a:rPr lang="en-US" sz="4400" dirty="0">
                 <a:solidFill>
                   <a:schemeClr val="bg1"/>
                 </a:solidFill>
@@ -3138,11 +3768,14 @@
                     </a:prstClr>
                   </a:outerShdw>
                 </a:effectLst>
+                <a:latin typeface="Open Sans" panose="020B0606030504020204" pitchFamily="34" charset="0"/>
+                <a:ea typeface="Open Sans" panose="020B0606030504020204" pitchFamily="34" charset="0"/>
+                <a:cs typeface="Open Sans" panose="020B0606030504020204" pitchFamily="34" charset="0"/>
               </a:rPr>
               <a:t>the</a:t>
             </a:r>
             <a:r>
-              <a:rPr lang="en-US" sz="8000" dirty="0">
+              <a:rPr lang="en-US" sz="4400" dirty="0">
                 <a:solidFill>
                   <a:schemeClr val="bg1"/>
                 </a:solidFill>
@@ -3153,6 +3786,9 @@
                     </a:srgbClr>
                   </a:outerShdw>
                 </a:effectLst>
+                <a:latin typeface="Open Sans" panose="020B0606030504020204" pitchFamily="34" charset="0"/>
+                <a:ea typeface="Open Sans" panose="020B0606030504020204" pitchFamily="34" charset="0"/>
+                <a:cs typeface="Open Sans" panose="020B0606030504020204" pitchFamily="34" charset="0"/>
               </a:rPr>
               <a:t> spread of COVID-19 </a:t>
             </a:r>
@@ -3160,7 +3796,7 @@
           <a:p>
             <a:pPr algn="ctr"/>
             <a:r>
-              <a:rPr lang="en-US" sz="6600" dirty="0">
+              <a:rPr lang="en-US" sz="3200" dirty="0">
                 <a:solidFill>
                   <a:schemeClr val="bg1"/>
                 </a:solidFill>
@@ -3171,10 +3807,13 @@
                     </a:srgbClr>
                   </a:outerShdw>
                 </a:effectLst>
+                <a:latin typeface="Open Sans" panose="020B0606030504020204" pitchFamily="34" charset="0"/>
+                <a:ea typeface="Open Sans" panose="020B0606030504020204" pitchFamily="34" charset="0"/>
+                <a:cs typeface="Open Sans" panose="020B0606030504020204" pitchFamily="34" charset="0"/>
               </a:rPr>
               <a:t>Jian Cong Loh, Joshua Neronha, Stephen Sun, Tzuhwan Seet</a:t>
             </a:r>
-            <a:endParaRPr lang="en-SG" sz="8000" dirty="0">
+            <a:endParaRPr lang="en-SG" sz="4000" dirty="0">
               <a:solidFill>
                 <a:schemeClr val="bg1"/>
               </a:solidFill>
@@ -3185,413 +3824,9 @@
                   </a:srgbClr>
                 </a:outerShdw>
               </a:effectLst>
-            </a:endParaRPr>
-          </a:p>
-        </p:txBody>
-      </p:sp>
-      <p:sp>
-        <p:nvSpPr>
-          <p:cNvPr id="6" name="Rectangle 5">
-            <a:extLst>
-              <a:ext uri="{FF2B5EF4-FFF2-40B4-BE49-F238E27FC236}">
-                <a16:creationId xmlns:a16="http://schemas.microsoft.com/office/drawing/2014/main" id="{8ACC58F2-773A-4412-B688-C10E4E5E9D17}"/>
-              </a:ext>
-            </a:extLst>
-          </p:cNvPr>
-          <p:cNvSpPr/>
-          <p:nvPr/>
-        </p:nvSpPr>
-        <p:spPr>
-          <a:xfrm>
-            <a:off x="894521" y="6713984"/>
-            <a:ext cx="11191461" cy="5336678"/>
-          </a:xfrm>
-          <a:prstGeom prst="rect">
-            <a:avLst/>
-          </a:prstGeom>
-          <a:solidFill>
-            <a:srgbClr val="7C283E">
-              <a:alpha val="80000"/>
-            </a:srgbClr>
-          </a:solidFill>
-          <a:effectLst>
-            <a:outerShdw blurRad="50800" dist="38100" dir="2700000" algn="tl" rotWithShape="0">
-              <a:prstClr val="black">
-                <a:alpha val="40000"/>
-              </a:prstClr>
-            </a:outerShdw>
-          </a:effectLst>
-        </p:spPr>
-        <p:style>
-          <a:lnRef idx="2">
-            <a:schemeClr val="accent1">
-              <a:shade val="50000"/>
-            </a:schemeClr>
-          </a:lnRef>
-          <a:fillRef idx="1">
-            <a:schemeClr val="accent1"/>
-          </a:fillRef>
-          <a:effectRef idx="0">
-            <a:schemeClr val="accent1"/>
-          </a:effectRef>
-          <a:fontRef idx="minor">
-            <a:schemeClr val="lt1"/>
-          </a:fontRef>
-        </p:style>
-        <p:txBody>
-          <a:bodyPr rtlCol="0" anchor="ctr"/>
-          <a:lstStyle/>
-          <a:p>
-            <a:pPr algn="ctr"/>
-            <a:endParaRPr lang="en-US" sz="8000" b="1" dirty="0"/>
-          </a:p>
-        </p:txBody>
-      </p:sp>
-      <p:sp>
-        <p:nvSpPr>
-          <p:cNvPr id="9" name="TextBox 8">
-            <a:extLst>
-              <a:ext uri="{FF2B5EF4-FFF2-40B4-BE49-F238E27FC236}">
-                <a16:creationId xmlns:a16="http://schemas.microsoft.com/office/drawing/2014/main" id="{DFF83C57-FCF8-46EF-8B1D-9FBF0A61C8D3}"/>
-              </a:ext>
-            </a:extLst>
-          </p:cNvPr>
-          <p:cNvSpPr txBox="1"/>
-          <p:nvPr/>
-        </p:nvSpPr>
-        <p:spPr>
-          <a:xfrm>
-            <a:off x="1530625" y="8403011"/>
-            <a:ext cx="9919252" cy="3170099"/>
-          </a:xfrm>
-          <a:prstGeom prst="rect">
-            <a:avLst/>
-          </a:prstGeom>
-          <a:noFill/>
-        </p:spPr>
-        <p:txBody>
-          <a:bodyPr wrap="square">
-            <a:spAutoFit/>
-          </a:bodyPr>
-          <a:lstStyle/>
-          <a:p>
-            <a:pPr algn="just"/>
-            <a:r>
-              <a:rPr lang="en-US" sz="4000" dirty="0">
-                <a:solidFill>
-                  <a:schemeClr val="bg1"/>
-                </a:solidFill>
-              </a:rPr>
-              <a:t>Lorem ipsum dolor sit </a:t>
-            </a:r>
-            <a:r>
-              <a:rPr lang="en-US" sz="4000" dirty="0" err="1">
-                <a:solidFill>
-                  <a:schemeClr val="bg1"/>
-                </a:solidFill>
-              </a:rPr>
-              <a:t>amet</a:t>
-            </a:r>
-            <a:r>
-              <a:rPr lang="en-US" sz="4000" dirty="0">
-                <a:solidFill>
-                  <a:schemeClr val="bg1"/>
-                </a:solidFill>
-              </a:rPr>
-              <a:t>, </a:t>
-            </a:r>
-            <a:r>
-              <a:rPr lang="en-US" sz="4000" dirty="0" err="1">
-                <a:solidFill>
-                  <a:schemeClr val="bg1"/>
-                </a:solidFill>
-              </a:rPr>
-              <a:t>consectetur</a:t>
-            </a:r>
-            <a:r>
-              <a:rPr lang="en-US" sz="4000" dirty="0">
-                <a:solidFill>
-                  <a:schemeClr val="bg1"/>
-                </a:solidFill>
-              </a:rPr>
-              <a:t> </a:t>
-            </a:r>
-            <a:r>
-              <a:rPr lang="en-US" sz="4000" dirty="0" err="1">
-                <a:solidFill>
-                  <a:schemeClr val="bg1"/>
-                </a:solidFill>
-              </a:rPr>
-              <a:t>adipiscing</a:t>
-            </a:r>
-            <a:r>
-              <a:rPr lang="en-US" sz="4000" dirty="0">
-                <a:solidFill>
-                  <a:schemeClr val="bg1"/>
-                </a:solidFill>
-              </a:rPr>
-              <a:t> </a:t>
-            </a:r>
-            <a:r>
-              <a:rPr lang="en-US" sz="4000" dirty="0" err="1">
-                <a:solidFill>
-                  <a:schemeClr val="bg1"/>
-                </a:solidFill>
-              </a:rPr>
-              <a:t>elit</a:t>
-            </a:r>
-            <a:r>
-              <a:rPr lang="en-US" sz="4000" dirty="0">
-                <a:solidFill>
-                  <a:schemeClr val="bg1"/>
-                </a:solidFill>
-              </a:rPr>
-              <a:t>. Duis </a:t>
-            </a:r>
-            <a:r>
-              <a:rPr lang="en-US" sz="4000" dirty="0" err="1">
-                <a:solidFill>
-                  <a:schemeClr val="bg1"/>
-                </a:solidFill>
-              </a:rPr>
-              <a:t>egestas</a:t>
-            </a:r>
-            <a:r>
-              <a:rPr lang="en-US" sz="4000" dirty="0">
-                <a:solidFill>
-                  <a:schemeClr val="bg1"/>
-                </a:solidFill>
-              </a:rPr>
-              <a:t> </a:t>
-            </a:r>
-            <a:r>
-              <a:rPr lang="en-US" sz="4000" dirty="0" err="1">
-                <a:solidFill>
-                  <a:schemeClr val="bg1"/>
-                </a:solidFill>
-              </a:rPr>
-              <a:t>mollis</a:t>
-            </a:r>
-            <a:r>
-              <a:rPr lang="en-US" sz="4000" dirty="0">
-                <a:solidFill>
-                  <a:schemeClr val="bg1"/>
-                </a:solidFill>
-              </a:rPr>
-              <a:t> </a:t>
-            </a:r>
-            <a:r>
-              <a:rPr lang="en-US" sz="4000" dirty="0" err="1">
-                <a:solidFill>
-                  <a:schemeClr val="bg1"/>
-                </a:solidFill>
-              </a:rPr>
-              <a:t>felis</a:t>
-            </a:r>
-            <a:r>
-              <a:rPr lang="en-US" sz="4000" dirty="0">
-                <a:solidFill>
-                  <a:schemeClr val="bg1"/>
-                </a:solidFill>
-              </a:rPr>
-              <a:t> vel </a:t>
-            </a:r>
-            <a:r>
-              <a:rPr lang="en-US" sz="4000" dirty="0" err="1">
-                <a:solidFill>
-                  <a:schemeClr val="bg1"/>
-                </a:solidFill>
-              </a:rPr>
-              <a:t>malesuada</a:t>
-            </a:r>
-            <a:r>
-              <a:rPr lang="en-US" sz="4000" dirty="0">
-                <a:solidFill>
-                  <a:schemeClr val="bg1"/>
-                </a:solidFill>
-              </a:rPr>
-              <a:t>. Vestibulum vitae </a:t>
-            </a:r>
-            <a:r>
-              <a:rPr lang="en-US" sz="4000" dirty="0" err="1">
-                <a:solidFill>
-                  <a:schemeClr val="bg1"/>
-                </a:solidFill>
-              </a:rPr>
-              <a:t>purus</a:t>
-            </a:r>
-            <a:r>
-              <a:rPr lang="en-US" sz="4000" dirty="0">
-                <a:solidFill>
-                  <a:schemeClr val="bg1"/>
-                </a:solidFill>
-              </a:rPr>
-              <a:t> </a:t>
-            </a:r>
-            <a:r>
-              <a:rPr lang="en-US" sz="4000" dirty="0" err="1">
-                <a:solidFill>
-                  <a:schemeClr val="bg1"/>
-                </a:solidFill>
-              </a:rPr>
-              <a:t>hendrerit</a:t>
-            </a:r>
-            <a:r>
-              <a:rPr lang="en-US" sz="4000" dirty="0">
-                <a:solidFill>
-                  <a:schemeClr val="bg1"/>
-                </a:solidFill>
-              </a:rPr>
-              <a:t>, </a:t>
-            </a:r>
-            <a:r>
-              <a:rPr lang="en-US" sz="4000" dirty="0" err="1">
-                <a:solidFill>
-                  <a:schemeClr val="bg1"/>
-                </a:solidFill>
-              </a:rPr>
-              <a:t>bibendum</a:t>
-            </a:r>
-            <a:r>
-              <a:rPr lang="en-US" sz="4000" dirty="0">
-                <a:solidFill>
-                  <a:schemeClr val="bg1"/>
-                </a:solidFill>
-              </a:rPr>
-              <a:t> </a:t>
-            </a:r>
-            <a:r>
-              <a:rPr lang="en-US" sz="4000" dirty="0" err="1">
-                <a:solidFill>
-                  <a:schemeClr val="bg1"/>
-                </a:solidFill>
-              </a:rPr>
-              <a:t>augue</a:t>
-            </a:r>
-            <a:r>
-              <a:rPr lang="en-US" sz="4000" dirty="0">
-                <a:solidFill>
-                  <a:schemeClr val="bg1"/>
-                </a:solidFill>
-              </a:rPr>
-              <a:t> </a:t>
-            </a:r>
-            <a:r>
-              <a:rPr lang="en-US" sz="4000" dirty="0" err="1">
-                <a:solidFill>
-                  <a:schemeClr val="bg1"/>
-                </a:solidFill>
-              </a:rPr>
-              <a:t>viverra</a:t>
-            </a:r>
-            <a:r>
-              <a:rPr lang="en-US" sz="4000" dirty="0">
-                <a:solidFill>
-                  <a:schemeClr val="bg1"/>
-                </a:solidFill>
-              </a:rPr>
-              <a:t>, </a:t>
-            </a:r>
-            <a:r>
-              <a:rPr lang="en-US" sz="4000" dirty="0" err="1">
-                <a:solidFill>
-                  <a:schemeClr val="bg1"/>
-                </a:solidFill>
-              </a:rPr>
-              <a:t>blandit</a:t>
-            </a:r>
-            <a:r>
-              <a:rPr lang="en-US" sz="4000" dirty="0">
-                <a:solidFill>
-                  <a:schemeClr val="bg1"/>
-                </a:solidFill>
-              </a:rPr>
-              <a:t> </a:t>
-            </a:r>
-            <a:r>
-              <a:rPr lang="en-US" sz="4000" dirty="0" err="1">
-                <a:solidFill>
-                  <a:schemeClr val="bg1"/>
-                </a:solidFill>
-              </a:rPr>
-              <a:t>tortor</a:t>
-            </a:r>
-            <a:r>
-              <a:rPr lang="en-US" sz="4000" dirty="0">
-                <a:solidFill>
-                  <a:schemeClr val="bg1"/>
-                </a:solidFill>
-              </a:rPr>
-              <a:t>. Ut pharetra </a:t>
-            </a:r>
-            <a:r>
-              <a:rPr lang="en-US" sz="4000" dirty="0" err="1">
-                <a:solidFill>
-                  <a:schemeClr val="bg1"/>
-                </a:solidFill>
-              </a:rPr>
-              <a:t>consequat</a:t>
-            </a:r>
-            <a:r>
-              <a:rPr lang="en-US" sz="4000" dirty="0">
-                <a:solidFill>
-                  <a:schemeClr val="bg1"/>
-                </a:solidFill>
-              </a:rPr>
-              <a:t> </a:t>
-            </a:r>
-            <a:r>
-              <a:rPr lang="en-US" sz="4000" dirty="0" err="1">
-                <a:solidFill>
-                  <a:schemeClr val="bg1"/>
-                </a:solidFill>
-              </a:rPr>
-              <a:t>enim</a:t>
-            </a:r>
-            <a:r>
-              <a:rPr lang="en-US" sz="4000" dirty="0">
-                <a:solidFill>
-                  <a:schemeClr val="bg1"/>
-                </a:solidFill>
-              </a:rPr>
-              <a:t>, sed </a:t>
-            </a:r>
-            <a:r>
-              <a:rPr lang="en-US" sz="4000" dirty="0" err="1">
-                <a:solidFill>
-                  <a:schemeClr val="bg1"/>
-                </a:solidFill>
-              </a:rPr>
-              <a:t>tempor</a:t>
-            </a:r>
-            <a:r>
-              <a:rPr lang="en-US" sz="4000" dirty="0">
-                <a:solidFill>
-                  <a:schemeClr val="bg1"/>
-                </a:solidFill>
-              </a:rPr>
-              <a:t> </a:t>
-            </a:r>
-            <a:r>
-              <a:rPr lang="en-US" sz="4000" dirty="0" err="1">
-                <a:solidFill>
-                  <a:schemeClr val="bg1"/>
-                </a:solidFill>
-              </a:rPr>
-              <a:t>odio</a:t>
-            </a:r>
-            <a:r>
-              <a:rPr lang="en-US" sz="4000" dirty="0">
-                <a:solidFill>
-                  <a:schemeClr val="bg1"/>
-                </a:solidFill>
-              </a:rPr>
-              <a:t>. </a:t>
-            </a:r>
-            <a:endParaRPr lang="en-SG" sz="4000" b="1" dirty="0">
-              <a:solidFill>
-                <a:schemeClr val="bg1"/>
-              </a:solidFill>
+              <a:latin typeface="Open Sans" panose="020B0606030504020204" pitchFamily="34" charset="0"/>
+              <a:ea typeface="Open Sans" panose="020B0606030504020204" pitchFamily="34" charset="0"/>
+              <a:cs typeface="Open Sans" panose="020B0606030504020204" pitchFamily="34" charset="0"/>
             </a:endParaRPr>
           </a:p>
         </p:txBody>
@@ -3610,8 +3845,8 @@
         </p:nvSpPr>
         <p:spPr>
           <a:xfrm>
-            <a:off x="4035091" y="6826708"/>
-            <a:ext cx="4910319" cy="1323439"/>
+            <a:off x="4073168" y="2991552"/>
+            <a:ext cx="3611886" cy="830997"/>
           </a:xfrm>
           <a:prstGeom prst="rect">
             <a:avLst/>
@@ -3625,17 +3860,23 @@
           <a:lstStyle/>
           <a:p>
             <a:r>
-              <a:rPr lang="en-US" sz="8000" b="1" dirty="0">
-                <a:solidFill>
-                  <a:schemeClr val="bg1"/>
-                </a:solidFill>
+              <a:rPr lang="en-US" sz="4800" b="1" dirty="0">
+                <a:solidFill>
+                  <a:schemeClr val="bg1"/>
+                </a:solidFill>
+                <a:latin typeface="Open Sans" panose="020B0606030504020204" pitchFamily="34" charset="0"/>
+                <a:ea typeface="Open Sans" panose="020B0606030504020204" pitchFamily="34" charset="0"/>
+                <a:cs typeface="Open Sans" panose="020B0606030504020204" pitchFamily="34" charset="0"/>
               </a:rPr>
               <a:t>Hypothesis</a:t>
             </a:r>
-            <a:endParaRPr lang="en-SG" sz="8000" b="1" dirty="0">
+            <a:endParaRPr lang="en-SG" sz="4800" b="1" dirty="0">
               <a:solidFill>
                 <a:schemeClr val="bg1"/>
               </a:solidFill>
+              <a:latin typeface="Open Sans" panose="020B0606030504020204" pitchFamily="34" charset="0"/>
+              <a:ea typeface="Open Sans" panose="020B0606030504020204" pitchFamily="34" charset="0"/>
+              <a:cs typeface="Open Sans" panose="020B0606030504020204" pitchFamily="34" charset="0"/>
             </a:endParaRPr>
           </a:p>
         </p:txBody>
@@ -3655,11 +3896,11 @@
           <p:nvPr/>
         </p:nvPicPr>
         <p:blipFill>
-          <a:blip r:embed="rId3">
+          <a:blip r:embed="rId2">
             <a:extLst>
               <a:ext uri="{BEBA8EAE-BF5A-486C-A8C5-ECC9F3942E4B}">
                 <a14:imgProps xmlns:a14="http://schemas.microsoft.com/office/drawing/2010/main">
-                  <a14:imgLayer r:embed="rId4">
+                  <a14:imgLayer r:embed="rId3">
                     <a14:imgEffect>
                       <a14:colorTemperature colorTemp="1500"/>
                     </a14:imgEffect>
@@ -3684,8 +3925,8 @@
         </p:blipFill>
         <p:spPr bwMode="auto">
           <a:xfrm>
-            <a:off x="1760604" y="1482445"/>
-            <a:ext cx="2887534" cy="2887534"/>
+            <a:off x="1230328" y="384606"/>
+            <a:ext cx="2007326" cy="2007326"/>
           </a:xfrm>
           <a:prstGeom prst="rect">
             <a:avLst/>
@@ -3708,11 +3949,11 @@
           <p:nvPr/>
         </p:nvPicPr>
         <p:blipFill>
-          <a:blip r:embed="rId5">
+          <a:blip r:embed="rId4">
             <a:extLst>
               <a:ext uri="{BEBA8EAE-BF5A-486C-A8C5-ECC9F3942E4B}">
                 <a14:imgProps xmlns:a14="http://schemas.microsoft.com/office/drawing/2010/main">
-                  <a14:imgLayer r:embed="rId6">
+                  <a14:imgLayer r:embed="rId5">
                     <a14:imgEffect>
                       <a14:colorTemperature colorTemp="1500"/>
                     </a14:imgEffect>
@@ -3737,8 +3978,8 @@
         </p:blipFill>
         <p:spPr bwMode="auto">
           <a:xfrm>
-            <a:off x="33756662" y="1650030"/>
-            <a:ext cx="2719949" cy="2719949"/>
+            <a:off x="35160128" y="442856"/>
+            <a:ext cx="1890826" cy="1890826"/>
           </a:xfrm>
           <a:prstGeom prst="rect">
             <a:avLst/>
@@ -3757,117 +3998,1270 @@
       </p:pic>
       <p:sp>
         <p:nvSpPr>
-          <p:cNvPr id="10" name="Rectangle 9">
+          <p:cNvPr id="15" name="TextBox 14">
             <a:extLst>
               <a:ext uri="{FF2B5EF4-FFF2-40B4-BE49-F238E27FC236}">
-                <a16:creationId xmlns:a16="http://schemas.microsoft.com/office/drawing/2014/main" id="{C7922F35-5C78-4CD0-90F7-1141527BAC52}"/>
+                <a16:creationId xmlns:a16="http://schemas.microsoft.com/office/drawing/2014/main" id="{2D3EDF61-6FA4-4F0C-A505-0F330CE95747}"/>
               </a:ext>
             </a:extLst>
           </p:cNvPr>
-          <p:cNvSpPr/>
+          <p:cNvSpPr txBox="1"/>
           <p:nvPr/>
         </p:nvSpPr>
         <p:spPr>
           <a:xfrm>
-            <a:off x="13606669" y="6826707"/>
-            <a:ext cx="11191461" cy="12415449"/>
+            <a:off x="4789037" y="5741310"/>
+            <a:ext cx="2180149" cy="830997"/>
           </a:xfrm>
           <a:prstGeom prst="rect">
             <a:avLst/>
           </a:prstGeom>
-          <a:solidFill>
-            <a:srgbClr val="7C283E">
-              <a:alpha val="80000"/>
-            </a:srgbClr>
-          </a:solidFill>
-          <a:effectLst>
-            <a:outerShdw blurRad="50800" dist="38100" dir="2700000" algn="tl" rotWithShape="0">
-              <a:prstClr val="black">
-                <a:alpha val="40000"/>
-              </a:prstClr>
-            </a:outerShdw>
-          </a:effectLst>
+          <a:noFill/>
+        </p:spPr>
+        <p:txBody>
+          <a:bodyPr wrap="square" rtlCol="0">
+            <a:spAutoFit/>
+          </a:bodyPr>
+          <a:lstStyle/>
+          <a:p>
+            <a:r>
+              <a:rPr lang="en-US" sz="4800" b="1" dirty="0">
+                <a:solidFill>
+                  <a:schemeClr val="bg1"/>
+                </a:solidFill>
+                <a:latin typeface="Open Sans" panose="020B0606030504020204" pitchFamily="34" charset="0"/>
+                <a:ea typeface="Open Sans" panose="020B0606030504020204" pitchFamily="34" charset="0"/>
+                <a:cs typeface="Open Sans" panose="020B0606030504020204" pitchFamily="34" charset="0"/>
+              </a:rPr>
+              <a:t>Data</a:t>
+            </a:r>
+            <a:endParaRPr lang="en-SG" sz="4800" b="1" dirty="0">
+              <a:solidFill>
+                <a:schemeClr val="bg1"/>
+              </a:solidFill>
+              <a:latin typeface="Open Sans" panose="020B0606030504020204" pitchFamily="34" charset="0"/>
+              <a:ea typeface="Open Sans" panose="020B0606030504020204" pitchFamily="34" charset="0"/>
+              <a:cs typeface="Open Sans" panose="020B0606030504020204" pitchFamily="34" charset="0"/>
+            </a:endParaRPr>
+          </a:p>
+        </p:txBody>
+      </p:sp>
+      <p:sp>
+        <p:nvSpPr>
+          <p:cNvPr id="18" name="TextBox 17">
+            <a:extLst>
+              <a:ext uri="{FF2B5EF4-FFF2-40B4-BE49-F238E27FC236}">
+                <a16:creationId xmlns:a16="http://schemas.microsoft.com/office/drawing/2014/main" id="{0FBA1A7D-CDDA-41E1-8B3E-410E7BF2A533}"/>
+              </a:ext>
+            </a:extLst>
+          </p:cNvPr>
+          <p:cNvSpPr txBox="1"/>
+          <p:nvPr/>
+        </p:nvSpPr>
+        <p:spPr>
+          <a:xfrm>
+            <a:off x="3769399" y="14877794"/>
+            <a:ext cx="4219425" cy="830997"/>
+          </a:xfrm>
+          <a:prstGeom prst="rect">
+            <a:avLst/>
+          </a:prstGeom>
+          <a:noFill/>
+        </p:spPr>
+        <p:txBody>
+          <a:bodyPr wrap="none" rtlCol="0">
+            <a:spAutoFit/>
+          </a:bodyPr>
+          <a:lstStyle/>
+          <a:p>
+            <a:r>
+              <a:rPr lang="en-US" sz="4800" b="1" dirty="0">
+                <a:solidFill>
+                  <a:schemeClr val="bg1"/>
+                </a:solidFill>
+                <a:latin typeface="Open Sans" panose="020B0606030504020204" pitchFamily="34" charset="0"/>
+                <a:ea typeface="Open Sans" panose="020B0606030504020204" pitchFamily="34" charset="0"/>
+                <a:cs typeface="Open Sans" panose="020B0606030504020204" pitchFamily="34" charset="0"/>
+              </a:rPr>
+              <a:t>Methodology</a:t>
+            </a:r>
+            <a:endParaRPr lang="en-SG" sz="4800" b="1" dirty="0">
+              <a:solidFill>
+                <a:schemeClr val="bg1"/>
+              </a:solidFill>
+              <a:latin typeface="Open Sans" panose="020B0606030504020204" pitchFamily="34" charset="0"/>
+              <a:ea typeface="Open Sans" panose="020B0606030504020204" pitchFamily="34" charset="0"/>
+              <a:cs typeface="Open Sans" panose="020B0606030504020204" pitchFamily="34" charset="0"/>
+            </a:endParaRPr>
+          </a:p>
+        </p:txBody>
+      </p:sp>
+      <p:sp>
+        <p:nvSpPr>
+          <p:cNvPr id="19" name="TextBox 18">
+            <a:extLst>
+              <a:ext uri="{FF2B5EF4-FFF2-40B4-BE49-F238E27FC236}">
+                <a16:creationId xmlns:a16="http://schemas.microsoft.com/office/drawing/2014/main" id="{C6CA834A-AB9F-4009-B849-5BBCF50EB389}"/>
+              </a:ext>
+            </a:extLst>
+          </p:cNvPr>
+          <p:cNvSpPr txBox="1"/>
+          <p:nvPr/>
+        </p:nvSpPr>
+        <p:spPr>
+          <a:xfrm>
+            <a:off x="14301860" y="2991552"/>
+            <a:ext cx="7879080" cy="830997"/>
+          </a:xfrm>
+          <a:prstGeom prst="rect">
+            <a:avLst/>
+          </a:prstGeom>
+          <a:noFill/>
+        </p:spPr>
+        <p:txBody>
+          <a:bodyPr wrap="none" rtlCol="0">
+            <a:spAutoFit/>
+          </a:bodyPr>
+          <a:lstStyle/>
+          <a:p>
+            <a:r>
+              <a:rPr lang="en-US" sz="4800" b="1" dirty="0">
+                <a:solidFill>
+                  <a:schemeClr val="bg1"/>
+                </a:solidFill>
+                <a:latin typeface="Open Sans" panose="020B0606030504020204" pitchFamily="34" charset="0"/>
+                <a:ea typeface="Open Sans" panose="020B0606030504020204" pitchFamily="34" charset="0"/>
+                <a:cs typeface="Open Sans" panose="020B0606030504020204" pitchFamily="34" charset="0"/>
+              </a:rPr>
+              <a:t>Simple Linear Regression</a:t>
+            </a:r>
+            <a:endParaRPr lang="en-SG" sz="4800" b="1" dirty="0">
+              <a:solidFill>
+                <a:schemeClr val="bg1"/>
+              </a:solidFill>
+              <a:latin typeface="Open Sans" panose="020B0606030504020204" pitchFamily="34" charset="0"/>
+              <a:ea typeface="Open Sans" panose="020B0606030504020204" pitchFamily="34" charset="0"/>
+              <a:cs typeface="Open Sans" panose="020B0606030504020204" pitchFamily="34" charset="0"/>
+            </a:endParaRPr>
+          </a:p>
+        </p:txBody>
+      </p:sp>
+      <p:sp>
+        <p:nvSpPr>
+          <p:cNvPr id="22" name="TextBox 21">
+            <a:extLst>
+              <a:ext uri="{FF2B5EF4-FFF2-40B4-BE49-F238E27FC236}">
+                <a16:creationId xmlns:a16="http://schemas.microsoft.com/office/drawing/2014/main" id="{0B2033ED-930A-439E-8B1B-E88395017C71}"/>
+              </a:ext>
+            </a:extLst>
+          </p:cNvPr>
+          <p:cNvSpPr txBox="1"/>
+          <p:nvPr/>
+        </p:nvSpPr>
+        <p:spPr>
+          <a:xfrm>
+            <a:off x="14768334" y="13081946"/>
+            <a:ext cx="7133684" cy="830997"/>
+          </a:xfrm>
+          <a:prstGeom prst="rect">
+            <a:avLst/>
+          </a:prstGeom>
+          <a:noFill/>
+        </p:spPr>
+        <p:txBody>
+          <a:bodyPr wrap="none" rtlCol="0">
+            <a:spAutoFit/>
+          </a:bodyPr>
+          <a:lstStyle/>
+          <a:p>
+            <a:r>
+              <a:rPr lang="en-US" sz="4800" b="1" dirty="0">
+                <a:solidFill>
+                  <a:schemeClr val="bg1"/>
+                </a:solidFill>
+                <a:latin typeface="Open Sans" panose="020B0606030504020204" pitchFamily="34" charset="0"/>
+                <a:ea typeface="Open Sans" panose="020B0606030504020204" pitchFamily="34" charset="0"/>
+                <a:cs typeface="Open Sans" panose="020B0606030504020204" pitchFamily="34" charset="0"/>
+              </a:rPr>
+              <a:t>Polynomial Regression</a:t>
+            </a:r>
+            <a:endParaRPr lang="en-SG" sz="4800" b="1" dirty="0">
+              <a:solidFill>
+                <a:schemeClr val="bg1"/>
+              </a:solidFill>
+              <a:latin typeface="Open Sans" panose="020B0606030504020204" pitchFamily="34" charset="0"/>
+              <a:ea typeface="Open Sans" panose="020B0606030504020204" pitchFamily="34" charset="0"/>
+              <a:cs typeface="Open Sans" panose="020B0606030504020204" pitchFamily="34" charset="0"/>
+            </a:endParaRPr>
+          </a:p>
+        </p:txBody>
+      </p:sp>
+      <p:cxnSp>
+        <p:nvCxnSpPr>
+          <p:cNvPr id="5" name="Straight Connector 4">
+            <a:extLst>
+              <a:ext uri="{FF2B5EF4-FFF2-40B4-BE49-F238E27FC236}">
+                <a16:creationId xmlns:a16="http://schemas.microsoft.com/office/drawing/2014/main" id="{DCD832C1-35D5-4AA8-9585-C9E18883337E}"/>
+              </a:ext>
+            </a:extLst>
+          </p:cNvPr>
+          <p:cNvCxnSpPr>
+            <a:cxnSpLocks/>
+          </p:cNvCxnSpPr>
+          <p:nvPr/>
+        </p:nvCxnSpPr>
+        <p:spPr>
+          <a:xfrm>
+            <a:off x="1230328" y="2810941"/>
+            <a:ext cx="35820626" cy="0"/>
+          </a:xfrm>
+          <a:prstGeom prst="line">
+            <a:avLst/>
+          </a:prstGeom>
+          <a:ln w="76200">
+            <a:solidFill>
+              <a:schemeClr val="bg1"/>
+            </a:solidFill>
+          </a:ln>
         </p:spPr>
         <p:style>
-          <a:lnRef idx="2">
-            <a:schemeClr val="accent1">
-              <a:shade val="50000"/>
-            </a:schemeClr>
+          <a:lnRef idx="1">
+            <a:schemeClr val="accent1"/>
           </a:lnRef>
-          <a:fillRef idx="1">
+          <a:fillRef idx="0">
             <a:schemeClr val="accent1"/>
           </a:fillRef>
           <a:effectRef idx="0">
             <a:schemeClr val="accent1"/>
           </a:effectRef>
           <a:fontRef idx="minor">
-            <a:schemeClr val="lt1"/>
+            <a:schemeClr val="tx1"/>
           </a:fontRef>
         </p:style>
-        <p:txBody>
-          <a:bodyPr rtlCol="0" anchor="ctr"/>
-          <a:lstStyle/>
-          <a:p>
-            <a:pPr algn="ctr"/>
-            <a:endParaRPr lang="en-US" sz="8000" b="1" dirty="0"/>
-          </a:p>
-        </p:txBody>
-      </p:sp>
-      <p:sp>
-        <p:nvSpPr>
-          <p:cNvPr id="12" name="Rectangle 11">
+      </p:cxnSp>
+      <p:sp>
+        <p:nvSpPr>
+          <p:cNvPr id="26" name="TextBox 25">
             <a:extLst>
               <a:ext uri="{FF2B5EF4-FFF2-40B4-BE49-F238E27FC236}">
-                <a16:creationId xmlns:a16="http://schemas.microsoft.com/office/drawing/2014/main" id="{2DF93F0E-4A44-40F7-BB4A-D3551DBAC35E}"/>
+                <a16:creationId xmlns:a16="http://schemas.microsoft.com/office/drawing/2014/main" id="{567DF0F0-029B-4C6E-8068-6F73291A682C}"/>
               </a:ext>
             </a:extLst>
           </p:cNvPr>
-          <p:cNvSpPr/>
+          <p:cNvSpPr txBox="1"/>
           <p:nvPr/>
         </p:nvSpPr>
         <p:spPr>
           <a:xfrm>
-            <a:off x="26318817" y="6713984"/>
-            <a:ext cx="11191461" cy="5336678"/>
+            <a:off x="685185" y="3970397"/>
+            <a:ext cx="10387853" cy="1384995"/>
+          </a:xfrm>
+          <a:prstGeom prst="rect">
+            <a:avLst/>
+          </a:prstGeom>
+          <a:noFill/>
+        </p:spPr>
+        <p:txBody>
+          <a:bodyPr wrap="square" rtlCol="0">
+            <a:spAutoFit/>
+          </a:bodyPr>
+          <a:lstStyle/>
+          <a:p>
+            <a:pPr algn="just"/>
+            <a:r>
+              <a:rPr lang="en-US" sz="2800" dirty="0">
+                <a:solidFill>
+                  <a:schemeClr val="bg1"/>
+                </a:solidFill>
+                <a:latin typeface="Open Sans" panose="020B0606030504020204" pitchFamily="34" charset="0"/>
+                <a:ea typeface="Open Sans" panose="020B0606030504020204" pitchFamily="34" charset="0"/>
+                <a:cs typeface="Open Sans" panose="020B0606030504020204" pitchFamily="34" charset="0"/>
+              </a:rPr>
+              <a:t>We hypothesize that a greater number of air passenger arrivals in a US state is positively correlated with a greater number of COVID-19 cases.</a:t>
+            </a:r>
+            <a:endParaRPr lang="en-SG" sz="2800" b="1" dirty="0">
+              <a:solidFill>
+                <a:schemeClr val="bg1"/>
+              </a:solidFill>
+              <a:latin typeface="Open Sans" panose="020B0606030504020204" pitchFamily="34" charset="0"/>
+              <a:ea typeface="Open Sans" panose="020B0606030504020204" pitchFamily="34" charset="0"/>
+              <a:cs typeface="Open Sans" panose="020B0606030504020204" pitchFamily="34" charset="0"/>
+            </a:endParaRPr>
+          </a:p>
+        </p:txBody>
+      </p:sp>
+      <p:sp>
+        <p:nvSpPr>
+          <p:cNvPr id="34" name="TextBox 33">
+            <a:extLst>
+              <a:ext uri="{FF2B5EF4-FFF2-40B4-BE49-F238E27FC236}">
+                <a16:creationId xmlns:a16="http://schemas.microsoft.com/office/drawing/2014/main" id="{EC79E649-01C3-4A37-A0BF-CB5147C2A3E7}"/>
+              </a:ext>
+            </a:extLst>
+          </p:cNvPr>
+          <p:cNvSpPr txBox="1"/>
+          <p:nvPr/>
+        </p:nvSpPr>
+        <p:spPr>
+          <a:xfrm>
+            <a:off x="13991679" y="18301316"/>
+            <a:ext cx="8374408" cy="830997"/>
+          </a:xfrm>
+          <a:prstGeom prst="rect">
+            <a:avLst/>
+          </a:prstGeom>
+          <a:noFill/>
+        </p:spPr>
+        <p:txBody>
+          <a:bodyPr wrap="none" rtlCol="0">
+            <a:spAutoFit/>
+          </a:bodyPr>
+          <a:lstStyle/>
+          <a:p>
+            <a:r>
+              <a:rPr lang="en-US" sz="4800" b="1" dirty="0">
+                <a:solidFill>
+                  <a:schemeClr val="bg1"/>
+                </a:solidFill>
+                <a:latin typeface="Open Sans" panose="020B0606030504020204" pitchFamily="34" charset="0"/>
+                <a:ea typeface="Open Sans" panose="020B0606030504020204" pitchFamily="34" charset="0"/>
+                <a:cs typeface="Open Sans" panose="020B0606030504020204" pitchFamily="34" charset="0"/>
+              </a:rPr>
+              <a:t>Multiple Linear Regression</a:t>
+            </a:r>
+            <a:endParaRPr lang="en-SG" sz="4800" b="1" dirty="0">
+              <a:solidFill>
+                <a:schemeClr val="bg1"/>
+              </a:solidFill>
+              <a:latin typeface="Open Sans" panose="020B0606030504020204" pitchFamily="34" charset="0"/>
+              <a:ea typeface="Open Sans" panose="020B0606030504020204" pitchFamily="34" charset="0"/>
+              <a:cs typeface="Open Sans" panose="020B0606030504020204" pitchFamily="34" charset="0"/>
+            </a:endParaRPr>
+          </a:p>
+        </p:txBody>
+      </p:sp>
+      <p:sp>
+        <p:nvSpPr>
+          <p:cNvPr id="35" name="TextBox 34">
+            <a:extLst>
+              <a:ext uri="{FF2B5EF4-FFF2-40B4-BE49-F238E27FC236}">
+                <a16:creationId xmlns:a16="http://schemas.microsoft.com/office/drawing/2014/main" id="{C1DF6537-7DD6-4A99-A5F4-03E48C88DBBD}"/>
+              </a:ext>
+            </a:extLst>
+          </p:cNvPr>
+          <p:cNvSpPr txBox="1"/>
+          <p:nvPr/>
+        </p:nvSpPr>
+        <p:spPr>
+          <a:xfrm>
+            <a:off x="15400719" y="22568452"/>
+            <a:ext cx="6118983" cy="830997"/>
+          </a:xfrm>
+          <a:prstGeom prst="rect">
+            <a:avLst/>
+          </a:prstGeom>
+          <a:noFill/>
+        </p:spPr>
+        <p:txBody>
+          <a:bodyPr wrap="none" rtlCol="0">
+            <a:spAutoFit/>
+          </a:bodyPr>
+          <a:lstStyle/>
+          <a:p>
+            <a:r>
+              <a:rPr lang="en-US" sz="4800" b="1">
+                <a:solidFill>
+                  <a:schemeClr val="bg1"/>
+                </a:solidFill>
+                <a:latin typeface="Open Sans" panose="020B0606030504020204" pitchFamily="34" charset="0"/>
+                <a:ea typeface="Open Sans" panose="020B0606030504020204" pitchFamily="34" charset="0"/>
+                <a:cs typeface="Open Sans" panose="020B0606030504020204" pitchFamily="34" charset="0"/>
+              </a:rPr>
+              <a:t>Fixed Effects Model</a:t>
+            </a:r>
+            <a:endParaRPr lang="en-SG" sz="4800" b="1" dirty="0">
+              <a:solidFill>
+                <a:schemeClr val="bg1"/>
+              </a:solidFill>
+              <a:latin typeface="Open Sans" panose="020B0606030504020204" pitchFamily="34" charset="0"/>
+              <a:ea typeface="Open Sans" panose="020B0606030504020204" pitchFamily="34" charset="0"/>
+              <a:cs typeface="Open Sans" panose="020B0606030504020204" pitchFamily="34" charset="0"/>
+            </a:endParaRPr>
+          </a:p>
+        </p:txBody>
+      </p:sp>
+      <p:sp>
+        <p:nvSpPr>
+          <p:cNvPr id="38" name="TextBox 37">
+            <a:extLst>
+              <a:ext uri="{FF2B5EF4-FFF2-40B4-BE49-F238E27FC236}">
+                <a16:creationId xmlns:a16="http://schemas.microsoft.com/office/drawing/2014/main" id="{9F5ABB0B-5FF4-4A3F-9E3D-C82ECE5652F7}"/>
+              </a:ext>
+            </a:extLst>
+          </p:cNvPr>
+          <p:cNvSpPr txBox="1"/>
+          <p:nvPr/>
+        </p:nvSpPr>
+        <p:spPr>
+          <a:xfrm>
+            <a:off x="29039366" y="2991552"/>
+            <a:ext cx="5644494" cy="830997"/>
+          </a:xfrm>
+          <a:prstGeom prst="rect">
+            <a:avLst/>
+          </a:prstGeom>
+          <a:noFill/>
+        </p:spPr>
+        <p:txBody>
+          <a:bodyPr wrap="none" rtlCol="0">
+            <a:spAutoFit/>
+          </a:bodyPr>
+          <a:lstStyle/>
+          <a:p>
+            <a:r>
+              <a:rPr lang="en-US" sz="4800" b="1" dirty="0">
+                <a:solidFill>
+                  <a:schemeClr val="bg1"/>
+                </a:solidFill>
+                <a:latin typeface="Open Sans" panose="020B0606030504020204" pitchFamily="34" charset="0"/>
+                <a:ea typeface="Open Sans" panose="020B0606030504020204" pitchFamily="34" charset="0"/>
+                <a:cs typeface="Open Sans" panose="020B0606030504020204" pitchFamily="34" charset="0"/>
+              </a:rPr>
+              <a:t>Map Visualization</a:t>
+            </a:r>
+            <a:endParaRPr lang="en-SG" sz="4800" b="1" dirty="0">
+              <a:solidFill>
+                <a:schemeClr val="bg1"/>
+              </a:solidFill>
+              <a:latin typeface="Open Sans" panose="020B0606030504020204" pitchFamily="34" charset="0"/>
+              <a:ea typeface="Open Sans" panose="020B0606030504020204" pitchFamily="34" charset="0"/>
+              <a:cs typeface="Open Sans" panose="020B0606030504020204" pitchFamily="34" charset="0"/>
+            </a:endParaRPr>
+          </a:p>
+        </p:txBody>
+      </p:sp>
+      <p:sp>
+        <p:nvSpPr>
+          <p:cNvPr id="39" name="TextBox 38">
+            <a:extLst>
+              <a:ext uri="{FF2B5EF4-FFF2-40B4-BE49-F238E27FC236}">
+                <a16:creationId xmlns:a16="http://schemas.microsoft.com/office/drawing/2014/main" id="{E11D258C-70B4-45F4-95B6-10A70127DA1A}"/>
+              </a:ext>
+            </a:extLst>
+          </p:cNvPr>
+          <p:cNvSpPr txBox="1"/>
+          <p:nvPr/>
+        </p:nvSpPr>
+        <p:spPr>
+          <a:xfrm>
+            <a:off x="27348963" y="4919729"/>
+            <a:ext cx="10387853" cy="3323987"/>
+          </a:xfrm>
+          <a:prstGeom prst="rect">
+            <a:avLst/>
+          </a:prstGeom>
+          <a:noFill/>
+        </p:spPr>
+        <p:txBody>
+          <a:bodyPr wrap="square" rtlCol="0">
+            <a:spAutoFit/>
+          </a:bodyPr>
+          <a:lstStyle/>
+          <a:p>
+            <a:pPr algn="just"/>
+            <a:r>
+              <a:rPr lang="en-US" sz="3000" dirty="0">
+                <a:solidFill>
+                  <a:schemeClr val="bg1"/>
+                </a:solidFill>
+                <a:latin typeface="Open Sans" panose="020B0606030504020204" pitchFamily="34" charset="0"/>
+                <a:ea typeface="Open Sans" panose="020B0606030504020204" pitchFamily="34" charset="0"/>
+                <a:cs typeface="Open Sans" panose="020B0606030504020204" pitchFamily="34" charset="0"/>
+              </a:rPr>
+              <a:t>Recently, avocados have been specifically tied to the millennial generation, due to its increasing presence in social media and public platforms. While this connection is widely acknowledged, we wanted to see whether it could be statistically supported that </a:t>
+            </a:r>
+            <a:r>
+              <a:rPr lang="en-US" sz="3000" dirty="0" err="1">
+                <a:solidFill>
+                  <a:schemeClr val="bg1"/>
+                </a:solidFill>
+                <a:latin typeface="Open Sans" panose="020B0606030504020204" pitchFamily="34" charset="0"/>
+                <a:ea typeface="Open Sans" panose="020B0606030504020204" pitchFamily="34" charset="0"/>
+                <a:cs typeface="Open Sans" panose="020B0606030504020204" pitchFamily="34" charset="0"/>
+              </a:rPr>
+              <a:t>millenials</a:t>
+            </a:r>
+            <a:r>
+              <a:rPr lang="en-US" sz="3000" dirty="0">
+                <a:solidFill>
+                  <a:schemeClr val="bg1"/>
+                </a:solidFill>
+                <a:latin typeface="Open Sans" panose="020B0606030504020204" pitchFamily="34" charset="0"/>
+                <a:ea typeface="Open Sans" panose="020B0606030504020204" pitchFamily="34" charset="0"/>
+                <a:cs typeface="Open Sans" panose="020B0606030504020204" pitchFamily="34" charset="0"/>
+              </a:rPr>
+              <a:t> consume more avocados, even though increased consumption may have increased prices of this unique fruit.</a:t>
+            </a:r>
+            <a:endParaRPr lang="en-SG" sz="3000" b="1" dirty="0">
+              <a:solidFill>
+                <a:schemeClr val="bg1"/>
+              </a:solidFill>
+              <a:latin typeface="Open Sans" panose="020B0606030504020204" pitchFamily="34" charset="0"/>
+              <a:ea typeface="Open Sans" panose="020B0606030504020204" pitchFamily="34" charset="0"/>
+              <a:cs typeface="Open Sans" panose="020B0606030504020204" pitchFamily="34" charset="0"/>
+            </a:endParaRPr>
+          </a:p>
+        </p:txBody>
+      </p:sp>
+      <p:sp>
+        <p:nvSpPr>
+          <p:cNvPr id="40" name="TextBox 39">
+            <a:extLst>
+              <a:ext uri="{FF2B5EF4-FFF2-40B4-BE49-F238E27FC236}">
+                <a16:creationId xmlns:a16="http://schemas.microsoft.com/office/drawing/2014/main" id="{3D168F51-D0AE-46ED-9BB6-5C3085EEB174}"/>
+              </a:ext>
+            </a:extLst>
+          </p:cNvPr>
+          <p:cNvSpPr txBox="1"/>
+          <p:nvPr/>
+        </p:nvSpPr>
+        <p:spPr>
+          <a:xfrm>
+            <a:off x="30156659" y="12511338"/>
+            <a:ext cx="3855543" cy="830997"/>
+          </a:xfrm>
+          <a:prstGeom prst="rect">
+            <a:avLst/>
+          </a:prstGeom>
+          <a:noFill/>
+        </p:spPr>
+        <p:txBody>
+          <a:bodyPr wrap="none" rtlCol="0">
+            <a:spAutoFit/>
+          </a:bodyPr>
+          <a:lstStyle/>
+          <a:p>
+            <a:r>
+              <a:rPr lang="en-US" sz="4800" b="1" dirty="0">
+                <a:solidFill>
+                  <a:schemeClr val="bg1"/>
+                </a:solidFill>
+                <a:latin typeface="Open Sans" panose="020B0606030504020204" pitchFamily="34" charset="0"/>
+                <a:ea typeface="Open Sans" panose="020B0606030504020204" pitchFamily="34" charset="0"/>
+                <a:cs typeface="Open Sans" panose="020B0606030504020204" pitchFamily="34" charset="0"/>
+              </a:rPr>
+              <a:t>Conclusions</a:t>
+            </a:r>
+            <a:endParaRPr lang="en-SG" sz="4800" b="1" dirty="0">
+              <a:solidFill>
+                <a:schemeClr val="bg1"/>
+              </a:solidFill>
+              <a:latin typeface="Open Sans" panose="020B0606030504020204" pitchFamily="34" charset="0"/>
+              <a:ea typeface="Open Sans" panose="020B0606030504020204" pitchFamily="34" charset="0"/>
+              <a:cs typeface="Open Sans" panose="020B0606030504020204" pitchFamily="34" charset="0"/>
+            </a:endParaRPr>
+          </a:p>
+        </p:txBody>
+      </p:sp>
+      <p:sp>
+        <p:nvSpPr>
+          <p:cNvPr id="41" name="TextBox 40">
+            <a:extLst>
+              <a:ext uri="{FF2B5EF4-FFF2-40B4-BE49-F238E27FC236}">
+                <a16:creationId xmlns:a16="http://schemas.microsoft.com/office/drawing/2014/main" id="{5688038F-5519-44EB-9898-F25405AD3858}"/>
+              </a:ext>
+            </a:extLst>
+          </p:cNvPr>
+          <p:cNvSpPr txBox="1"/>
+          <p:nvPr/>
+        </p:nvSpPr>
+        <p:spPr>
+          <a:xfrm>
+            <a:off x="27348963" y="13834777"/>
+            <a:ext cx="10387853" cy="3323987"/>
+          </a:xfrm>
+          <a:prstGeom prst="rect">
+            <a:avLst/>
+          </a:prstGeom>
+          <a:noFill/>
+        </p:spPr>
+        <p:txBody>
+          <a:bodyPr wrap="square" rtlCol="0">
+            <a:spAutoFit/>
+          </a:bodyPr>
+          <a:lstStyle/>
+          <a:p>
+            <a:pPr algn="just"/>
+            <a:r>
+              <a:rPr lang="en-US" sz="3000" dirty="0">
+                <a:solidFill>
+                  <a:schemeClr val="bg1"/>
+                </a:solidFill>
+                <a:latin typeface="Open Sans" panose="020B0606030504020204" pitchFamily="34" charset="0"/>
+                <a:ea typeface="Open Sans" panose="020B0606030504020204" pitchFamily="34" charset="0"/>
+                <a:cs typeface="Open Sans" panose="020B0606030504020204" pitchFamily="34" charset="0"/>
+              </a:rPr>
+              <a:t>Recently, avocados have been specifically tied to the millennial generation, due to its increasing presence in social media and public platforms. While this connection is widely acknowledged, we wanted to see whether it could be statistically supported that </a:t>
+            </a:r>
+            <a:r>
+              <a:rPr lang="en-US" sz="3000" dirty="0" err="1">
+                <a:solidFill>
+                  <a:schemeClr val="bg1"/>
+                </a:solidFill>
+                <a:latin typeface="Open Sans" panose="020B0606030504020204" pitchFamily="34" charset="0"/>
+                <a:ea typeface="Open Sans" panose="020B0606030504020204" pitchFamily="34" charset="0"/>
+                <a:cs typeface="Open Sans" panose="020B0606030504020204" pitchFamily="34" charset="0"/>
+              </a:rPr>
+              <a:t>millenials</a:t>
+            </a:r>
+            <a:r>
+              <a:rPr lang="en-US" sz="3000" dirty="0">
+                <a:solidFill>
+                  <a:schemeClr val="bg1"/>
+                </a:solidFill>
+                <a:latin typeface="Open Sans" panose="020B0606030504020204" pitchFamily="34" charset="0"/>
+                <a:ea typeface="Open Sans" panose="020B0606030504020204" pitchFamily="34" charset="0"/>
+                <a:cs typeface="Open Sans" panose="020B0606030504020204" pitchFamily="34" charset="0"/>
+              </a:rPr>
+              <a:t> consume more avocados, even though increased consumption may have increased prices of this unique fruit.</a:t>
+            </a:r>
+            <a:endParaRPr lang="en-SG" sz="3000" b="1" dirty="0">
+              <a:solidFill>
+                <a:schemeClr val="bg1"/>
+              </a:solidFill>
+              <a:latin typeface="Open Sans" panose="020B0606030504020204" pitchFamily="34" charset="0"/>
+              <a:ea typeface="Open Sans" panose="020B0606030504020204" pitchFamily="34" charset="0"/>
+              <a:cs typeface="Open Sans" panose="020B0606030504020204" pitchFamily="34" charset="0"/>
+            </a:endParaRPr>
+          </a:p>
+        </p:txBody>
+      </p:sp>
+      <p:sp>
+        <p:nvSpPr>
+          <p:cNvPr id="42" name="TextBox 41">
+            <a:extLst>
+              <a:ext uri="{FF2B5EF4-FFF2-40B4-BE49-F238E27FC236}">
+                <a16:creationId xmlns:a16="http://schemas.microsoft.com/office/drawing/2014/main" id="{77ECABAD-E3CF-424E-B3B2-9B8BA862B018}"/>
+              </a:ext>
+            </a:extLst>
+          </p:cNvPr>
+          <p:cNvSpPr txBox="1"/>
+          <p:nvPr/>
+        </p:nvSpPr>
+        <p:spPr>
+          <a:xfrm>
+            <a:off x="26927028" y="19195836"/>
+            <a:ext cx="11231723" cy="1079013"/>
+          </a:xfrm>
+          <a:prstGeom prst="rect">
+            <a:avLst/>
+          </a:prstGeom>
+          <a:noFill/>
+        </p:spPr>
+        <p:txBody>
+          <a:bodyPr wrap="square" rtlCol="0">
+            <a:spAutoFit/>
+          </a:bodyPr>
+          <a:lstStyle/>
+          <a:p>
+            <a:pPr algn="ctr">
+              <a:lnSpc>
+                <a:spcPts val="8400"/>
+              </a:lnSpc>
+            </a:pPr>
+            <a:r>
+              <a:rPr lang="en-US" sz="4800" b="1" dirty="0">
+                <a:solidFill>
+                  <a:schemeClr val="bg1"/>
+                </a:solidFill>
+                <a:latin typeface="Open Sans" panose="020B0606030504020204" pitchFamily="34" charset="0"/>
+                <a:ea typeface="Open Sans" panose="020B0606030504020204" pitchFamily="34" charset="0"/>
+                <a:cs typeface="Open Sans" panose="020B0606030504020204" pitchFamily="34" charset="0"/>
+              </a:rPr>
+              <a:t>Limitations / Future Directions</a:t>
+            </a:r>
+            <a:endParaRPr lang="en-SG" sz="4800" b="1" dirty="0">
+              <a:solidFill>
+                <a:schemeClr val="bg1"/>
+              </a:solidFill>
+              <a:latin typeface="Open Sans" panose="020B0606030504020204" pitchFamily="34" charset="0"/>
+              <a:ea typeface="Open Sans" panose="020B0606030504020204" pitchFamily="34" charset="0"/>
+              <a:cs typeface="Open Sans" panose="020B0606030504020204" pitchFamily="34" charset="0"/>
+            </a:endParaRPr>
+          </a:p>
+        </p:txBody>
+      </p:sp>
+      <p:sp>
+        <p:nvSpPr>
+          <p:cNvPr id="43" name="TextBox 42">
+            <a:extLst>
+              <a:ext uri="{FF2B5EF4-FFF2-40B4-BE49-F238E27FC236}">
+                <a16:creationId xmlns:a16="http://schemas.microsoft.com/office/drawing/2014/main" id="{4B9841C7-26CE-407D-B5DB-A028C67B1550}"/>
+              </a:ext>
+            </a:extLst>
+          </p:cNvPr>
+          <p:cNvSpPr txBox="1"/>
+          <p:nvPr/>
+        </p:nvSpPr>
+        <p:spPr>
+          <a:xfrm>
+            <a:off x="27348963" y="20995884"/>
+            <a:ext cx="10387853" cy="3323987"/>
+          </a:xfrm>
+          <a:prstGeom prst="rect">
+            <a:avLst/>
+          </a:prstGeom>
+          <a:noFill/>
+        </p:spPr>
+        <p:txBody>
+          <a:bodyPr wrap="square" rtlCol="0">
+            <a:spAutoFit/>
+          </a:bodyPr>
+          <a:lstStyle/>
+          <a:p>
+            <a:pPr algn="just"/>
+            <a:r>
+              <a:rPr lang="en-US" sz="3000" dirty="0">
+                <a:solidFill>
+                  <a:schemeClr val="bg1"/>
+                </a:solidFill>
+                <a:latin typeface="Open Sans" panose="020B0606030504020204" pitchFamily="34" charset="0"/>
+                <a:ea typeface="Open Sans" panose="020B0606030504020204" pitchFamily="34" charset="0"/>
+                <a:cs typeface="Open Sans" panose="020B0606030504020204" pitchFamily="34" charset="0"/>
+              </a:rPr>
+              <a:t>Recently, avocados have been specifically tied to the millennial generation, due to its increasing presence in social media and public platforms. While this connection is widely acknowledged, we wanted to see whether it could be statistically supported that </a:t>
+            </a:r>
+            <a:r>
+              <a:rPr lang="en-US" sz="3000" dirty="0" err="1">
+                <a:solidFill>
+                  <a:schemeClr val="bg1"/>
+                </a:solidFill>
+                <a:latin typeface="Open Sans" panose="020B0606030504020204" pitchFamily="34" charset="0"/>
+                <a:ea typeface="Open Sans" panose="020B0606030504020204" pitchFamily="34" charset="0"/>
+                <a:cs typeface="Open Sans" panose="020B0606030504020204" pitchFamily="34" charset="0"/>
+              </a:rPr>
+              <a:t>millenials</a:t>
+            </a:r>
+            <a:r>
+              <a:rPr lang="en-US" sz="3000" dirty="0">
+                <a:solidFill>
+                  <a:schemeClr val="bg1"/>
+                </a:solidFill>
+                <a:latin typeface="Open Sans" panose="020B0606030504020204" pitchFamily="34" charset="0"/>
+                <a:ea typeface="Open Sans" panose="020B0606030504020204" pitchFamily="34" charset="0"/>
+                <a:cs typeface="Open Sans" panose="020B0606030504020204" pitchFamily="34" charset="0"/>
+              </a:rPr>
+              <a:t> consume more avocados, even though increased consumption may have increased prices of this unique fruit.</a:t>
+            </a:r>
+            <a:endParaRPr lang="en-SG" sz="3000" b="1" dirty="0">
+              <a:solidFill>
+                <a:schemeClr val="bg1"/>
+              </a:solidFill>
+              <a:latin typeface="Open Sans" panose="020B0606030504020204" pitchFamily="34" charset="0"/>
+              <a:ea typeface="Open Sans" panose="020B0606030504020204" pitchFamily="34" charset="0"/>
+              <a:cs typeface="Open Sans" panose="020B0606030504020204" pitchFamily="34" charset="0"/>
+            </a:endParaRPr>
+          </a:p>
+        </p:txBody>
+      </p:sp>
+      <p:sp>
+        <p:nvSpPr>
+          <p:cNvPr id="44" name="TextBox 43">
+            <a:extLst>
+              <a:ext uri="{FF2B5EF4-FFF2-40B4-BE49-F238E27FC236}">
+                <a16:creationId xmlns:a16="http://schemas.microsoft.com/office/drawing/2014/main" id="{668AE86B-5888-47EE-98AF-B24727FD0EF3}"/>
+              </a:ext>
+            </a:extLst>
+          </p:cNvPr>
+          <p:cNvSpPr txBox="1"/>
+          <p:nvPr/>
+        </p:nvSpPr>
+        <p:spPr>
+          <a:xfrm>
+            <a:off x="11608904" y="4896160"/>
+            <a:ext cx="15186992" cy="2400657"/>
+          </a:xfrm>
+          <a:prstGeom prst="rect">
+            <a:avLst/>
+          </a:prstGeom>
+          <a:noFill/>
+        </p:spPr>
+        <p:txBody>
+          <a:bodyPr wrap="square" rtlCol="0">
+            <a:spAutoFit/>
+          </a:bodyPr>
+          <a:lstStyle/>
+          <a:p>
+            <a:pPr algn="just"/>
+            <a:r>
+              <a:rPr lang="en-US" sz="3000" dirty="0">
+                <a:solidFill>
+                  <a:schemeClr val="bg1"/>
+                </a:solidFill>
+                <a:latin typeface="Open Sans" panose="020B0606030504020204" pitchFamily="34" charset="0"/>
+                <a:ea typeface="Open Sans" panose="020B0606030504020204" pitchFamily="34" charset="0"/>
+                <a:cs typeface="Open Sans" panose="020B0606030504020204" pitchFamily="34" charset="0"/>
+              </a:rPr>
+              <a:t>Recently, avocados have been specifically tied to the millennial generation, due to its increasing presence in social media and public platforms. While this connection is widely acknowledged, we wanted to see whether it could be statistically supported that </a:t>
+            </a:r>
+            <a:r>
+              <a:rPr lang="en-US" sz="3000" dirty="0" err="1">
+                <a:solidFill>
+                  <a:schemeClr val="bg1"/>
+                </a:solidFill>
+                <a:latin typeface="Open Sans" panose="020B0606030504020204" pitchFamily="34" charset="0"/>
+                <a:ea typeface="Open Sans" panose="020B0606030504020204" pitchFamily="34" charset="0"/>
+                <a:cs typeface="Open Sans" panose="020B0606030504020204" pitchFamily="34" charset="0"/>
+              </a:rPr>
+              <a:t>millenials</a:t>
+            </a:r>
+            <a:r>
+              <a:rPr lang="en-US" sz="3000" dirty="0">
+                <a:solidFill>
+                  <a:schemeClr val="bg1"/>
+                </a:solidFill>
+                <a:latin typeface="Open Sans" panose="020B0606030504020204" pitchFamily="34" charset="0"/>
+                <a:ea typeface="Open Sans" panose="020B0606030504020204" pitchFamily="34" charset="0"/>
+                <a:cs typeface="Open Sans" panose="020B0606030504020204" pitchFamily="34" charset="0"/>
+              </a:rPr>
+              <a:t> consume more avocados, even though increased consumption may have increased prices of this unique fruit.</a:t>
+            </a:r>
+            <a:endParaRPr lang="en-SG" sz="3000" b="1" dirty="0">
+              <a:solidFill>
+                <a:schemeClr val="bg1"/>
+              </a:solidFill>
+              <a:latin typeface="Open Sans" panose="020B0606030504020204" pitchFamily="34" charset="0"/>
+              <a:ea typeface="Open Sans" panose="020B0606030504020204" pitchFamily="34" charset="0"/>
+              <a:cs typeface="Open Sans" panose="020B0606030504020204" pitchFamily="34" charset="0"/>
+            </a:endParaRPr>
+          </a:p>
+        </p:txBody>
+      </p:sp>
+      <p:sp>
+        <p:nvSpPr>
+          <p:cNvPr id="31" name="TextBox 30">
+            <a:extLst>
+              <a:ext uri="{FF2B5EF4-FFF2-40B4-BE49-F238E27FC236}">
+                <a16:creationId xmlns:a16="http://schemas.microsoft.com/office/drawing/2014/main" id="{1BA3DDFA-DB39-474F-B149-FF2854456D8F}"/>
+              </a:ext>
+            </a:extLst>
+          </p:cNvPr>
+          <p:cNvSpPr txBox="1"/>
+          <p:nvPr/>
+        </p:nvSpPr>
+        <p:spPr>
+          <a:xfrm>
+            <a:off x="685185" y="15708791"/>
+            <a:ext cx="10387853" cy="3108543"/>
+          </a:xfrm>
+          <a:prstGeom prst="rect">
+            <a:avLst/>
+          </a:prstGeom>
+          <a:noFill/>
+        </p:spPr>
+        <p:txBody>
+          <a:bodyPr wrap="square" rtlCol="0">
+            <a:spAutoFit/>
+          </a:bodyPr>
+          <a:lstStyle/>
+          <a:p>
+            <a:pPr algn="just"/>
+            <a:r>
+              <a:rPr lang="en-US" sz="2800" dirty="0">
+                <a:solidFill>
+                  <a:schemeClr val="bg1"/>
+                </a:solidFill>
+                <a:latin typeface="Open Sans" panose="020B0606030504020204" pitchFamily="34" charset="0"/>
+                <a:ea typeface="Open Sans" panose="020B0606030504020204" pitchFamily="34" charset="0"/>
+                <a:cs typeface="Open Sans" panose="020B0606030504020204" pitchFamily="34" charset="0"/>
+              </a:rPr>
+              <a:t>Our exploratory data analysis (see below) gave us the following insights:</a:t>
+            </a:r>
+          </a:p>
+          <a:p>
+            <a:pPr marL="457200" indent="-457200" algn="just">
+              <a:buFont typeface="Arial" panose="020B0604020202020204" pitchFamily="34" charset="0"/>
+              <a:buChar char="•"/>
+            </a:pPr>
+            <a:r>
+              <a:rPr lang="en-SG" sz="2800" dirty="0">
+                <a:solidFill>
+                  <a:schemeClr val="bg1"/>
+                </a:solidFill>
+                <a:latin typeface="Open Sans" panose="020B0606030504020204" pitchFamily="34" charset="0"/>
+                <a:ea typeface="Open Sans" panose="020B0606030504020204" pitchFamily="34" charset="0"/>
+                <a:cs typeface="Open Sans" panose="020B0606030504020204" pitchFamily="34" charset="0"/>
+              </a:rPr>
+              <a:t>States with large pop. had more arrivals and cases – pop. is a possible causal factor for both</a:t>
+            </a:r>
+          </a:p>
+          <a:p>
+            <a:pPr marL="457200" indent="-457200" algn="just">
+              <a:buFont typeface="Arial" panose="020B0604020202020204" pitchFamily="34" charset="0"/>
+              <a:buChar char="•"/>
+            </a:pPr>
+            <a:r>
+              <a:rPr lang="en-SG" sz="2800" dirty="0">
+                <a:solidFill>
+                  <a:schemeClr val="bg1"/>
+                </a:solidFill>
+                <a:latin typeface="Open Sans" panose="020B0606030504020204" pitchFamily="34" charset="0"/>
+                <a:ea typeface="Open Sans" panose="020B0606030504020204" pitchFamily="34" charset="0"/>
+                <a:cs typeface="Open Sans" panose="020B0606030504020204" pitchFamily="34" charset="0"/>
+              </a:rPr>
+              <a:t>Linear r/s in log-log plot – possible polynomial r/s</a:t>
+            </a:r>
+          </a:p>
+          <a:p>
+            <a:pPr marL="457200" indent="-457200" algn="just">
+              <a:buFont typeface="Arial" panose="020B0604020202020204" pitchFamily="34" charset="0"/>
+              <a:buChar char="•"/>
+            </a:pPr>
+            <a:r>
+              <a:rPr lang="en-SG" sz="2800" dirty="0">
+                <a:solidFill>
+                  <a:schemeClr val="bg1"/>
+                </a:solidFill>
+                <a:latin typeface="Open Sans" panose="020B0606030504020204" pitchFamily="34" charset="0"/>
+                <a:ea typeface="Open Sans" panose="020B0606030504020204" pitchFamily="34" charset="0"/>
+                <a:cs typeface="Open Sans" panose="020B0606030504020204" pitchFamily="34" charset="0"/>
+              </a:rPr>
+              <a:t>Both variables increased over time – possible fixed time effects</a:t>
+            </a:r>
+          </a:p>
+        </p:txBody>
+      </p:sp>
+      <p:pic>
+        <p:nvPicPr>
+          <p:cNvPr id="1040" name="Picture 16">
+            <a:extLst>
+              <a:ext uri="{FF2B5EF4-FFF2-40B4-BE49-F238E27FC236}">
+                <a16:creationId xmlns:a16="http://schemas.microsoft.com/office/drawing/2014/main" id="{A8678848-A210-494A-8C1E-D1BB15BF22CA}"/>
+              </a:ext>
+            </a:extLst>
+          </p:cNvPr>
+          <p:cNvPicPr>
+            <a:picLocks noChangeAspect="1" noChangeArrowheads="1"/>
+          </p:cNvPicPr>
+          <p:nvPr/>
+        </p:nvPicPr>
+        <p:blipFill>
+          <a:blip r:embed="rId6">
+            <a:extLst>
+              <a:ext uri="{28A0092B-C50C-407E-A947-70E740481C1C}">
+                <a14:useLocalDpi xmlns:a14="http://schemas.microsoft.com/office/drawing/2010/main" val="0"/>
+              </a:ext>
+            </a:extLst>
+          </a:blip>
+          <a:srcRect/>
+          <a:stretch>
+            <a:fillRect/>
+          </a:stretch>
+        </p:blipFill>
+        <p:spPr bwMode="auto">
+          <a:xfrm>
+            <a:off x="685184" y="18912534"/>
+            <a:ext cx="10387854" cy="4364044"/>
           </a:xfrm>
           <a:prstGeom prst="rect">
             <a:avLst/>
           </a:prstGeom>
           <a:solidFill>
-            <a:srgbClr val="7C283E">
-              <a:alpha val="80000"/>
-            </a:srgbClr>
+            <a:schemeClr val="bg1"/>
           </a:solidFill>
-          <a:effectLst>
-            <a:outerShdw blurRad="50800" dist="38100" dir="2700000" algn="tl" rotWithShape="0">
-              <a:prstClr val="black">
-                <a:alpha val="40000"/>
-              </a:prstClr>
-            </a:outerShdw>
-          </a:effectLst>
         </p:spPr>
-        <p:style>
-          <a:lnRef idx="2">
-            <a:schemeClr val="accent1">
-              <a:shade val="50000"/>
-            </a:schemeClr>
-          </a:lnRef>
-          <a:fillRef idx="1">
-            <a:schemeClr val="accent1"/>
-          </a:fillRef>
-          <a:effectRef idx="0">
-            <a:schemeClr val="accent1"/>
-          </a:effectRef>
-          <a:fontRef idx="minor">
-            <a:schemeClr val="lt1"/>
-          </a:fontRef>
-        </p:style>
-        <p:txBody>
-          <a:bodyPr rtlCol="0" anchor="ctr"/>
-          <a:lstStyle/>
-          <a:p>
-            <a:pPr algn="ctr"/>
-            <a:endParaRPr lang="en-US" sz="8000" b="1" dirty="0"/>
+      </p:pic>
+      <p:sp>
+        <p:nvSpPr>
+          <p:cNvPr id="33" name="TextBox 32">
+            <a:extLst>
+              <a:ext uri="{FF2B5EF4-FFF2-40B4-BE49-F238E27FC236}">
+                <a16:creationId xmlns:a16="http://schemas.microsoft.com/office/drawing/2014/main" id="{DD90FA3E-BF0F-4F34-9FF1-63BABB1F485D}"/>
+              </a:ext>
+            </a:extLst>
+          </p:cNvPr>
+          <p:cNvSpPr txBox="1"/>
+          <p:nvPr/>
+        </p:nvSpPr>
+        <p:spPr>
+          <a:xfrm>
+            <a:off x="685185" y="23344116"/>
+            <a:ext cx="10387853" cy="5339923"/>
+          </a:xfrm>
+          <a:prstGeom prst="rect">
+            <a:avLst/>
+          </a:prstGeom>
+          <a:noFill/>
+        </p:spPr>
+        <p:txBody>
+          <a:bodyPr wrap="square" rtlCol="0">
+            <a:spAutoFit/>
+          </a:bodyPr>
+          <a:lstStyle/>
+          <a:p>
+            <a:pPr algn="just"/>
+            <a:r>
+              <a:rPr lang="en-US" sz="2800" dirty="0">
+                <a:solidFill>
+                  <a:schemeClr val="bg1"/>
+                </a:solidFill>
+                <a:latin typeface="Open Sans" panose="020B0606030504020204" pitchFamily="34" charset="0"/>
+                <a:ea typeface="Open Sans" panose="020B0606030504020204" pitchFamily="34" charset="0"/>
+                <a:cs typeface="Open Sans" panose="020B0606030504020204" pitchFamily="34" charset="0"/>
+              </a:rPr>
+              <a:t>We ran simple linear regression with different versions of our variables:</a:t>
+            </a:r>
+          </a:p>
+          <a:p>
+            <a:pPr marL="457200" indent="-457200" algn="just">
+              <a:buFont typeface="Arial" panose="020B0604020202020204" pitchFamily="34" charset="0"/>
+              <a:buChar char="•"/>
+            </a:pPr>
+            <a:r>
+              <a:rPr lang="en-US" sz="2800" b="1" dirty="0">
+                <a:solidFill>
+                  <a:schemeClr val="bg1"/>
+                </a:solidFill>
+                <a:latin typeface="Open Sans" panose="020B0606030504020204" pitchFamily="34" charset="0"/>
+                <a:ea typeface="Open Sans" panose="020B0606030504020204" pitchFamily="34" charset="0"/>
+                <a:cs typeface="Open Sans" panose="020B0606030504020204" pitchFamily="34" charset="0"/>
+              </a:rPr>
+              <a:t>Model 1A </a:t>
+            </a:r>
+            <a:r>
+              <a:rPr lang="en-US" sz="2800" dirty="0">
+                <a:solidFill>
+                  <a:schemeClr val="bg1"/>
+                </a:solidFill>
+                <a:latin typeface="Open Sans" panose="020B0606030504020204" pitchFamily="34" charset="0"/>
+                <a:ea typeface="Open Sans" panose="020B0606030504020204" pitchFamily="34" charset="0"/>
+                <a:cs typeface="Open Sans" panose="020B0606030504020204" pitchFamily="34" charset="0"/>
+              </a:rPr>
+              <a:t>– No. of arrivals vs no. of cases</a:t>
+            </a:r>
+          </a:p>
+          <a:p>
+            <a:pPr marL="457200" indent="-457200" algn="just">
+              <a:buFont typeface="Arial" panose="020B0604020202020204" pitchFamily="34" charset="0"/>
+              <a:buChar char="•"/>
+            </a:pPr>
+            <a:r>
+              <a:rPr lang="en-US" sz="2800" b="1" dirty="0">
+                <a:solidFill>
+                  <a:schemeClr val="bg1"/>
+                </a:solidFill>
+                <a:latin typeface="Open Sans" panose="020B0606030504020204" pitchFamily="34" charset="0"/>
+                <a:ea typeface="Open Sans" panose="020B0606030504020204" pitchFamily="34" charset="0"/>
+                <a:cs typeface="Open Sans" panose="020B0606030504020204" pitchFamily="34" charset="0"/>
+              </a:rPr>
+              <a:t>Model 1B</a:t>
+            </a:r>
+            <a:r>
+              <a:rPr lang="en-US" sz="2800" dirty="0">
+                <a:solidFill>
+                  <a:schemeClr val="bg1"/>
+                </a:solidFill>
+                <a:latin typeface="Open Sans" panose="020B0606030504020204" pitchFamily="34" charset="0"/>
+                <a:ea typeface="Open Sans" panose="020B0606030504020204" pitchFamily="34" charset="0"/>
+                <a:cs typeface="Open Sans" panose="020B0606030504020204" pitchFamily="34" charset="0"/>
+              </a:rPr>
+              <a:t> – Change in arrivals vs change in cases</a:t>
+            </a:r>
+          </a:p>
+          <a:p>
+            <a:pPr marL="457200" indent="-457200" algn="just">
+              <a:buFont typeface="Arial" panose="020B0604020202020204" pitchFamily="34" charset="0"/>
+              <a:buChar char="•"/>
+            </a:pPr>
+            <a:r>
+              <a:rPr lang="en-US" sz="2800" b="1" dirty="0">
+                <a:solidFill>
+                  <a:schemeClr val="bg1"/>
+                </a:solidFill>
+                <a:latin typeface="Open Sans" panose="020B0606030504020204" pitchFamily="34" charset="0"/>
+                <a:ea typeface="Open Sans" panose="020B0606030504020204" pitchFamily="34" charset="0"/>
+                <a:cs typeface="Open Sans" panose="020B0606030504020204" pitchFamily="34" charset="0"/>
+              </a:rPr>
+              <a:t>Model 1C</a:t>
+            </a:r>
+            <a:r>
+              <a:rPr lang="en-US" sz="2800" dirty="0">
+                <a:solidFill>
+                  <a:schemeClr val="bg1"/>
+                </a:solidFill>
+                <a:latin typeface="Open Sans" panose="020B0606030504020204" pitchFamily="34" charset="0"/>
+                <a:ea typeface="Open Sans" panose="020B0606030504020204" pitchFamily="34" charset="0"/>
+                <a:cs typeface="Open Sans" panose="020B0606030504020204" pitchFamily="34" charset="0"/>
+              </a:rPr>
+              <a:t> – Per capita arrivals vs  per capita cases</a:t>
+            </a:r>
+          </a:p>
+          <a:p>
+            <a:pPr marL="457200" indent="-457200" algn="just">
+              <a:spcAft>
+                <a:spcPts val="600"/>
+              </a:spcAft>
+              <a:buFont typeface="Arial" panose="020B0604020202020204" pitchFamily="34" charset="0"/>
+              <a:buChar char="•"/>
+            </a:pPr>
+            <a:r>
+              <a:rPr lang="en-US" sz="2800" b="1" dirty="0">
+                <a:solidFill>
+                  <a:schemeClr val="bg1"/>
+                </a:solidFill>
+                <a:latin typeface="Open Sans" panose="020B0606030504020204" pitchFamily="34" charset="0"/>
+                <a:ea typeface="Open Sans" panose="020B0606030504020204" pitchFamily="34" charset="0"/>
+                <a:cs typeface="Open Sans" panose="020B0606030504020204" pitchFamily="34" charset="0"/>
+              </a:rPr>
+              <a:t>Model 1C(W)</a:t>
+            </a:r>
+            <a:r>
+              <a:rPr lang="en-US" sz="2800" dirty="0">
+                <a:solidFill>
+                  <a:schemeClr val="bg1"/>
+                </a:solidFill>
+                <a:latin typeface="Open Sans" panose="020B0606030504020204" pitchFamily="34" charset="0"/>
+                <a:ea typeface="Open Sans" panose="020B0606030504020204" pitchFamily="34" charset="0"/>
+                <a:cs typeface="Open Sans" panose="020B0606030504020204" pitchFamily="34" charset="0"/>
+              </a:rPr>
+              <a:t> – Weighted p.c. arrivals vs p.c. cases</a:t>
+            </a:r>
+          </a:p>
+          <a:p>
+            <a:pPr algn="just"/>
+            <a:r>
+              <a:rPr lang="en-US" sz="2800" dirty="0">
+                <a:solidFill>
+                  <a:schemeClr val="bg1"/>
+                </a:solidFill>
+                <a:latin typeface="Open Sans" panose="020B0606030504020204" pitchFamily="34" charset="0"/>
+                <a:ea typeface="Open Sans" panose="020B0606030504020204" pitchFamily="34" charset="0"/>
+                <a:cs typeface="Open Sans" panose="020B0606030504020204" pitchFamily="34" charset="0"/>
+              </a:rPr>
+              <a:t>Using Model 1C(W) as the base, we ran several more complex regression models:</a:t>
+            </a:r>
+          </a:p>
+          <a:p>
+            <a:pPr marL="457200" indent="-457200" algn="just">
+              <a:buFont typeface="Arial" panose="020B0604020202020204" pitchFamily="34" charset="0"/>
+              <a:buChar char="•"/>
+            </a:pPr>
+            <a:r>
+              <a:rPr lang="en-US" sz="2800" b="1" dirty="0">
+                <a:solidFill>
+                  <a:schemeClr val="bg1"/>
+                </a:solidFill>
+                <a:latin typeface="Open Sans" panose="020B0606030504020204" pitchFamily="34" charset="0"/>
+                <a:ea typeface="Open Sans" panose="020B0606030504020204" pitchFamily="34" charset="0"/>
+                <a:cs typeface="Open Sans" panose="020B0606030504020204" pitchFamily="34" charset="0"/>
+              </a:rPr>
+              <a:t>Model 2 </a:t>
+            </a:r>
+            <a:r>
+              <a:rPr lang="en-US" sz="2800" dirty="0">
+                <a:solidFill>
+                  <a:schemeClr val="bg1"/>
+                </a:solidFill>
+                <a:latin typeface="Open Sans" panose="020B0606030504020204" pitchFamily="34" charset="0"/>
+                <a:ea typeface="Open Sans" panose="020B0606030504020204" pitchFamily="34" charset="0"/>
+                <a:cs typeface="Open Sans" panose="020B0606030504020204" pitchFamily="34" charset="0"/>
+              </a:rPr>
+              <a:t>– Polynomial regression</a:t>
+            </a:r>
+            <a:endParaRPr lang="en-US" sz="2800" b="1" dirty="0">
+              <a:solidFill>
+                <a:schemeClr val="bg1"/>
+              </a:solidFill>
+              <a:latin typeface="Open Sans" panose="020B0606030504020204" pitchFamily="34" charset="0"/>
+              <a:ea typeface="Open Sans" panose="020B0606030504020204" pitchFamily="34" charset="0"/>
+              <a:cs typeface="Open Sans" panose="020B0606030504020204" pitchFamily="34" charset="0"/>
+            </a:endParaRPr>
+          </a:p>
+          <a:p>
+            <a:pPr marL="457200" indent="-457200" algn="just">
+              <a:buFont typeface="Arial" panose="020B0604020202020204" pitchFamily="34" charset="0"/>
+              <a:buChar char="•"/>
+            </a:pPr>
+            <a:r>
+              <a:rPr lang="en-US" sz="2800" b="1" dirty="0">
+                <a:solidFill>
+                  <a:schemeClr val="bg1"/>
+                </a:solidFill>
+                <a:latin typeface="Open Sans" panose="020B0606030504020204" pitchFamily="34" charset="0"/>
+                <a:ea typeface="Open Sans" panose="020B0606030504020204" pitchFamily="34" charset="0"/>
+                <a:cs typeface="Open Sans" panose="020B0606030504020204" pitchFamily="34" charset="0"/>
+              </a:rPr>
+              <a:t>Model 3 </a:t>
+            </a:r>
+            <a:r>
+              <a:rPr lang="en-US" sz="2800" dirty="0">
+                <a:solidFill>
+                  <a:schemeClr val="bg1"/>
+                </a:solidFill>
+                <a:latin typeface="Open Sans" panose="020B0606030504020204" pitchFamily="34" charset="0"/>
+                <a:ea typeface="Open Sans" panose="020B0606030504020204" pitchFamily="34" charset="0"/>
+                <a:cs typeface="Open Sans" panose="020B0606030504020204" pitchFamily="34" charset="0"/>
+              </a:rPr>
+              <a:t>– Multiple linear regression (w/ policy as controls)</a:t>
+            </a:r>
+            <a:endParaRPr lang="en-US" sz="2800" b="1" dirty="0">
+              <a:solidFill>
+                <a:schemeClr val="bg1"/>
+              </a:solidFill>
+              <a:latin typeface="Open Sans" panose="020B0606030504020204" pitchFamily="34" charset="0"/>
+              <a:ea typeface="Open Sans" panose="020B0606030504020204" pitchFamily="34" charset="0"/>
+              <a:cs typeface="Open Sans" panose="020B0606030504020204" pitchFamily="34" charset="0"/>
+            </a:endParaRPr>
+          </a:p>
+          <a:p>
+            <a:pPr marL="457200" indent="-457200" algn="just">
+              <a:buFont typeface="Arial" panose="020B0604020202020204" pitchFamily="34" charset="0"/>
+              <a:buChar char="•"/>
+            </a:pPr>
+            <a:r>
+              <a:rPr lang="en-US" sz="2800" b="1" dirty="0">
+                <a:solidFill>
+                  <a:schemeClr val="bg1"/>
+                </a:solidFill>
+                <a:latin typeface="Open Sans" panose="020B0606030504020204" pitchFamily="34" charset="0"/>
+                <a:ea typeface="Open Sans" panose="020B0606030504020204" pitchFamily="34" charset="0"/>
+                <a:cs typeface="Open Sans" panose="020B0606030504020204" pitchFamily="34" charset="0"/>
+              </a:rPr>
+              <a:t>Model 4</a:t>
+            </a:r>
+            <a:r>
+              <a:rPr lang="en-US" sz="2800" dirty="0">
+                <a:solidFill>
+                  <a:schemeClr val="bg1"/>
+                </a:solidFill>
+                <a:latin typeface="Open Sans" panose="020B0606030504020204" pitchFamily="34" charset="0"/>
+                <a:ea typeface="Open Sans" panose="020B0606030504020204" pitchFamily="34" charset="0"/>
+                <a:cs typeface="Open Sans" panose="020B0606030504020204" pitchFamily="34" charset="0"/>
+              </a:rPr>
+              <a:t> – Fixed effects model</a:t>
+            </a:r>
+            <a:endParaRPr lang="en-US" sz="2800" b="1" dirty="0">
+              <a:solidFill>
+                <a:schemeClr val="bg1"/>
+              </a:solidFill>
+              <a:latin typeface="Open Sans" panose="020B0606030504020204" pitchFamily="34" charset="0"/>
+              <a:ea typeface="Open Sans" panose="020B0606030504020204" pitchFamily="34" charset="0"/>
+              <a:cs typeface="Open Sans" panose="020B0606030504020204" pitchFamily="34" charset="0"/>
+            </a:endParaRPr>
+          </a:p>
+          <a:p>
+            <a:pPr marL="457200" indent="-457200" algn="just">
+              <a:buFont typeface="Arial" panose="020B0604020202020204" pitchFamily="34" charset="0"/>
+              <a:buChar char="•"/>
+            </a:pPr>
+            <a:endParaRPr lang="en-SG" sz="2800" b="1" dirty="0">
+              <a:solidFill>
+                <a:schemeClr val="bg1"/>
+              </a:solidFill>
+              <a:latin typeface="Open Sans" panose="020B0606030504020204" pitchFamily="34" charset="0"/>
+              <a:ea typeface="Open Sans" panose="020B0606030504020204" pitchFamily="34" charset="0"/>
+              <a:cs typeface="Open Sans" panose="020B0606030504020204" pitchFamily="34" charset="0"/>
+            </a:endParaRPr>
           </a:p>
         </p:txBody>
       </p:sp>
@@ -4143,4 +5537,299 @@
     </a:ext>
   </a:extLst>
 </a:theme>
+</file>
+
+<file path=ppt/theme/theme2.xml><?xml version="1.0" encoding="utf-8"?>
+<a:theme xmlns:a="http://schemas.openxmlformats.org/drawingml/2006/main" name="Office Theme">
+  <a:themeElements>
+    <a:clrScheme name="Office">
+      <a:dk1>
+        <a:sysClr val="windowText" lastClr="000000"/>
+      </a:dk1>
+      <a:lt1>
+        <a:sysClr val="window" lastClr="FFFFFF"/>
+      </a:lt1>
+      <a:dk2>
+        <a:srgbClr val="44546A"/>
+      </a:dk2>
+      <a:lt2>
+        <a:srgbClr val="E7E6E6"/>
+      </a:lt2>
+      <a:accent1>
+        <a:srgbClr val="4472C4"/>
+      </a:accent1>
+      <a:accent2>
+        <a:srgbClr val="ED7D31"/>
+      </a:accent2>
+      <a:accent3>
+        <a:srgbClr val="A5A5A5"/>
+      </a:accent3>
+      <a:accent4>
+        <a:srgbClr val="FFC000"/>
+      </a:accent4>
+      <a:accent5>
+        <a:srgbClr val="5B9BD5"/>
+      </a:accent5>
+      <a:accent6>
+        <a:srgbClr val="70AD47"/>
+      </a:accent6>
+      <a:hlink>
+        <a:srgbClr val="0563C1"/>
+      </a:hlink>
+      <a:folHlink>
+        <a:srgbClr val="954F72"/>
+      </a:folHlink>
+    </a:clrScheme>
+    <a:fontScheme name="Office">
+      <a:majorFont>
+        <a:latin typeface="Calibri Light" panose="020F0302020204030204"/>
+        <a:ea typeface=""/>
+        <a:cs typeface=""/>
+        <a:font script="Jpan" typeface="游ゴシック Light"/>
+        <a:font script="Hang" typeface="맑은 고딕"/>
+        <a:font script="Hans" typeface="等线 Light"/>
+        <a:font script="Hant" typeface="新細明體"/>
+        <a:font script="Arab" typeface="Times New Roman"/>
+        <a:font script="Hebr" typeface="Times New Roman"/>
+        <a:font script="Thai" typeface="Angsana New"/>
+        <a:font script="Ethi" typeface="Nyala"/>
+        <a:font script="Beng" typeface="Vrinda"/>
+        <a:font script="Gujr" typeface="Shruti"/>
+        <a:font script="Khmr" typeface="MoolBoran"/>
+        <a:font script="Knda" typeface="Tunga"/>
+        <a:font script="Guru" typeface="Raavi"/>
+        <a:font script="Cans" typeface="Euphemia"/>
+        <a:font script="Cher" typeface="Plantagenet Cherokee"/>
+        <a:font script="Yiii" typeface="Microsoft Yi Baiti"/>
+        <a:font script="Tibt" typeface="Microsoft Himalaya"/>
+        <a:font script="Thaa" typeface="MV Boli"/>
+        <a:font script="Deva" typeface="Mangal"/>
+        <a:font script="Telu" typeface="Gautami"/>
+        <a:font script="Taml" typeface="Latha"/>
+        <a:font script="Syrc" typeface="Estrangelo Edessa"/>
+        <a:font script="Orya" typeface="Kalinga"/>
+        <a:font script="Mlym" typeface="Kartika"/>
+        <a:font script="Laoo" typeface="DokChampa"/>
+        <a:font script="Sinh" typeface="Iskoola Pota"/>
+        <a:font script="Mong" typeface="Mongolian Baiti"/>
+        <a:font script="Viet" typeface="Times New Roman"/>
+        <a:font script="Uigh" typeface="Microsoft Uighur"/>
+        <a:font script="Geor" typeface="Sylfaen"/>
+        <a:font script="Armn" typeface="Arial"/>
+        <a:font script="Bugi" typeface="Leelawadee UI"/>
+        <a:font script="Bopo" typeface="Microsoft JhengHei"/>
+        <a:font script="Java" typeface="Javanese Text"/>
+        <a:font script="Lisu" typeface="Segoe UI"/>
+        <a:font script="Mymr" typeface="Myanmar Text"/>
+        <a:font script="Nkoo" typeface="Ebrima"/>
+        <a:font script="Olck" typeface="Nirmala UI"/>
+        <a:font script="Osma" typeface="Ebrima"/>
+        <a:font script="Phag" typeface="Phagspa"/>
+        <a:font script="Syrn" typeface="Estrangelo Edessa"/>
+        <a:font script="Syrj" typeface="Estrangelo Edessa"/>
+        <a:font script="Syre" typeface="Estrangelo Edessa"/>
+        <a:font script="Sora" typeface="Nirmala UI"/>
+        <a:font script="Tale" typeface="Microsoft Tai Le"/>
+        <a:font script="Talu" typeface="Microsoft New Tai Lue"/>
+        <a:font script="Tfng" typeface="Ebrima"/>
+      </a:majorFont>
+      <a:minorFont>
+        <a:latin typeface="Calibri" panose="020F0502020204030204"/>
+        <a:ea typeface=""/>
+        <a:cs typeface=""/>
+        <a:font script="Jpan" typeface="游ゴシック"/>
+        <a:font script="Hang" typeface="맑은 고딕"/>
+        <a:font script="Hans" typeface="等线"/>
+        <a:font script="Hant" typeface="新細明體"/>
+        <a:font script="Arab" typeface="Arial"/>
+        <a:font script="Hebr" typeface="Arial"/>
+        <a:font script="Thai" typeface="Cordia New"/>
+        <a:font script="Ethi" typeface="Nyala"/>
+        <a:font script="Beng" typeface="Vrinda"/>
+        <a:font script="Gujr" typeface="Shruti"/>
+        <a:font script="Khmr" typeface="DaunPenh"/>
+        <a:font script="Knda" typeface="Tunga"/>
+        <a:font script="Guru" typeface="Raavi"/>
+        <a:font script="Cans" typeface="Euphemia"/>
+        <a:font script="Cher" typeface="Plantagenet Cherokee"/>
+        <a:font script="Yiii" typeface="Microsoft Yi Baiti"/>
+        <a:font script="Tibt" typeface="Microsoft Himalaya"/>
+        <a:font script="Thaa" typeface="MV Boli"/>
+        <a:font script="Deva" typeface="Mangal"/>
+        <a:font script="Telu" typeface="Gautami"/>
+        <a:font script="Taml" typeface="Latha"/>
+        <a:font script="Syrc" typeface="Estrangelo Edessa"/>
+        <a:font script="Orya" typeface="Kalinga"/>
+        <a:font script="Mlym" typeface="Kartika"/>
+        <a:font script="Laoo" typeface="DokChampa"/>
+        <a:font script="Sinh" typeface="Iskoola Pota"/>
+        <a:font script="Mong" typeface="Mongolian Baiti"/>
+        <a:font script="Viet" typeface="Arial"/>
+        <a:font script="Uigh" typeface="Microsoft Uighur"/>
+        <a:font script="Geor" typeface="Sylfaen"/>
+        <a:font script="Armn" typeface="Arial"/>
+        <a:font script="Bugi" typeface="Leelawadee UI"/>
+        <a:font script="Bopo" typeface="Microsoft JhengHei"/>
+        <a:font script="Java" typeface="Javanese Text"/>
+        <a:font script="Lisu" typeface="Segoe UI"/>
+        <a:font script="Mymr" typeface="Myanmar Text"/>
+        <a:font script="Nkoo" typeface="Ebrima"/>
+        <a:font script="Olck" typeface="Nirmala UI"/>
+        <a:font script="Osma" typeface="Ebrima"/>
+        <a:font script="Phag" typeface="Phagspa"/>
+        <a:font script="Syrn" typeface="Estrangelo Edessa"/>
+        <a:font script="Syrj" typeface="Estrangelo Edessa"/>
+        <a:font script="Syre" typeface="Estrangelo Edessa"/>
+        <a:font script="Sora" typeface="Nirmala UI"/>
+        <a:font script="Tale" typeface="Microsoft Tai Le"/>
+        <a:font script="Talu" typeface="Microsoft New Tai Lue"/>
+        <a:font script="Tfng" typeface="Ebrima"/>
+      </a:minorFont>
+    </a:fontScheme>
+    <a:fmtScheme name="Office">
+      <a:fillStyleLst>
+        <a:solidFill>
+          <a:schemeClr val="phClr"/>
+        </a:solidFill>
+        <a:gradFill rotWithShape="1">
+          <a:gsLst>
+            <a:gs pos="0">
+              <a:schemeClr val="phClr">
+                <a:lumMod val="110000"/>
+                <a:satMod val="105000"/>
+                <a:tint val="67000"/>
+              </a:schemeClr>
+            </a:gs>
+            <a:gs pos="50000">
+              <a:schemeClr val="phClr">
+                <a:lumMod val="105000"/>
+                <a:satMod val="103000"/>
+                <a:tint val="73000"/>
+              </a:schemeClr>
+            </a:gs>
+            <a:gs pos="100000">
+              <a:schemeClr val="phClr">
+                <a:lumMod val="105000"/>
+                <a:satMod val="109000"/>
+                <a:tint val="81000"/>
+              </a:schemeClr>
+            </a:gs>
+          </a:gsLst>
+          <a:lin ang="5400000" scaled="0"/>
+        </a:gradFill>
+        <a:gradFill rotWithShape="1">
+          <a:gsLst>
+            <a:gs pos="0">
+              <a:schemeClr val="phClr">
+                <a:satMod val="103000"/>
+                <a:lumMod val="102000"/>
+                <a:tint val="94000"/>
+              </a:schemeClr>
+            </a:gs>
+            <a:gs pos="50000">
+              <a:schemeClr val="phClr">
+                <a:satMod val="110000"/>
+                <a:lumMod val="100000"/>
+                <a:shade val="100000"/>
+              </a:schemeClr>
+            </a:gs>
+            <a:gs pos="100000">
+              <a:schemeClr val="phClr">
+                <a:lumMod val="99000"/>
+                <a:satMod val="120000"/>
+                <a:shade val="78000"/>
+              </a:schemeClr>
+            </a:gs>
+          </a:gsLst>
+          <a:lin ang="5400000" scaled="0"/>
+        </a:gradFill>
+      </a:fillStyleLst>
+      <a:lnStyleLst>
+        <a:ln w="6350" cap="flat" cmpd="sng" algn="ctr">
+          <a:solidFill>
+            <a:schemeClr val="phClr"/>
+          </a:solidFill>
+          <a:prstDash val="solid"/>
+          <a:miter lim="800000"/>
+        </a:ln>
+        <a:ln w="12700" cap="flat" cmpd="sng" algn="ctr">
+          <a:solidFill>
+            <a:schemeClr val="phClr"/>
+          </a:solidFill>
+          <a:prstDash val="solid"/>
+          <a:miter lim="800000"/>
+        </a:ln>
+        <a:ln w="19050" cap="flat" cmpd="sng" algn="ctr">
+          <a:solidFill>
+            <a:schemeClr val="phClr"/>
+          </a:solidFill>
+          <a:prstDash val="solid"/>
+          <a:miter lim="800000"/>
+        </a:ln>
+      </a:lnStyleLst>
+      <a:effectStyleLst>
+        <a:effectStyle>
+          <a:effectLst/>
+        </a:effectStyle>
+        <a:effectStyle>
+          <a:effectLst/>
+        </a:effectStyle>
+        <a:effectStyle>
+          <a:effectLst>
+            <a:outerShdw blurRad="57150" dist="19050" dir="5400000" algn="ctr" rotWithShape="0">
+              <a:srgbClr val="000000">
+                <a:alpha val="63000"/>
+              </a:srgbClr>
+            </a:outerShdw>
+          </a:effectLst>
+        </a:effectStyle>
+      </a:effectStyleLst>
+      <a:bgFillStyleLst>
+        <a:solidFill>
+          <a:schemeClr val="phClr"/>
+        </a:solidFill>
+        <a:solidFill>
+          <a:schemeClr val="phClr">
+            <a:tint val="95000"/>
+            <a:satMod val="170000"/>
+          </a:schemeClr>
+        </a:solidFill>
+        <a:gradFill rotWithShape="1">
+          <a:gsLst>
+            <a:gs pos="0">
+              <a:schemeClr val="phClr">
+                <a:tint val="93000"/>
+                <a:satMod val="150000"/>
+                <a:shade val="98000"/>
+                <a:lumMod val="102000"/>
+              </a:schemeClr>
+            </a:gs>
+            <a:gs pos="50000">
+              <a:schemeClr val="phClr">
+                <a:tint val="98000"/>
+                <a:satMod val="130000"/>
+                <a:shade val="90000"/>
+                <a:lumMod val="103000"/>
+              </a:schemeClr>
+            </a:gs>
+            <a:gs pos="100000">
+              <a:schemeClr val="phClr">
+                <a:shade val="63000"/>
+                <a:satMod val="120000"/>
+              </a:schemeClr>
+            </a:gs>
+          </a:gsLst>
+          <a:lin ang="5400000" scaled="0"/>
+        </a:gradFill>
+      </a:bgFillStyleLst>
+    </a:fmtScheme>
+  </a:themeElements>
+  <a:objectDefaults/>
+  <a:extraClrSchemeLst/>
+  <a:extLst>
+    <a:ext uri="{05A4C25C-085E-4340-85A3-A5531E510DB2}">
+      <thm15:themeFamily xmlns:thm15="http://schemas.microsoft.com/office/thememl/2012/main" name="Office Theme" id="{62F939B6-93AF-4DB8-9C6B-D6C7DFDC589F}" vid="{4A3C46E8-61CC-4603-A589-7422A47A8E4A}"/>
+    </a:ext>
+  </a:extLst>
+</a:theme>
 </file>
--- a/final_deliverable/poster/Poster.pptx
+++ b/final_deliverable/poster/Poster.pptx
@@ -3440,8 +3440,8 @@
         </p:nvSpPr>
         <p:spPr>
           <a:xfrm>
-            <a:off x="685186" y="6597945"/>
-            <a:ext cx="10387851" cy="8002191"/>
+            <a:off x="676586" y="6369345"/>
+            <a:ext cx="10387851" cy="7571303"/>
           </a:xfrm>
           <a:prstGeom prst="rect">
             <a:avLst/>
@@ -3589,7 +3589,7 @@
                 <a:ea typeface="Open Sans" panose="020B0606030504020204" pitchFamily="34" charset="0"/>
                 <a:cs typeface="Open Sans" panose="020B0606030504020204" pitchFamily="34" charset="0"/>
               </a:rPr>
-              <a:t> gives a 10% sample of all flight itineraries by quarter, and covers the first three quarters of 2020. The </a:t>
+              <a:t> gives a 10% sample of all itineraries by quarter, and covers Q1 to Q3 2020. The </a:t>
             </a:r>
             <a:r>
               <a:rPr lang="en-US" sz="2800" b="1" dirty="0">
@@ -3845,7 +3845,7 @@
         </p:nvSpPr>
         <p:spPr>
           <a:xfrm>
-            <a:off x="4073168" y="2991552"/>
+            <a:off x="4064568" y="2991552"/>
             <a:ext cx="3611886" cy="830997"/>
           </a:xfrm>
           <a:prstGeom prst="rect">
@@ -3859,6 +3859,7 @@
           </a:bodyPr>
           <a:lstStyle/>
           <a:p>
+            <a:pPr algn="ctr"/>
             <a:r>
               <a:rPr lang="en-US" sz="4800" b="1" dirty="0">
                 <a:solidFill>
@@ -4010,7 +4011,7 @@
         </p:nvSpPr>
         <p:spPr>
           <a:xfrm>
-            <a:off x="4789037" y="5741310"/>
+            <a:off x="4780437" y="5544891"/>
             <a:ext cx="2180149" cy="830997"/>
           </a:xfrm>
           <a:prstGeom prst="rect">
@@ -4024,6 +4025,7 @@
           </a:bodyPr>
           <a:lstStyle/>
           <a:p>
+            <a:pPr algn="ctr"/>
             <a:r>
               <a:rPr lang="en-US" sz="4800" b="1" dirty="0">
                 <a:solidFill>
@@ -4060,7 +4062,7 @@
         </p:nvSpPr>
         <p:spPr>
           <a:xfrm>
-            <a:off x="3769399" y="14877794"/>
+            <a:off x="3760799" y="14095322"/>
             <a:ext cx="4219425" cy="830997"/>
           </a:xfrm>
           <a:prstGeom prst="rect">
@@ -4074,6 +4076,7 @@
           </a:bodyPr>
           <a:lstStyle/>
           <a:p>
+            <a:pPr algn="ctr"/>
             <a:r>
               <a:rPr lang="en-US" sz="4800" b="1" dirty="0">
                 <a:solidFill>
@@ -4110,7 +4113,7 @@
         </p:nvSpPr>
         <p:spPr>
           <a:xfrm>
-            <a:off x="14301860" y="2991552"/>
+            <a:off x="15262860" y="2991552"/>
             <a:ext cx="7879080" cy="830997"/>
           </a:xfrm>
           <a:prstGeom prst="rect">
@@ -4160,7 +4163,7 @@
         </p:nvSpPr>
         <p:spPr>
           <a:xfrm>
-            <a:off x="14768334" y="13081946"/>
+            <a:off x="15635558" y="13081946"/>
             <a:ext cx="7133684" cy="830997"/>
           </a:xfrm>
           <a:prstGeom prst="rect">
@@ -4253,7 +4256,7 @@
         </p:nvSpPr>
         <p:spPr>
           <a:xfrm>
-            <a:off x="685185" y="3970397"/>
+            <a:off x="676585" y="3970397"/>
             <a:ext cx="10387853" cy="1384995"/>
           </a:xfrm>
           <a:prstGeom prst="rect">
@@ -4277,7 +4280,7 @@
                 <a:ea typeface="Open Sans" panose="020B0606030504020204" pitchFamily="34" charset="0"/>
                 <a:cs typeface="Open Sans" panose="020B0606030504020204" pitchFamily="34" charset="0"/>
               </a:rPr>
-              <a:t>We hypothesize that a greater number of air passenger arrivals in a US state is positively correlated with a greater number of COVID-19 cases.</a:t>
+              <a:t>We hypothesize that the number of air passenger arrivals in a US state is positively correlated with the number of COVID-19 cases.</a:t>
             </a:r>
             <a:endParaRPr lang="en-SG" sz="2800" b="1" dirty="0">
               <a:solidFill>
@@ -4304,7 +4307,7 @@
         </p:nvSpPr>
         <p:spPr>
           <a:xfrm>
-            <a:off x="13991679" y="18301316"/>
+            <a:off x="15015196" y="18301316"/>
             <a:ext cx="8374408" cy="830997"/>
           </a:xfrm>
           <a:prstGeom prst="rect">
@@ -4354,7 +4357,7 @@
         </p:nvSpPr>
         <p:spPr>
           <a:xfrm>
-            <a:off x="15400719" y="22568452"/>
+            <a:off x="16142909" y="22568452"/>
             <a:ext cx="6118983" cy="830997"/>
           </a:xfrm>
           <a:prstGeom prst="rect">
@@ -4404,7 +4407,7 @@
         </p:nvSpPr>
         <p:spPr>
           <a:xfrm>
-            <a:off x="29039366" y="2991552"/>
+            <a:off x="29720642" y="2991552"/>
             <a:ext cx="5644494" cy="830997"/>
           </a:xfrm>
           <a:prstGeom prst="rect">
@@ -4527,7 +4530,7 @@
         </p:nvSpPr>
         <p:spPr>
           <a:xfrm>
-            <a:off x="30156659" y="12511338"/>
+            <a:off x="30615118" y="12511338"/>
             <a:ext cx="3855543" cy="830997"/>
           </a:xfrm>
           <a:prstGeom prst="rect">
@@ -4851,8 +4854,8 @@
         </p:nvSpPr>
         <p:spPr>
           <a:xfrm>
-            <a:off x="685185" y="15708791"/>
-            <a:ext cx="10387853" cy="3108543"/>
+            <a:off x="676585" y="14974573"/>
+            <a:ext cx="10387853" cy="4555093"/>
           </a:xfrm>
           <a:prstGeom prst="rect">
             <a:avLst/>
@@ -4865,7 +4868,95 @@
           </a:bodyPr>
           <a:lstStyle/>
           <a:p>
-            <a:pPr algn="just"/>
+            <a:pPr algn="just">
+              <a:spcAft>
+                <a:spcPts val="600"/>
+              </a:spcAft>
+            </a:pPr>
+            <a:r>
+              <a:rPr lang="en-US" sz="2800" dirty="0">
+                <a:solidFill>
+                  <a:schemeClr val="bg1"/>
+                </a:solidFill>
+                <a:latin typeface="Open Sans" panose="020B0606030504020204" pitchFamily="34" charset="0"/>
+                <a:ea typeface="Open Sans" panose="020B0606030504020204" pitchFamily="34" charset="0"/>
+                <a:cs typeface="Open Sans" panose="020B0606030504020204" pitchFamily="34" charset="0"/>
+              </a:rPr>
+              <a:t>To match the monthly arrivals data, we aggregated the cases from the 15th of each month to the 14th of the next, given the 2-week incubation period. This gave us </a:t>
+            </a:r>
+            <a:r>
+              <a:rPr lang="en-US" sz="2800" b="1" dirty="0">
+                <a:solidFill>
+                  <a:schemeClr val="bg1"/>
+                </a:solidFill>
+                <a:latin typeface="Open Sans" panose="020B0606030504020204" pitchFamily="34" charset="0"/>
+                <a:ea typeface="Open Sans" panose="020B0606030504020204" pitchFamily="34" charset="0"/>
+                <a:cs typeface="Open Sans" panose="020B0606030504020204" pitchFamily="34" charset="0"/>
+              </a:rPr>
+              <a:t>294 data points</a:t>
+            </a:r>
+            <a:r>
+              <a:rPr lang="en-US" sz="2800" dirty="0">
+                <a:solidFill>
+                  <a:schemeClr val="bg1"/>
+                </a:solidFill>
+                <a:latin typeface="Open Sans" panose="020B0606030504020204" pitchFamily="34" charset="0"/>
+                <a:ea typeface="Open Sans" panose="020B0606030504020204" pitchFamily="34" charset="0"/>
+                <a:cs typeface="Open Sans" panose="020B0606030504020204" pitchFamily="34" charset="0"/>
+              </a:rPr>
+              <a:t> from </a:t>
+            </a:r>
+            <a:r>
+              <a:rPr lang="en-US" sz="2800" b="1" dirty="0">
+                <a:solidFill>
+                  <a:schemeClr val="bg1"/>
+                </a:solidFill>
+                <a:latin typeface="Open Sans" panose="020B0606030504020204" pitchFamily="34" charset="0"/>
+                <a:ea typeface="Open Sans" panose="020B0606030504020204" pitchFamily="34" charset="0"/>
+                <a:cs typeface="Open Sans" panose="020B0606030504020204" pitchFamily="34" charset="0"/>
+              </a:rPr>
+              <a:t>49 states </a:t>
+            </a:r>
+            <a:r>
+              <a:rPr lang="en-US" sz="2800" dirty="0">
+                <a:solidFill>
+                  <a:schemeClr val="bg1"/>
+                </a:solidFill>
+                <a:latin typeface="Open Sans" panose="020B0606030504020204" pitchFamily="34" charset="0"/>
+                <a:ea typeface="Open Sans" panose="020B0606030504020204" pitchFamily="34" charset="0"/>
+                <a:cs typeface="Open Sans" panose="020B0606030504020204" pitchFamily="34" charset="0"/>
+              </a:rPr>
+              <a:t>(excl. DE) and </a:t>
+            </a:r>
+            <a:r>
+              <a:rPr lang="en-US" sz="2800" b="1" dirty="0">
+                <a:solidFill>
+                  <a:schemeClr val="bg1"/>
+                </a:solidFill>
+                <a:latin typeface="Open Sans" panose="020B0606030504020204" pitchFamily="34" charset="0"/>
+                <a:ea typeface="Open Sans" panose="020B0606030504020204" pitchFamily="34" charset="0"/>
+                <a:cs typeface="Open Sans" panose="020B0606030504020204" pitchFamily="34" charset="0"/>
+              </a:rPr>
+              <a:t>6 months </a:t>
+            </a:r>
+            <a:r>
+              <a:rPr lang="en-US" sz="2800" dirty="0">
+                <a:solidFill>
+                  <a:schemeClr val="bg1"/>
+                </a:solidFill>
+                <a:latin typeface="Open Sans" panose="020B0606030504020204" pitchFamily="34" charset="0"/>
+                <a:ea typeface="Open Sans" panose="020B0606030504020204" pitchFamily="34" charset="0"/>
+                <a:cs typeface="Open Sans" panose="020B0606030504020204" pitchFamily="34" charset="0"/>
+              </a:rPr>
+              <a:t>(Apr – Sep 20).</a:t>
+            </a:r>
+          </a:p>
+          <a:p>
+            <a:pPr algn="just">
+              <a:spcAft>
+                <a:spcPts val="600"/>
+              </a:spcAft>
+            </a:pPr>
             <a:r>
               <a:rPr lang="en-US" sz="2800" dirty="0">
                 <a:solidFill>
@@ -4926,7 +5017,7 @@
                 <a:ea typeface="Open Sans" panose="020B0606030504020204" pitchFamily="34" charset="0"/>
                 <a:cs typeface="Open Sans" panose="020B0606030504020204" pitchFamily="34" charset="0"/>
               </a:rPr>
-              <a:t>Both variables increased over time – possible fixed time effects</a:t>
+              <a:t>Cases increased over time – possible fixed time effects</a:t>
             </a:r>
           </a:p>
         </p:txBody>
@@ -4960,7 +5051,7 @@
         </p:blipFill>
         <p:spPr bwMode="auto">
           <a:xfrm>
-            <a:off x="685184" y="18912534"/>
+            <a:off x="676584" y="19484295"/>
             <a:ext cx="10387854" cy="4364044"/>
           </a:xfrm>
           <a:prstGeom prst="rect">
@@ -4985,8 +5076,8 @@
         </p:nvSpPr>
         <p:spPr>
           <a:xfrm>
-            <a:off x="685185" y="23344116"/>
-            <a:ext cx="10387853" cy="5339923"/>
+            <a:off x="676585" y="23862926"/>
+            <a:ext cx="10387853" cy="4909036"/>
           </a:xfrm>
           <a:prstGeom prst="rect">
             <a:avLst/>
@@ -5238,22 +5329,8 @@
                 <a:ea typeface="Open Sans" panose="020B0606030504020204" pitchFamily="34" charset="0"/>
                 <a:cs typeface="Open Sans" panose="020B0606030504020204" pitchFamily="34" charset="0"/>
               </a:rPr>
-              <a:t> – Fixed effects model</a:t>
-            </a:r>
-            <a:endParaRPr lang="en-US" sz="2800" b="1" dirty="0">
-              <a:solidFill>
-                <a:schemeClr val="bg1"/>
-              </a:solidFill>
-              <a:latin typeface="Open Sans" panose="020B0606030504020204" pitchFamily="34" charset="0"/>
-              <a:ea typeface="Open Sans" panose="020B0606030504020204" pitchFamily="34" charset="0"/>
-              <a:cs typeface="Open Sans" panose="020B0606030504020204" pitchFamily="34" charset="0"/>
-            </a:endParaRPr>
-          </a:p>
-          <a:p>
-            <a:pPr marL="457200" indent="-457200" algn="just">
-              <a:buFont typeface="Arial" panose="020B0604020202020204" pitchFamily="34" charset="0"/>
-              <a:buChar char="•"/>
-            </a:pPr>
+              <a:t> – Fixed effects model (entity &amp; time)</a:t>
+            </a:r>
             <a:endParaRPr lang="en-SG" sz="2800" b="1" dirty="0">
               <a:solidFill>
                 <a:schemeClr val="bg1"/>

--- a/final_deliverable/poster/Poster.pptx
+++ b/final_deliverable/poster/Poster.pptx
@@ -223,7 +223,7 @@
           <a:p>
             <a:fld id="{5716143F-58AF-4D19-B770-69E1D2A429B3}" type="datetimeFigureOut">
               <a:rPr lang="en-SG" smtClean="0"/>
-              <a:t>12/4/2021</a:t>
+              <a:t>12/4/21</a:t>
             </a:fld>
             <a:endParaRPr lang="en-SG"/>
           </a:p>
@@ -622,7 +622,7 @@
           <a:p>
             <a:fld id="{FF9CF86C-9498-4717-8AB5-811567CBC580}" type="datetimeFigureOut">
               <a:rPr lang="en-SG" smtClean="0"/>
-              <a:t>12/4/2021</a:t>
+              <a:t>12/4/21</a:t>
             </a:fld>
             <a:endParaRPr lang="en-SG"/>
           </a:p>
@@ -859,7 +859,7 @@
           <a:p>
             <a:fld id="{FF9CF86C-9498-4717-8AB5-811567CBC580}" type="datetimeFigureOut">
               <a:rPr lang="en-SG" smtClean="0"/>
-              <a:t>12/4/2021</a:t>
+              <a:t>12/4/21</a:t>
             </a:fld>
             <a:endParaRPr lang="en-SG"/>
           </a:p>
@@ -1039,7 +1039,7 @@
           <a:p>
             <a:fld id="{FF9CF86C-9498-4717-8AB5-811567CBC580}" type="datetimeFigureOut">
               <a:rPr lang="en-SG" smtClean="0"/>
-              <a:t>12/4/2021</a:t>
+              <a:t>12/4/21</a:t>
             </a:fld>
             <a:endParaRPr lang="en-SG"/>
           </a:p>
@@ -1209,7 +1209,7 @@
           <a:p>
             <a:fld id="{FF9CF86C-9498-4717-8AB5-811567CBC580}" type="datetimeFigureOut">
               <a:rPr lang="en-SG" smtClean="0"/>
-              <a:t>12/4/2021</a:t>
+              <a:t>12/4/21</a:t>
             </a:fld>
             <a:endParaRPr lang="en-SG"/>
           </a:p>
@@ -1453,7 +1453,7 @@
           <a:p>
             <a:fld id="{FF9CF86C-9498-4717-8AB5-811567CBC580}" type="datetimeFigureOut">
               <a:rPr lang="en-SG" smtClean="0"/>
-              <a:t>12/4/2021</a:t>
+              <a:t>12/4/21</a:t>
             </a:fld>
             <a:endParaRPr lang="en-SG"/>
           </a:p>
@@ -1685,7 +1685,7 @@
           <a:p>
             <a:fld id="{FF9CF86C-9498-4717-8AB5-811567CBC580}" type="datetimeFigureOut">
               <a:rPr lang="en-SG" smtClean="0"/>
-              <a:t>12/4/2021</a:t>
+              <a:t>12/4/21</a:t>
             </a:fld>
             <a:endParaRPr lang="en-SG"/>
           </a:p>
@@ -2052,7 +2052,7 @@
           <a:p>
             <a:fld id="{FF9CF86C-9498-4717-8AB5-811567CBC580}" type="datetimeFigureOut">
               <a:rPr lang="en-SG" smtClean="0"/>
-              <a:t>12/4/2021</a:t>
+              <a:t>12/4/21</a:t>
             </a:fld>
             <a:endParaRPr lang="en-SG"/>
           </a:p>
@@ -2170,7 +2170,7 @@
           <a:p>
             <a:fld id="{FF9CF86C-9498-4717-8AB5-811567CBC580}" type="datetimeFigureOut">
               <a:rPr lang="en-SG" smtClean="0"/>
-              <a:t>12/4/2021</a:t>
+              <a:t>12/4/21</a:t>
             </a:fld>
             <a:endParaRPr lang="en-SG"/>
           </a:p>
@@ -2265,7 +2265,7 @@
           <a:p>
             <a:fld id="{FF9CF86C-9498-4717-8AB5-811567CBC580}" type="datetimeFigureOut">
               <a:rPr lang="en-SG" smtClean="0"/>
-              <a:t>12/4/2021</a:t>
+              <a:t>12/4/21</a:t>
             </a:fld>
             <a:endParaRPr lang="en-SG"/>
           </a:p>
@@ -2542,7 +2542,7 @@
           <a:p>
             <a:fld id="{FF9CF86C-9498-4717-8AB5-811567CBC580}" type="datetimeFigureOut">
               <a:rPr lang="en-SG" smtClean="0"/>
-              <a:t>12/4/2021</a:t>
+              <a:t>12/4/21</a:t>
             </a:fld>
             <a:endParaRPr lang="en-SG"/>
           </a:p>
@@ -2799,7 +2799,7 @@
           <a:p>
             <a:fld id="{FF9CF86C-9498-4717-8AB5-811567CBC580}" type="datetimeFigureOut">
               <a:rPr lang="en-SG" smtClean="0"/>
-              <a:t>12/4/2021</a:t>
+              <a:t>12/4/21</a:t>
             </a:fld>
             <a:endParaRPr lang="en-SG"/>
           </a:p>
@@ -3021,7 +3021,7 @@
           <a:p>
             <a:fld id="{FF9CF86C-9498-4717-8AB5-811567CBC580}" type="datetimeFigureOut">
               <a:rPr lang="en-SG" smtClean="0"/>
-              <a:t>12/4/2021</a:t>
+              <a:t>12/4/21</a:t>
             </a:fld>
             <a:endParaRPr lang="en-SG"/>
           </a:p>
@@ -4457,7 +4457,7 @@
         </p:nvSpPr>
         <p:spPr>
           <a:xfrm>
-            <a:off x="27348963" y="4919729"/>
+            <a:off x="27348963" y="14355789"/>
             <a:ext cx="10387853" cy="3323987"/>
           </a:xfrm>
           <a:prstGeom prst="rect">
@@ -4530,7 +4530,7 @@
         </p:nvSpPr>
         <p:spPr>
           <a:xfrm>
-            <a:off x="30615118" y="12511338"/>
+            <a:off x="30615118" y="17736482"/>
             <a:ext cx="3855543" cy="830997"/>
           </a:xfrm>
           <a:prstGeom prst="rect">
@@ -4580,7 +4580,7 @@
         </p:nvSpPr>
         <p:spPr>
           <a:xfrm>
-            <a:off x="27348963" y="13834777"/>
+            <a:off x="27348963" y="19059921"/>
             <a:ext cx="10387853" cy="3323987"/>
           </a:xfrm>
           <a:prstGeom prst="rect">
@@ -4653,7 +4653,7 @@
         </p:nvSpPr>
         <p:spPr>
           <a:xfrm>
-            <a:off x="26927028" y="19195836"/>
+            <a:off x="26927028" y="23370508"/>
             <a:ext cx="11231723" cy="1079013"/>
           </a:xfrm>
           <a:prstGeom prst="rect">
@@ -4708,7 +4708,7 @@
         </p:nvSpPr>
         <p:spPr>
           <a:xfrm>
-            <a:off x="27348963" y="20995884"/>
+            <a:off x="27348963" y="25170556"/>
             <a:ext cx="10387853" cy="3323987"/>
           </a:xfrm>
           <a:prstGeom prst="rect">
@@ -5342,6 +5342,36 @@
           </a:p>
         </p:txBody>
       </p:sp>
+      <p:pic>
+        <p:nvPicPr>
+          <p:cNvPr id="10" name="Picture 9" descr="Map&#10;&#10;Description automatically generated">
+            <a:extLst>
+              <a:ext uri="{FF2B5EF4-FFF2-40B4-BE49-F238E27FC236}">
+                <a16:creationId xmlns:a16="http://schemas.microsoft.com/office/drawing/2014/main" id="{D597A00B-B8FE-5045-ABF8-7D8DA687BE37}"/>
+              </a:ext>
+            </a:extLst>
+          </p:cNvPr>
+          <p:cNvPicPr>
+            <a:picLocks noChangeAspect="1"/>
+          </p:cNvPicPr>
+          <p:nvPr/>
+        </p:nvPicPr>
+        <p:blipFill>
+          <a:blip r:embed="rId7"/>
+          <a:stretch>
+            <a:fillRect/>
+          </a:stretch>
+        </p:blipFill>
+        <p:spPr>
+          <a:xfrm>
+            <a:off x="27604015" y="4122149"/>
+            <a:ext cx="9877747" cy="9893887"/>
+          </a:xfrm>
+          <a:prstGeom prst="rect">
+            <a:avLst/>
+          </a:prstGeom>
+        </p:spPr>
+      </p:pic>
     </p:spTree>
     <p:extLst>
       <p:ext uri="{BB962C8B-B14F-4D97-AF65-F5344CB8AC3E}">

--- a/final_deliverable/poster/Poster.pptx
+++ b/final_deliverable/poster/Poster.pptx
@@ -223,7 +223,7 @@
           <a:p>
             <a:fld id="{5716143F-58AF-4D19-B770-69E1D2A429B3}" type="datetimeFigureOut">
               <a:rPr lang="en-SG" smtClean="0"/>
-              <a:t>12/4/21</a:t>
+              <a:t>13/4/2021</a:t>
             </a:fld>
             <a:endParaRPr lang="en-SG"/>
           </a:p>
@@ -491,6 +491,90 @@
 </p:notesMaster>
 </file>
 
+<file path=ppt/notesSlides/notesSlide1.xml><?xml version="1.0" encoding="utf-8"?>
+<p:notes xmlns:a="http://schemas.openxmlformats.org/drawingml/2006/main" xmlns:r="http://schemas.openxmlformats.org/officeDocument/2006/relationships" xmlns:p="http://schemas.openxmlformats.org/presentationml/2006/main">
+  <p:cSld>
+    <p:spTree>
+      <p:nvGrpSpPr>
+        <p:cNvPr id="1" name=""/>
+        <p:cNvGrpSpPr/>
+        <p:nvPr/>
+      </p:nvGrpSpPr>
+      <p:grpSpPr>
+        <a:xfrm>
+          <a:off x="0" y="0"/>
+          <a:ext cx="0" cy="0"/>
+          <a:chOff x="0" y="0"/>
+          <a:chExt cx="0" cy="0"/>
+        </a:xfrm>
+      </p:grpSpPr>
+      <p:sp>
+        <p:nvSpPr>
+          <p:cNvPr id="2" name="Slide Image Placeholder 1"/>
+          <p:cNvSpPr>
+            <a:spLocks noGrp="1" noRot="1" noChangeAspect="1"/>
+          </p:cNvSpPr>
+          <p:nvPr>
+            <p:ph type="sldImg"/>
+          </p:nvPr>
+        </p:nvSpPr>
+        <p:spPr/>
+      </p:sp>
+      <p:sp>
+        <p:nvSpPr>
+          <p:cNvPr id="3" name="Notes Placeholder 2"/>
+          <p:cNvSpPr>
+            <a:spLocks noGrp="1"/>
+          </p:cNvSpPr>
+          <p:nvPr>
+            <p:ph type="body" idx="1"/>
+          </p:nvPr>
+        </p:nvSpPr>
+        <p:spPr/>
+        <p:txBody>
+          <a:bodyPr/>
+          <a:lstStyle/>
+          <a:p>
+            <a:endParaRPr lang="en-SG" dirty="0"/>
+          </a:p>
+        </p:txBody>
+      </p:sp>
+      <p:sp>
+        <p:nvSpPr>
+          <p:cNvPr id="4" name="Slide Number Placeholder 3"/>
+          <p:cNvSpPr>
+            <a:spLocks noGrp="1"/>
+          </p:cNvSpPr>
+          <p:nvPr>
+            <p:ph type="sldNum" sz="quarter" idx="5"/>
+          </p:nvPr>
+        </p:nvSpPr>
+        <p:spPr/>
+        <p:txBody>
+          <a:bodyPr/>
+          <a:lstStyle/>
+          <a:p>
+            <a:fld id="{80E3EE29-611D-4BD4-845A-C29834549AD7}" type="slidenum">
+              <a:rPr lang="en-SG" smtClean="0"/>
+              <a:t>1</a:t>
+            </a:fld>
+            <a:endParaRPr lang="en-SG"/>
+          </a:p>
+        </p:txBody>
+      </p:sp>
+    </p:spTree>
+    <p:extLst>
+      <p:ext uri="{BB962C8B-B14F-4D97-AF65-F5344CB8AC3E}">
+        <p14:creationId xmlns:p14="http://schemas.microsoft.com/office/powerpoint/2010/main" val="3695286043"/>
+      </p:ext>
+    </p:extLst>
+  </p:cSld>
+  <p:clrMapOvr>
+    <a:masterClrMapping/>
+  </p:clrMapOvr>
+</p:notes>
+</file>
+
 <file path=ppt/slideLayouts/slideLayout1.xml><?xml version="1.0" encoding="utf-8"?>
 <p:sldLayout xmlns:a="http://schemas.openxmlformats.org/drawingml/2006/main" xmlns:r="http://schemas.openxmlformats.org/officeDocument/2006/relationships" xmlns:p="http://schemas.openxmlformats.org/presentationml/2006/main" type="title" preserve="1">
   <p:cSld name="Title Slide">
@@ -622,7 +706,7 @@
           <a:p>
             <a:fld id="{FF9CF86C-9498-4717-8AB5-811567CBC580}" type="datetimeFigureOut">
               <a:rPr lang="en-SG" smtClean="0"/>
-              <a:t>12/4/21</a:t>
+              <a:t>13/4/2021</a:t>
             </a:fld>
             <a:endParaRPr lang="en-SG"/>
           </a:p>
@@ -859,7 +943,7 @@
           <a:p>
             <a:fld id="{FF9CF86C-9498-4717-8AB5-811567CBC580}" type="datetimeFigureOut">
               <a:rPr lang="en-SG" smtClean="0"/>
-              <a:t>12/4/21</a:t>
+              <a:t>13/4/2021</a:t>
             </a:fld>
             <a:endParaRPr lang="en-SG"/>
           </a:p>
@@ -1039,7 +1123,7 @@
           <a:p>
             <a:fld id="{FF9CF86C-9498-4717-8AB5-811567CBC580}" type="datetimeFigureOut">
               <a:rPr lang="en-SG" smtClean="0"/>
-              <a:t>12/4/21</a:t>
+              <a:t>13/4/2021</a:t>
             </a:fld>
             <a:endParaRPr lang="en-SG"/>
           </a:p>
@@ -1209,7 +1293,7 @@
           <a:p>
             <a:fld id="{FF9CF86C-9498-4717-8AB5-811567CBC580}" type="datetimeFigureOut">
               <a:rPr lang="en-SG" smtClean="0"/>
-              <a:t>12/4/21</a:t>
+              <a:t>13/4/2021</a:t>
             </a:fld>
             <a:endParaRPr lang="en-SG"/>
           </a:p>
@@ -1453,7 +1537,7 @@
           <a:p>
             <a:fld id="{FF9CF86C-9498-4717-8AB5-811567CBC580}" type="datetimeFigureOut">
               <a:rPr lang="en-SG" smtClean="0"/>
-              <a:t>12/4/21</a:t>
+              <a:t>13/4/2021</a:t>
             </a:fld>
             <a:endParaRPr lang="en-SG"/>
           </a:p>
@@ -1685,7 +1769,7 @@
           <a:p>
             <a:fld id="{FF9CF86C-9498-4717-8AB5-811567CBC580}" type="datetimeFigureOut">
               <a:rPr lang="en-SG" smtClean="0"/>
-              <a:t>12/4/21</a:t>
+              <a:t>13/4/2021</a:t>
             </a:fld>
             <a:endParaRPr lang="en-SG"/>
           </a:p>
@@ -2052,7 +2136,7 @@
           <a:p>
             <a:fld id="{FF9CF86C-9498-4717-8AB5-811567CBC580}" type="datetimeFigureOut">
               <a:rPr lang="en-SG" smtClean="0"/>
-              <a:t>12/4/21</a:t>
+              <a:t>13/4/2021</a:t>
             </a:fld>
             <a:endParaRPr lang="en-SG"/>
           </a:p>
@@ -2170,7 +2254,7 @@
           <a:p>
             <a:fld id="{FF9CF86C-9498-4717-8AB5-811567CBC580}" type="datetimeFigureOut">
               <a:rPr lang="en-SG" smtClean="0"/>
-              <a:t>12/4/21</a:t>
+              <a:t>13/4/2021</a:t>
             </a:fld>
             <a:endParaRPr lang="en-SG"/>
           </a:p>
@@ -2265,7 +2349,7 @@
           <a:p>
             <a:fld id="{FF9CF86C-9498-4717-8AB5-811567CBC580}" type="datetimeFigureOut">
               <a:rPr lang="en-SG" smtClean="0"/>
-              <a:t>12/4/21</a:t>
+              <a:t>13/4/2021</a:t>
             </a:fld>
             <a:endParaRPr lang="en-SG"/>
           </a:p>
@@ -2542,7 +2626,7 @@
           <a:p>
             <a:fld id="{FF9CF86C-9498-4717-8AB5-811567CBC580}" type="datetimeFigureOut">
               <a:rPr lang="en-SG" smtClean="0"/>
-              <a:t>12/4/21</a:t>
+              <a:t>13/4/2021</a:t>
             </a:fld>
             <a:endParaRPr lang="en-SG"/>
           </a:p>
@@ -2799,7 +2883,7 @@
           <a:p>
             <a:fld id="{FF9CF86C-9498-4717-8AB5-811567CBC580}" type="datetimeFigureOut">
               <a:rPr lang="en-SG" smtClean="0"/>
-              <a:t>12/4/21</a:t>
+              <a:t>13/4/2021</a:t>
             </a:fld>
             <a:endParaRPr lang="en-SG"/>
           </a:p>
@@ -3021,7 +3105,7 @@
           <a:p>
             <a:fld id="{FF9CF86C-9498-4717-8AB5-811567CBC580}" type="datetimeFigureOut">
               <a:rPr lang="en-SG" smtClean="0"/>
-              <a:t>12/4/21</a:t>
+              <a:t>13/4/2021</a:t>
             </a:fld>
             <a:endParaRPr lang="en-SG"/>
           </a:p>
@@ -3440,8 +3524,8 @@
         </p:nvSpPr>
         <p:spPr>
           <a:xfrm>
-            <a:off x="676586" y="6369345"/>
-            <a:ext cx="10387851" cy="7571303"/>
+            <a:off x="1000868" y="6552225"/>
+            <a:ext cx="9746905" cy="7201972"/>
           </a:xfrm>
           <a:prstGeom prst="rect">
             <a:avLst/>
@@ -3456,13 +3540,13 @@
           <a:p>
             <a:pPr marL="457200" indent="-457200" algn="just">
               <a:spcAft>
-                <a:spcPts val="600"/>
+                <a:spcPts val="1200"/>
               </a:spcAft>
               <a:buFont typeface="Arial" panose="020B0604020202020204" pitchFamily="34" charset="0"/>
               <a:buChar char="•"/>
             </a:pPr>
             <a:r>
-              <a:rPr lang="en-US" sz="2800" dirty="0">
+              <a:rPr lang="en-US" sz="2600" dirty="0">
                 <a:solidFill>
                   <a:schemeClr val="bg1"/>
                 </a:solidFill>
@@ -3473,7 +3557,7 @@
               <a:t>Our </a:t>
             </a:r>
             <a:r>
-              <a:rPr lang="en-US" sz="2800" b="1" dirty="0">
+              <a:rPr lang="en-US" sz="2600" b="1" dirty="0">
                 <a:solidFill>
                   <a:schemeClr val="bg1"/>
                 </a:solidFill>
@@ -3484,7 +3568,7 @@
               <a:t>COVID-19 data</a:t>
             </a:r>
             <a:r>
-              <a:rPr lang="en-US" sz="2800" dirty="0">
+              <a:rPr lang="en-US" sz="2600" dirty="0">
                 <a:solidFill>
                   <a:schemeClr val="bg1"/>
                 </a:solidFill>
@@ -3495,7 +3579,7 @@
               <a:t> is obtained from </a:t>
             </a:r>
             <a:r>
-              <a:rPr lang="en-US" sz="2800" i="1" dirty="0">
+              <a:rPr lang="en-US" sz="2600" i="1" dirty="0">
                 <a:solidFill>
                   <a:schemeClr val="bg1"/>
                 </a:solidFill>
@@ -3506,7 +3590,7 @@
               <a:t>The Atlantic’s </a:t>
             </a:r>
             <a:r>
-              <a:rPr lang="en-US" sz="2800" b="1" dirty="0">
+              <a:rPr lang="en-US" sz="2600" b="1" dirty="0">
                 <a:solidFill>
                   <a:schemeClr val="bg1"/>
                 </a:solidFill>
@@ -3517,7 +3601,7 @@
               <a:t>The COVID Tracking Project</a:t>
             </a:r>
             <a:r>
-              <a:rPr lang="en-US" sz="2800" dirty="0">
+              <a:rPr lang="en-US" sz="2600" dirty="0">
                 <a:solidFill>
                   <a:schemeClr val="bg1"/>
                 </a:solidFill>
@@ -3531,13 +3615,13 @@
           <a:p>
             <a:pPr marL="457200" indent="-457200" algn="just">
               <a:spcAft>
-                <a:spcPts val="600"/>
+                <a:spcPts val="1200"/>
               </a:spcAft>
               <a:buFont typeface="Arial" panose="020B0604020202020204" pitchFamily="34" charset="0"/>
               <a:buChar char="•"/>
             </a:pPr>
             <a:r>
-              <a:rPr lang="en-US" sz="2800" dirty="0">
+              <a:rPr lang="en-US" sz="2600" dirty="0">
                 <a:solidFill>
                   <a:schemeClr val="bg1"/>
                 </a:solidFill>
@@ -3548,7 +3632,7 @@
               <a:t>Our </a:t>
             </a:r>
             <a:r>
-              <a:rPr lang="en-US" sz="2800" b="1" dirty="0">
+              <a:rPr lang="en-US" sz="2600" b="1" dirty="0">
                 <a:solidFill>
                   <a:schemeClr val="bg1"/>
                 </a:solidFill>
@@ -3559,7 +3643,7 @@
               <a:t>air passenger arrival data </a:t>
             </a:r>
             <a:r>
-              <a:rPr lang="en-US" sz="2800" dirty="0">
+              <a:rPr lang="en-US" sz="2600" dirty="0">
                 <a:solidFill>
                   <a:schemeClr val="bg1"/>
                 </a:solidFill>
@@ -3570,7 +3654,7 @@
               <a:t>is compiled from two datasets from the USDOT. The </a:t>
             </a:r>
             <a:r>
-              <a:rPr lang="en-US" sz="2800" b="1" dirty="0">
+              <a:rPr lang="en-US" sz="2600" b="1" dirty="0">
                 <a:solidFill>
                   <a:schemeClr val="bg1"/>
                 </a:solidFill>
@@ -3581,7 +3665,7 @@
               <a:t>DB1B</a:t>
             </a:r>
             <a:r>
-              <a:rPr lang="en-US" sz="2800" dirty="0">
+              <a:rPr lang="en-US" sz="2600" dirty="0">
                 <a:solidFill>
                   <a:schemeClr val="bg1"/>
                 </a:solidFill>
@@ -3592,7 +3676,7 @@
               <a:t> gives a 10% sample of all itineraries by quarter, and covers Q1 to Q3 2020. The </a:t>
             </a:r>
             <a:r>
-              <a:rPr lang="en-US" sz="2800" b="1" dirty="0">
+              <a:rPr lang="en-US" sz="2600" b="1" dirty="0">
                 <a:solidFill>
                   <a:schemeClr val="bg1"/>
                 </a:solidFill>
@@ -3603,7 +3687,7 @@
               <a:t>T100</a:t>
             </a:r>
             <a:r>
-              <a:rPr lang="en-US" sz="2800" dirty="0">
+              <a:rPr lang="en-US" sz="2600" dirty="0">
                 <a:solidFill>
                   <a:schemeClr val="bg1"/>
                 </a:solidFill>
@@ -3617,13 +3701,13 @@
           <a:p>
             <a:pPr marL="457200" indent="-457200" algn="just">
               <a:spcAft>
-                <a:spcPts val="600"/>
+                <a:spcPts val="1200"/>
               </a:spcAft>
               <a:buFont typeface="Arial" panose="020B0604020202020204" pitchFamily="34" charset="0"/>
               <a:buChar char="•"/>
             </a:pPr>
             <a:r>
-              <a:rPr lang="en-US" sz="2800" dirty="0">
+              <a:rPr lang="en-US" sz="2600" dirty="0">
                 <a:solidFill>
                   <a:schemeClr val="bg1"/>
                 </a:solidFill>
@@ -3634,7 +3718,7 @@
               <a:t>Our </a:t>
             </a:r>
             <a:r>
-              <a:rPr lang="en-US" sz="2800" b="1" dirty="0">
+              <a:rPr lang="en-US" sz="2600" b="1" dirty="0">
                 <a:solidFill>
                   <a:schemeClr val="bg1"/>
                 </a:solidFill>
@@ -3645,7 +3729,7 @@
               <a:t>policy data</a:t>
             </a:r>
             <a:r>
-              <a:rPr lang="en-US" sz="2800" dirty="0">
+              <a:rPr lang="en-US" sz="2600" dirty="0">
                 <a:solidFill>
                   <a:schemeClr val="bg1"/>
                 </a:solidFill>
@@ -3656,7 +3740,7 @@
               <a:t> comes from the </a:t>
             </a:r>
             <a:r>
-              <a:rPr lang="en-US" sz="2800" b="1" dirty="0">
+              <a:rPr lang="en-US" sz="2600" b="1" dirty="0">
                 <a:solidFill>
                   <a:schemeClr val="bg1"/>
                 </a:solidFill>
@@ -3667,7 +3751,7 @@
               <a:t>COVID-19 US State Policy Database</a:t>
             </a:r>
             <a:r>
-              <a:rPr lang="en-US" sz="2800" dirty="0">
+              <a:rPr lang="en-US" sz="2600" dirty="0">
                 <a:solidFill>
                   <a:schemeClr val="bg1"/>
                 </a:solidFill>
@@ -3677,7 +3761,7 @@
               </a:rPr>
               <a:t> developed by the Boston University School of Public Health. It tracks the dates when each US state implemented COVID-19-related social safety net, economic, and social distancing policies.</a:t>
             </a:r>
-            <a:endParaRPr lang="en-SG" sz="2800" b="1" dirty="0">
+            <a:endParaRPr lang="en-SG" sz="2600" b="1" dirty="0">
               <a:solidFill>
                 <a:schemeClr val="bg1"/>
               </a:solidFill>
@@ -3702,7 +3786,7 @@
         </p:nvSpPr>
         <p:spPr>
           <a:xfrm>
-            <a:off x="1230328" y="203329"/>
+            <a:off x="1309842" y="203329"/>
             <a:ext cx="35820626" cy="2369880"/>
           </a:xfrm>
           <a:prstGeom prst="rect">
@@ -3845,7 +3929,7 @@
         </p:nvSpPr>
         <p:spPr>
           <a:xfrm>
-            <a:off x="4064568" y="2991552"/>
+            <a:off x="4068377" y="3184592"/>
             <a:ext cx="3611886" cy="830997"/>
           </a:xfrm>
           <a:prstGeom prst="rect">
@@ -3882,121 +3966,6 @@
           </a:p>
         </p:txBody>
       </p:sp>
-      <p:pic>
-        <p:nvPicPr>
-          <p:cNvPr id="1030" name="Picture 6" descr="Biohazard Symbol transparent PNG - StickPNG">
-            <a:extLst>
-              <a:ext uri="{FF2B5EF4-FFF2-40B4-BE49-F238E27FC236}">
-                <a16:creationId xmlns:a16="http://schemas.microsoft.com/office/drawing/2014/main" id="{1658400D-20AB-4E59-B1BA-7D0563D4D21B}"/>
-              </a:ext>
-            </a:extLst>
-          </p:cNvPr>
-          <p:cNvPicPr>
-            <a:picLocks noChangeAspect="1" noChangeArrowheads="1"/>
-          </p:cNvPicPr>
-          <p:nvPr/>
-        </p:nvPicPr>
-        <p:blipFill>
-          <a:blip r:embed="rId2">
-            <a:extLst>
-              <a:ext uri="{BEBA8EAE-BF5A-486C-A8C5-ECC9F3942E4B}">
-                <a14:imgProps xmlns:a14="http://schemas.microsoft.com/office/drawing/2010/main">
-                  <a14:imgLayer r:embed="rId3">
-                    <a14:imgEffect>
-                      <a14:colorTemperature colorTemp="1500"/>
-                    </a14:imgEffect>
-                    <a14:imgEffect>
-                      <a14:saturation sat="0"/>
-                    </a14:imgEffect>
-                    <a14:imgEffect>
-                      <a14:brightnessContrast bright="100000" contrast="100000"/>
-                    </a14:imgEffect>
-                  </a14:imgLayer>
-                </a14:imgProps>
-              </a:ext>
-              <a:ext uri="{28A0092B-C50C-407E-A947-70E740481C1C}">
-                <a14:useLocalDpi xmlns:a14="http://schemas.microsoft.com/office/drawing/2010/main" val="0"/>
-              </a:ext>
-            </a:extLst>
-          </a:blip>
-          <a:srcRect/>
-          <a:stretch>
-            <a:fillRect/>
-          </a:stretch>
-        </p:blipFill>
-        <p:spPr bwMode="auto">
-          <a:xfrm>
-            <a:off x="1230328" y="384606"/>
-            <a:ext cx="2007326" cy="2007326"/>
-          </a:xfrm>
-          <a:prstGeom prst="rect">
-            <a:avLst/>
-          </a:prstGeom>
-          <a:noFill/>
-        </p:spPr>
-      </p:pic>
-      <p:pic>
-        <p:nvPicPr>
-          <p:cNvPr id="1034" name="Picture 10" descr="DNA PNG">
-            <a:extLst>
-              <a:ext uri="{FF2B5EF4-FFF2-40B4-BE49-F238E27FC236}">
-                <a16:creationId xmlns:a16="http://schemas.microsoft.com/office/drawing/2014/main" id="{B067E9B2-6766-4CD3-9A63-B2BB87F04C29}"/>
-              </a:ext>
-            </a:extLst>
-          </p:cNvPr>
-          <p:cNvPicPr>
-            <a:picLocks noChangeAspect="1" noChangeArrowheads="1"/>
-          </p:cNvPicPr>
-          <p:nvPr/>
-        </p:nvPicPr>
-        <p:blipFill>
-          <a:blip r:embed="rId4">
-            <a:extLst>
-              <a:ext uri="{BEBA8EAE-BF5A-486C-A8C5-ECC9F3942E4B}">
-                <a14:imgProps xmlns:a14="http://schemas.microsoft.com/office/drawing/2010/main">
-                  <a14:imgLayer r:embed="rId5">
-                    <a14:imgEffect>
-                      <a14:colorTemperature colorTemp="1500"/>
-                    </a14:imgEffect>
-                    <a14:imgEffect>
-                      <a14:saturation sat="0"/>
-                    </a14:imgEffect>
-                    <a14:imgEffect>
-                      <a14:brightnessContrast bright="100000" contrast="100000"/>
-                    </a14:imgEffect>
-                  </a14:imgLayer>
-                </a14:imgProps>
-              </a:ext>
-              <a:ext uri="{28A0092B-C50C-407E-A947-70E740481C1C}">
-                <a14:useLocalDpi xmlns:a14="http://schemas.microsoft.com/office/drawing/2010/main" val="0"/>
-              </a:ext>
-            </a:extLst>
-          </a:blip>
-          <a:srcRect/>
-          <a:stretch>
-            <a:fillRect/>
-          </a:stretch>
-        </p:blipFill>
-        <p:spPr bwMode="auto">
-          <a:xfrm>
-            <a:off x="35160128" y="442856"/>
-            <a:ext cx="1890826" cy="1890826"/>
-          </a:xfrm>
-          <a:prstGeom prst="rect">
-            <a:avLst/>
-          </a:prstGeom>
-          <a:noFill/>
-          <a:extLst>
-            <a:ext uri="{909E8E84-426E-40DD-AFC4-6F175D3DCCD1}">
-              <a14:hiddenFill xmlns:a14="http://schemas.microsoft.com/office/drawing/2010/main">
-                <a:solidFill>
-                  <a:srgbClr val="FFFFFF"/>
-                </a:solidFill>
-              </a14:hiddenFill>
-            </a:ext>
-          </a:extLst>
-        </p:spPr>
-      </p:pic>
       <p:sp>
         <p:nvSpPr>
           <p:cNvPr id="15" name="TextBox 14">
@@ -4011,7 +3980,7 @@
         </p:nvSpPr>
         <p:spPr>
           <a:xfrm>
-            <a:off x="4780437" y="5544891"/>
+            <a:off x="4784246" y="5727771"/>
             <a:ext cx="2180149" cy="830997"/>
           </a:xfrm>
           <a:prstGeom prst="rect">
@@ -4062,7 +4031,7 @@
         </p:nvSpPr>
         <p:spPr>
           <a:xfrm>
-            <a:off x="3760799" y="14095322"/>
+            <a:off x="3764608" y="14041817"/>
             <a:ext cx="4219425" cy="830997"/>
           </a:xfrm>
           <a:prstGeom prst="rect">
@@ -4113,7 +4082,7 @@
         </p:nvSpPr>
         <p:spPr>
           <a:xfrm>
-            <a:off x="15262860" y="2991552"/>
+            <a:off x="15280615" y="3184592"/>
             <a:ext cx="7879080" cy="830997"/>
           </a:xfrm>
           <a:prstGeom prst="rect">
@@ -4163,7 +4132,7 @@
         </p:nvSpPr>
         <p:spPr>
           <a:xfrm>
-            <a:off x="15635558" y="13081946"/>
+            <a:off x="15653313" y="12396356"/>
             <a:ext cx="7133684" cy="830997"/>
           </a:xfrm>
           <a:prstGeom prst="rect">
@@ -4256,8 +4225,8 @@
         </p:nvSpPr>
         <p:spPr>
           <a:xfrm>
-            <a:off x="676585" y="3970397"/>
-            <a:ext cx="10387853" cy="1384995"/>
+            <a:off x="950657" y="4075457"/>
+            <a:ext cx="9847327" cy="1292662"/>
           </a:xfrm>
           <a:prstGeom prst="rect">
             <a:avLst/>
@@ -4272,17 +4241,17 @@
           <a:p>
             <a:pPr algn="just"/>
             <a:r>
-              <a:rPr lang="en-US" sz="2800" dirty="0">
-                <a:solidFill>
-                  <a:schemeClr val="bg1"/>
-                </a:solidFill>
-                <a:latin typeface="Open Sans" panose="020B0606030504020204" pitchFamily="34" charset="0"/>
-                <a:ea typeface="Open Sans" panose="020B0606030504020204" pitchFamily="34" charset="0"/>
-                <a:cs typeface="Open Sans" panose="020B0606030504020204" pitchFamily="34" charset="0"/>
-              </a:rPr>
-              <a:t>We hypothesize that the number of air passenger arrivals in a US state is positively correlated with the number of COVID-19 cases.</a:t>
-            </a:r>
-            <a:endParaRPr lang="en-SG" sz="2800" b="1" dirty="0">
+              <a:rPr lang="en-US" sz="2600" dirty="0">
+                <a:solidFill>
+                  <a:schemeClr val="bg1"/>
+                </a:solidFill>
+                <a:latin typeface="Open Sans" panose="020B0606030504020204" pitchFamily="34" charset="0"/>
+                <a:ea typeface="Open Sans" panose="020B0606030504020204" pitchFamily="34" charset="0"/>
+                <a:cs typeface="Open Sans" panose="020B0606030504020204" pitchFamily="34" charset="0"/>
+              </a:rPr>
+              <a:t>We hypothesize that the number of domestic air passenger arrivals in a US state is positively correlated with the number of new COVID-19 cases in that state.</a:t>
+            </a:r>
+            <a:endParaRPr lang="en-SG" sz="2600" b="1" dirty="0">
               <a:solidFill>
                 <a:schemeClr val="bg1"/>
               </a:solidFill>
@@ -4307,7 +4276,7 @@
         </p:nvSpPr>
         <p:spPr>
           <a:xfrm>
-            <a:off x="15015196" y="18301316"/>
+            <a:off x="15032951" y="19424744"/>
             <a:ext cx="8374408" cy="830997"/>
           </a:xfrm>
           <a:prstGeom prst="rect">
@@ -4357,7 +4326,7 @@
         </p:nvSpPr>
         <p:spPr>
           <a:xfrm>
-            <a:off x="16142909" y="22568452"/>
+            <a:off x="16160664" y="24212714"/>
             <a:ext cx="6118983" cy="830997"/>
           </a:xfrm>
           <a:prstGeom prst="rect">
@@ -4372,7 +4341,7 @@
           <a:lstStyle/>
           <a:p>
             <a:r>
-              <a:rPr lang="en-US" sz="4800" b="1">
+              <a:rPr lang="en-US" sz="4800" b="1" dirty="0">
                 <a:solidFill>
                   <a:schemeClr val="bg1"/>
                 </a:solidFill>
@@ -4407,7 +4376,7 @@
         </p:nvSpPr>
         <p:spPr>
           <a:xfrm>
-            <a:off x="29720642" y="2991552"/>
+            <a:off x="29726626" y="3184592"/>
             <a:ext cx="5644494" cy="830997"/>
           </a:xfrm>
           <a:prstGeom prst="rect">
@@ -4433,79 +4402,6 @@
               <a:t>Map Visualization</a:t>
             </a:r>
             <a:endParaRPr lang="en-SG" sz="4800" b="1" dirty="0">
-              <a:solidFill>
-                <a:schemeClr val="bg1"/>
-              </a:solidFill>
-              <a:latin typeface="Open Sans" panose="020B0606030504020204" pitchFamily="34" charset="0"/>
-              <a:ea typeface="Open Sans" panose="020B0606030504020204" pitchFamily="34" charset="0"/>
-              <a:cs typeface="Open Sans" panose="020B0606030504020204" pitchFamily="34" charset="0"/>
-            </a:endParaRPr>
-          </a:p>
-        </p:txBody>
-      </p:sp>
-      <p:sp>
-        <p:nvSpPr>
-          <p:cNvPr id="39" name="TextBox 38">
-            <a:extLst>
-              <a:ext uri="{FF2B5EF4-FFF2-40B4-BE49-F238E27FC236}">
-                <a16:creationId xmlns:a16="http://schemas.microsoft.com/office/drawing/2014/main" id="{E11D258C-70B4-45F4-95B6-10A70127DA1A}"/>
-              </a:ext>
-            </a:extLst>
-          </p:cNvPr>
-          <p:cNvSpPr txBox="1"/>
-          <p:nvPr/>
-        </p:nvSpPr>
-        <p:spPr>
-          <a:xfrm>
-            <a:off x="27348963" y="14355789"/>
-            <a:ext cx="10387853" cy="3323987"/>
-          </a:xfrm>
-          <a:prstGeom prst="rect">
-            <a:avLst/>
-          </a:prstGeom>
-          <a:noFill/>
-        </p:spPr>
-        <p:txBody>
-          <a:bodyPr wrap="square" rtlCol="0">
-            <a:spAutoFit/>
-          </a:bodyPr>
-          <a:lstStyle/>
-          <a:p>
-            <a:pPr algn="just"/>
-            <a:r>
-              <a:rPr lang="en-US" sz="3000" dirty="0">
-                <a:solidFill>
-                  <a:schemeClr val="bg1"/>
-                </a:solidFill>
-                <a:latin typeface="Open Sans" panose="020B0606030504020204" pitchFamily="34" charset="0"/>
-                <a:ea typeface="Open Sans" panose="020B0606030504020204" pitchFamily="34" charset="0"/>
-                <a:cs typeface="Open Sans" panose="020B0606030504020204" pitchFamily="34" charset="0"/>
-              </a:rPr>
-              <a:t>Recently, avocados have been specifically tied to the millennial generation, due to its increasing presence in social media and public platforms. While this connection is widely acknowledged, we wanted to see whether it could be statistically supported that </a:t>
-            </a:r>
-            <a:r>
-              <a:rPr lang="en-US" sz="3000" dirty="0" err="1">
-                <a:solidFill>
-                  <a:schemeClr val="bg1"/>
-                </a:solidFill>
-                <a:latin typeface="Open Sans" panose="020B0606030504020204" pitchFamily="34" charset="0"/>
-                <a:ea typeface="Open Sans" panose="020B0606030504020204" pitchFamily="34" charset="0"/>
-                <a:cs typeface="Open Sans" panose="020B0606030504020204" pitchFamily="34" charset="0"/>
-              </a:rPr>
-              <a:t>millenials</a:t>
-            </a:r>
-            <a:r>
-              <a:rPr lang="en-US" sz="3000" dirty="0">
-                <a:solidFill>
-                  <a:schemeClr val="bg1"/>
-                </a:solidFill>
-                <a:latin typeface="Open Sans" panose="020B0606030504020204" pitchFamily="34" charset="0"/>
-                <a:ea typeface="Open Sans" panose="020B0606030504020204" pitchFamily="34" charset="0"/>
-                <a:cs typeface="Open Sans" panose="020B0606030504020204" pitchFamily="34" charset="0"/>
-              </a:rPr>
-              <a:t> consume more avocados, even though increased consumption may have increased prices of this unique fruit.</a:t>
-            </a:r>
-            <a:endParaRPr lang="en-SG" sz="3000" b="1" dirty="0">
               <a:solidFill>
                 <a:schemeClr val="bg1"/>
               </a:solidFill>
@@ -4530,7 +4426,7 @@
         </p:nvSpPr>
         <p:spPr>
           <a:xfrm>
-            <a:off x="30615118" y="17736482"/>
+            <a:off x="30621102" y="15950360"/>
             <a:ext cx="3855543" cy="830997"/>
           </a:xfrm>
           <a:prstGeom prst="rect">
@@ -4556,79 +4452,6 @@
               <a:t>Conclusions</a:t>
             </a:r>
             <a:endParaRPr lang="en-SG" sz="4800" b="1" dirty="0">
-              <a:solidFill>
-                <a:schemeClr val="bg1"/>
-              </a:solidFill>
-              <a:latin typeface="Open Sans" panose="020B0606030504020204" pitchFamily="34" charset="0"/>
-              <a:ea typeface="Open Sans" panose="020B0606030504020204" pitchFamily="34" charset="0"/>
-              <a:cs typeface="Open Sans" panose="020B0606030504020204" pitchFamily="34" charset="0"/>
-            </a:endParaRPr>
-          </a:p>
-        </p:txBody>
-      </p:sp>
-      <p:sp>
-        <p:nvSpPr>
-          <p:cNvPr id="41" name="TextBox 40">
-            <a:extLst>
-              <a:ext uri="{FF2B5EF4-FFF2-40B4-BE49-F238E27FC236}">
-                <a16:creationId xmlns:a16="http://schemas.microsoft.com/office/drawing/2014/main" id="{5688038F-5519-44EB-9898-F25405AD3858}"/>
-              </a:ext>
-            </a:extLst>
-          </p:cNvPr>
-          <p:cNvSpPr txBox="1"/>
-          <p:nvPr/>
-        </p:nvSpPr>
-        <p:spPr>
-          <a:xfrm>
-            <a:off x="27348963" y="19059921"/>
-            <a:ext cx="10387853" cy="3323987"/>
-          </a:xfrm>
-          <a:prstGeom prst="rect">
-            <a:avLst/>
-          </a:prstGeom>
-          <a:noFill/>
-        </p:spPr>
-        <p:txBody>
-          <a:bodyPr wrap="square" rtlCol="0">
-            <a:spAutoFit/>
-          </a:bodyPr>
-          <a:lstStyle/>
-          <a:p>
-            <a:pPr algn="just"/>
-            <a:r>
-              <a:rPr lang="en-US" sz="3000" dirty="0">
-                <a:solidFill>
-                  <a:schemeClr val="bg1"/>
-                </a:solidFill>
-                <a:latin typeface="Open Sans" panose="020B0606030504020204" pitchFamily="34" charset="0"/>
-                <a:ea typeface="Open Sans" panose="020B0606030504020204" pitchFamily="34" charset="0"/>
-                <a:cs typeface="Open Sans" panose="020B0606030504020204" pitchFamily="34" charset="0"/>
-              </a:rPr>
-              <a:t>Recently, avocados have been specifically tied to the millennial generation, due to its increasing presence in social media and public platforms. While this connection is widely acknowledged, we wanted to see whether it could be statistically supported that </a:t>
-            </a:r>
-            <a:r>
-              <a:rPr lang="en-US" sz="3000" dirty="0" err="1">
-                <a:solidFill>
-                  <a:schemeClr val="bg1"/>
-                </a:solidFill>
-                <a:latin typeface="Open Sans" panose="020B0606030504020204" pitchFamily="34" charset="0"/>
-                <a:ea typeface="Open Sans" panose="020B0606030504020204" pitchFamily="34" charset="0"/>
-                <a:cs typeface="Open Sans" panose="020B0606030504020204" pitchFamily="34" charset="0"/>
-              </a:rPr>
-              <a:t>millenials</a:t>
-            </a:r>
-            <a:r>
-              <a:rPr lang="en-US" sz="3000" dirty="0">
-                <a:solidFill>
-                  <a:schemeClr val="bg1"/>
-                </a:solidFill>
-                <a:latin typeface="Open Sans" panose="020B0606030504020204" pitchFamily="34" charset="0"/>
-                <a:ea typeface="Open Sans" panose="020B0606030504020204" pitchFamily="34" charset="0"/>
-                <a:cs typeface="Open Sans" panose="020B0606030504020204" pitchFamily="34" charset="0"/>
-              </a:rPr>
-              <a:t> consume more avocados, even though increased consumption may have increased prices of this unique fruit.</a:t>
-            </a:r>
-            <a:endParaRPr lang="en-SG" sz="3000" b="1" dirty="0">
               <a:solidFill>
                 <a:schemeClr val="bg1"/>
               </a:solidFill>
@@ -4653,7 +4476,7 @@
         </p:nvSpPr>
         <p:spPr>
           <a:xfrm>
-            <a:off x="26927028" y="23370508"/>
+            <a:off x="26933012" y="22323517"/>
             <a:ext cx="11231723" cy="1079013"/>
           </a:xfrm>
           <a:prstGeom prst="rect">
@@ -4684,152 +4507,6 @@
               <a:t>Limitations / Future Directions</a:t>
             </a:r>
             <a:endParaRPr lang="en-SG" sz="4800" b="1" dirty="0">
-              <a:solidFill>
-                <a:schemeClr val="bg1"/>
-              </a:solidFill>
-              <a:latin typeface="Open Sans" panose="020B0606030504020204" pitchFamily="34" charset="0"/>
-              <a:ea typeface="Open Sans" panose="020B0606030504020204" pitchFamily="34" charset="0"/>
-              <a:cs typeface="Open Sans" panose="020B0606030504020204" pitchFamily="34" charset="0"/>
-            </a:endParaRPr>
-          </a:p>
-        </p:txBody>
-      </p:sp>
-      <p:sp>
-        <p:nvSpPr>
-          <p:cNvPr id="43" name="TextBox 42">
-            <a:extLst>
-              <a:ext uri="{FF2B5EF4-FFF2-40B4-BE49-F238E27FC236}">
-                <a16:creationId xmlns:a16="http://schemas.microsoft.com/office/drawing/2014/main" id="{4B9841C7-26CE-407D-B5DB-A028C67B1550}"/>
-              </a:ext>
-            </a:extLst>
-          </p:cNvPr>
-          <p:cNvSpPr txBox="1"/>
-          <p:nvPr/>
-        </p:nvSpPr>
-        <p:spPr>
-          <a:xfrm>
-            <a:off x="27348963" y="25170556"/>
-            <a:ext cx="10387853" cy="3323987"/>
-          </a:xfrm>
-          <a:prstGeom prst="rect">
-            <a:avLst/>
-          </a:prstGeom>
-          <a:noFill/>
-        </p:spPr>
-        <p:txBody>
-          <a:bodyPr wrap="square" rtlCol="0">
-            <a:spAutoFit/>
-          </a:bodyPr>
-          <a:lstStyle/>
-          <a:p>
-            <a:pPr algn="just"/>
-            <a:r>
-              <a:rPr lang="en-US" sz="3000" dirty="0">
-                <a:solidFill>
-                  <a:schemeClr val="bg1"/>
-                </a:solidFill>
-                <a:latin typeface="Open Sans" panose="020B0606030504020204" pitchFamily="34" charset="0"/>
-                <a:ea typeface="Open Sans" panose="020B0606030504020204" pitchFamily="34" charset="0"/>
-                <a:cs typeface="Open Sans" panose="020B0606030504020204" pitchFamily="34" charset="0"/>
-              </a:rPr>
-              <a:t>Recently, avocados have been specifically tied to the millennial generation, due to its increasing presence in social media and public platforms. While this connection is widely acknowledged, we wanted to see whether it could be statistically supported that </a:t>
-            </a:r>
-            <a:r>
-              <a:rPr lang="en-US" sz="3000" dirty="0" err="1">
-                <a:solidFill>
-                  <a:schemeClr val="bg1"/>
-                </a:solidFill>
-                <a:latin typeface="Open Sans" panose="020B0606030504020204" pitchFamily="34" charset="0"/>
-                <a:ea typeface="Open Sans" panose="020B0606030504020204" pitchFamily="34" charset="0"/>
-                <a:cs typeface="Open Sans" panose="020B0606030504020204" pitchFamily="34" charset="0"/>
-              </a:rPr>
-              <a:t>millenials</a:t>
-            </a:r>
-            <a:r>
-              <a:rPr lang="en-US" sz="3000" dirty="0">
-                <a:solidFill>
-                  <a:schemeClr val="bg1"/>
-                </a:solidFill>
-                <a:latin typeface="Open Sans" panose="020B0606030504020204" pitchFamily="34" charset="0"/>
-                <a:ea typeface="Open Sans" panose="020B0606030504020204" pitchFamily="34" charset="0"/>
-                <a:cs typeface="Open Sans" panose="020B0606030504020204" pitchFamily="34" charset="0"/>
-              </a:rPr>
-              <a:t> consume more avocados, even though increased consumption may have increased prices of this unique fruit.</a:t>
-            </a:r>
-            <a:endParaRPr lang="en-SG" sz="3000" b="1" dirty="0">
-              <a:solidFill>
-                <a:schemeClr val="bg1"/>
-              </a:solidFill>
-              <a:latin typeface="Open Sans" panose="020B0606030504020204" pitchFamily="34" charset="0"/>
-              <a:ea typeface="Open Sans" panose="020B0606030504020204" pitchFamily="34" charset="0"/>
-              <a:cs typeface="Open Sans" panose="020B0606030504020204" pitchFamily="34" charset="0"/>
-            </a:endParaRPr>
-          </a:p>
-        </p:txBody>
-      </p:sp>
-      <p:sp>
-        <p:nvSpPr>
-          <p:cNvPr id="44" name="TextBox 43">
-            <a:extLst>
-              <a:ext uri="{FF2B5EF4-FFF2-40B4-BE49-F238E27FC236}">
-                <a16:creationId xmlns:a16="http://schemas.microsoft.com/office/drawing/2014/main" id="{668AE86B-5888-47EE-98AF-B24727FD0EF3}"/>
-              </a:ext>
-            </a:extLst>
-          </p:cNvPr>
-          <p:cNvSpPr txBox="1"/>
-          <p:nvPr/>
-        </p:nvSpPr>
-        <p:spPr>
-          <a:xfrm>
-            <a:off x="11608904" y="4896160"/>
-            <a:ext cx="15186992" cy="2400657"/>
-          </a:xfrm>
-          <a:prstGeom prst="rect">
-            <a:avLst/>
-          </a:prstGeom>
-          <a:noFill/>
-        </p:spPr>
-        <p:txBody>
-          <a:bodyPr wrap="square" rtlCol="0">
-            <a:spAutoFit/>
-          </a:bodyPr>
-          <a:lstStyle/>
-          <a:p>
-            <a:pPr algn="just"/>
-            <a:r>
-              <a:rPr lang="en-US" sz="3000" dirty="0">
-                <a:solidFill>
-                  <a:schemeClr val="bg1"/>
-                </a:solidFill>
-                <a:latin typeface="Open Sans" panose="020B0606030504020204" pitchFamily="34" charset="0"/>
-                <a:ea typeface="Open Sans" panose="020B0606030504020204" pitchFamily="34" charset="0"/>
-                <a:cs typeface="Open Sans" panose="020B0606030504020204" pitchFamily="34" charset="0"/>
-              </a:rPr>
-              <a:t>Recently, avocados have been specifically tied to the millennial generation, due to its increasing presence in social media and public platforms. While this connection is widely acknowledged, we wanted to see whether it could be statistically supported that </a:t>
-            </a:r>
-            <a:r>
-              <a:rPr lang="en-US" sz="3000" dirty="0" err="1">
-                <a:solidFill>
-                  <a:schemeClr val="bg1"/>
-                </a:solidFill>
-                <a:latin typeface="Open Sans" panose="020B0606030504020204" pitchFamily="34" charset="0"/>
-                <a:ea typeface="Open Sans" panose="020B0606030504020204" pitchFamily="34" charset="0"/>
-                <a:cs typeface="Open Sans" panose="020B0606030504020204" pitchFamily="34" charset="0"/>
-              </a:rPr>
-              <a:t>millenials</a:t>
-            </a:r>
-            <a:r>
-              <a:rPr lang="en-US" sz="3000" dirty="0">
-                <a:solidFill>
-                  <a:schemeClr val="bg1"/>
-                </a:solidFill>
-                <a:latin typeface="Open Sans" panose="020B0606030504020204" pitchFamily="34" charset="0"/>
-                <a:ea typeface="Open Sans" panose="020B0606030504020204" pitchFamily="34" charset="0"/>
-                <a:cs typeface="Open Sans" panose="020B0606030504020204" pitchFamily="34" charset="0"/>
-              </a:rPr>
-              <a:t> consume more avocados, even though increased consumption may have increased prices of this unique fruit.</a:t>
-            </a:r>
-            <a:endParaRPr lang="en-SG" sz="3000" b="1" dirty="0">
               <a:solidFill>
                 <a:schemeClr val="bg1"/>
               </a:solidFill>
@@ -4854,8 +4531,8 @@
         </p:nvSpPr>
         <p:spPr>
           <a:xfrm>
-            <a:off x="676585" y="14974573"/>
-            <a:ext cx="10387853" cy="4555093"/>
+            <a:off x="961566" y="14901613"/>
+            <a:ext cx="9825509" cy="4324261"/>
           </a:xfrm>
           <a:prstGeom prst="rect">
             <a:avLst/>
@@ -4870,22 +4547,22 @@
           <a:p>
             <a:pPr algn="just">
               <a:spcAft>
-                <a:spcPts val="600"/>
+                <a:spcPts val="1200"/>
               </a:spcAft>
             </a:pPr>
             <a:r>
-              <a:rPr lang="en-US" sz="2800" dirty="0">
-                <a:solidFill>
-                  <a:schemeClr val="bg1"/>
-                </a:solidFill>
-                <a:latin typeface="Open Sans" panose="020B0606030504020204" pitchFamily="34" charset="0"/>
-                <a:ea typeface="Open Sans" panose="020B0606030504020204" pitchFamily="34" charset="0"/>
-                <a:cs typeface="Open Sans" panose="020B0606030504020204" pitchFamily="34" charset="0"/>
-              </a:rPr>
-              <a:t>To match the monthly arrivals data, we aggregated the cases from the 15th of each month to the 14th of the next, given the 2-week incubation period. This gave us </a:t>
-            </a:r>
-            <a:r>
-              <a:rPr lang="en-US" sz="2800" b="1" dirty="0">
+              <a:rPr lang="en-US" sz="2600" dirty="0">
+                <a:solidFill>
+                  <a:schemeClr val="bg1"/>
+                </a:solidFill>
+                <a:latin typeface="Open Sans" panose="020B0606030504020204" pitchFamily="34" charset="0"/>
+                <a:ea typeface="Open Sans" panose="020B0606030504020204" pitchFamily="34" charset="0"/>
+                <a:cs typeface="Open Sans" panose="020B0606030504020204" pitchFamily="34" charset="0"/>
+              </a:rPr>
+              <a:t>To match the monthly arrivals data, we aggregated cases from the 15th of each month to the 14th of the next, considering the 2-week COVID-19 incubation period. This gave us </a:t>
+            </a:r>
+            <a:r>
+              <a:rPr lang="en-US" sz="2600" b="1" dirty="0">
                 <a:solidFill>
                   <a:schemeClr val="bg1"/>
                 </a:solidFill>
@@ -4896,7 +4573,7 @@
               <a:t>294 data points</a:t>
             </a:r>
             <a:r>
-              <a:rPr lang="en-US" sz="2800" dirty="0">
+              <a:rPr lang="en-US" sz="2600" dirty="0">
                 <a:solidFill>
                   <a:schemeClr val="bg1"/>
                 </a:solidFill>
@@ -4907,7 +4584,7 @@
               <a:t> from </a:t>
             </a:r>
             <a:r>
-              <a:rPr lang="en-US" sz="2800" b="1" dirty="0">
+              <a:rPr lang="en-US" sz="2600" b="1" dirty="0">
                 <a:solidFill>
                   <a:schemeClr val="bg1"/>
                 </a:solidFill>
@@ -4918,7 +4595,7 @@
               <a:t>49 states </a:t>
             </a:r>
             <a:r>
-              <a:rPr lang="en-US" sz="2800" dirty="0">
+              <a:rPr lang="en-US" sz="2600" dirty="0">
                 <a:solidFill>
                   <a:schemeClr val="bg1"/>
                 </a:solidFill>
@@ -4929,7 +4606,7 @@
               <a:t>(excl. DE) and </a:t>
             </a:r>
             <a:r>
-              <a:rPr lang="en-US" sz="2800" b="1" dirty="0">
+              <a:rPr lang="en-US" sz="2600" b="1" dirty="0">
                 <a:solidFill>
                   <a:schemeClr val="bg1"/>
                 </a:solidFill>
@@ -4940,7 +4617,7 @@
               <a:t>6 months </a:t>
             </a:r>
             <a:r>
-              <a:rPr lang="en-US" sz="2800" dirty="0">
+              <a:rPr lang="en-US" sz="2600" dirty="0">
                 <a:solidFill>
                   <a:schemeClr val="bg1"/>
                 </a:solidFill>
@@ -4958,7 +4635,7 @@
               </a:spcAft>
             </a:pPr>
             <a:r>
-              <a:rPr lang="en-US" sz="2800" dirty="0">
+              <a:rPr lang="en-US" sz="2600" dirty="0">
                 <a:solidFill>
                   <a:schemeClr val="bg1"/>
                 </a:solidFill>
@@ -4975,15 +4652,15 @@
               <a:buChar char="•"/>
             </a:pPr>
             <a:r>
-              <a:rPr lang="en-SG" sz="2800" dirty="0">
-                <a:solidFill>
-                  <a:schemeClr val="bg1"/>
-                </a:solidFill>
-                <a:latin typeface="Open Sans" panose="020B0606030504020204" pitchFamily="34" charset="0"/>
-                <a:ea typeface="Open Sans" panose="020B0606030504020204" pitchFamily="34" charset="0"/>
-                <a:cs typeface="Open Sans" panose="020B0606030504020204" pitchFamily="34" charset="0"/>
-              </a:rPr>
-              <a:t>States with large pop. had more arrivals and cases – pop. is a possible causal factor for both</a:t>
+              <a:rPr lang="en-SG" sz="2600" dirty="0">
+                <a:solidFill>
+                  <a:schemeClr val="bg1"/>
+                </a:solidFill>
+                <a:latin typeface="Open Sans" panose="020B0606030504020204" pitchFamily="34" charset="0"/>
+                <a:ea typeface="Open Sans" panose="020B0606030504020204" pitchFamily="34" charset="0"/>
+                <a:cs typeface="Open Sans" panose="020B0606030504020204" pitchFamily="34" charset="0"/>
+              </a:rPr>
+              <a:t>States with large pop. had more arrivals and cases – pop. is a possible confounding variable that affects both</a:t>
             </a:r>
           </a:p>
           <a:p>
@@ -4992,7 +4669,7 @@
               <a:buChar char="•"/>
             </a:pPr>
             <a:r>
-              <a:rPr lang="en-SG" sz="2800" dirty="0">
+              <a:rPr lang="en-SG" sz="2600" dirty="0">
                 <a:solidFill>
                   <a:schemeClr val="bg1"/>
                 </a:solidFill>
@@ -5009,15 +4686,15 @@
               <a:buChar char="•"/>
             </a:pPr>
             <a:r>
-              <a:rPr lang="en-SG" sz="2800" dirty="0">
-                <a:solidFill>
-                  <a:schemeClr val="bg1"/>
-                </a:solidFill>
-                <a:latin typeface="Open Sans" panose="020B0606030504020204" pitchFamily="34" charset="0"/>
-                <a:ea typeface="Open Sans" panose="020B0606030504020204" pitchFamily="34" charset="0"/>
-                <a:cs typeface="Open Sans" panose="020B0606030504020204" pitchFamily="34" charset="0"/>
-              </a:rPr>
-              <a:t>Cases increased over time – possible fixed time effects</a:t>
+              <a:rPr lang="en-SG" sz="2600" dirty="0">
+                <a:solidFill>
+                  <a:schemeClr val="bg1"/>
+                </a:solidFill>
+                <a:latin typeface="Open Sans" panose="020B0606030504020204" pitchFamily="34" charset="0"/>
+                <a:ea typeface="Open Sans" panose="020B0606030504020204" pitchFamily="34" charset="0"/>
+                <a:cs typeface="Open Sans" panose="020B0606030504020204" pitchFamily="34" charset="0"/>
+              </a:rPr>
+              <a:t>Cases increased over time – possible time-fixed effects</a:t>
             </a:r>
           </a:p>
         </p:txBody>
@@ -5037,7 +4714,7 @@
           <p:nvPr/>
         </p:nvPicPr>
         <p:blipFill>
-          <a:blip r:embed="rId6">
+          <a:blip r:embed="rId3">
             <a:extLst>
               <a:ext uri="{28A0092B-C50C-407E-A947-70E740481C1C}">
                 <a14:useLocalDpi xmlns:a14="http://schemas.microsoft.com/office/drawing/2010/main" val="0"/>
@@ -5051,8 +4728,8 @@
         </p:blipFill>
         <p:spPr bwMode="auto">
           <a:xfrm>
-            <a:off x="676584" y="19484295"/>
-            <a:ext cx="10387854" cy="4364044"/>
+            <a:off x="961566" y="19459590"/>
+            <a:ext cx="9825509" cy="4127798"/>
           </a:xfrm>
           <a:prstGeom prst="rect">
             <a:avLst/>
@@ -5076,8 +4753,8 @@
         </p:nvSpPr>
         <p:spPr>
           <a:xfrm>
-            <a:off x="676585" y="23862926"/>
-            <a:ext cx="10387853" cy="4909036"/>
+            <a:off x="989959" y="23634326"/>
+            <a:ext cx="9768723" cy="4647426"/>
           </a:xfrm>
           <a:prstGeom prst="rect">
             <a:avLst/>
@@ -5092,7 +4769,7 @@
           <a:p>
             <a:pPr algn="just"/>
             <a:r>
-              <a:rPr lang="en-US" sz="2800" dirty="0">
+              <a:rPr lang="en-US" sz="2600" dirty="0">
                 <a:solidFill>
                   <a:schemeClr val="bg1"/>
                 </a:solidFill>
@@ -5109,7 +4786,7 @@
               <a:buChar char="•"/>
             </a:pPr>
             <a:r>
-              <a:rPr lang="en-US" sz="2800" b="1" dirty="0">
+              <a:rPr lang="en-US" sz="2600" b="1" dirty="0">
                 <a:solidFill>
                   <a:schemeClr val="bg1"/>
                 </a:solidFill>
@@ -5120,7 +4797,7 @@
               <a:t>Model 1A </a:t>
             </a:r>
             <a:r>
-              <a:rPr lang="en-US" sz="2800" dirty="0">
+              <a:rPr lang="en-US" sz="2600" dirty="0">
                 <a:solidFill>
                   <a:schemeClr val="bg1"/>
                 </a:solidFill>
@@ -5137,7 +4814,7 @@
               <a:buChar char="•"/>
             </a:pPr>
             <a:r>
-              <a:rPr lang="en-US" sz="2800" b="1" dirty="0">
+              <a:rPr lang="en-US" sz="2600" b="1" dirty="0">
                 <a:solidFill>
                   <a:schemeClr val="bg1"/>
                 </a:solidFill>
@@ -5148,7 +4825,7 @@
               <a:t>Model 1B</a:t>
             </a:r>
             <a:r>
-              <a:rPr lang="en-US" sz="2800" dirty="0">
+              <a:rPr lang="en-US" sz="2600" dirty="0">
                 <a:solidFill>
                   <a:schemeClr val="bg1"/>
                 </a:solidFill>
@@ -5165,7 +4842,7 @@
               <a:buChar char="•"/>
             </a:pPr>
             <a:r>
-              <a:rPr lang="en-US" sz="2800" b="1" dirty="0">
+              <a:rPr lang="en-US" sz="2600" b="1" dirty="0">
                 <a:solidFill>
                   <a:schemeClr val="bg1"/>
                 </a:solidFill>
@@ -5176,27 +4853,27 @@
               <a:t>Model 1C</a:t>
             </a:r>
             <a:r>
-              <a:rPr lang="en-US" sz="2800" dirty="0">
-                <a:solidFill>
-                  <a:schemeClr val="bg1"/>
-                </a:solidFill>
-                <a:latin typeface="Open Sans" panose="020B0606030504020204" pitchFamily="34" charset="0"/>
-                <a:ea typeface="Open Sans" panose="020B0606030504020204" pitchFamily="34" charset="0"/>
-                <a:cs typeface="Open Sans" panose="020B0606030504020204" pitchFamily="34" charset="0"/>
-              </a:rPr>
-              <a:t> – Per capita arrivals vs  per capita cases</a:t>
+              <a:rPr lang="en-US" sz="2600" dirty="0">
+                <a:solidFill>
+                  <a:schemeClr val="bg1"/>
+                </a:solidFill>
+                <a:latin typeface="Open Sans" panose="020B0606030504020204" pitchFamily="34" charset="0"/>
+                <a:ea typeface="Open Sans" panose="020B0606030504020204" pitchFamily="34" charset="0"/>
+                <a:cs typeface="Open Sans" panose="020B0606030504020204" pitchFamily="34" charset="0"/>
+              </a:rPr>
+              <a:t> – Per capita (p.c.) arrivals vs  per capita cases</a:t>
             </a:r>
           </a:p>
           <a:p>
             <a:pPr marL="457200" indent="-457200" algn="just">
               <a:spcAft>
-                <a:spcPts val="600"/>
+                <a:spcPts val="1200"/>
               </a:spcAft>
               <a:buFont typeface="Arial" panose="020B0604020202020204" pitchFamily="34" charset="0"/>
               <a:buChar char="•"/>
             </a:pPr>
             <a:r>
-              <a:rPr lang="en-US" sz="2800" b="1" dirty="0">
+              <a:rPr lang="en-US" sz="2600" b="1" dirty="0">
                 <a:solidFill>
                   <a:schemeClr val="bg1"/>
                 </a:solidFill>
@@ -5207,7 +4884,7 @@
               <a:t>Model 1C(W)</a:t>
             </a:r>
             <a:r>
-              <a:rPr lang="en-US" sz="2800" dirty="0">
+              <a:rPr lang="en-US" sz="2600" dirty="0">
                 <a:solidFill>
                   <a:schemeClr val="bg1"/>
                 </a:solidFill>
@@ -5221,7 +4898,7 @@
           <a:p>
             <a:pPr algn="just"/>
             <a:r>
-              <a:rPr lang="en-US" sz="2800" dirty="0">
+              <a:rPr lang="en-US" sz="2600" dirty="0">
                 <a:solidFill>
                   <a:schemeClr val="bg1"/>
                 </a:solidFill>
@@ -5238,7 +4915,7 @@
               <a:buChar char="•"/>
             </a:pPr>
             <a:r>
-              <a:rPr lang="en-US" sz="2800" b="1" dirty="0">
+              <a:rPr lang="en-US" sz="2600" b="1" dirty="0">
                 <a:solidFill>
                   <a:schemeClr val="bg1"/>
                 </a:solidFill>
@@ -5249,7 +4926,7 @@
               <a:t>Model 2 </a:t>
             </a:r>
             <a:r>
-              <a:rPr lang="en-US" sz="2800" dirty="0">
+              <a:rPr lang="en-US" sz="2600" dirty="0">
                 <a:solidFill>
                   <a:schemeClr val="bg1"/>
                 </a:solidFill>
@@ -5259,7 +4936,7 @@
               </a:rPr>
               <a:t>– Polynomial regression</a:t>
             </a:r>
-            <a:endParaRPr lang="en-US" sz="2800" b="1" dirty="0">
+            <a:endParaRPr lang="en-US" sz="2600" b="1" dirty="0">
               <a:solidFill>
                 <a:schemeClr val="bg1"/>
               </a:solidFill>
@@ -5274,7 +4951,7 @@
               <a:buChar char="•"/>
             </a:pPr>
             <a:r>
-              <a:rPr lang="en-US" sz="2800" b="1" dirty="0">
+              <a:rPr lang="en-US" sz="2600" b="1" dirty="0">
                 <a:solidFill>
                   <a:schemeClr val="bg1"/>
                 </a:solidFill>
@@ -5285,7 +4962,7 @@
               <a:t>Model 3 </a:t>
             </a:r>
             <a:r>
-              <a:rPr lang="en-US" sz="2800" dirty="0">
+              <a:rPr lang="en-US" sz="2600" dirty="0">
                 <a:solidFill>
                   <a:schemeClr val="bg1"/>
                 </a:solidFill>
@@ -5295,7 +4972,7 @@
               </a:rPr>
               <a:t>– Multiple linear regression (w/ policy as controls)</a:t>
             </a:r>
-            <a:endParaRPr lang="en-US" sz="2800" b="1" dirty="0">
+            <a:endParaRPr lang="en-US" sz="2600" b="1" dirty="0">
               <a:solidFill>
                 <a:schemeClr val="bg1"/>
               </a:solidFill>
@@ -5310,7 +4987,7 @@
               <a:buChar char="•"/>
             </a:pPr>
             <a:r>
-              <a:rPr lang="en-US" sz="2800" b="1" dirty="0">
+              <a:rPr lang="en-US" sz="2600" b="1" dirty="0">
                 <a:solidFill>
                   <a:schemeClr val="bg1"/>
                 </a:solidFill>
@@ -5321,7 +4998,7 @@
               <a:t>Model 4</a:t>
             </a:r>
             <a:r>
-              <a:rPr lang="en-US" sz="2800" dirty="0">
+              <a:rPr lang="en-US" sz="2600" dirty="0">
                 <a:solidFill>
                   <a:schemeClr val="bg1"/>
                 </a:solidFill>
@@ -5331,7 +5008,7 @@
               </a:rPr>
               <a:t> – Fixed effects model (entity &amp; time)</a:t>
             </a:r>
-            <a:endParaRPr lang="en-SG" sz="2800" b="1" dirty="0">
+            <a:endParaRPr lang="en-SG" sz="2600" b="1" dirty="0">
               <a:solidFill>
                 <a:schemeClr val="bg1"/>
               </a:solidFill>
@@ -5342,12 +5019,3112 @@
           </a:p>
         </p:txBody>
       </p:sp>
+      <p:graphicFrame>
+        <p:nvGraphicFramePr>
+          <p:cNvPr id="2" name="Table 2">
+            <a:extLst>
+              <a:ext uri="{FF2B5EF4-FFF2-40B4-BE49-F238E27FC236}">
+                <a16:creationId xmlns:a16="http://schemas.microsoft.com/office/drawing/2014/main" id="{016CC282-A9A4-49DE-8483-667BD4D88867}"/>
+              </a:ext>
+            </a:extLst>
+          </p:cNvPr>
+          <p:cNvGraphicFramePr>
+            <a:graphicFrameLocks noGrp="1"/>
+          </p:cNvGraphicFramePr>
+          <p:nvPr>
+            <p:extLst>
+              <p:ext uri="{D42A27DB-BD31-4B8C-83A1-F6EECF244321}">
+                <p14:modId xmlns:p14="http://schemas.microsoft.com/office/powerpoint/2010/main" val="2953245951"/>
+              </p:ext>
+            </p:extLst>
+          </p:nvPr>
+        </p:nvGraphicFramePr>
+        <p:xfrm>
+          <a:off x="20523200" y="4075457"/>
+          <a:ext cx="5759340" cy="2438400"/>
+        </p:xfrm>
+        <a:graphic>
+          <a:graphicData uri="http://schemas.openxmlformats.org/drawingml/2006/table">
+            <a:tbl>
+              <a:tblPr firstRow="1" bandRow="1">
+                <a:tableStyleId>{5940675A-B579-460E-94D1-54222C63F5DA}</a:tableStyleId>
+              </a:tblPr>
+              <a:tblGrid>
+                <a:gridCol w="1439835">
+                  <a:extLst>
+                    <a:ext uri="{9D8B030D-6E8A-4147-A177-3AD203B41FA5}">
+                      <a16:colId xmlns:a16="http://schemas.microsoft.com/office/drawing/2014/main" val="2036958792"/>
+                    </a:ext>
+                  </a:extLst>
+                </a:gridCol>
+                <a:gridCol w="1439835">
+                  <a:extLst>
+                    <a:ext uri="{9D8B030D-6E8A-4147-A177-3AD203B41FA5}">
+                      <a16:colId xmlns:a16="http://schemas.microsoft.com/office/drawing/2014/main" val="1966810120"/>
+                    </a:ext>
+                  </a:extLst>
+                </a:gridCol>
+                <a:gridCol w="1439835">
+                  <a:extLst>
+                    <a:ext uri="{9D8B030D-6E8A-4147-A177-3AD203B41FA5}">
+                      <a16:colId xmlns:a16="http://schemas.microsoft.com/office/drawing/2014/main" val="3751278107"/>
+                    </a:ext>
+                  </a:extLst>
+                </a:gridCol>
+                <a:gridCol w="1439835">
+                  <a:extLst>
+                    <a:ext uri="{9D8B030D-6E8A-4147-A177-3AD203B41FA5}">
+                      <a16:colId xmlns:a16="http://schemas.microsoft.com/office/drawing/2014/main" val="1379759187"/>
+                    </a:ext>
+                  </a:extLst>
+                </a:gridCol>
+              </a:tblGrid>
+              <a:tr h="0">
+                <a:tc>
+                  <a:txBody>
+                    <a:bodyPr/>
+                    <a:lstStyle/>
+                    <a:p>
+                      <a:pPr algn="ctr"/>
+                      <a:r>
+                        <a:rPr lang="en-US" sz="2600" b="1" dirty="0">
+                          <a:latin typeface="Open Sans" panose="020B0606030504020204" pitchFamily="34" charset="0"/>
+                          <a:ea typeface="Open Sans" panose="020B0606030504020204" pitchFamily="34" charset="0"/>
+                          <a:cs typeface="Open Sans" panose="020B0606030504020204" pitchFamily="34" charset="0"/>
+                        </a:rPr>
+                        <a:t>Model</a:t>
+                      </a:r>
+                      <a:endParaRPr lang="en-SG" sz="2600" b="1" dirty="0">
+                        <a:latin typeface="Open Sans" panose="020B0606030504020204" pitchFamily="34" charset="0"/>
+                        <a:ea typeface="Open Sans" panose="020B0606030504020204" pitchFamily="34" charset="0"/>
+                        <a:cs typeface="Open Sans" panose="020B0606030504020204" pitchFamily="34" charset="0"/>
+                      </a:endParaRPr>
+                    </a:p>
+                  </a:txBody>
+                  <a:tcPr anchor="ctr">
+                    <a:solidFill>
+                      <a:srgbClr val="F59FB7"/>
+                    </a:solidFill>
+                  </a:tcPr>
+                </a:tc>
+                <a:tc>
+                  <a:txBody>
+                    <a:bodyPr/>
+                    <a:lstStyle/>
+                    <a:p>
+                      <a:pPr algn="ctr"/>
+                      <a:r>
+                        <a:rPr lang="en-US" sz="2600" b="1" dirty="0">
+                          <a:latin typeface="Open Sans" panose="020B0606030504020204" pitchFamily="34" charset="0"/>
+                          <a:ea typeface="Open Sans" panose="020B0606030504020204" pitchFamily="34" charset="0"/>
+                          <a:cs typeface="Open Sans" panose="020B0606030504020204" pitchFamily="34" charset="0"/>
+                        </a:rPr>
+                        <a:t>P-Value</a:t>
+                      </a:r>
+                      <a:endParaRPr lang="en-SG" sz="2600" b="1" dirty="0">
+                        <a:latin typeface="Open Sans" panose="020B0606030504020204" pitchFamily="34" charset="0"/>
+                        <a:ea typeface="Open Sans" panose="020B0606030504020204" pitchFamily="34" charset="0"/>
+                        <a:cs typeface="Open Sans" panose="020B0606030504020204" pitchFamily="34" charset="0"/>
+                      </a:endParaRPr>
+                    </a:p>
+                  </a:txBody>
+                  <a:tcPr anchor="ctr">
+                    <a:solidFill>
+                      <a:srgbClr val="F59FB7"/>
+                    </a:solidFill>
+                  </a:tcPr>
+                </a:tc>
+                <a:tc>
+                  <a:txBody>
+                    <a:bodyPr/>
+                    <a:lstStyle/>
+                    <a:p>
+                      <a:pPr algn="ctr"/>
+                      <a:r>
+                        <a:rPr lang="en-US" sz="2600" b="1" dirty="0">
+                          <a:latin typeface="Open Sans" panose="020B0606030504020204" pitchFamily="34" charset="0"/>
+                          <a:ea typeface="Open Sans" panose="020B0606030504020204" pitchFamily="34" charset="0"/>
+                          <a:cs typeface="Open Sans" panose="020B0606030504020204" pitchFamily="34" charset="0"/>
+                        </a:rPr>
+                        <a:t>Coef</a:t>
+                      </a:r>
+                      <a:endParaRPr lang="en-SG" sz="2600" b="1" dirty="0">
+                        <a:latin typeface="Open Sans" panose="020B0606030504020204" pitchFamily="34" charset="0"/>
+                        <a:ea typeface="Open Sans" panose="020B0606030504020204" pitchFamily="34" charset="0"/>
+                        <a:cs typeface="Open Sans" panose="020B0606030504020204" pitchFamily="34" charset="0"/>
+                      </a:endParaRPr>
+                    </a:p>
+                  </a:txBody>
+                  <a:tcPr anchor="ctr">
+                    <a:solidFill>
+                      <a:srgbClr val="F59FB7"/>
+                    </a:solidFill>
+                  </a:tcPr>
+                </a:tc>
+                <a:tc>
+                  <a:txBody>
+                    <a:bodyPr/>
+                    <a:lstStyle/>
+                    <a:p>
+                      <a:pPr algn="ctr"/>
+                      <a:r>
+                        <a:rPr lang="en-US" sz="2600" b="1" dirty="0">
+                          <a:latin typeface="Open Sans" panose="020B0606030504020204" pitchFamily="34" charset="0"/>
+                          <a:ea typeface="Open Sans" panose="020B0606030504020204" pitchFamily="34" charset="0"/>
+                          <a:cs typeface="Open Sans" panose="020B0606030504020204" pitchFamily="34" charset="0"/>
+                        </a:rPr>
+                        <a:t>R</a:t>
+                      </a:r>
+                      <a:r>
+                        <a:rPr lang="en-US" sz="2600" b="1" baseline="30000" dirty="0">
+                          <a:latin typeface="Open Sans" panose="020B0606030504020204" pitchFamily="34" charset="0"/>
+                          <a:ea typeface="Open Sans" panose="020B0606030504020204" pitchFamily="34" charset="0"/>
+                          <a:cs typeface="Open Sans" panose="020B0606030504020204" pitchFamily="34" charset="0"/>
+                        </a:rPr>
+                        <a:t>2</a:t>
+                      </a:r>
+                      <a:endParaRPr lang="en-SG" sz="2600" b="1" baseline="30000" dirty="0">
+                        <a:latin typeface="Open Sans" panose="020B0606030504020204" pitchFamily="34" charset="0"/>
+                        <a:ea typeface="Open Sans" panose="020B0606030504020204" pitchFamily="34" charset="0"/>
+                        <a:cs typeface="Open Sans" panose="020B0606030504020204" pitchFamily="34" charset="0"/>
+                      </a:endParaRPr>
+                    </a:p>
+                  </a:txBody>
+                  <a:tcPr anchor="ctr">
+                    <a:solidFill>
+                      <a:srgbClr val="F59FB7"/>
+                    </a:solidFill>
+                  </a:tcPr>
+                </a:tc>
+                <a:extLst>
+                  <a:ext uri="{0D108BD9-81ED-4DB2-BD59-A6C34878D82A}">
+                    <a16:rowId xmlns:a16="http://schemas.microsoft.com/office/drawing/2014/main" val="1518271530"/>
+                  </a:ext>
+                </a:extLst>
+              </a:tr>
+              <a:tr h="296406">
+                <a:tc>
+                  <a:txBody>
+                    <a:bodyPr/>
+                    <a:lstStyle/>
+                    <a:p>
+                      <a:pPr algn="ctr"/>
+                      <a:r>
+                        <a:rPr lang="en-US" sz="2600" dirty="0">
+                          <a:latin typeface="Open Sans" panose="020B0606030504020204" pitchFamily="34" charset="0"/>
+                          <a:ea typeface="Open Sans" panose="020B0606030504020204" pitchFamily="34" charset="0"/>
+                          <a:cs typeface="Open Sans" panose="020B0606030504020204" pitchFamily="34" charset="0"/>
+                        </a:rPr>
+                        <a:t>1A</a:t>
+                      </a:r>
+                      <a:endParaRPr lang="en-SG" sz="2600" dirty="0">
+                        <a:latin typeface="Open Sans" panose="020B0606030504020204" pitchFamily="34" charset="0"/>
+                        <a:ea typeface="Open Sans" panose="020B0606030504020204" pitchFamily="34" charset="0"/>
+                        <a:cs typeface="Open Sans" panose="020B0606030504020204" pitchFamily="34" charset="0"/>
+                      </a:endParaRPr>
+                    </a:p>
+                  </a:txBody>
+                  <a:tcPr anchor="ctr">
+                    <a:solidFill>
+                      <a:schemeClr val="bg1"/>
+                    </a:solidFill>
+                  </a:tcPr>
+                </a:tc>
+                <a:tc>
+                  <a:txBody>
+                    <a:bodyPr/>
+                    <a:lstStyle/>
+                    <a:p>
+                      <a:pPr algn="ctr"/>
+                      <a:r>
+                        <a:rPr lang="en-US" sz="2600" dirty="0">
+                          <a:latin typeface="Open Sans" panose="020B0606030504020204" pitchFamily="34" charset="0"/>
+                          <a:ea typeface="Open Sans" panose="020B0606030504020204" pitchFamily="34" charset="0"/>
+                          <a:cs typeface="Open Sans" panose="020B0606030504020204" pitchFamily="34" charset="0"/>
+                        </a:rPr>
+                        <a:t>0.000</a:t>
+                      </a:r>
+                      <a:endParaRPr lang="en-SG" sz="2600" dirty="0">
+                        <a:latin typeface="Open Sans" panose="020B0606030504020204" pitchFamily="34" charset="0"/>
+                        <a:ea typeface="Open Sans" panose="020B0606030504020204" pitchFamily="34" charset="0"/>
+                        <a:cs typeface="Open Sans" panose="020B0606030504020204" pitchFamily="34" charset="0"/>
+                      </a:endParaRPr>
+                    </a:p>
+                  </a:txBody>
+                  <a:tcPr anchor="ctr">
+                    <a:solidFill>
+                      <a:schemeClr val="bg1"/>
+                    </a:solidFill>
+                  </a:tcPr>
+                </a:tc>
+                <a:tc>
+                  <a:txBody>
+                    <a:bodyPr/>
+                    <a:lstStyle/>
+                    <a:p>
+                      <a:pPr algn="ctr"/>
+                      <a:r>
+                        <a:rPr lang="en-US" sz="2600" dirty="0">
+                          <a:latin typeface="Open Sans" panose="020B0606030504020204" pitchFamily="34" charset="0"/>
+                          <a:ea typeface="Open Sans" panose="020B0606030504020204" pitchFamily="34" charset="0"/>
+                          <a:cs typeface="Open Sans" panose="020B0606030504020204" pitchFamily="34" charset="0"/>
+                        </a:rPr>
+                        <a:t>0.083</a:t>
+                      </a:r>
+                      <a:endParaRPr lang="en-SG" sz="2600" dirty="0">
+                        <a:latin typeface="Open Sans" panose="020B0606030504020204" pitchFamily="34" charset="0"/>
+                        <a:ea typeface="Open Sans" panose="020B0606030504020204" pitchFamily="34" charset="0"/>
+                        <a:cs typeface="Open Sans" panose="020B0606030504020204" pitchFamily="34" charset="0"/>
+                      </a:endParaRPr>
+                    </a:p>
+                  </a:txBody>
+                  <a:tcPr anchor="ctr">
+                    <a:solidFill>
+                      <a:schemeClr val="bg1"/>
+                    </a:solidFill>
+                  </a:tcPr>
+                </a:tc>
+                <a:tc>
+                  <a:txBody>
+                    <a:bodyPr/>
+                    <a:lstStyle/>
+                    <a:p>
+                      <a:pPr algn="ctr"/>
+                      <a:r>
+                        <a:rPr lang="en-US" sz="2600" dirty="0">
+                          <a:latin typeface="Open Sans" panose="020B0606030504020204" pitchFamily="34" charset="0"/>
+                          <a:ea typeface="Open Sans" panose="020B0606030504020204" pitchFamily="34" charset="0"/>
+                          <a:cs typeface="Open Sans" panose="020B0606030504020204" pitchFamily="34" charset="0"/>
+                        </a:rPr>
+                        <a:t>0.611</a:t>
+                      </a:r>
+                      <a:endParaRPr lang="en-SG" sz="2600" dirty="0">
+                        <a:latin typeface="Open Sans" panose="020B0606030504020204" pitchFamily="34" charset="0"/>
+                        <a:ea typeface="Open Sans" panose="020B0606030504020204" pitchFamily="34" charset="0"/>
+                        <a:cs typeface="Open Sans" panose="020B0606030504020204" pitchFamily="34" charset="0"/>
+                      </a:endParaRPr>
+                    </a:p>
+                  </a:txBody>
+                  <a:tcPr anchor="ctr">
+                    <a:solidFill>
+                      <a:schemeClr val="bg1"/>
+                    </a:solidFill>
+                  </a:tcPr>
+                </a:tc>
+                <a:extLst>
+                  <a:ext uri="{0D108BD9-81ED-4DB2-BD59-A6C34878D82A}">
+                    <a16:rowId xmlns:a16="http://schemas.microsoft.com/office/drawing/2014/main" val="316958446"/>
+                  </a:ext>
+                </a:extLst>
+              </a:tr>
+              <a:tr h="296406">
+                <a:tc>
+                  <a:txBody>
+                    <a:bodyPr/>
+                    <a:lstStyle/>
+                    <a:p>
+                      <a:pPr algn="ctr"/>
+                      <a:r>
+                        <a:rPr lang="en-US" sz="2600" dirty="0">
+                          <a:latin typeface="Open Sans" panose="020B0606030504020204" pitchFamily="34" charset="0"/>
+                          <a:ea typeface="Open Sans" panose="020B0606030504020204" pitchFamily="34" charset="0"/>
+                          <a:cs typeface="Open Sans" panose="020B0606030504020204" pitchFamily="34" charset="0"/>
+                        </a:rPr>
+                        <a:t>1B</a:t>
+                      </a:r>
+                      <a:endParaRPr lang="en-SG" sz="2600" dirty="0">
+                        <a:latin typeface="Open Sans" panose="020B0606030504020204" pitchFamily="34" charset="0"/>
+                        <a:ea typeface="Open Sans" panose="020B0606030504020204" pitchFamily="34" charset="0"/>
+                        <a:cs typeface="Open Sans" panose="020B0606030504020204" pitchFamily="34" charset="0"/>
+                      </a:endParaRPr>
+                    </a:p>
+                  </a:txBody>
+                  <a:tcPr anchor="ctr">
+                    <a:solidFill>
+                      <a:schemeClr val="bg1"/>
+                    </a:solidFill>
+                  </a:tcPr>
+                </a:tc>
+                <a:tc>
+                  <a:txBody>
+                    <a:bodyPr/>
+                    <a:lstStyle/>
+                    <a:p>
+                      <a:pPr algn="ctr"/>
+                      <a:r>
+                        <a:rPr lang="en-US" sz="2600" dirty="0">
+                          <a:latin typeface="Open Sans" panose="020B0606030504020204" pitchFamily="34" charset="0"/>
+                          <a:ea typeface="Open Sans" panose="020B0606030504020204" pitchFamily="34" charset="0"/>
+                          <a:cs typeface="Open Sans" panose="020B0606030504020204" pitchFamily="34" charset="0"/>
+                        </a:rPr>
+                        <a:t>0.208</a:t>
+                      </a:r>
+                      <a:endParaRPr lang="en-SG" sz="2600" dirty="0">
+                        <a:latin typeface="Open Sans" panose="020B0606030504020204" pitchFamily="34" charset="0"/>
+                        <a:ea typeface="Open Sans" panose="020B0606030504020204" pitchFamily="34" charset="0"/>
+                        <a:cs typeface="Open Sans" panose="020B0606030504020204" pitchFamily="34" charset="0"/>
+                      </a:endParaRPr>
+                    </a:p>
+                  </a:txBody>
+                  <a:tcPr anchor="ctr">
+                    <a:solidFill>
+                      <a:schemeClr val="bg1"/>
+                    </a:solidFill>
+                  </a:tcPr>
+                </a:tc>
+                <a:tc>
+                  <a:txBody>
+                    <a:bodyPr/>
+                    <a:lstStyle/>
+                    <a:p>
+                      <a:pPr algn="ctr"/>
+                      <a:r>
+                        <a:rPr lang="en-SG" sz="2600" dirty="0">
+                          <a:latin typeface="Open Sans" panose="020B0606030504020204" pitchFamily="34" charset="0"/>
+                          <a:ea typeface="Open Sans" panose="020B0606030504020204" pitchFamily="34" charset="0"/>
+                          <a:cs typeface="Open Sans" panose="020B0606030504020204" pitchFamily="34" charset="0"/>
+                        </a:rPr>
+                        <a:t>-0.095</a:t>
+                      </a:r>
+                    </a:p>
+                  </a:txBody>
+                  <a:tcPr anchor="ctr">
+                    <a:solidFill>
+                      <a:schemeClr val="bg1"/>
+                    </a:solidFill>
+                  </a:tcPr>
+                </a:tc>
+                <a:tc>
+                  <a:txBody>
+                    <a:bodyPr/>
+                    <a:lstStyle/>
+                    <a:p>
+                      <a:pPr algn="ctr"/>
+                      <a:r>
+                        <a:rPr lang="en-SG" sz="2600" dirty="0">
+                          <a:latin typeface="Open Sans" panose="020B0606030504020204" pitchFamily="34" charset="0"/>
+                          <a:ea typeface="Open Sans" panose="020B0606030504020204" pitchFamily="34" charset="0"/>
+                          <a:cs typeface="Open Sans" panose="020B0606030504020204" pitchFamily="34" charset="0"/>
+                        </a:rPr>
+                        <a:t>0.005</a:t>
+                      </a:r>
+                    </a:p>
+                  </a:txBody>
+                  <a:tcPr anchor="ctr">
+                    <a:solidFill>
+                      <a:schemeClr val="bg1"/>
+                    </a:solidFill>
+                  </a:tcPr>
+                </a:tc>
+                <a:extLst>
+                  <a:ext uri="{0D108BD9-81ED-4DB2-BD59-A6C34878D82A}">
+                    <a16:rowId xmlns:a16="http://schemas.microsoft.com/office/drawing/2014/main" val="2255164271"/>
+                  </a:ext>
+                </a:extLst>
+              </a:tr>
+              <a:tr h="296406">
+                <a:tc>
+                  <a:txBody>
+                    <a:bodyPr/>
+                    <a:lstStyle/>
+                    <a:p>
+                      <a:pPr algn="ctr"/>
+                      <a:r>
+                        <a:rPr lang="en-US" sz="2600" dirty="0">
+                          <a:latin typeface="Open Sans" panose="020B0606030504020204" pitchFamily="34" charset="0"/>
+                          <a:ea typeface="Open Sans" panose="020B0606030504020204" pitchFamily="34" charset="0"/>
+                          <a:cs typeface="Open Sans" panose="020B0606030504020204" pitchFamily="34" charset="0"/>
+                        </a:rPr>
+                        <a:t>1C</a:t>
+                      </a:r>
+                      <a:endParaRPr lang="en-SG" sz="2600" dirty="0">
+                        <a:latin typeface="Open Sans" panose="020B0606030504020204" pitchFamily="34" charset="0"/>
+                        <a:ea typeface="Open Sans" panose="020B0606030504020204" pitchFamily="34" charset="0"/>
+                        <a:cs typeface="Open Sans" panose="020B0606030504020204" pitchFamily="34" charset="0"/>
+                      </a:endParaRPr>
+                    </a:p>
+                  </a:txBody>
+                  <a:tcPr anchor="ctr">
+                    <a:solidFill>
+                      <a:schemeClr val="bg1"/>
+                    </a:solidFill>
+                  </a:tcPr>
+                </a:tc>
+                <a:tc>
+                  <a:txBody>
+                    <a:bodyPr/>
+                    <a:lstStyle/>
+                    <a:p>
+                      <a:pPr algn="ctr"/>
+                      <a:r>
+                        <a:rPr lang="en-US" sz="2600" dirty="0">
+                          <a:latin typeface="Open Sans" panose="020B0606030504020204" pitchFamily="34" charset="0"/>
+                          <a:ea typeface="Open Sans" panose="020B0606030504020204" pitchFamily="34" charset="0"/>
+                          <a:cs typeface="Open Sans" panose="020B0606030504020204" pitchFamily="34" charset="0"/>
+                        </a:rPr>
+                        <a:t>0.000</a:t>
+                      </a:r>
+                      <a:endParaRPr lang="en-SG" sz="2600" dirty="0">
+                        <a:latin typeface="Open Sans" panose="020B0606030504020204" pitchFamily="34" charset="0"/>
+                        <a:ea typeface="Open Sans" panose="020B0606030504020204" pitchFamily="34" charset="0"/>
+                        <a:cs typeface="Open Sans" panose="020B0606030504020204" pitchFamily="34" charset="0"/>
+                      </a:endParaRPr>
+                    </a:p>
+                  </a:txBody>
+                  <a:tcPr anchor="ctr">
+                    <a:solidFill>
+                      <a:schemeClr val="bg1"/>
+                    </a:solidFill>
+                  </a:tcPr>
+                </a:tc>
+                <a:tc>
+                  <a:txBody>
+                    <a:bodyPr/>
+                    <a:lstStyle/>
+                    <a:p>
+                      <a:pPr algn="ctr"/>
+                      <a:r>
+                        <a:rPr lang="en-US" sz="2600" dirty="0">
+                          <a:latin typeface="Open Sans" panose="020B0606030504020204" pitchFamily="34" charset="0"/>
+                          <a:ea typeface="Open Sans" panose="020B0606030504020204" pitchFamily="34" charset="0"/>
+                          <a:cs typeface="Open Sans" panose="020B0606030504020204" pitchFamily="34" charset="0"/>
+                        </a:rPr>
+                        <a:t>0.016</a:t>
+                      </a:r>
+                      <a:endParaRPr lang="en-SG" sz="2600" dirty="0">
+                        <a:latin typeface="Open Sans" panose="020B0606030504020204" pitchFamily="34" charset="0"/>
+                        <a:ea typeface="Open Sans" panose="020B0606030504020204" pitchFamily="34" charset="0"/>
+                        <a:cs typeface="Open Sans" panose="020B0606030504020204" pitchFamily="34" charset="0"/>
+                      </a:endParaRPr>
+                    </a:p>
+                  </a:txBody>
+                  <a:tcPr anchor="ctr">
+                    <a:solidFill>
+                      <a:schemeClr val="bg1"/>
+                    </a:solidFill>
+                  </a:tcPr>
+                </a:tc>
+                <a:tc>
+                  <a:txBody>
+                    <a:bodyPr/>
+                    <a:lstStyle/>
+                    <a:p>
+                      <a:pPr algn="ctr"/>
+                      <a:r>
+                        <a:rPr lang="en-US" sz="2600" dirty="0">
+                          <a:latin typeface="Open Sans" panose="020B0606030504020204" pitchFamily="34" charset="0"/>
+                          <a:ea typeface="Open Sans" panose="020B0606030504020204" pitchFamily="34" charset="0"/>
+                          <a:cs typeface="Open Sans" panose="020B0606030504020204" pitchFamily="34" charset="0"/>
+                        </a:rPr>
+                        <a:t>0.047</a:t>
+                      </a:r>
+                      <a:endParaRPr lang="en-SG" sz="2600" dirty="0">
+                        <a:latin typeface="Open Sans" panose="020B0606030504020204" pitchFamily="34" charset="0"/>
+                        <a:ea typeface="Open Sans" panose="020B0606030504020204" pitchFamily="34" charset="0"/>
+                        <a:cs typeface="Open Sans" panose="020B0606030504020204" pitchFamily="34" charset="0"/>
+                      </a:endParaRPr>
+                    </a:p>
+                  </a:txBody>
+                  <a:tcPr anchor="ctr">
+                    <a:solidFill>
+                      <a:schemeClr val="bg1"/>
+                    </a:solidFill>
+                  </a:tcPr>
+                </a:tc>
+                <a:extLst>
+                  <a:ext uri="{0D108BD9-81ED-4DB2-BD59-A6C34878D82A}">
+                    <a16:rowId xmlns:a16="http://schemas.microsoft.com/office/drawing/2014/main" val="1226725151"/>
+                  </a:ext>
+                </a:extLst>
+              </a:tr>
+              <a:tr h="296406">
+                <a:tc>
+                  <a:txBody>
+                    <a:bodyPr/>
+                    <a:lstStyle/>
+                    <a:p>
+                      <a:pPr algn="ctr"/>
+                      <a:r>
+                        <a:rPr lang="en-US" sz="2600" dirty="0">
+                          <a:latin typeface="Open Sans" panose="020B0606030504020204" pitchFamily="34" charset="0"/>
+                          <a:ea typeface="Open Sans" panose="020B0606030504020204" pitchFamily="34" charset="0"/>
+                          <a:cs typeface="Open Sans" panose="020B0606030504020204" pitchFamily="34" charset="0"/>
+                        </a:rPr>
+                        <a:t>1C(W)</a:t>
+                      </a:r>
+                      <a:endParaRPr lang="en-SG" sz="2600" dirty="0">
+                        <a:latin typeface="Open Sans" panose="020B0606030504020204" pitchFamily="34" charset="0"/>
+                        <a:ea typeface="Open Sans" panose="020B0606030504020204" pitchFamily="34" charset="0"/>
+                        <a:cs typeface="Open Sans" panose="020B0606030504020204" pitchFamily="34" charset="0"/>
+                      </a:endParaRPr>
+                    </a:p>
+                  </a:txBody>
+                  <a:tcPr anchor="ctr">
+                    <a:solidFill>
+                      <a:schemeClr val="bg1"/>
+                    </a:solidFill>
+                  </a:tcPr>
+                </a:tc>
+                <a:tc>
+                  <a:txBody>
+                    <a:bodyPr/>
+                    <a:lstStyle/>
+                    <a:p>
+                      <a:pPr algn="ctr"/>
+                      <a:r>
+                        <a:rPr lang="en-US" sz="2600" dirty="0">
+                          <a:latin typeface="Open Sans" panose="020B0606030504020204" pitchFamily="34" charset="0"/>
+                          <a:ea typeface="Open Sans" panose="020B0606030504020204" pitchFamily="34" charset="0"/>
+                          <a:cs typeface="Open Sans" panose="020B0606030504020204" pitchFamily="34" charset="0"/>
+                        </a:rPr>
+                        <a:t>0.000</a:t>
+                      </a:r>
+                      <a:endParaRPr lang="en-SG" sz="2600" dirty="0">
+                        <a:latin typeface="Open Sans" panose="020B0606030504020204" pitchFamily="34" charset="0"/>
+                        <a:ea typeface="Open Sans" panose="020B0606030504020204" pitchFamily="34" charset="0"/>
+                        <a:cs typeface="Open Sans" panose="020B0606030504020204" pitchFamily="34" charset="0"/>
+                      </a:endParaRPr>
+                    </a:p>
+                  </a:txBody>
+                  <a:tcPr anchor="ctr">
+                    <a:solidFill>
+                      <a:schemeClr val="bg1"/>
+                    </a:solidFill>
+                  </a:tcPr>
+                </a:tc>
+                <a:tc>
+                  <a:txBody>
+                    <a:bodyPr/>
+                    <a:lstStyle/>
+                    <a:p>
+                      <a:pPr algn="ctr"/>
+                      <a:r>
+                        <a:rPr lang="en-US" sz="2600" dirty="0">
+                          <a:latin typeface="Open Sans" panose="020B0606030504020204" pitchFamily="34" charset="0"/>
+                          <a:ea typeface="Open Sans" panose="020B0606030504020204" pitchFamily="34" charset="0"/>
+                          <a:cs typeface="Open Sans" panose="020B0606030504020204" pitchFamily="34" charset="0"/>
+                        </a:rPr>
+                        <a:t>3.96</a:t>
+                      </a:r>
+                      <a:endParaRPr lang="en-SG" sz="2600" dirty="0">
+                        <a:latin typeface="Open Sans" panose="020B0606030504020204" pitchFamily="34" charset="0"/>
+                        <a:ea typeface="Open Sans" panose="020B0606030504020204" pitchFamily="34" charset="0"/>
+                        <a:cs typeface="Open Sans" panose="020B0606030504020204" pitchFamily="34" charset="0"/>
+                      </a:endParaRPr>
+                    </a:p>
+                  </a:txBody>
+                  <a:tcPr anchor="ctr">
+                    <a:solidFill>
+                      <a:schemeClr val="bg1"/>
+                    </a:solidFill>
+                  </a:tcPr>
+                </a:tc>
+                <a:tc>
+                  <a:txBody>
+                    <a:bodyPr/>
+                    <a:lstStyle/>
+                    <a:p>
+                      <a:pPr algn="ctr"/>
+                      <a:r>
+                        <a:rPr lang="en-US" sz="2600" dirty="0">
+                          <a:latin typeface="Open Sans" panose="020B0606030504020204" pitchFamily="34" charset="0"/>
+                          <a:ea typeface="Open Sans" panose="020B0606030504020204" pitchFamily="34" charset="0"/>
+                          <a:cs typeface="Open Sans" panose="020B0606030504020204" pitchFamily="34" charset="0"/>
+                        </a:rPr>
+                        <a:t>0.065</a:t>
+                      </a:r>
+                      <a:endParaRPr lang="en-SG" sz="2600" dirty="0">
+                        <a:latin typeface="Open Sans" panose="020B0606030504020204" pitchFamily="34" charset="0"/>
+                        <a:ea typeface="Open Sans" panose="020B0606030504020204" pitchFamily="34" charset="0"/>
+                        <a:cs typeface="Open Sans" panose="020B0606030504020204" pitchFamily="34" charset="0"/>
+                      </a:endParaRPr>
+                    </a:p>
+                  </a:txBody>
+                  <a:tcPr anchor="ctr">
+                    <a:solidFill>
+                      <a:schemeClr val="bg1"/>
+                    </a:solidFill>
+                  </a:tcPr>
+                </a:tc>
+                <a:extLst>
+                  <a:ext uri="{0D108BD9-81ED-4DB2-BD59-A6C34878D82A}">
+                    <a16:rowId xmlns:a16="http://schemas.microsoft.com/office/drawing/2014/main" val="3216021332"/>
+                  </a:ext>
+                </a:extLst>
+              </a:tr>
+            </a:tbl>
+          </a:graphicData>
+        </a:graphic>
+      </p:graphicFrame>
+      <p:sp>
+        <p:nvSpPr>
+          <p:cNvPr id="30" name="TextBox 29">
+            <a:extLst>
+              <a:ext uri="{FF2B5EF4-FFF2-40B4-BE49-F238E27FC236}">
+                <a16:creationId xmlns:a16="http://schemas.microsoft.com/office/drawing/2014/main" id="{80EC688A-58AB-409A-A453-47A844AA1EF7}"/>
+              </a:ext>
+            </a:extLst>
+          </p:cNvPr>
+          <p:cNvSpPr txBox="1"/>
+          <p:nvPr/>
+        </p:nvSpPr>
+        <p:spPr>
+          <a:xfrm>
+            <a:off x="11951858" y="4075457"/>
+            <a:ext cx="8215742" cy="3046988"/>
+          </a:xfrm>
+          <a:prstGeom prst="rect">
+            <a:avLst/>
+          </a:prstGeom>
+          <a:noFill/>
+        </p:spPr>
+        <p:txBody>
+          <a:bodyPr wrap="square">
+            <a:spAutoFit/>
+          </a:bodyPr>
+          <a:lstStyle/>
+          <a:p>
+            <a:pPr marL="0" marR="0" lvl="0" indent="0" algn="just" defTabSz="457200" rtl="0" eaLnBrk="1" fontAlgn="auto" latinLnBrk="0" hangingPunct="1">
+              <a:lnSpc>
+                <a:spcPct val="100000"/>
+              </a:lnSpc>
+              <a:spcBef>
+                <a:spcPts val="0"/>
+              </a:spcBef>
+              <a:spcAft>
+                <a:spcPts val="1200"/>
+              </a:spcAft>
+              <a:buClrTx/>
+              <a:buSzTx/>
+              <a:buFontTx/>
+              <a:buNone/>
+              <a:tabLst/>
+              <a:defRPr/>
+            </a:pPr>
+            <a:r>
+              <a:rPr kumimoji="0" lang="en-US" sz="2600" b="0" i="0" u="none" strike="noStrike" kern="1200" cap="none" spc="0" normalizeH="0" baseline="0" noProof="0" dirty="0">
+                <a:ln>
+                  <a:noFill/>
+                </a:ln>
+                <a:solidFill>
+                  <a:prstClr val="white"/>
+                </a:solidFill>
+                <a:effectLst/>
+                <a:uLnTx/>
+                <a:uFillTx/>
+                <a:latin typeface="Open Sans" panose="020B0606030504020204" pitchFamily="34" charset="0"/>
+                <a:ea typeface="Open Sans" panose="020B0606030504020204" pitchFamily="34" charset="0"/>
+                <a:cs typeface="Open Sans" panose="020B0606030504020204" pitchFamily="34" charset="0"/>
+              </a:rPr>
+              <a:t>All simple linear regression models except Model 1B showed a </a:t>
+            </a:r>
+            <a:r>
+              <a:rPr kumimoji="0" lang="en-US" sz="2600" b="1" i="0" u="none" strike="noStrike" kern="1200" cap="none" spc="0" normalizeH="0" baseline="0" noProof="0" dirty="0">
+                <a:ln>
+                  <a:noFill/>
+                </a:ln>
+                <a:solidFill>
+                  <a:prstClr val="white"/>
+                </a:solidFill>
+                <a:effectLst/>
+                <a:uLnTx/>
+                <a:uFillTx/>
+                <a:latin typeface="Open Sans" panose="020B0606030504020204" pitchFamily="34" charset="0"/>
+                <a:ea typeface="Open Sans" panose="020B0606030504020204" pitchFamily="34" charset="0"/>
+                <a:cs typeface="Open Sans" panose="020B0606030504020204" pitchFamily="34" charset="0"/>
+              </a:rPr>
+              <a:t>significant positive correlation</a:t>
+            </a:r>
+            <a:r>
+              <a:rPr kumimoji="0" lang="en-US" sz="2600" b="0" i="0" u="none" strike="noStrike" kern="1200" cap="none" spc="0" normalizeH="0" baseline="0" noProof="0" dirty="0">
+                <a:ln>
+                  <a:noFill/>
+                </a:ln>
+                <a:solidFill>
+                  <a:prstClr val="white"/>
+                </a:solidFill>
+                <a:effectLst/>
+                <a:uLnTx/>
+                <a:uFillTx/>
+                <a:latin typeface="Open Sans" panose="020B0606030504020204" pitchFamily="34" charset="0"/>
+                <a:ea typeface="Open Sans" panose="020B0606030504020204" pitchFamily="34" charset="0"/>
+                <a:cs typeface="Open Sans" panose="020B0606030504020204" pitchFamily="34" charset="0"/>
+              </a:rPr>
+              <a:t> between the independent and dependent variables</a:t>
+            </a:r>
+            <a:r>
+              <a:rPr lang="en-US" sz="2600" dirty="0">
+                <a:solidFill>
+                  <a:prstClr val="white"/>
+                </a:solidFill>
+                <a:latin typeface="Open Sans" panose="020B0606030504020204" pitchFamily="34" charset="0"/>
+                <a:ea typeface="Open Sans" panose="020B0606030504020204" pitchFamily="34" charset="0"/>
+                <a:cs typeface="Open Sans" panose="020B0606030504020204" pitchFamily="34" charset="0"/>
+              </a:rPr>
+              <a:t> at the 5% significance level.</a:t>
+            </a:r>
+            <a:endParaRPr kumimoji="0" lang="en-US" sz="2600" b="0" i="0" u="none" strike="noStrike" kern="1200" cap="none" spc="0" normalizeH="0" baseline="0" noProof="0" dirty="0">
+              <a:ln>
+                <a:noFill/>
+              </a:ln>
+              <a:solidFill>
+                <a:prstClr val="white"/>
+              </a:solidFill>
+              <a:effectLst/>
+              <a:uLnTx/>
+              <a:uFillTx/>
+              <a:latin typeface="Open Sans" panose="020B0606030504020204" pitchFamily="34" charset="0"/>
+              <a:ea typeface="Open Sans" panose="020B0606030504020204" pitchFamily="34" charset="0"/>
+              <a:cs typeface="Open Sans" panose="020B0606030504020204" pitchFamily="34" charset="0"/>
+            </a:endParaRPr>
+          </a:p>
+          <a:p>
+            <a:pPr marL="0" marR="0" lvl="0" indent="0" algn="just" defTabSz="457200" rtl="0" eaLnBrk="1" fontAlgn="auto" latinLnBrk="0" hangingPunct="1">
+              <a:lnSpc>
+                <a:spcPct val="100000"/>
+              </a:lnSpc>
+              <a:spcBef>
+                <a:spcPts val="0"/>
+              </a:spcBef>
+              <a:spcAft>
+                <a:spcPts val="1200"/>
+              </a:spcAft>
+              <a:buClrTx/>
+              <a:buSzTx/>
+              <a:buFontTx/>
+              <a:buNone/>
+              <a:tabLst/>
+              <a:defRPr/>
+            </a:pPr>
+            <a:r>
+              <a:rPr kumimoji="0" lang="en-US" sz="2600" b="0" i="0" u="none" strike="noStrike" kern="1200" cap="none" spc="0" normalizeH="0" baseline="0" noProof="0" dirty="0">
+                <a:ln>
+                  <a:noFill/>
+                </a:ln>
+                <a:solidFill>
+                  <a:prstClr val="white"/>
+                </a:solidFill>
+                <a:effectLst/>
+                <a:uLnTx/>
+                <a:uFillTx/>
+                <a:latin typeface="Open Sans" panose="020B0606030504020204" pitchFamily="34" charset="0"/>
+                <a:ea typeface="Open Sans" panose="020B0606030504020204" pitchFamily="34" charset="0"/>
+                <a:cs typeface="Open Sans" panose="020B0606030504020204" pitchFamily="34" charset="0"/>
+              </a:rPr>
+              <a:t>While Model 1A had the highest </a:t>
+            </a:r>
+            <a:r>
+              <a:rPr lang="en-US" sz="2600" b="0" i="0" u="none" strike="noStrike" dirty="0">
+                <a:solidFill>
+                  <a:schemeClr val="bg1"/>
+                </a:solidFill>
+                <a:effectLst/>
+                <a:latin typeface="Open Sans" panose="020B0606030504020204" pitchFamily="34" charset="0"/>
+                <a:ea typeface="Open Sans" panose="020B0606030504020204" pitchFamily="34" charset="0"/>
+                <a:cs typeface="Open Sans" panose="020B0606030504020204" pitchFamily="34" charset="0"/>
+              </a:rPr>
+              <a:t>R</a:t>
+            </a:r>
+            <a:r>
+              <a:rPr lang="en-US" sz="2600" baseline="30000" dirty="0">
+                <a:solidFill>
+                  <a:schemeClr val="bg1"/>
+                </a:solidFill>
+                <a:latin typeface="Open Sans" panose="020B0606030504020204" pitchFamily="34" charset="0"/>
+                <a:ea typeface="Open Sans" panose="020B0606030504020204" pitchFamily="34" charset="0"/>
+                <a:cs typeface="Open Sans" panose="020B0606030504020204" pitchFamily="34" charset="0"/>
+              </a:rPr>
+              <a:t>2</a:t>
+            </a:r>
+            <a:r>
+              <a:rPr kumimoji="0" lang="en-US" sz="2600" b="0" i="0" u="none" strike="noStrike" kern="1200" cap="none" spc="0" normalizeH="0" baseline="0" noProof="0" dirty="0">
+                <a:ln>
+                  <a:noFill/>
+                </a:ln>
+                <a:solidFill>
+                  <a:prstClr val="white"/>
+                </a:solidFill>
+                <a:effectLst/>
+                <a:uLnTx/>
+                <a:uFillTx/>
+                <a:latin typeface="Open Sans" panose="020B0606030504020204" pitchFamily="34" charset="0"/>
+                <a:ea typeface="Open Sans" panose="020B0606030504020204" pitchFamily="34" charset="0"/>
+                <a:cs typeface="Open Sans" panose="020B0606030504020204" pitchFamily="34" charset="0"/>
+              </a:rPr>
+              <a:t>, this likely reflects a spurious correlation as population is a confounding factor that influences both variables.</a:t>
+            </a:r>
+          </a:p>
+        </p:txBody>
+      </p:sp>
       <p:pic>
         <p:nvPicPr>
-          <p:cNvPr id="10" name="Picture 9" descr="Map&#10;&#10;Description automatically generated">
+          <p:cNvPr id="7" name="Picture 6">
             <a:extLst>
               <a:ext uri="{FF2B5EF4-FFF2-40B4-BE49-F238E27FC236}">
-                <a16:creationId xmlns:a16="http://schemas.microsoft.com/office/drawing/2014/main" id="{D597A00B-B8FE-5045-ABF8-7D8DA687BE37}"/>
+                <a16:creationId xmlns:a16="http://schemas.microsoft.com/office/drawing/2014/main" id="{2EA6F6EE-397D-40B2-8E8B-9C0315DF98B9}"/>
+              </a:ext>
+            </a:extLst>
+          </p:cNvPr>
+          <p:cNvPicPr>
+            <a:picLocks noChangeAspect="1" noChangeArrowheads="1"/>
+          </p:cNvPicPr>
+          <p:nvPr/>
+        </p:nvPicPr>
+        <p:blipFill>
+          <a:blip r:embed="rId4">
+            <a:extLst>
+              <a:ext uri="{28A0092B-C50C-407E-A947-70E740481C1C}">
+                <a14:useLocalDpi xmlns:a14="http://schemas.microsoft.com/office/drawing/2010/main" val="0"/>
+              </a:ext>
+            </a:extLst>
+          </a:blip>
+          <a:srcRect/>
+          <a:stretch>
+            <a:fillRect/>
+          </a:stretch>
+        </p:blipFill>
+        <p:spPr bwMode="auto">
+          <a:xfrm>
+            <a:off x="11989734" y="7227040"/>
+            <a:ext cx="6146392" cy="4651005"/>
+          </a:xfrm>
+          <a:prstGeom prst="rect">
+            <a:avLst/>
+          </a:prstGeom>
+          <a:solidFill>
+            <a:schemeClr val="bg1"/>
+          </a:solidFill>
+        </p:spPr>
+      </p:pic>
+      <p:sp>
+        <p:nvSpPr>
+          <p:cNvPr id="45" name="TextBox 44">
+            <a:extLst>
+              <a:ext uri="{FF2B5EF4-FFF2-40B4-BE49-F238E27FC236}">
+                <a16:creationId xmlns:a16="http://schemas.microsoft.com/office/drawing/2014/main" id="{44DC5021-A164-40C9-9CF1-634C053A5AB1}"/>
+              </a:ext>
+            </a:extLst>
+          </p:cNvPr>
+          <p:cNvSpPr txBox="1"/>
+          <p:nvPr/>
+        </p:nvSpPr>
+        <p:spPr>
+          <a:xfrm>
+            <a:off x="18403460" y="7227040"/>
+            <a:ext cx="7879080" cy="4801314"/>
+          </a:xfrm>
+          <a:prstGeom prst="rect">
+            <a:avLst/>
+          </a:prstGeom>
+          <a:noFill/>
+        </p:spPr>
+        <p:txBody>
+          <a:bodyPr wrap="square">
+            <a:spAutoFit/>
+          </a:bodyPr>
+          <a:lstStyle/>
+          <a:p>
+            <a:pPr algn="just">
+              <a:spcAft>
+                <a:spcPts val="1200"/>
+              </a:spcAft>
+              <a:defRPr/>
+            </a:pPr>
+            <a:r>
+              <a:rPr kumimoji="0" lang="en-US" sz="2600" b="0" i="0" u="none" strike="noStrike" kern="1200" cap="none" spc="0" normalizeH="0" baseline="0" noProof="0" dirty="0">
+                <a:ln>
+                  <a:noFill/>
+                </a:ln>
+                <a:solidFill>
+                  <a:prstClr val="white"/>
+                </a:solidFill>
+                <a:effectLst/>
+                <a:uLnTx/>
+                <a:uFillTx/>
+                <a:latin typeface="Open Sans" panose="020B0606030504020204" pitchFamily="34" charset="0"/>
+                <a:ea typeface="Open Sans" panose="020B0606030504020204" pitchFamily="34" charset="0"/>
+                <a:cs typeface="Open Sans" panose="020B0606030504020204" pitchFamily="34" charset="0"/>
+              </a:rPr>
+              <a:t>To control for population, we experimented with the percentage change (Model 1B) and per capita values (Model 1C) of both variables.</a:t>
+            </a:r>
+          </a:p>
+          <a:p>
+            <a:pPr marL="0" marR="0" lvl="0" indent="0" algn="just" defTabSz="457200" rtl="0" eaLnBrk="1" fontAlgn="auto" latinLnBrk="0" hangingPunct="1">
+              <a:lnSpc>
+                <a:spcPct val="100000"/>
+              </a:lnSpc>
+              <a:spcBef>
+                <a:spcPts val="0"/>
+              </a:spcBef>
+              <a:spcAft>
+                <a:spcPts val="1200"/>
+              </a:spcAft>
+              <a:buClrTx/>
+              <a:buSzTx/>
+              <a:buFontTx/>
+              <a:buNone/>
+              <a:tabLst/>
+              <a:defRPr/>
+            </a:pPr>
+            <a:r>
+              <a:rPr kumimoji="0" lang="en-US" sz="2600" b="0" i="0" u="none" strike="noStrike" kern="1200" cap="none" spc="0" normalizeH="0" baseline="0" noProof="0" dirty="0">
+                <a:ln>
+                  <a:noFill/>
+                </a:ln>
+                <a:solidFill>
+                  <a:prstClr val="white"/>
+                </a:solidFill>
+                <a:effectLst/>
+                <a:uLnTx/>
+                <a:uFillTx/>
+                <a:latin typeface="Open Sans" panose="020B0606030504020204" pitchFamily="34" charset="0"/>
+                <a:ea typeface="Open Sans" panose="020B0606030504020204" pitchFamily="34" charset="0"/>
+                <a:cs typeface="Open Sans" panose="020B0606030504020204" pitchFamily="34" charset="0"/>
+              </a:rPr>
+              <a:t>A possible reason for Model 1B’s poor performance is that taking the percentage change of the variables violates the i.i.d. assumption.</a:t>
+            </a:r>
+          </a:p>
+          <a:p>
+            <a:pPr algn="just">
+              <a:spcAft>
+                <a:spcPts val="1200"/>
+              </a:spcAft>
+              <a:defRPr/>
+            </a:pPr>
+            <a:r>
+              <a:rPr lang="en-US" sz="2600" dirty="0">
+                <a:solidFill>
+                  <a:schemeClr val="bg1"/>
+                </a:solidFill>
+                <a:latin typeface="Open Sans" panose="020B0606030504020204" pitchFamily="34" charset="0"/>
+                <a:ea typeface="Open Sans" panose="020B0606030504020204" pitchFamily="34" charset="0"/>
+                <a:cs typeface="Open Sans" panose="020B0606030504020204" pitchFamily="34" charset="0"/>
+              </a:rPr>
+              <a:t>We extended Model 1C by weighing the number of arrivals by the origin states’ per capita number of cases. </a:t>
+            </a:r>
+            <a:r>
+              <a:rPr lang="en-US" sz="2600" b="1" dirty="0">
+                <a:solidFill>
+                  <a:schemeClr val="bg1"/>
+                </a:solidFill>
+                <a:latin typeface="Open Sans" panose="020B0606030504020204" pitchFamily="34" charset="0"/>
+                <a:ea typeface="Open Sans" panose="020B0606030504020204" pitchFamily="34" charset="0"/>
+                <a:cs typeface="Open Sans" panose="020B0606030504020204" pitchFamily="34" charset="0"/>
+              </a:rPr>
+              <a:t>Model 1C(W)</a:t>
+            </a:r>
+            <a:r>
+              <a:rPr lang="en-US" sz="2600" dirty="0">
+                <a:solidFill>
+                  <a:schemeClr val="bg1"/>
+                </a:solidFill>
+                <a:latin typeface="Open Sans" panose="020B0606030504020204" pitchFamily="34" charset="0"/>
+                <a:ea typeface="Open Sans" panose="020B0606030504020204" pitchFamily="34" charset="0"/>
+                <a:cs typeface="Open Sans" panose="020B0606030504020204" pitchFamily="34" charset="0"/>
+              </a:rPr>
+              <a:t> gave the best </a:t>
+            </a:r>
+            <a:r>
+              <a:rPr lang="en-US" sz="2600" b="0" i="0" u="none" strike="noStrike" dirty="0">
+                <a:solidFill>
+                  <a:schemeClr val="bg1"/>
+                </a:solidFill>
+                <a:effectLst/>
+                <a:latin typeface="Open Sans" panose="020B0606030504020204" pitchFamily="34" charset="0"/>
+                <a:ea typeface="Open Sans" panose="020B0606030504020204" pitchFamily="34" charset="0"/>
+                <a:cs typeface="Open Sans" panose="020B0606030504020204" pitchFamily="34" charset="0"/>
+              </a:rPr>
+              <a:t>R</a:t>
+            </a:r>
+            <a:r>
+              <a:rPr lang="en-US" sz="2600" baseline="30000" dirty="0">
+                <a:solidFill>
+                  <a:schemeClr val="bg1"/>
+                </a:solidFill>
+                <a:latin typeface="Open Sans" panose="020B0606030504020204" pitchFamily="34" charset="0"/>
+                <a:ea typeface="Open Sans" panose="020B0606030504020204" pitchFamily="34" charset="0"/>
+                <a:cs typeface="Open Sans" panose="020B0606030504020204" pitchFamily="34" charset="0"/>
+              </a:rPr>
+              <a:t>2</a:t>
+            </a:r>
+            <a:r>
+              <a:rPr lang="en-US" sz="2600" dirty="0">
+                <a:solidFill>
+                  <a:schemeClr val="bg1"/>
+                </a:solidFill>
+                <a:latin typeface="Open Sans" panose="020B0606030504020204" pitchFamily="34" charset="0"/>
+                <a:ea typeface="Open Sans" panose="020B0606030504020204" pitchFamily="34" charset="0"/>
+                <a:cs typeface="Open Sans" panose="020B0606030504020204" pitchFamily="34" charset="0"/>
+              </a:rPr>
+              <a:t>, and serves as the base model for our subsequent analyses. </a:t>
+            </a:r>
+          </a:p>
+        </p:txBody>
+      </p:sp>
+      <p:sp>
+        <p:nvSpPr>
+          <p:cNvPr id="46" name="TextBox 45">
+            <a:extLst>
+              <a:ext uri="{FF2B5EF4-FFF2-40B4-BE49-F238E27FC236}">
+                <a16:creationId xmlns:a16="http://schemas.microsoft.com/office/drawing/2014/main" id="{E5C4A583-7753-47EC-BDFF-1376F0BDD1C3}"/>
+              </a:ext>
+            </a:extLst>
+          </p:cNvPr>
+          <p:cNvSpPr txBox="1"/>
+          <p:nvPr/>
+        </p:nvSpPr>
+        <p:spPr>
+          <a:xfrm>
+            <a:off x="11951858" y="13340578"/>
+            <a:ext cx="7133684" cy="5601533"/>
+          </a:xfrm>
+          <a:prstGeom prst="rect">
+            <a:avLst/>
+          </a:prstGeom>
+          <a:noFill/>
+        </p:spPr>
+        <p:txBody>
+          <a:bodyPr wrap="square">
+            <a:spAutoFit/>
+          </a:bodyPr>
+          <a:lstStyle/>
+          <a:p>
+            <a:pPr algn="just" fontAlgn="base">
+              <a:spcAft>
+                <a:spcPts val="1200"/>
+              </a:spcAft>
+            </a:pPr>
+            <a:r>
+              <a:rPr lang="en-US" sz="2600" b="0" i="0" u="none" strike="noStrike" dirty="0">
+                <a:solidFill>
+                  <a:schemeClr val="bg1"/>
+                </a:solidFill>
+                <a:effectLst/>
+                <a:latin typeface="Open Sans" panose="020B0606030504020204" pitchFamily="34" charset="0"/>
+                <a:ea typeface="Open Sans" panose="020B0606030504020204" pitchFamily="34" charset="0"/>
+                <a:cs typeface="Open Sans" panose="020B0606030504020204" pitchFamily="34" charset="0"/>
+              </a:rPr>
+              <a:t>We used a </a:t>
+            </a:r>
+            <a:r>
+              <a:rPr lang="en-US" sz="2600" b="1" i="0" u="none" strike="noStrike" dirty="0">
+                <a:solidFill>
+                  <a:schemeClr val="bg1"/>
+                </a:solidFill>
+                <a:effectLst/>
+                <a:latin typeface="Open Sans" panose="020B0606030504020204" pitchFamily="34" charset="0"/>
+                <a:ea typeface="Open Sans" panose="020B0606030504020204" pitchFamily="34" charset="0"/>
+                <a:cs typeface="Open Sans" panose="020B0606030504020204" pitchFamily="34" charset="0"/>
+              </a:rPr>
+              <a:t>third degree polynomial </a:t>
+            </a:r>
+            <a:r>
+              <a:rPr lang="en-US" sz="2600" b="0" i="0" u="none" strike="noStrike" dirty="0">
+                <a:solidFill>
+                  <a:schemeClr val="bg1"/>
+                </a:solidFill>
+                <a:effectLst/>
+                <a:latin typeface="Open Sans" panose="020B0606030504020204" pitchFamily="34" charset="0"/>
+                <a:ea typeface="Open Sans" panose="020B0606030504020204" pitchFamily="34" charset="0"/>
+                <a:cs typeface="Open Sans" panose="020B0606030504020204" pitchFamily="34" charset="0"/>
+              </a:rPr>
+              <a:t>model, as fitting the examples to polynomial curves of increasing degrees resulted in an increase in R</a:t>
+            </a:r>
+            <a:r>
+              <a:rPr lang="en-US" sz="2600" baseline="30000" dirty="0">
+                <a:solidFill>
+                  <a:schemeClr val="bg1"/>
+                </a:solidFill>
+                <a:latin typeface="Open Sans" panose="020B0606030504020204" pitchFamily="34" charset="0"/>
+                <a:ea typeface="Open Sans" panose="020B0606030504020204" pitchFamily="34" charset="0"/>
+                <a:cs typeface="Open Sans" panose="020B0606030504020204" pitchFamily="34" charset="0"/>
+              </a:rPr>
+              <a:t>2</a:t>
+            </a:r>
+            <a:r>
+              <a:rPr lang="en-US" sz="2600" b="0" i="0" u="none" strike="noStrike" dirty="0">
+                <a:solidFill>
+                  <a:schemeClr val="bg1"/>
+                </a:solidFill>
+                <a:effectLst/>
+                <a:latin typeface="Open Sans" panose="020B0606030504020204" pitchFamily="34" charset="0"/>
+                <a:ea typeface="Open Sans" panose="020B0606030504020204" pitchFamily="34" charset="0"/>
+                <a:cs typeface="Open Sans" panose="020B0606030504020204" pitchFamily="34" charset="0"/>
+              </a:rPr>
+              <a:t>, but this improvement plateaus for degrees &gt; 3. </a:t>
+            </a:r>
+          </a:p>
+          <a:p>
+            <a:pPr algn="just" fontAlgn="base">
+              <a:spcAft>
+                <a:spcPts val="1200"/>
+              </a:spcAft>
+            </a:pPr>
+            <a:r>
+              <a:rPr lang="en-US" sz="2600" dirty="0">
+                <a:solidFill>
+                  <a:schemeClr val="bg1"/>
+                </a:solidFill>
+                <a:latin typeface="Open Sans" panose="020B0606030504020204" pitchFamily="34" charset="0"/>
+                <a:ea typeface="Open Sans" panose="020B0606030504020204" pitchFamily="34" charset="0"/>
+                <a:cs typeface="Open Sans" panose="020B0606030504020204" pitchFamily="34" charset="0"/>
+              </a:rPr>
+              <a:t>All polynomial terms have </a:t>
+            </a:r>
+            <a:r>
+              <a:rPr lang="en-US" sz="2600" b="1" dirty="0">
+                <a:solidFill>
+                  <a:schemeClr val="bg1"/>
+                </a:solidFill>
+                <a:latin typeface="Open Sans" panose="020B0606030504020204" pitchFamily="34" charset="0"/>
+                <a:ea typeface="Open Sans" panose="020B0606030504020204" pitchFamily="34" charset="0"/>
+                <a:cs typeface="Open Sans" panose="020B0606030504020204" pitchFamily="34" charset="0"/>
+              </a:rPr>
+              <a:t>significant correlation</a:t>
+            </a:r>
+            <a:r>
+              <a:rPr lang="en-US" sz="2600" dirty="0">
+                <a:solidFill>
+                  <a:schemeClr val="bg1"/>
+                </a:solidFill>
+                <a:latin typeface="Open Sans" panose="020B0606030504020204" pitchFamily="34" charset="0"/>
+                <a:ea typeface="Open Sans" panose="020B0606030504020204" pitchFamily="34" charset="0"/>
+                <a:cs typeface="Open Sans" panose="020B0606030504020204" pitchFamily="34" charset="0"/>
+              </a:rPr>
+              <a:t> with p.c. number of cases at the 5% confidence level. </a:t>
+            </a:r>
+          </a:p>
+          <a:p>
+            <a:pPr algn="just" fontAlgn="base">
+              <a:spcAft>
+                <a:spcPts val="1200"/>
+              </a:spcAft>
+            </a:pPr>
+            <a:r>
+              <a:rPr lang="en-US" sz="2600" dirty="0">
+                <a:solidFill>
+                  <a:schemeClr val="bg1"/>
+                </a:solidFill>
+                <a:latin typeface="Open Sans" panose="020B0606030504020204" pitchFamily="34" charset="0"/>
+                <a:ea typeface="Open Sans" panose="020B0606030504020204" pitchFamily="34" charset="0"/>
+                <a:cs typeface="Open Sans" panose="020B0606030504020204" pitchFamily="34" charset="0"/>
+              </a:rPr>
+              <a:t>The </a:t>
+            </a:r>
+            <a:r>
+              <a:rPr lang="en-US" sz="2600" b="1" i="0" u="none" strike="noStrike" dirty="0">
+                <a:solidFill>
+                  <a:schemeClr val="bg1"/>
+                </a:solidFill>
+                <a:effectLst/>
+                <a:latin typeface="Open Sans" panose="020B0606030504020204" pitchFamily="34" charset="0"/>
+                <a:ea typeface="Open Sans" panose="020B0606030504020204" pitchFamily="34" charset="0"/>
+                <a:cs typeface="Open Sans" panose="020B0606030504020204" pitchFamily="34" charset="0"/>
+              </a:rPr>
+              <a:t>R</a:t>
+            </a:r>
+            <a:r>
+              <a:rPr lang="en-US" sz="2600" b="1" baseline="30000" dirty="0">
+                <a:solidFill>
+                  <a:schemeClr val="bg1"/>
+                </a:solidFill>
+                <a:latin typeface="Open Sans" panose="020B0606030504020204" pitchFamily="34" charset="0"/>
+                <a:ea typeface="Open Sans" panose="020B0606030504020204" pitchFamily="34" charset="0"/>
+                <a:cs typeface="Open Sans" panose="020B0606030504020204" pitchFamily="34" charset="0"/>
+              </a:rPr>
+              <a:t>2 </a:t>
+            </a:r>
+            <a:r>
+              <a:rPr lang="en-US" sz="2600" b="1" dirty="0">
+                <a:solidFill>
+                  <a:schemeClr val="bg1"/>
+                </a:solidFill>
+                <a:latin typeface="Open Sans" panose="020B0606030504020204" pitchFamily="34" charset="0"/>
+                <a:ea typeface="Open Sans" panose="020B0606030504020204" pitchFamily="34" charset="0"/>
+                <a:cs typeface="Open Sans" panose="020B0606030504020204" pitchFamily="34" charset="0"/>
+              </a:rPr>
+              <a:t>is 0.118</a:t>
+            </a:r>
+            <a:r>
+              <a:rPr lang="en-US" sz="2600" dirty="0">
+                <a:solidFill>
+                  <a:schemeClr val="bg1"/>
+                </a:solidFill>
+                <a:latin typeface="Open Sans" panose="020B0606030504020204" pitchFamily="34" charset="0"/>
+                <a:ea typeface="Open Sans" panose="020B0606030504020204" pitchFamily="34" charset="0"/>
+                <a:cs typeface="Open Sans" panose="020B0606030504020204" pitchFamily="34" charset="0"/>
+              </a:rPr>
+              <a:t>, which is higher than that for simple linear regression. The relationship between weighted p.c. arrivals and p.c. COVID-19 cases is therefore likely to be polynomial rather than linear. </a:t>
+            </a:r>
+            <a:endParaRPr lang="en-US" sz="2600" b="1" i="0" u="none" strike="noStrike" dirty="0">
+              <a:solidFill>
+                <a:schemeClr val="bg1"/>
+              </a:solidFill>
+              <a:effectLst/>
+              <a:latin typeface="Open Sans" panose="020B0606030504020204" pitchFamily="34" charset="0"/>
+              <a:ea typeface="Open Sans" panose="020B0606030504020204" pitchFamily="34" charset="0"/>
+              <a:cs typeface="Open Sans" panose="020B0606030504020204" pitchFamily="34" charset="0"/>
+            </a:endParaRPr>
+          </a:p>
+        </p:txBody>
+      </p:sp>
+      <p:graphicFrame>
+        <p:nvGraphicFramePr>
+          <p:cNvPr id="14" name="Table 15">
+            <a:extLst>
+              <a:ext uri="{FF2B5EF4-FFF2-40B4-BE49-F238E27FC236}">
+                <a16:creationId xmlns:a16="http://schemas.microsoft.com/office/drawing/2014/main" id="{02338224-274C-41AE-94CA-C1377ACAEEC1}"/>
+              </a:ext>
+            </a:extLst>
+          </p:cNvPr>
+          <p:cNvGraphicFramePr>
+            <a:graphicFrameLocks noGrp="1"/>
+          </p:cNvGraphicFramePr>
+          <p:nvPr>
+            <p:extLst>
+              <p:ext uri="{D42A27DB-BD31-4B8C-83A1-F6EECF244321}">
+                <p14:modId xmlns:p14="http://schemas.microsoft.com/office/powerpoint/2010/main" val="2573283944"/>
+              </p:ext>
+            </p:extLst>
+          </p:nvPr>
+        </p:nvGraphicFramePr>
+        <p:xfrm>
+          <a:off x="19832159" y="17080664"/>
+          <a:ext cx="6450381" cy="1950720"/>
+        </p:xfrm>
+        <a:graphic>
+          <a:graphicData uri="http://schemas.openxmlformats.org/drawingml/2006/table">
+            <a:tbl>
+              <a:tblPr firstRow="1" bandRow="1">
+                <a:tableStyleId>{5940675A-B579-460E-94D1-54222C63F5DA}</a:tableStyleId>
+              </a:tblPr>
+              <a:tblGrid>
+                <a:gridCol w="2150127">
+                  <a:extLst>
+                    <a:ext uri="{9D8B030D-6E8A-4147-A177-3AD203B41FA5}">
+                      <a16:colId xmlns:a16="http://schemas.microsoft.com/office/drawing/2014/main" val="1759811823"/>
+                    </a:ext>
+                  </a:extLst>
+                </a:gridCol>
+                <a:gridCol w="2150127">
+                  <a:extLst>
+                    <a:ext uri="{9D8B030D-6E8A-4147-A177-3AD203B41FA5}">
+                      <a16:colId xmlns:a16="http://schemas.microsoft.com/office/drawing/2014/main" val="396567369"/>
+                    </a:ext>
+                  </a:extLst>
+                </a:gridCol>
+                <a:gridCol w="2150127">
+                  <a:extLst>
+                    <a:ext uri="{9D8B030D-6E8A-4147-A177-3AD203B41FA5}">
+                      <a16:colId xmlns:a16="http://schemas.microsoft.com/office/drawing/2014/main" val="3466785794"/>
+                    </a:ext>
+                  </a:extLst>
+                </a:gridCol>
+              </a:tblGrid>
+              <a:tr h="0">
+                <a:tc>
+                  <a:txBody>
+                    <a:bodyPr/>
+                    <a:lstStyle/>
+                    <a:p>
+                      <a:pPr algn="ctr"/>
+                      <a:r>
+                        <a:rPr lang="en-US" sz="2600" b="1" dirty="0">
+                          <a:latin typeface="Open Sans" panose="020B0606030504020204" pitchFamily="34" charset="0"/>
+                          <a:ea typeface="Open Sans" panose="020B0606030504020204" pitchFamily="34" charset="0"/>
+                          <a:cs typeface="Open Sans" panose="020B0606030504020204" pitchFamily="34" charset="0"/>
+                        </a:rPr>
+                        <a:t>Regressor</a:t>
+                      </a:r>
+                      <a:endParaRPr lang="en-SG" sz="2600" b="1" dirty="0">
+                        <a:latin typeface="Open Sans" panose="020B0606030504020204" pitchFamily="34" charset="0"/>
+                        <a:ea typeface="Open Sans" panose="020B0606030504020204" pitchFamily="34" charset="0"/>
+                        <a:cs typeface="Open Sans" panose="020B0606030504020204" pitchFamily="34" charset="0"/>
+                      </a:endParaRPr>
+                    </a:p>
+                  </a:txBody>
+                  <a:tcPr>
+                    <a:solidFill>
+                      <a:srgbClr val="F59FB7"/>
+                    </a:solidFill>
+                  </a:tcPr>
+                </a:tc>
+                <a:tc>
+                  <a:txBody>
+                    <a:bodyPr/>
+                    <a:lstStyle/>
+                    <a:p>
+                      <a:pPr marL="0" marR="0" lvl="0" indent="0" algn="ctr" defTabSz="3840480" rtl="0" eaLnBrk="1" fontAlgn="auto" latinLnBrk="0" hangingPunct="1">
+                        <a:lnSpc>
+                          <a:spcPct val="100000"/>
+                        </a:lnSpc>
+                        <a:spcBef>
+                          <a:spcPts val="0"/>
+                        </a:spcBef>
+                        <a:spcAft>
+                          <a:spcPts val="0"/>
+                        </a:spcAft>
+                        <a:buClrTx/>
+                        <a:buSzTx/>
+                        <a:buFontTx/>
+                        <a:buNone/>
+                        <a:tabLst/>
+                        <a:defRPr/>
+                      </a:pPr>
+                      <a:r>
+                        <a:rPr lang="en-US" sz="2600" b="1" dirty="0">
+                          <a:latin typeface="Open Sans" panose="020B0606030504020204" pitchFamily="34" charset="0"/>
+                          <a:ea typeface="Open Sans" panose="020B0606030504020204" pitchFamily="34" charset="0"/>
+                          <a:cs typeface="Open Sans" panose="020B0606030504020204" pitchFamily="34" charset="0"/>
+                        </a:rPr>
+                        <a:t>P-Value</a:t>
+                      </a:r>
+                      <a:endParaRPr lang="en-SG" sz="2600" b="1" dirty="0">
+                        <a:latin typeface="Open Sans" panose="020B0606030504020204" pitchFamily="34" charset="0"/>
+                        <a:ea typeface="Open Sans" panose="020B0606030504020204" pitchFamily="34" charset="0"/>
+                        <a:cs typeface="Open Sans" panose="020B0606030504020204" pitchFamily="34" charset="0"/>
+                      </a:endParaRPr>
+                    </a:p>
+                  </a:txBody>
+                  <a:tcPr>
+                    <a:solidFill>
+                      <a:srgbClr val="F59FB7"/>
+                    </a:solidFill>
+                  </a:tcPr>
+                </a:tc>
+                <a:tc>
+                  <a:txBody>
+                    <a:bodyPr/>
+                    <a:lstStyle/>
+                    <a:p>
+                      <a:pPr marL="0" marR="0" lvl="0" indent="0" algn="ctr" defTabSz="3840480" rtl="0" eaLnBrk="1" fontAlgn="auto" latinLnBrk="0" hangingPunct="1">
+                        <a:lnSpc>
+                          <a:spcPct val="100000"/>
+                        </a:lnSpc>
+                        <a:spcBef>
+                          <a:spcPts val="0"/>
+                        </a:spcBef>
+                        <a:spcAft>
+                          <a:spcPts val="0"/>
+                        </a:spcAft>
+                        <a:buClrTx/>
+                        <a:buSzTx/>
+                        <a:buFontTx/>
+                        <a:buNone/>
+                        <a:tabLst/>
+                        <a:defRPr/>
+                      </a:pPr>
+                      <a:r>
+                        <a:rPr lang="en-US" sz="2600" b="1" dirty="0">
+                          <a:latin typeface="Open Sans" panose="020B0606030504020204" pitchFamily="34" charset="0"/>
+                          <a:ea typeface="Open Sans" panose="020B0606030504020204" pitchFamily="34" charset="0"/>
+                          <a:cs typeface="Open Sans" panose="020B0606030504020204" pitchFamily="34" charset="0"/>
+                        </a:rPr>
+                        <a:t>Coef</a:t>
+                      </a:r>
+                      <a:endParaRPr lang="en-SG" sz="2600" b="1" dirty="0">
+                        <a:latin typeface="Open Sans" panose="020B0606030504020204" pitchFamily="34" charset="0"/>
+                        <a:ea typeface="Open Sans" panose="020B0606030504020204" pitchFamily="34" charset="0"/>
+                        <a:cs typeface="Open Sans" panose="020B0606030504020204" pitchFamily="34" charset="0"/>
+                      </a:endParaRPr>
+                    </a:p>
+                  </a:txBody>
+                  <a:tcPr>
+                    <a:solidFill>
+                      <a:srgbClr val="F59FB7"/>
+                    </a:solidFill>
+                  </a:tcPr>
+                </a:tc>
+                <a:extLst>
+                  <a:ext uri="{0D108BD9-81ED-4DB2-BD59-A6C34878D82A}">
+                    <a16:rowId xmlns:a16="http://schemas.microsoft.com/office/drawing/2014/main" val="978841433"/>
+                  </a:ext>
+                </a:extLst>
+              </a:tr>
+              <a:tr h="0">
+                <a:tc>
+                  <a:txBody>
+                    <a:bodyPr/>
+                    <a:lstStyle/>
+                    <a:p>
+                      <a:pPr algn="ctr"/>
+                      <a:r>
+                        <a:rPr lang="en-US" sz="2600" dirty="0">
+                          <a:latin typeface="Open Sans" panose="020B0606030504020204" pitchFamily="34" charset="0"/>
+                          <a:ea typeface="Open Sans" panose="020B0606030504020204" pitchFamily="34" charset="0"/>
+                          <a:cs typeface="Open Sans" panose="020B0606030504020204" pitchFamily="34" charset="0"/>
+                        </a:rPr>
+                        <a:t>X</a:t>
+                      </a:r>
+                      <a:endParaRPr lang="en-SG" sz="2600" dirty="0">
+                        <a:latin typeface="Open Sans" panose="020B0606030504020204" pitchFamily="34" charset="0"/>
+                        <a:ea typeface="Open Sans" panose="020B0606030504020204" pitchFamily="34" charset="0"/>
+                        <a:cs typeface="Open Sans" panose="020B0606030504020204" pitchFamily="34" charset="0"/>
+                      </a:endParaRPr>
+                    </a:p>
+                  </a:txBody>
+                  <a:tcPr>
+                    <a:solidFill>
+                      <a:schemeClr val="bg1"/>
+                    </a:solidFill>
+                  </a:tcPr>
+                </a:tc>
+                <a:tc>
+                  <a:txBody>
+                    <a:bodyPr/>
+                    <a:lstStyle/>
+                    <a:p>
+                      <a:pPr algn="ctr"/>
+                      <a:r>
+                        <a:rPr lang="en-US" sz="2600" dirty="0">
+                          <a:latin typeface="Open Sans" panose="020B0606030504020204" pitchFamily="34" charset="0"/>
+                          <a:ea typeface="Open Sans" panose="020B0606030504020204" pitchFamily="34" charset="0"/>
+                          <a:cs typeface="Open Sans" panose="020B0606030504020204" pitchFamily="34" charset="0"/>
+                        </a:rPr>
+                        <a:t>0.002</a:t>
+                      </a:r>
+                      <a:endParaRPr lang="en-SG" sz="2600" dirty="0">
+                        <a:latin typeface="Open Sans" panose="020B0606030504020204" pitchFamily="34" charset="0"/>
+                        <a:ea typeface="Open Sans" panose="020B0606030504020204" pitchFamily="34" charset="0"/>
+                        <a:cs typeface="Open Sans" panose="020B0606030504020204" pitchFamily="34" charset="0"/>
+                      </a:endParaRPr>
+                    </a:p>
+                  </a:txBody>
+                  <a:tcPr>
+                    <a:solidFill>
+                      <a:schemeClr val="bg1"/>
+                    </a:solidFill>
+                  </a:tcPr>
+                </a:tc>
+                <a:tc>
+                  <a:txBody>
+                    <a:bodyPr/>
+                    <a:lstStyle/>
+                    <a:p>
+                      <a:pPr algn="ctr"/>
+                      <a:r>
+                        <a:rPr lang="en-US" sz="2600" dirty="0">
+                          <a:latin typeface="Open Sans" panose="020B0606030504020204" pitchFamily="34" charset="0"/>
+                          <a:ea typeface="Open Sans" panose="020B0606030504020204" pitchFamily="34" charset="0"/>
+                          <a:cs typeface="Open Sans" panose="020B0606030504020204" pitchFamily="34" charset="0"/>
+                        </a:rPr>
+                        <a:t>16.9</a:t>
+                      </a:r>
+                      <a:endParaRPr lang="en-SG" sz="2600" dirty="0">
+                        <a:latin typeface="Open Sans" panose="020B0606030504020204" pitchFamily="34" charset="0"/>
+                        <a:ea typeface="Open Sans" panose="020B0606030504020204" pitchFamily="34" charset="0"/>
+                        <a:cs typeface="Open Sans" panose="020B0606030504020204" pitchFamily="34" charset="0"/>
+                      </a:endParaRPr>
+                    </a:p>
+                  </a:txBody>
+                  <a:tcPr>
+                    <a:solidFill>
+                      <a:schemeClr val="bg1"/>
+                    </a:solidFill>
+                  </a:tcPr>
+                </a:tc>
+                <a:extLst>
+                  <a:ext uri="{0D108BD9-81ED-4DB2-BD59-A6C34878D82A}">
+                    <a16:rowId xmlns:a16="http://schemas.microsoft.com/office/drawing/2014/main" val="3229064786"/>
+                  </a:ext>
+                </a:extLst>
+              </a:tr>
+              <a:tr h="0">
+                <a:tc>
+                  <a:txBody>
+                    <a:bodyPr/>
+                    <a:lstStyle/>
+                    <a:p>
+                      <a:pPr marL="0" marR="0" lvl="0" indent="0" algn="ctr" defTabSz="3840480" rtl="0" eaLnBrk="1" fontAlgn="auto" latinLnBrk="0" hangingPunct="1">
+                        <a:lnSpc>
+                          <a:spcPct val="100000"/>
+                        </a:lnSpc>
+                        <a:spcBef>
+                          <a:spcPts val="0"/>
+                        </a:spcBef>
+                        <a:spcAft>
+                          <a:spcPts val="0"/>
+                        </a:spcAft>
+                        <a:buClrTx/>
+                        <a:buSzTx/>
+                        <a:buFontTx/>
+                        <a:buNone/>
+                        <a:tabLst/>
+                        <a:defRPr/>
+                      </a:pPr>
+                      <a:r>
+                        <a:rPr lang="en-US" sz="2600" dirty="0">
+                          <a:latin typeface="Open Sans" panose="020B0606030504020204" pitchFamily="34" charset="0"/>
+                          <a:ea typeface="Open Sans" panose="020B0606030504020204" pitchFamily="34" charset="0"/>
+                          <a:cs typeface="Open Sans" panose="020B0606030504020204" pitchFamily="34" charset="0"/>
+                        </a:rPr>
+                        <a:t>X</a:t>
+                      </a:r>
+                      <a:r>
+                        <a:rPr lang="en-US" sz="2600" baseline="30000" dirty="0">
+                          <a:latin typeface="Open Sans" panose="020B0606030504020204" pitchFamily="34" charset="0"/>
+                          <a:ea typeface="Open Sans" panose="020B0606030504020204" pitchFamily="34" charset="0"/>
+                          <a:cs typeface="Open Sans" panose="020B0606030504020204" pitchFamily="34" charset="0"/>
+                        </a:rPr>
+                        <a:t>2</a:t>
+                      </a:r>
+                      <a:endParaRPr lang="en-SG" sz="2600" baseline="30000" dirty="0">
+                        <a:latin typeface="Open Sans" panose="020B0606030504020204" pitchFamily="34" charset="0"/>
+                        <a:ea typeface="Open Sans" panose="020B0606030504020204" pitchFamily="34" charset="0"/>
+                        <a:cs typeface="Open Sans" panose="020B0606030504020204" pitchFamily="34" charset="0"/>
+                      </a:endParaRPr>
+                    </a:p>
+                  </a:txBody>
+                  <a:tcPr>
+                    <a:solidFill>
+                      <a:schemeClr val="bg1"/>
+                    </a:solidFill>
+                  </a:tcPr>
+                </a:tc>
+                <a:tc>
+                  <a:txBody>
+                    <a:bodyPr/>
+                    <a:lstStyle/>
+                    <a:p>
+                      <a:pPr algn="ctr"/>
+                      <a:r>
+                        <a:rPr lang="en-US" sz="2600" dirty="0">
+                          <a:latin typeface="Open Sans" panose="020B0606030504020204" pitchFamily="34" charset="0"/>
+                          <a:ea typeface="Open Sans" panose="020B0606030504020204" pitchFamily="34" charset="0"/>
+                          <a:cs typeface="Open Sans" panose="020B0606030504020204" pitchFamily="34" charset="0"/>
+                        </a:rPr>
+                        <a:t>0.000</a:t>
+                      </a:r>
+                      <a:endParaRPr lang="en-SG" sz="2600" dirty="0">
+                        <a:latin typeface="Open Sans" panose="020B0606030504020204" pitchFamily="34" charset="0"/>
+                        <a:ea typeface="Open Sans" panose="020B0606030504020204" pitchFamily="34" charset="0"/>
+                        <a:cs typeface="Open Sans" panose="020B0606030504020204" pitchFamily="34" charset="0"/>
+                      </a:endParaRPr>
+                    </a:p>
+                  </a:txBody>
+                  <a:tcPr>
+                    <a:solidFill>
+                      <a:schemeClr val="bg1"/>
+                    </a:solidFill>
+                  </a:tcPr>
+                </a:tc>
+                <a:tc>
+                  <a:txBody>
+                    <a:bodyPr/>
+                    <a:lstStyle/>
+                    <a:p>
+                      <a:pPr marL="0" marR="0" lvl="0" indent="0" algn="ctr" defTabSz="3840480" rtl="0" eaLnBrk="1" fontAlgn="auto" latinLnBrk="0" hangingPunct="1">
+                        <a:lnSpc>
+                          <a:spcPct val="100000"/>
+                        </a:lnSpc>
+                        <a:spcBef>
+                          <a:spcPts val="0"/>
+                        </a:spcBef>
+                        <a:spcAft>
+                          <a:spcPts val="0"/>
+                        </a:spcAft>
+                        <a:buClrTx/>
+                        <a:buSzTx/>
+                        <a:buFontTx/>
+                        <a:buNone/>
+                        <a:tabLst/>
+                        <a:defRPr/>
+                      </a:pPr>
+                      <a:r>
+                        <a:rPr lang="en-US" sz="2600" dirty="0">
+                          <a:latin typeface="Open Sans" panose="020B0606030504020204" pitchFamily="34" charset="0"/>
+                          <a:ea typeface="Open Sans" panose="020B0606030504020204" pitchFamily="34" charset="0"/>
+                          <a:cs typeface="Open Sans" panose="020B0606030504020204" pitchFamily="34" charset="0"/>
+                        </a:rPr>
+                        <a:t>-3.30 x 10</a:t>
+                      </a:r>
+                      <a:r>
+                        <a:rPr lang="en-US" sz="2600" baseline="30000" dirty="0">
+                          <a:latin typeface="Open Sans" panose="020B0606030504020204" pitchFamily="34" charset="0"/>
+                          <a:ea typeface="Open Sans" panose="020B0606030504020204" pitchFamily="34" charset="0"/>
+                          <a:cs typeface="Open Sans" panose="020B0606030504020204" pitchFamily="34" charset="0"/>
+                        </a:rPr>
+                        <a:t>4</a:t>
+                      </a:r>
+                      <a:endParaRPr lang="en-SG" sz="2600" baseline="30000" dirty="0">
+                        <a:latin typeface="Open Sans" panose="020B0606030504020204" pitchFamily="34" charset="0"/>
+                        <a:ea typeface="Open Sans" panose="020B0606030504020204" pitchFamily="34" charset="0"/>
+                        <a:cs typeface="Open Sans" panose="020B0606030504020204" pitchFamily="34" charset="0"/>
+                      </a:endParaRPr>
+                    </a:p>
+                  </a:txBody>
+                  <a:tcPr>
+                    <a:solidFill>
+                      <a:schemeClr val="bg1"/>
+                    </a:solidFill>
+                  </a:tcPr>
+                </a:tc>
+                <a:extLst>
+                  <a:ext uri="{0D108BD9-81ED-4DB2-BD59-A6C34878D82A}">
+                    <a16:rowId xmlns:a16="http://schemas.microsoft.com/office/drawing/2014/main" val="3766731972"/>
+                  </a:ext>
+                </a:extLst>
+              </a:tr>
+              <a:tr h="0">
+                <a:tc>
+                  <a:txBody>
+                    <a:bodyPr/>
+                    <a:lstStyle/>
+                    <a:p>
+                      <a:pPr marL="0" marR="0" lvl="0" indent="0" algn="ctr" defTabSz="3840480" rtl="0" eaLnBrk="1" fontAlgn="auto" latinLnBrk="0" hangingPunct="1">
+                        <a:lnSpc>
+                          <a:spcPct val="100000"/>
+                        </a:lnSpc>
+                        <a:spcBef>
+                          <a:spcPts val="0"/>
+                        </a:spcBef>
+                        <a:spcAft>
+                          <a:spcPts val="0"/>
+                        </a:spcAft>
+                        <a:buClrTx/>
+                        <a:buSzTx/>
+                        <a:buFontTx/>
+                        <a:buNone/>
+                        <a:tabLst/>
+                        <a:defRPr/>
+                      </a:pPr>
+                      <a:r>
+                        <a:rPr lang="en-US" sz="2600" dirty="0">
+                          <a:latin typeface="Open Sans" panose="020B0606030504020204" pitchFamily="34" charset="0"/>
+                          <a:ea typeface="Open Sans" panose="020B0606030504020204" pitchFamily="34" charset="0"/>
+                          <a:cs typeface="Open Sans" panose="020B0606030504020204" pitchFamily="34" charset="0"/>
+                        </a:rPr>
+                        <a:t>X</a:t>
+                      </a:r>
+                      <a:r>
+                        <a:rPr lang="en-US" sz="2600" baseline="30000" dirty="0">
+                          <a:latin typeface="Open Sans" panose="020B0606030504020204" pitchFamily="34" charset="0"/>
+                          <a:ea typeface="Open Sans" panose="020B0606030504020204" pitchFamily="34" charset="0"/>
+                          <a:cs typeface="Open Sans" panose="020B0606030504020204" pitchFamily="34" charset="0"/>
+                        </a:rPr>
+                        <a:t>3</a:t>
+                      </a:r>
+                      <a:endParaRPr lang="en-SG" sz="2600" baseline="30000" dirty="0">
+                        <a:latin typeface="Open Sans" panose="020B0606030504020204" pitchFamily="34" charset="0"/>
+                        <a:ea typeface="Open Sans" panose="020B0606030504020204" pitchFamily="34" charset="0"/>
+                        <a:cs typeface="Open Sans" panose="020B0606030504020204" pitchFamily="34" charset="0"/>
+                      </a:endParaRPr>
+                    </a:p>
+                  </a:txBody>
+                  <a:tcPr>
+                    <a:solidFill>
+                      <a:schemeClr val="bg1"/>
+                    </a:solidFill>
+                  </a:tcPr>
+                </a:tc>
+                <a:tc>
+                  <a:txBody>
+                    <a:bodyPr/>
+                    <a:lstStyle/>
+                    <a:p>
+                      <a:pPr algn="ctr"/>
+                      <a:r>
+                        <a:rPr lang="en-US" sz="2600" dirty="0">
+                          <a:latin typeface="Open Sans" panose="020B0606030504020204" pitchFamily="34" charset="0"/>
+                          <a:ea typeface="Open Sans" panose="020B0606030504020204" pitchFamily="34" charset="0"/>
+                          <a:cs typeface="Open Sans" panose="020B0606030504020204" pitchFamily="34" charset="0"/>
+                        </a:rPr>
+                        <a:t>0.001</a:t>
+                      </a:r>
+                      <a:endParaRPr lang="en-SG" sz="2600" dirty="0">
+                        <a:latin typeface="Open Sans" panose="020B0606030504020204" pitchFamily="34" charset="0"/>
+                        <a:ea typeface="Open Sans" panose="020B0606030504020204" pitchFamily="34" charset="0"/>
+                        <a:cs typeface="Open Sans" panose="020B0606030504020204" pitchFamily="34" charset="0"/>
+                      </a:endParaRPr>
+                    </a:p>
+                  </a:txBody>
+                  <a:tcPr>
+                    <a:solidFill>
+                      <a:schemeClr val="bg1"/>
+                    </a:solidFill>
+                  </a:tcPr>
+                </a:tc>
+                <a:tc>
+                  <a:txBody>
+                    <a:bodyPr/>
+                    <a:lstStyle/>
+                    <a:p>
+                      <a:pPr marL="0" marR="0" lvl="0" indent="0" algn="ctr" defTabSz="3840480" rtl="0" eaLnBrk="1" fontAlgn="auto" latinLnBrk="0" hangingPunct="1">
+                        <a:lnSpc>
+                          <a:spcPct val="100000"/>
+                        </a:lnSpc>
+                        <a:spcBef>
+                          <a:spcPts val="0"/>
+                        </a:spcBef>
+                        <a:spcAft>
+                          <a:spcPts val="0"/>
+                        </a:spcAft>
+                        <a:buClrTx/>
+                        <a:buSzTx/>
+                        <a:buFontTx/>
+                        <a:buNone/>
+                        <a:tabLst/>
+                        <a:defRPr/>
+                      </a:pPr>
+                      <a:r>
+                        <a:rPr lang="en-US" sz="2600" dirty="0">
+                          <a:latin typeface="Open Sans" panose="020B0606030504020204" pitchFamily="34" charset="0"/>
+                          <a:ea typeface="Open Sans" panose="020B0606030504020204" pitchFamily="34" charset="0"/>
+                          <a:cs typeface="Open Sans" panose="020B0606030504020204" pitchFamily="34" charset="0"/>
+                        </a:rPr>
+                        <a:t>-1.80 x 10</a:t>
+                      </a:r>
+                      <a:r>
+                        <a:rPr lang="en-US" sz="2600" baseline="30000" dirty="0">
+                          <a:latin typeface="Open Sans" panose="020B0606030504020204" pitchFamily="34" charset="0"/>
+                          <a:ea typeface="Open Sans" panose="020B0606030504020204" pitchFamily="34" charset="0"/>
+                          <a:cs typeface="Open Sans" panose="020B0606030504020204" pitchFamily="34" charset="0"/>
+                        </a:rPr>
+                        <a:t>7</a:t>
+                      </a:r>
+                      <a:endParaRPr lang="en-SG" sz="2600" baseline="30000" dirty="0">
+                        <a:latin typeface="Open Sans" panose="020B0606030504020204" pitchFamily="34" charset="0"/>
+                        <a:ea typeface="Open Sans" panose="020B0606030504020204" pitchFamily="34" charset="0"/>
+                        <a:cs typeface="Open Sans" panose="020B0606030504020204" pitchFamily="34" charset="0"/>
+                      </a:endParaRPr>
+                    </a:p>
+                  </a:txBody>
+                  <a:tcPr>
+                    <a:solidFill>
+                      <a:schemeClr val="bg1"/>
+                    </a:solidFill>
+                  </a:tcPr>
+                </a:tc>
+                <a:extLst>
+                  <a:ext uri="{0D108BD9-81ED-4DB2-BD59-A6C34878D82A}">
+                    <a16:rowId xmlns:a16="http://schemas.microsoft.com/office/drawing/2014/main" val="2770178215"/>
+                  </a:ext>
+                </a:extLst>
+              </a:tr>
+            </a:tbl>
+          </a:graphicData>
+        </a:graphic>
+      </p:graphicFrame>
+      <p:pic>
+        <p:nvPicPr>
+          <p:cNvPr id="1038" name="Picture 14">
+            <a:extLst>
+              <a:ext uri="{FF2B5EF4-FFF2-40B4-BE49-F238E27FC236}">
+                <a16:creationId xmlns:a16="http://schemas.microsoft.com/office/drawing/2014/main" id="{9B0FFEA3-1AA4-48D8-8BF1-39C6C20BB8CF}"/>
+              </a:ext>
+            </a:extLst>
+          </p:cNvPr>
+          <p:cNvPicPr>
+            <a:picLocks noChangeAspect="1" noChangeArrowheads="1"/>
+          </p:cNvPicPr>
+          <p:nvPr/>
+        </p:nvPicPr>
+        <p:blipFill>
+          <a:blip r:embed="rId5">
+            <a:extLst>
+              <a:ext uri="{28A0092B-C50C-407E-A947-70E740481C1C}">
+                <a14:useLocalDpi xmlns:a14="http://schemas.microsoft.com/office/drawing/2010/main" val="0"/>
+              </a:ext>
+            </a:extLst>
+          </a:blip>
+          <a:srcRect/>
+          <a:stretch>
+            <a:fillRect/>
+          </a:stretch>
+        </p:blipFill>
+        <p:spPr bwMode="auto">
+          <a:xfrm>
+            <a:off x="19832158" y="13340578"/>
+            <a:ext cx="6450382" cy="3547710"/>
+          </a:xfrm>
+          <a:prstGeom prst="rect">
+            <a:avLst/>
+          </a:prstGeom>
+          <a:solidFill>
+            <a:schemeClr val="bg1"/>
+          </a:solidFill>
+        </p:spPr>
+      </p:pic>
+      <p:sp>
+        <p:nvSpPr>
+          <p:cNvPr id="48" name="TextBox 47">
+            <a:extLst>
+              <a:ext uri="{FF2B5EF4-FFF2-40B4-BE49-F238E27FC236}">
+                <a16:creationId xmlns:a16="http://schemas.microsoft.com/office/drawing/2014/main" id="{1F58BA34-F784-4849-ADCA-BF522F5E5863}"/>
+              </a:ext>
+            </a:extLst>
+          </p:cNvPr>
+          <p:cNvSpPr txBox="1"/>
+          <p:nvPr/>
+        </p:nvSpPr>
+        <p:spPr>
+          <a:xfrm>
+            <a:off x="18850614" y="20285882"/>
+            <a:ext cx="7431926" cy="3447098"/>
+          </a:xfrm>
+          <a:prstGeom prst="rect">
+            <a:avLst/>
+          </a:prstGeom>
+          <a:noFill/>
+        </p:spPr>
+        <p:txBody>
+          <a:bodyPr wrap="square">
+            <a:spAutoFit/>
+          </a:bodyPr>
+          <a:lstStyle/>
+          <a:p>
+            <a:pPr algn="just" rtl="0" fontAlgn="base">
+              <a:spcBef>
+                <a:spcPts val="0"/>
+              </a:spcBef>
+              <a:spcAft>
+                <a:spcPts val="1200"/>
+              </a:spcAft>
+            </a:pPr>
+            <a:r>
+              <a:rPr lang="en-US" sz="2600" b="0" i="0" u="none" strike="noStrike" dirty="0">
+                <a:solidFill>
+                  <a:schemeClr val="bg1"/>
+                </a:solidFill>
+                <a:effectLst/>
+                <a:latin typeface="Open Sans" panose="020B0606030504020204" pitchFamily="34" charset="0"/>
+                <a:ea typeface="Open Sans" panose="020B0606030504020204" pitchFamily="34" charset="0"/>
+                <a:cs typeface="Open Sans" panose="020B0606030504020204" pitchFamily="34" charset="0"/>
+              </a:rPr>
+              <a:t>All policy variables are </a:t>
+            </a:r>
+            <a:r>
+              <a:rPr lang="en-US" sz="2600" b="1" i="0" u="none" strike="noStrike" dirty="0">
+                <a:solidFill>
+                  <a:schemeClr val="bg1"/>
+                </a:solidFill>
+                <a:effectLst/>
+                <a:latin typeface="Open Sans" panose="020B0606030504020204" pitchFamily="34" charset="0"/>
+                <a:ea typeface="Open Sans" panose="020B0606030504020204" pitchFamily="34" charset="0"/>
+                <a:cs typeface="Open Sans" panose="020B0606030504020204" pitchFamily="34" charset="0"/>
+              </a:rPr>
+              <a:t>negatively correlated</a:t>
+            </a:r>
+            <a:r>
+              <a:rPr lang="en-US" sz="2600" b="0" i="0" u="none" strike="noStrike" dirty="0">
+                <a:solidFill>
+                  <a:schemeClr val="bg1"/>
+                </a:solidFill>
+                <a:effectLst/>
+                <a:latin typeface="Open Sans" panose="020B0606030504020204" pitchFamily="34" charset="0"/>
+                <a:ea typeface="Open Sans" panose="020B0606030504020204" pitchFamily="34" charset="0"/>
+                <a:cs typeface="Open Sans" panose="020B0606030504020204" pitchFamily="34" charset="0"/>
+              </a:rPr>
+              <a:t> with weighted p.c. number of cases, with the relationship being significant at the 5% level for </a:t>
+            </a:r>
+            <a:r>
+              <a:rPr lang="en-US" sz="2600" b="1" i="0" u="none" strike="noStrike" dirty="0">
+                <a:solidFill>
+                  <a:schemeClr val="bg1"/>
+                </a:solidFill>
+                <a:effectLst/>
+                <a:latin typeface="Open Sans" panose="020B0606030504020204" pitchFamily="34" charset="0"/>
+                <a:ea typeface="Open Sans" panose="020B0606030504020204" pitchFamily="34" charset="0"/>
+                <a:cs typeface="Open Sans" panose="020B0606030504020204" pitchFamily="34" charset="0"/>
+              </a:rPr>
+              <a:t>Stay at Home </a:t>
+            </a:r>
+            <a:r>
+              <a:rPr lang="en-US" sz="2600" b="0" i="0" u="none" strike="noStrike" dirty="0">
+                <a:solidFill>
+                  <a:schemeClr val="bg1"/>
+                </a:solidFill>
+                <a:effectLst/>
+                <a:latin typeface="Open Sans" panose="020B0606030504020204" pitchFamily="34" charset="0"/>
+                <a:ea typeface="Open Sans" panose="020B0606030504020204" pitchFamily="34" charset="0"/>
+                <a:cs typeface="Open Sans" panose="020B0606030504020204" pitchFamily="34" charset="0"/>
+              </a:rPr>
+              <a:t>and </a:t>
+            </a:r>
+            <a:r>
+              <a:rPr lang="en-US" sz="2600" b="1" i="0" u="none" strike="noStrike" dirty="0">
+                <a:solidFill>
+                  <a:schemeClr val="bg1"/>
+                </a:solidFill>
+                <a:effectLst/>
+                <a:latin typeface="Open Sans" panose="020B0606030504020204" pitchFamily="34" charset="0"/>
+                <a:ea typeface="Open Sans" panose="020B0606030504020204" pitchFamily="34" charset="0"/>
+                <a:cs typeface="Open Sans" panose="020B0606030504020204" pitchFamily="34" charset="0"/>
+              </a:rPr>
+              <a:t>Quarantine Mandate</a:t>
+            </a:r>
+            <a:r>
+              <a:rPr lang="en-US" sz="2600" b="0" i="0" u="none" strike="noStrike" dirty="0">
+                <a:solidFill>
+                  <a:schemeClr val="bg1"/>
+                </a:solidFill>
+                <a:effectLst/>
+                <a:latin typeface="Open Sans" panose="020B0606030504020204" pitchFamily="34" charset="0"/>
+                <a:ea typeface="Open Sans" panose="020B0606030504020204" pitchFamily="34" charset="0"/>
+                <a:cs typeface="Open Sans" panose="020B0606030504020204" pitchFamily="34" charset="0"/>
+              </a:rPr>
+              <a:t>.</a:t>
+            </a:r>
+          </a:p>
+          <a:p>
+            <a:pPr algn="just">
+              <a:spcAft>
+                <a:spcPts val="1200"/>
+              </a:spcAft>
+            </a:pPr>
+            <a:r>
+              <a:rPr lang="en-US" sz="2600" b="0" i="0" u="none" strike="noStrike" dirty="0">
+                <a:solidFill>
+                  <a:schemeClr val="bg1"/>
+                </a:solidFill>
+                <a:effectLst/>
+                <a:latin typeface="Open Sans" panose="020B0606030504020204" pitchFamily="34" charset="0"/>
+                <a:ea typeface="Open Sans" panose="020B0606030504020204" pitchFamily="34" charset="0"/>
+                <a:cs typeface="Open Sans" panose="020B0606030504020204" pitchFamily="34" charset="0"/>
+              </a:rPr>
+              <a:t>The </a:t>
+            </a:r>
+            <a:r>
+              <a:rPr lang="en-US" sz="2600" b="1" i="0" u="none" strike="noStrike" dirty="0">
+                <a:solidFill>
+                  <a:schemeClr val="bg1"/>
+                </a:solidFill>
+                <a:effectLst/>
+                <a:latin typeface="Open Sans" panose="020B0606030504020204" pitchFamily="34" charset="0"/>
+                <a:ea typeface="Open Sans" panose="020B0606030504020204" pitchFamily="34" charset="0"/>
+                <a:cs typeface="Open Sans" panose="020B0606030504020204" pitchFamily="34" charset="0"/>
+              </a:rPr>
+              <a:t>R</a:t>
+            </a:r>
+            <a:r>
+              <a:rPr lang="en-US" sz="2600" b="1" i="0" u="none" strike="noStrike" baseline="30000" dirty="0">
+                <a:solidFill>
+                  <a:schemeClr val="bg1"/>
+                </a:solidFill>
+                <a:effectLst/>
+                <a:latin typeface="Open Sans" panose="020B0606030504020204" pitchFamily="34" charset="0"/>
+                <a:ea typeface="Open Sans" panose="020B0606030504020204" pitchFamily="34" charset="0"/>
+                <a:cs typeface="Open Sans" panose="020B0606030504020204" pitchFamily="34" charset="0"/>
+              </a:rPr>
+              <a:t>2</a:t>
+            </a:r>
+            <a:r>
+              <a:rPr lang="en-US" sz="2600" b="1" i="0" u="none" strike="noStrike" dirty="0">
+                <a:solidFill>
+                  <a:schemeClr val="bg1"/>
+                </a:solidFill>
+                <a:effectLst/>
+                <a:latin typeface="Open Sans" panose="020B0606030504020204" pitchFamily="34" charset="0"/>
+                <a:ea typeface="Open Sans" panose="020B0606030504020204" pitchFamily="34" charset="0"/>
+                <a:cs typeface="Open Sans" panose="020B0606030504020204" pitchFamily="34" charset="0"/>
+              </a:rPr>
+              <a:t> is 0.211</a:t>
+            </a:r>
+            <a:r>
+              <a:rPr lang="en-US" sz="2600" b="0" i="0" u="none" strike="noStrike" dirty="0">
+                <a:solidFill>
+                  <a:schemeClr val="bg1"/>
+                </a:solidFill>
+                <a:effectLst/>
+                <a:latin typeface="Open Sans" panose="020B0606030504020204" pitchFamily="34" charset="0"/>
+                <a:ea typeface="Open Sans" panose="020B0606030504020204" pitchFamily="34" charset="0"/>
+                <a:cs typeface="Open Sans" panose="020B0606030504020204" pitchFamily="34" charset="0"/>
+              </a:rPr>
+              <a:t>, which is higher than that for simple linear regression. Adding states’ COVID-19-related policy to the model reduces omitted variable bias. </a:t>
+            </a:r>
+            <a:endParaRPr lang="en-SG" sz="2600" dirty="0">
+              <a:solidFill>
+                <a:schemeClr val="bg1"/>
+              </a:solidFill>
+              <a:latin typeface="Open Sans" panose="020B0606030504020204" pitchFamily="34" charset="0"/>
+              <a:ea typeface="Open Sans" panose="020B0606030504020204" pitchFamily="34" charset="0"/>
+              <a:cs typeface="Open Sans" panose="020B0606030504020204" pitchFamily="34" charset="0"/>
+            </a:endParaRPr>
+          </a:p>
+        </p:txBody>
+      </p:sp>
+      <p:graphicFrame>
+        <p:nvGraphicFramePr>
+          <p:cNvPr id="49" name="Table 15">
+            <a:extLst>
+              <a:ext uri="{FF2B5EF4-FFF2-40B4-BE49-F238E27FC236}">
+                <a16:creationId xmlns:a16="http://schemas.microsoft.com/office/drawing/2014/main" id="{773DB895-9D45-4830-B617-88CFEE7D46BB}"/>
+              </a:ext>
+            </a:extLst>
+          </p:cNvPr>
+          <p:cNvGraphicFramePr>
+            <a:graphicFrameLocks noGrp="1"/>
+          </p:cNvGraphicFramePr>
+          <p:nvPr>
+            <p:extLst>
+              <p:ext uri="{D42A27DB-BD31-4B8C-83A1-F6EECF244321}">
+                <p14:modId xmlns:p14="http://schemas.microsoft.com/office/powerpoint/2010/main" val="2977282576"/>
+              </p:ext>
+            </p:extLst>
+          </p:nvPr>
+        </p:nvGraphicFramePr>
+        <p:xfrm>
+          <a:off x="12167913" y="20285882"/>
+          <a:ext cx="6405777" cy="3322320"/>
+        </p:xfrm>
+        <a:graphic>
+          <a:graphicData uri="http://schemas.openxmlformats.org/drawingml/2006/table">
+            <a:tbl>
+              <a:tblPr firstRow="1" bandRow="1">
+                <a:tableStyleId>{5940675A-B579-460E-94D1-54222C63F5DA}</a:tableStyleId>
+              </a:tblPr>
+              <a:tblGrid>
+                <a:gridCol w="3414987">
+                  <a:extLst>
+                    <a:ext uri="{9D8B030D-6E8A-4147-A177-3AD203B41FA5}">
+                      <a16:colId xmlns:a16="http://schemas.microsoft.com/office/drawing/2014/main" val="1759811823"/>
+                    </a:ext>
+                  </a:extLst>
+                </a:gridCol>
+                <a:gridCol w="1495395">
+                  <a:extLst>
+                    <a:ext uri="{9D8B030D-6E8A-4147-A177-3AD203B41FA5}">
+                      <a16:colId xmlns:a16="http://schemas.microsoft.com/office/drawing/2014/main" val="396567369"/>
+                    </a:ext>
+                  </a:extLst>
+                </a:gridCol>
+                <a:gridCol w="1495395">
+                  <a:extLst>
+                    <a:ext uri="{9D8B030D-6E8A-4147-A177-3AD203B41FA5}">
+                      <a16:colId xmlns:a16="http://schemas.microsoft.com/office/drawing/2014/main" val="3466785794"/>
+                    </a:ext>
+                  </a:extLst>
+                </a:gridCol>
+              </a:tblGrid>
+              <a:tr h="0">
+                <a:tc>
+                  <a:txBody>
+                    <a:bodyPr/>
+                    <a:lstStyle/>
+                    <a:p>
+                      <a:pPr algn="ctr"/>
+                      <a:r>
+                        <a:rPr lang="en-US" sz="2600" b="1" dirty="0">
+                          <a:latin typeface="Open Sans" panose="020B0606030504020204" pitchFamily="34" charset="0"/>
+                          <a:ea typeface="Open Sans" panose="020B0606030504020204" pitchFamily="34" charset="0"/>
+                          <a:cs typeface="Open Sans" panose="020B0606030504020204" pitchFamily="34" charset="0"/>
+                        </a:rPr>
+                        <a:t>Regressor</a:t>
+                      </a:r>
+                      <a:endParaRPr lang="en-SG" sz="2600" b="1" dirty="0">
+                        <a:latin typeface="Open Sans" panose="020B0606030504020204" pitchFamily="34" charset="0"/>
+                        <a:ea typeface="Open Sans" panose="020B0606030504020204" pitchFamily="34" charset="0"/>
+                        <a:cs typeface="Open Sans" panose="020B0606030504020204" pitchFamily="34" charset="0"/>
+                      </a:endParaRPr>
+                    </a:p>
+                  </a:txBody>
+                  <a:tcPr anchor="ctr">
+                    <a:solidFill>
+                      <a:srgbClr val="F59FB7"/>
+                    </a:solidFill>
+                  </a:tcPr>
+                </a:tc>
+                <a:tc>
+                  <a:txBody>
+                    <a:bodyPr/>
+                    <a:lstStyle/>
+                    <a:p>
+                      <a:pPr marL="0" marR="0" lvl="0" indent="0" algn="ctr" defTabSz="3840480" rtl="0" eaLnBrk="1" fontAlgn="auto" latinLnBrk="0" hangingPunct="1">
+                        <a:lnSpc>
+                          <a:spcPct val="100000"/>
+                        </a:lnSpc>
+                        <a:spcBef>
+                          <a:spcPts val="0"/>
+                        </a:spcBef>
+                        <a:spcAft>
+                          <a:spcPts val="0"/>
+                        </a:spcAft>
+                        <a:buClrTx/>
+                        <a:buSzTx/>
+                        <a:buFontTx/>
+                        <a:buNone/>
+                        <a:tabLst/>
+                        <a:defRPr/>
+                      </a:pPr>
+                      <a:r>
+                        <a:rPr lang="en-US" sz="2600" b="1" dirty="0">
+                          <a:latin typeface="Open Sans" panose="020B0606030504020204" pitchFamily="34" charset="0"/>
+                          <a:ea typeface="Open Sans" panose="020B0606030504020204" pitchFamily="34" charset="0"/>
+                          <a:cs typeface="Open Sans" panose="020B0606030504020204" pitchFamily="34" charset="0"/>
+                        </a:rPr>
+                        <a:t>P-Value</a:t>
+                      </a:r>
+                      <a:endParaRPr lang="en-SG" sz="2600" b="1" dirty="0">
+                        <a:latin typeface="Open Sans" panose="020B0606030504020204" pitchFamily="34" charset="0"/>
+                        <a:ea typeface="Open Sans" panose="020B0606030504020204" pitchFamily="34" charset="0"/>
+                        <a:cs typeface="Open Sans" panose="020B0606030504020204" pitchFamily="34" charset="0"/>
+                      </a:endParaRPr>
+                    </a:p>
+                  </a:txBody>
+                  <a:tcPr anchor="ctr">
+                    <a:solidFill>
+                      <a:srgbClr val="F59FB7"/>
+                    </a:solidFill>
+                  </a:tcPr>
+                </a:tc>
+                <a:tc>
+                  <a:txBody>
+                    <a:bodyPr/>
+                    <a:lstStyle/>
+                    <a:p>
+                      <a:pPr marL="0" marR="0" lvl="0" indent="0" algn="ctr" defTabSz="3840480" rtl="0" eaLnBrk="1" fontAlgn="auto" latinLnBrk="0" hangingPunct="1">
+                        <a:lnSpc>
+                          <a:spcPct val="100000"/>
+                        </a:lnSpc>
+                        <a:spcBef>
+                          <a:spcPts val="0"/>
+                        </a:spcBef>
+                        <a:spcAft>
+                          <a:spcPts val="0"/>
+                        </a:spcAft>
+                        <a:buClrTx/>
+                        <a:buSzTx/>
+                        <a:buFontTx/>
+                        <a:buNone/>
+                        <a:tabLst/>
+                        <a:defRPr/>
+                      </a:pPr>
+                      <a:r>
+                        <a:rPr lang="en-US" sz="2600" b="1" dirty="0">
+                          <a:latin typeface="Open Sans" panose="020B0606030504020204" pitchFamily="34" charset="0"/>
+                          <a:ea typeface="Open Sans" panose="020B0606030504020204" pitchFamily="34" charset="0"/>
+                          <a:cs typeface="Open Sans" panose="020B0606030504020204" pitchFamily="34" charset="0"/>
+                        </a:rPr>
+                        <a:t>Coef</a:t>
+                      </a:r>
+                      <a:endParaRPr lang="en-SG" sz="2600" b="1" dirty="0">
+                        <a:latin typeface="Open Sans" panose="020B0606030504020204" pitchFamily="34" charset="0"/>
+                        <a:ea typeface="Open Sans" panose="020B0606030504020204" pitchFamily="34" charset="0"/>
+                        <a:cs typeface="Open Sans" panose="020B0606030504020204" pitchFamily="34" charset="0"/>
+                      </a:endParaRPr>
+                    </a:p>
+                  </a:txBody>
+                  <a:tcPr anchor="ctr">
+                    <a:solidFill>
+                      <a:srgbClr val="F59FB7"/>
+                    </a:solidFill>
+                  </a:tcPr>
+                </a:tc>
+                <a:extLst>
+                  <a:ext uri="{0D108BD9-81ED-4DB2-BD59-A6C34878D82A}">
+                    <a16:rowId xmlns:a16="http://schemas.microsoft.com/office/drawing/2014/main" val="978841433"/>
+                  </a:ext>
+                </a:extLst>
+              </a:tr>
+              <a:tr h="0">
+                <a:tc>
+                  <a:txBody>
+                    <a:bodyPr/>
+                    <a:lstStyle/>
+                    <a:p>
+                      <a:pPr algn="ctr"/>
+                      <a:r>
+                        <a:rPr lang="en-US" sz="2600" dirty="0">
+                          <a:latin typeface="Open Sans" panose="020B0606030504020204" pitchFamily="34" charset="0"/>
+                          <a:ea typeface="Open Sans" panose="020B0606030504020204" pitchFamily="34" charset="0"/>
+                          <a:cs typeface="Open Sans" panose="020B0606030504020204" pitchFamily="34" charset="0"/>
+                        </a:rPr>
+                        <a:t>Weighted p.c. Arrivals</a:t>
+                      </a:r>
+                      <a:endParaRPr lang="en-SG" sz="2600" dirty="0">
+                        <a:latin typeface="Open Sans" panose="020B0606030504020204" pitchFamily="34" charset="0"/>
+                        <a:ea typeface="Open Sans" panose="020B0606030504020204" pitchFamily="34" charset="0"/>
+                        <a:cs typeface="Open Sans" panose="020B0606030504020204" pitchFamily="34" charset="0"/>
+                      </a:endParaRPr>
+                    </a:p>
+                  </a:txBody>
+                  <a:tcPr anchor="ctr">
+                    <a:solidFill>
+                      <a:schemeClr val="bg1"/>
+                    </a:solidFill>
+                  </a:tcPr>
+                </a:tc>
+                <a:tc>
+                  <a:txBody>
+                    <a:bodyPr/>
+                    <a:lstStyle/>
+                    <a:p>
+                      <a:pPr algn="ctr"/>
+                      <a:r>
+                        <a:rPr lang="en-US" sz="2600" dirty="0">
+                          <a:latin typeface="Open Sans" panose="020B0606030504020204" pitchFamily="34" charset="0"/>
+                          <a:ea typeface="Open Sans" panose="020B0606030504020204" pitchFamily="34" charset="0"/>
+                          <a:cs typeface="Open Sans" panose="020B0606030504020204" pitchFamily="34" charset="0"/>
+                        </a:rPr>
+                        <a:t>0.033</a:t>
+                      </a:r>
+                      <a:endParaRPr lang="en-SG" sz="2600" dirty="0">
+                        <a:latin typeface="Open Sans" panose="020B0606030504020204" pitchFamily="34" charset="0"/>
+                        <a:ea typeface="Open Sans" panose="020B0606030504020204" pitchFamily="34" charset="0"/>
+                        <a:cs typeface="Open Sans" panose="020B0606030504020204" pitchFamily="34" charset="0"/>
+                      </a:endParaRPr>
+                    </a:p>
+                  </a:txBody>
+                  <a:tcPr anchor="ctr">
+                    <a:solidFill>
+                      <a:schemeClr val="bg1"/>
+                    </a:solidFill>
+                  </a:tcPr>
+                </a:tc>
+                <a:tc>
+                  <a:txBody>
+                    <a:bodyPr/>
+                    <a:lstStyle/>
+                    <a:p>
+                      <a:pPr algn="ctr"/>
+                      <a:r>
+                        <a:rPr lang="en-US" sz="2600" dirty="0">
+                          <a:latin typeface="Open Sans" panose="020B0606030504020204" pitchFamily="34" charset="0"/>
+                          <a:ea typeface="Open Sans" panose="020B0606030504020204" pitchFamily="34" charset="0"/>
+                          <a:cs typeface="Open Sans" panose="020B0606030504020204" pitchFamily="34" charset="0"/>
+                        </a:rPr>
+                        <a:t>1.99</a:t>
+                      </a:r>
+                      <a:endParaRPr lang="en-SG" sz="2600" dirty="0">
+                        <a:latin typeface="Open Sans" panose="020B0606030504020204" pitchFamily="34" charset="0"/>
+                        <a:ea typeface="Open Sans" panose="020B0606030504020204" pitchFamily="34" charset="0"/>
+                        <a:cs typeface="Open Sans" panose="020B0606030504020204" pitchFamily="34" charset="0"/>
+                      </a:endParaRPr>
+                    </a:p>
+                  </a:txBody>
+                  <a:tcPr anchor="ctr">
+                    <a:solidFill>
+                      <a:schemeClr val="bg1"/>
+                    </a:solidFill>
+                  </a:tcPr>
+                </a:tc>
+                <a:extLst>
+                  <a:ext uri="{0D108BD9-81ED-4DB2-BD59-A6C34878D82A}">
+                    <a16:rowId xmlns:a16="http://schemas.microsoft.com/office/drawing/2014/main" val="3229064786"/>
+                  </a:ext>
+                </a:extLst>
+              </a:tr>
+              <a:tr h="0">
+                <a:tc>
+                  <a:txBody>
+                    <a:bodyPr/>
+                    <a:lstStyle/>
+                    <a:p>
+                      <a:pPr marL="0" marR="0" lvl="0" indent="0" algn="ctr" defTabSz="3840480" rtl="0" eaLnBrk="1" fontAlgn="auto" latinLnBrk="0" hangingPunct="1">
+                        <a:lnSpc>
+                          <a:spcPct val="100000"/>
+                        </a:lnSpc>
+                        <a:spcBef>
+                          <a:spcPts val="0"/>
+                        </a:spcBef>
+                        <a:spcAft>
+                          <a:spcPts val="0"/>
+                        </a:spcAft>
+                        <a:buClrTx/>
+                        <a:buSzTx/>
+                        <a:buFontTx/>
+                        <a:buNone/>
+                        <a:tabLst/>
+                        <a:defRPr/>
+                      </a:pPr>
+                      <a:r>
+                        <a:rPr lang="en-US" sz="2600" dirty="0">
+                          <a:latin typeface="Open Sans" panose="020B0606030504020204" pitchFamily="34" charset="0"/>
+                          <a:ea typeface="Open Sans" panose="020B0606030504020204" pitchFamily="34" charset="0"/>
+                          <a:cs typeface="Open Sans" panose="020B0606030504020204" pitchFamily="34" charset="0"/>
+                        </a:rPr>
+                        <a:t>Stay at Home</a:t>
+                      </a:r>
+                      <a:endParaRPr lang="en-SG" sz="2600" baseline="30000" dirty="0">
+                        <a:latin typeface="Open Sans" panose="020B0606030504020204" pitchFamily="34" charset="0"/>
+                        <a:ea typeface="Open Sans" panose="020B0606030504020204" pitchFamily="34" charset="0"/>
+                        <a:cs typeface="Open Sans" panose="020B0606030504020204" pitchFamily="34" charset="0"/>
+                      </a:endParaRPr>
+                    </a:p>
+                  </a:txBody>
+                  <a:tcPr anchor="ctr">
+                    <a:solidFill>
+                      <a:schemeClr val="bg1"/>
+                    </a:solidFill>
+                  </a:tcPr>
+                </a:tc>
+                <a:tc>
+                  <a:txBody>
+                    <a:bodyPr/>
+                    <a:lstStyle/>
+                    <a:p>
+                      <a:pPr algn="ctr"/>
+                      <a:r>
+                        <a:rPr lang="en-US" sz="2600" dirty="0">
+                          <a:latin typeface="Open Sans" panose="020B0606030504020204" pitchFamily="34" charset="0"/>
+                          <a:ea typeface="Open Sans" panose="020B0606030504020204" pitchFamily="34" charset="0"/>
+                          <a:cs typeface="Open Sans" panose="020B0606030504020204" pitchFamily="34" charset="0"/>
+                        </a:rPr>
+                        <a:t>0.032</a:t>
+                      </a:r>
+                      <a:endParaRPr lang="en-SG" sz="2600" dirty="0">
+                        <a:latin typeface="Open Sans" panose="020B0606030504020204" pitchFamily="34" charset="0"/>
+                        <a:ea typeface="Open Sans" panose="020B0606030504020204" pitchFamily="34" charset="0"/>
+                        <a:cs typeface="Open Sans" panose="020B0606030504020204" pitchFamily="34" charset="0"/>
+                      </a:endParaRPr>
+                    </a:p>
+                  </a:txBody>
+                  <a:tcPr anchor="ctr">
+                    <a:solidFill>
+                      <a:schemeClr val="bg1"/>
+                    </a:solidFill>
+                  </a:tcPr>
+                </a:tc>
+                <a:tc>
+                  <a:txBody>
+                    <a:bodyPr/>
+                    <a:lstStyle/>
+                    <a:p>
+                      <a:pPr marL="0" marR="0" lvl="0" indent="0" algn="ctr" defTabSz="3840480" rtl="0" eaLnBrk="1" fontAlgn="auto" latinLnBrk="0" hangingPunct="1">
+                        <a:lnSpc>
+                          <a:spcPct val="100000"/>
+                        </a:lnSpc>
+                        <a:spcBef>
+                          <a:spcPts val="0"/>
+                        </a:spcBef>
+                        <a:spcAft>
+                          <a:spcPts val="0"/>
+                        </a:spcAft>
+                        <a:buClrTx/>
+                        <a:buSzTx/>
+                        <a:buFontTx/>
+                        <a:buNone/>
+                        <a:tabLst/>
+                        <a:defRPr/>
+                      </a:pPr>
+                      <a:r>
+                        <a:rPr lang="en-US" sz="2600" baseline="0" dirty="0">
+                          <a:latin typeface="Open Sans" panose="020B0606030504020204" pitchFamily="34" charset="0"/>
+                          <a:ea typeface="Open Sans" panose="020B0606030504020204" pitchFamily="34" charset="0"/>
+                          <a:cs typeface="Open Sans" panose="020B0606030504020204" pitchFamily="34" charset="0"/>
+                        </a:rPr>
+                        <a:t>-0.001</a:t>
+                      </a:r>
+                      <a:endParaRPr lang="en-SG" sz="2600" baseline="0" dirty="0">
+                        <a:latin typeface="Open Sans" panose="020B0606030504020204" pitchFamily="34" charset="0"/>
+                        <a:ea typeface="Open Sans" panose="020B0606030504020204" pitchFamily="34" charset="0"/>
+                        <a:cs typeface="Open Sans" panose="020B0606030504020204" pitchFamily="34" charset="0"/>
+                      </a:endParaRPr>
+                    </a:p>
+                  </a:txBody>
+                  <a:tcPr anchor="ctr">
+                    <a:solidFill>
+                      <a:schemeClr val="bg1"/>
+                    </a:solidFill>
+                  </a:tcPr>
+                </a:tc>
+                <a:extLst>
+                  <a:ext uri="{0D108BD9-81ED-4DB2-BD59-A6C34878D82A}">
+                    <a16:rowId xmlns:a16="http://schemas.microsoft.com/office/drawing/2014/main" val="3766731972"/>
+                  </a:ext>
+                </a:extLst>
+              </a:tr>
+              <a:tr h="0">
+                <a:tc>
+                  <a:txBody>
+                    <a:bodyPr/>
+                    <a:lstStyle/>
+                    <a:p>
+                      <a:pPr marL="0" marR="0" lvl="0" indent="0" algn="ctr" defTabSz="3840480" rtl="0" eaLnBrk="1" fontAlgn="auto" latinLnBrk="0" hangingPunct="1">
+                        <a:lnSpc>
+                          <a:spcPct val="100000"/>
+                        </a:lnSpc>
+                        <a:spcBef>
+                          <a:spcPts val="0"/>
+                        </a:spcBef>
+                        <a:spcAft>
+                          <a:spcPts val="0"/>
+                        </a:spcAft>
+                        <a:buClrTx/>
+                        <a:buSzTx/>
+                        <a:buFontTx/>
+                        <a:buNone/>
+                        <a:tabLst/>
+                        <a:defRPr/>
+                      </a:pPr>
+                      <a:r>
+                        <a:rPr lang="en-US" sz="2600" dirty="0">
+                          <a:latin typeface="Open Sans" panose="020B0606030504020204" pitchFamily="34" charset="0"/>
+                          <a:ea typeface="Open Sans" panose="020B0606030504020204" pitchFamily="34" charset="0"/>
+                          <a:cs typeface="Open Sans" panose="020B0606030504020204" pitchFamily="34" charset="0"/>
+                        </a:rPr>
+                        <a:t>Business Closure</a:t>
+                      </a:r>
+                      <a:endParaRPr lang="en-SG" sz="2600" baseline="30000" dirty="0">
+                        <a:latin typeface="Open Sans" panose="020B0606030504020204" pitchFamily="34" charset="0"/>
+                        <a:ea typeface="Open Sans" panose="020B0606030504020204" pitchFamily="34" charset="0"/>
+                        <a:cs typeface="Open Sans" panose="020B0606030504020204" pitchFamily="34" charset="0"/>
+                      </a:endParaRPr>
+                    </a:p>
+                  </a:txBody>
+                  <a:tcPr anchor="ctr">
+                    <a:solidFill>
+                      <a:schemeClr val="bg1"/>
+                    </a:solidFill>
+                  </a:tcPr>
+                </a:tc>
+                <a:tc>
+                  <a:txBody>
+                    <a:bodyPr/>
+                    <a:lstStyle/>
+                    <a:p>
+                      <a:pPr algn="ctr"/>
+                      <a:r>
+                        <a:rPr lang="en-US" sz="2600" dirty="0">
+                          <a:latin typeface="Open Sans" panose="020B0606030504020204" pitchFamily="34" charset="0"/>
+                          <a:ea typeface="Open Sans" panose="020B0606030504020204" pitchFamily="34" charset="0"/>
+                          <a:cs typeface="Open Sans" panose="020B0606030504020204" pitchFamily="34" charset="0"/>
+                        </a:rPr>
+                        <a:t>0.067</a:t>
+                      </a:r>
+                      <a:endParaRPr lang="en-SG" sz="2600" dirty="0">
+                        <a:latin typeface="Open Sans" panose="020B0606030504020204" pitchFamily="34" charset="0"/>
+                        <a:ea typeface="Open Sans" panose="020B0606030504020204" pitchFamily="34" charset="0"/>
+                        <a:cs typeface="Open Sans" panose="020B0606030504020204" pitchFamily="34" charset="0"/>
+                      </a:endParaRPr>
+                    </a:p>
+                  </a:txBody>
+                  <a:tcPr anchor="ctr">
+                    <a:solidFill>
+                      <a:schemeClr val="bg1"/>
+                    </a:solidFill>
+                  </a:tcPr>
+                </a:tc>
+                <a:tc>
+                  <a:txBody>
+                    <a:bodyPr/>
+                    <a:lstStyle/>
+                    <a:p>
+                      <a:pPr marL="0" marR="0" lvl="0" indent="0" algn="ctr" defTabSz="3840480" rtl="0" eaLnBrk="1" fontAlgn="auto" latinLnBrk="0" hangingPunct="1">
+                        <a:lnSpc>
+                          <a:spcPct val="100000"/>
+                        </a:lnSpc>
+                        <a:spcBef>
+                          <a:spcPts val="0"/>
+                        </a:spcBef>
+                        <a:spcAft>
+                          <a:spcPts val="0"/>
+                        </a:spcAft>
+                        <a:buClrTx/>
+                        <a:buSzTx/>
+                        <a:buFontTx/>
+                        <a:buNone/>
+                        <a:tabLst/>
+                        <a:defRPr/>
+                      </a:pPr>
+                      <a:r>
+                        <a:rPr lang="en-US" sz="2600" baseline="0" dirty="0">
+                          <a:latin typeface="Open Sans" panose="020B0606030504020204" pitchFamily="34" charset="0"/>
+                          <a:ea typeface="Open Sans" panose="020B0606030504020204" pitchFamily="34" charset="0"/>
+                          <a:cs typeface="Open Sans" panose="020B0606030504020204" pitchFamily="34" charset="0"/>
+                        </a:rPr>
+                        <a:t>-0.001</a:t>
+                      </a:r>
+                      <a:endParaRPr lang="en-SG" sz="2600" baseline="0" dirty="0">
+                        <a:latin typeface="Open Sans" panose="020B0606030504020204" pitchFamily="34" charset="0"/>
+                        <a:ea typeface="Open Sans" panose="020B0606030504020204" pitchFamily="34" charset="0"/>
+                        <a:cs typeface="Open Sans" panose="020B0606030504020204" pitchFamily="34" charset="0"/>
+                      </a:endParaRPr>
+                    </a:p>
+                  </a:txBody>
+                  <a:tcPr anchor="ctr">
+                    <a:solidFill>
+                      <a:schemeClr val="bg1"/>
+                    </a:solidFill>
+                  </a:tcPr>
+                </a:tc>
+                <a:extLst>
+                  <a:ext uri="{0D108BD9-81ED-4DB2-BD59-A6C34878D82A}">
+                    <a16:rowId xmlns:a16="http://schemas.microsoft.com/office/drawing/2014/main" val="2770178215"/>
+                  </a:ext>
+                </a:extLst>
+              </a:tr>
+              <a:tr h="0">
+                <a:tc>
+                  <a:txBody>
+                    <a:bodyPr/>
+                    <a:lstStyle/>
+                    <a:p>
+                      <a:pPr marL="0" marR="0" lvl="0" indent="0" algn="ctr" defTabSz="3840480" rtl="0" eaLnBrk="1" fontAlgn="auto" latinLnBrk="0" hangingPunct="1">
+                        <a:lnSpc>
+                          <a:spcPct val="100000"/>
+                        </a:lnSpc>
+                        <a:spcBef>
+                          <a:spcPts val="0"/>
+                        </a:spcBef>
+                        <a:spcAft>
+                          <a:spcPts val="0"/>
+                        </a:spcAft>
+                        <a:buClrTx/>
+                        <a:buSzTx/>
+                        <a:buFontTx/>
+                        <a:buNone/>
+                        <a:tabLst/>
+                        <a:defRPr/>
+                      </a:pPr>
+                      <a:r>
+                        <a:rPr lang="en-US" sz="2600" baseline="0" dirty="0">
+                          <a:latin typeface="Open Sans" panose="020B0606030504020204" pitchFamily="34" charset="0"/>
+                          <a:ea typeface="Open Sans" panose="020B0606030504020204" pitchFamily="34" charset="0"/>
+                          <a:cs typeface="Open Sans" panose="020B0606030504020204" pitchFamily="34" charset="0"/>
+                        </a:rPr>
+                        <a:t>Facemask Mandate</a:t>
+                      </a:r>
+                      <a:endParaRPr lang="en-SG" sz="2600" baseline="0" dirty="0">
+                        <a:latin typeface="Open Sans" panose="020B0606030504020204" pitchFamily="34" charset="0"/>
+                        <a:ea typeface="Open Sans" panose="020B0606030504020204" pitchFamily="34" charset="0"/>
+                        <a:cs typeface="Open Sans" panose="020B0606030504020204" pitchFamily="34" charset="0"/>
+                      </a:endParaRPr>
+                    </a:p>
+                  </a:txBody>
+                  <a:tcPr anchor="ctr">
+                    <a:solidFill>
+                      <a:schemeClr val="bg1"/>
+                    </a:solidFill>
+                  </a:tcPr>
+                </a:tc>
+                <a:tc>
+                  <a:txBody>
+                    <a:bodyPr/>
+                    <a:lstStyle/>
+                    <a:p>
+                      <a:pPr algn="ctr"/>
+                      <a:r>
+                        <a:rPr lang="en-US" sz="2600" dirty="0">
+                          <a:latin typeface="Open Sans" panose="020B0606030504020204" pitchFamily="34" charset="0"/>
+                          <a:ea typeface="Open Sans" panose="020B0606030504020204" pitchFamily="34" charset="0"/>
+                          <a:cs typeface="Open Sans" panose="020B0606030504020204" pitchFamily="34" charset="0"/>
+                        </a:rPr>
+                        <a:t>0.088</a:t>
+                      </a:r>
+                      <a:endParaRPr lang="en-SG" sz="2600" dirty="0">
+                        <a:latin typeface="Open Sans" panose="020B0606030504020204" pitchFamily="34" charset="0"/>
+                        <a:ea typeface="Open Sans" panose="020B0606030504020204" pitchFamily="34" charset="0"/>
+                        <a:cs typeface="Open Sans" panose="020B0606030504020204" pitchFamily="34" charset="0"/>
+                      </a:endParaRPr>
+                    </a:p>
+                  </a:txBody>
+                  <a:tcPr anchor="ctr">
+                    <a:solidFill>
+                      <a:schemeClr val="bg1"/>
+                    </a:solidFill>
+                  </a:tcPr>
+                </a:tc>
+                <a:tc>
+                  <a:txBody>
+                    <a:bodyPr/>
+                    <a:lstStyle/>
+                    <a:p>
+                      <a:pPr marL="0" marR="0" lvl="0" indent="0" algn="ctr" defTabSz="3840480" rtl="0" eaLnBrk="1" fontAlgn="auto" latinLnBrk="0" hangingPunct="1">
+                        <a:lnSpc>
+                          <a:spcPct val="100000"/>
+                        </a:lnSpc>
+                        <a:spcBef>
+                          <a:spcPts val="0"/>
+                        </a:spcBef>
+                        <a:spcAft>
+                          <a:spcPts val="0"/>
+                        </a:spcAft>
+                        <a:buClrTx/>
+                        <a:buSzTx/>
+                        <a:buFontTx/>
+                        <a:buNone/>
+                        <a:tabLst/>
+                        <a:defRPr/>
+                      </a:pPr>
+                      <a:r>
+                        <a:rPr lang="en-US" sz="2600" baseline="0" dirty="0">
+                          <a:latin typeface="Open Sans" panose="020B0606030504020204" pitchFamily="34" charset="0"/>
+                          <a:ea typeface="Open Sans" panose="020B0606030504020204" pitchFamily="34" charset="0"/>
+                          <a:cs typeface="Open Sans" panose="020B0606030504020204" pitchFamily="34" charset="0"/>
+                        </a:rPr>
+                        <a:t>-0.001</a:t>
+                      </a:r>
+                      <a:endParaRPr lang="en-SG" sz="2600" baseline="0" dirty="0">
+                        <a:latin typeface="Open Sans" panose="020B0606030504020204" pitchFamily="34" charset="0"/>
+                        <a:ea typeface="Open Sans" panose="020B0606030504020204" pitchFamily="34" charset="0"/>
+                        <a:cs typeface="Open Sans" panose="020B0606030504020204" pitchFamily="34" charset="0"/>
+                      </a:endParaRPr>
+                    </a:p>
+                  </a:txBody>
+                  <a:tcPr anchor="ctr">
+                    <a:solidFill>
+                      <a:schemeClr val="bg1"/>
+                    </a:solidFill>
+                  </a:tcPr>
+                </a:tc>
+                <a:extLst>
+                  <a:ext uri="{0D108BD9-81ED-4DB2-BD59-A6C34878D82A}">
+                    <a16:rowId xmlns:a16="http://schemas.microsoft.com/office/drawing/2014/main" val="2934599880"/>
+                  </a:ext>
+                </a:extLst>
+              </a:tr>
+              <a:tr h="0">
+                <a:tc>
+                  <a:txBody>
+                    <a:bodyPr/>
+                    <a:lstStyle/>
+                    <a:p>
+                      <a:pPr marL="0" marR="0" lvl="0" indent="0" algn="ctr" defTabSz="3840480" rtl="0" eaLnBrk="1" fontAlgn="auto" latinLnBrk="0" hangingPunct="1">
+                        <a:lnSpc>
+                          <a:spcPct val="100000"/>
+                        </a:lnSpc>
+                        <a:spcBef>
+                          <a:spcPts val="0"/>
+                        </a:spcBef>
+                        <a:spcAft>
+                          <a:spcPts val="0"/>
+                        </a:spcAft>
+                        <a:buClrTx/>
+                        <a:buSzTx/>
+                        <a:buFontTx/>
+                        <a:buNone/>
+                        <a:tabLst/>
+                        <a:defRPr/>
+                      </a:pPr>
+                      <a:r>
+                        <a:rPr lang="en-US" sz="2600" baseline="0" dirty="0">
+                          <a:latin typeface="Open Sans" panose="020B0606030504020204" pitchFamily="34" charset="0"/>
+                          <a:ea typeface="Open Sans" panose="020B0606030504020204" pitchFamily="34" charset="0"/>
+                          <a:cs typeface="Open Sans" panose="020B0606030504020204" pitchFamily="34" charset="0"/>
+                        </a:rPr>
+                        <a:t>Quarantine Mandate</a:t>
+                      </a:r>
+                      <a:endParaRPr lang="en-SG" sz="2600" baseline="0" dirty="0">
+                        <a:latin typeface="Open Sans" panose="020B0606030504020204" pitchFamily="34" charset="0"/>
+                        <a:ea typeface="Open Sans" panose="020B0606030504020204" pitchFamily="34" charset="0"/>
+                        <a:cs typeface="Open Sans" panose="020B0606030504020204" pitchFamily="34" charset="0"/>
+                      </a:endParaRPr>
+                    </a:p>
+                  </a:txBody>
+                  <a:tcPr anchor="ctr">
+                    <a:solidFill>
+                      <a:schemeClr val="bg1"/>
+                    </a:solidFill>
+                  </a:tcPr>
+                </a:tc>
+                <a:tc>
+                  <a:txBody>
+                    <a:bodyPr/>
+                    <a:lstStyle/>
+                    <a:p>
+                      <a:pPr algn="ctr"/>
+                      <a:r>
+                        <a:rPr lang="en-US" sz="2600" dirty="0">
+                          <a:latin typeface="Open Sans" panose="020B0606030504020204" pitchFamily="34" charset="0"/>
+                          <a:ea typeface="Open Sans" panose="020B0606030504020204" pitchFamily="34" charset="0"/>
+                          <a:cs typeface="Open Sans" panose="020B0606030504020204" pitchFamily="34" charset="0"/>
+                        </a:rPr>
+                        <a:t>0.000</a:t>
+                      </a:r>
+                      <a:endParaRPr lang="en-SG" sz="2600" dirty="0">
+                        <a:latin typeface="Open Sans" panose="020B0606030504020204" pitchFamily="34" charset="0"/>
+                        <a:ea typeface="Open Sans" panose="020B0606030504020204" pitchFamily="34" charset="0"/>
+                        <a:cs typeface="Open Sans" panose="020B0606030504020204" pitchFamily="34" charset="0"/>
+                      </a:endParaRPr>
+                    </a:p>
+                  </a:txBody>
+                  <a:tcPr anchor="ctr">
+                    <a:solidFill>
+                      <a:schemeClr val="bg1"/>
+                    </a:solidFill>
+                  </a:tcPr>
+                </a:tc>
+                <a:tc>
+                  <a:txBody>
+                    <a:bodyPr/>
+                    <a:lstStyle/>
+                    <a:p>
+                      <a:pPr marL="0" marR="0" lvl="0" indent="0" algn="ctr" defTabSz="3840480" rtl="0" eaLnBrk="1" fontAlgn="auto" latinLnBrk="0" hangingPunct="1">
+                        <a:lnSpc>
+                          <a:spcPct val="100000"/>
+                        </a:lnSpc>
+                        <a:spcBef>
+                          <a:spcPts val="0"/>
+                        </a:spcBef>
+                        <a:spcAft>
+                          <a:spcPts val="0"/>
+                        </a:spcAft>
+                        <a:buClrTx/>
+                        <a:buSzTx/>
+                        <a:buFontTx/>
+                        <a:buNone/>
+                        <a:tabLst/>
+                        <a:defRPr/>
+                      </a:pPr>
+                      <a:r>
+                        <a:rPr lang="en-US" sz="2600" baseline="0" dirty="0">
+                          <a:latin typeface="Open Sans" panose="020B0606030504020204" pitchFamily="34" charset="0"/>
+                          <a:ea typeface="Open Sans" panose="020B0606030504020204" pitchFamily="34" charset="0"/>
+                          <a:cs typeface="Open Sans" panose="020B0606030504020204" pitchFamily="34" charset="0"/>
+                        </a:rPr>
+                        <a:t>-0.002</a:t>
+                      </a:r>
+                      <a:endParaRPr lang="en-SG" sz="2600" baseline="0" dirty="0">
+                        <a:latin typeface="Open Sans" panose="020B0606030504020204" pitchFamily="34" charset="0"/>
+                        <a:ea typeface="Open Sans" panose="020B0606030504020204" pitchFamily="34" charset="0"/>
+                        <a:cs typeface="Open Sans" panose="020B0606030504020204" pitchFamily="34" charset="0"/>
+                      </a:endParaRPr>
+                    </a:p>
+                  </a:txBody>
+                  <a:tcPr anchor="ctr">
+                    <a:solidFill>
+                      <a:schemeClr val="bg1"/>
+                    </a:solidFill>
+                  </a:tcPr>
+                </a:tc>
+                <a:extLst>
+                  <a:ext uri="{0D108BD9-81ED-4DB2-BD59-A6C34878D82A}">
+                    <a16:rowId xmlns:a16="http://schemas.microsoft.com/office/drawing/2014/main" val="544639709"/>
+                  </a:ext>
+                </a:extLst>
+              </a:tr>
+            </a:tbl>
+          </a:graphicData>
+        </a:graphic>
+      </p:graphicFrame>
+      <p:sp>
+        <p:nvSpPr>
+          <p:cNvPr id="54" name="TextBox 53">
+            <a:extLst>
+              <a:ext uri="{FF2B5EF4-FFF2-40B4-BE49-F238E27FC236}">
+                <a16:creationId xmlns:a16="http://schemas.microsoft.com/office/drawing/2014/main" id="{B8B54E3D-7B0D-48F9-AC74-6E6E89169827}"/>
+              </a:ext>
+            </a:extLst>
+          </p:cNvPr>
+          <p:cNvSpPr txBox="1"/>
+          <p:nvPr/>
+        </p:nvSpPr>
+        <p:spPr>
+          <a:xfrm>
+            <a:off x="12054814" y="25080876"/>
+            <a:ext cx="14330682" cy="3200876"/>
+          </a:xfrm>
+          <a:prstGeom prst="rect">
+            <a:avLst/>
+          </a:prstGeom>
+          <a:noFill/>
+        </p:spPr>
+        <p:txBody>
+          <a:bodyPr wrap="square">
+            <a:spAutoFit/>
+          </a:bodyPr>
+          <a:lstStyle/>
+          <a:p>
+            <a:pPr algn="just" rtl="0" fontAlgn="base">
+              <a:spcBef>
+                <a:spcPts val="0"/>
+              </a:spcBef>
+              <a:spcAft>
+                <a:spcPts val="1200"/>
+              </a:spcAft>
+            </a:pPr>
+            <a:r>
+              <a:rPr lang="en-US" sz="2600" b="0" i="0" u="none" strike="noStrike" dirty="0">
+                <a:solidFill>
+                  <a:schemeClr val="bg1"/>
+                </a:solidFill>
+                <a:effectLst/>
+                <a:latin typeface="Open Sans" panose="020B0606030504020204" pitchFamily="34" charset="0"/>
+                <a:ea typeface="Open Sans" panose="020B0606030504020204" pitchFamily="34" charset="0"/>
+                <a:cs typeface="Open Sans" panose="020B0606030504020204" pitchFamily="34" charset="0"/>
+              </a:rPr>
+              <a:t>A fixed effect model controls omitted variables in panel data that vary across entities/states (e.g. public health systems, political attitudes) or time (e.g. federal COVID-19 policy).</a:t>
+            </a:r>
+          </a:p>
+          <a:p>
+            <a:pPr algn="just" rtl="0" fontAlgn="base">
+              <a:spcBef>
+                <a:spcPts val="0"/>
+              </a:spcBef>
+              <a:spcAft>
+                <a:spcPts val="1200"/>
+              </a:spcAft>
+            </a:pPr>
+            <a:r>
+              <a:rPr lang="en-US" sz="2600" b="0" i="0" u="none" strike="noStrike" dirty="0">
+                <a:solidFill>
+                  <a:schemeClr val="bg1"/>
+                </a:solidFill>
+                <a:effectLst/>
+                <a:latin typeface="Open Sans" panose="020B0606030504020204" pitchFamily="34" charset="0"/>
+                <a:ea typeface="Open Sans" panose="020B0606030504020204" pitchFamily="34" charset="0"/>
+                <a:cs typeface="Open Sans" panose="020B0606030504020204" pitchFamily="34" charset="0"/>
+              </a:rPr>
+              <a:t>Including </a:t>
+            </a:r>
+            <a:r>
+              <a:rPr lang="en-US" sz="2600" b="1" i="0" u="none" strike="noStrike" dirty="0">
+                <a:solidFill>
+                  <a:schemeClr val="bg1"/>
+                </a:solidFill>
+                <a:effectLst/>
+                <a:latin typeface="Open Sans" panose="020B0606030504020204" pitchFamily="34" charset="0"/>
+                <a:ea typeface="Open Sans" panose="020B0606030504020204" pitchFamily="34" charset="0"/>
+                <a:cs typeface="Open Sans" panose="020B0606030504020204" pitchFamily="34" charset="0"/>
+              </a:rPr>
+              <a:t>entity-fixed effects </a:t>
+            </a:r>
+            <a:r>
+              <a:rPr lang="en-US" sz="2600" b="0" i="0" u="none" strike="noStrike" dirty="0">
+                <a:solidFill>
+                  <a:schemeClr val="bg1"/>
+                </a:solidFill>
+                <a:effectLst/>
+                <a:latin typeface="Open Sans" panose="020B0606030504020204" pitchFamily="34" charset="0"/>
+                <a:ea typeface="Open Sans" panose="020B0606030504020204" pitchFamily="34" charset="0"/>
+                <a:cs typeface="Open Sans" panose="020B0606030504020204" pitchFamily="34" charset="0"/>
+              </a:rPr>
+              <a:t>to </a:t>
+            </a:r>
+            <a:r>
+              <a:rPr lang="en-US" sz="2600" dirty="0">
+                <a:solidFill>
+                  <a:schemeClr val="bg1"/>
+                </a:solidFill>
+                <a:latin typeface="Open Sans" panose="020B0606030504020204" pitchFamily="34" charset="0"/>
+                <a:ea typeface="Open Sans" panose="020B0606030504020204" pitchFamily="34" charset="0"/>
+                <a:cs typeface="Open Sans" panose="020B0606030504020204" pitchFamily="34" charset="0"/>
+              </a:rPr>
+              <a:t>Model 3 gives an </a:t>
+            </a:r>
+            <a:r>
+              <a:rPr lang="en-US" sz="2600" b="1" dirty="0">
+                <a:solidFill>
+                  <a:schemeClr val="bg1"/>
+                </a:solidFill>
+                <a:latin typeface="Open Sans" panose="020B0606030504020204" pitchFamily="34" charset="0"/>
+                <a:ea typeface="Open Sans" panose="020B0606030504020204" pitchFamily="34" charset="0"/>
+                <a:cs typeface="Open Sans" panose="020B0606030504020204" pitchFamily="34" charset="0"/>
+              </a:rPr>
+              <a:t>R</a:t>
+            </a:r>
+            <a:r>
+              <a:rPr lang="en-US" sz="2600" b="1" baseline="30000" dirty="0">
+                <a:solidFill>
+                  <a:schemeClr val="bg1"/>
+                </a:solidFill>
+                <a:latin typeface="Open Sans" panose="020B0606030504020204" pitchFamily="34" charset="0"/>
+                <a:ea typeface="Open Sans" panose="020B0606030504020204" pitchFamily="34" charset="0"/>
+                <a:cs typeface="Open Sans" panose="020B0606030504020204" pitchFamily="34" charset="0"/>
+              </a:rPr>
+              <a:t>2</a:t>
+            </a:r>
+            <a:r>
+              <a:rPr lang="en-US" sz="2600" b="1" dirty="0">
+                <a:solidFill>
+                  <a:schemeClr val="bg1"/>
+                </a:solidFill>
+                <a:latin typeface="Open Sans" panose="020B0606030504020204" pitchFamily="34" charset="0"/>
+                <a:ea typeface="Open Sans" panose="020B0606030504020204" pitchFamily="34" charset="0"/>
+                <a:cs typeface="Open Sans" panose="020B0606030504020204" pitchFamily="34" charset="0"/>
+              </a:rPr>
+              <a:t> of 0.274,</a:t>
+            </a:r>
+            <a:r>
+              <a:rPr lang="en-US" sz="2600" dirty="0">
+                <a:solidFill>
+                  <a:schemeClr val="bg1"/>
+                </a:solidFill>
+                <a:latin typeface="Open Sans" panose="020B0606030504020204" pitchFamily="34" charset="0"/>
+                <a:ea typeface="Open Sans" panose="020B0606030504020204" pitchFamily="34" charset="0"/>
+                <a:cs typeface="Open Sans" panose="020B0606030504020204" pitchFamily="34" charset="0"/>
+              </a:rPr>
+              <a:t> but weighted p.c. arrivals is no longer significantly correlated with p.c. cases (</a:t>
+            </a:r>
+            <a:r>
+              <a:rPr lang="en-US" sz="2600" b="1" dirty="0">
+                <a:solidFill>
+                  <a:schemeClr val="bg1"/>
+                </a:solidFill>
+                <a:latin typeface="Open Sans" panose="020B0606030504020204" pitchFamily="34" charset="0"/>
+                <a:ea typeface="Open Sans" panose="020B0606030504020204" pitchFamily="34" charset="0"/>
+                <a:cs typeface="Open Sans" panose="020B0606030504020204" pitchFamily="34" charset="0"/>
+              </a:rPr>
+              <a:t>p-value 0.469</a:t>
+            </a:r>
+            <a:r>
+              <a:rPr lang="en-US" sz="2600" dirty="0">
+                <a:solidFill>
+                  <a:schemeClr val="bg1"/>
+                </a:solidFill>
+                <a:latin typeface="Open Sans" panose="020B0606030504020204" pitchFamily="34" charset="0"/>
+                <a:ea typeface="Open Sans" panose="020B0606030504020204" pitchFamily="34" charset="0"/>
+                <a:cs typeface="Open Sans" panose="020B0606030504020204" pitchFamily="34" charset="0"/>
+              </a:rPr>
+              <a:t>). Adding </a:t>
+            </a:r>
+            <a:r>
+              <a:rPr lang="en-US" sz="2600" b="1" dirty="0">
+                <a:solidFill>
+                  <a:schemeClr val="bg1"/>
+                </a:solidFill>
+                <a:latin typeface="Open Sans" panose="020B0606030504020204" pitchFamily="34" charset="0"/>
+                <a:ea typeface="Open Sans" panose="020B0606030504020204" pitchFamily="34" charset="0"/>
+                <a:cs typeface="Open Sans" panose="020B0606030504020204" pitchFamily="34" charset="0"/>
+              </a:rPr>
+              <a:t>time-fixed effects</a:t>
+            </a:r>
+            <a:r>
+              <a:rPr lang="en-US" sz="2600" dirty="0">
+                <a:solidFill>
+                  <a:schemeClr val="bg1"/>
+                </a:solidFill>
+                <a:latin typeface="Open Sans" panose="020B0606030504020204" pitchFamily="34" charset="0"/>
+                <a:ea typeface="Open Sans" panose="020B0606030504020204" pitchFamily="34" charset="0"/>
+                <a:cs typeface="Open Sans" panose="020B0606030504020204" pitchFamily="34" charset="0"/>
+              </a:rPr>
+              <a:t> too does not change the variables’ coefficients or p-values, but gives a lower </a:t>
+            </a:r>
+            <a:r>
+              <a:rPr lang="en-US" sz="2600" b="1" dirty="0">
+                <a:solidFill>
+                  <a:schemeClr val="bg1"/>
+                </a:solidFill>
+                <a:latin typeface="Open Sans" panose="020B0606030504020204" pitchFamily="34" charset="0"/>
+                <a:ea typeface="Open Sans" panose="020B0606030504020204" pitchFamily="34" charset="0"/>
+                <a:cs typeface="Open Sans" panose="020B0606030504020204" pitchFamily="34" charset="0"/>
+              </a:rPr>
+              <a:t>R</a:t>
+            </a:r>
+            <a:r>
+              <a:rPr lang="en-US" sz="2600" b="1" baseline="30000" dirty="0">
+                <a:solidFill>
+                  <a:schemeClr val="bg1"/>
+                </a:solidFill>
+                <a:latin typeface="Open Sans" panose="020B0606030504020204" pitchFamily="34" charset="0"/>
+                <a:ea typeface="Open Sans" panose="020B0606030504020204" pitchFamily="34" charset="0"/>
+                <a:cs typeface="Open Sans" panose="020B0606030504020204" pitchFamily="34" charset="0"/>
+              </a:rPr>
+              <a:t>2</a:t>
+            </a:r>
+            <a:r>
+              <a:rPr lang="en-US" sz="2600" b="1" dirty="0">
+                <a:solidFill>
+                  <a:schemeClr val="bg1"/>
+                </a:solidFill>
+                <a:latin typeface="Open Sans" panose="020B0606030504020204" pitchFamily="34" charset="0"/>
+                <a:ea typeface="Open Sans" panose="020B0606030504020204" pitchFamily="34" charset="0"/>
+                <a:cs typeface="Open Sans" panose="020B0606030504020204" pitchFamily="34" charset="0"/>
+              </a:rPr>
+              <a:t> of 0.0343</a:t>
+            </a:r>
+            <a:r>
+              <a:rPr lang="en-US" sz="2600" dirty="0">
+                <a:solidFill>
+                  <a:schemeClr val="bg1"/>
+                </a:solidFill>
+                <a:latin typeface="Open Sans" panose="020B0606030504020204" pitchFamily="34" charset="0"/>
+                <a:ea typeface="Open Sans" panose="020B0606030504020204" pitchFamily="34" charset="0"/>
+                <a:cs typeface="Open Sans" panose="020B0606030504020204" pitchFamily="34" charset="0"/>
+              </a:rPr>
+              <a:t>.</a:t>
+            </a:r>
+          </a:p>
+          <a:p>
+            <a:pPr algn="just" rtl="0" fontAlgn="base">
+              <a:spcBef>
+                <a:spcPts val="0"/>
+              </a:spcBef>
+              <a:spcAft>
+                <a:spcPts val="1200"/>
+              </a:spcAft>
+            </a:pPr>
+            <a:r>
+              <a:rPr lang="en-US" sz="2600" b="0" i="0" u="none" strike="noStrike" dirty="0">
+                <a:solidFill>
+                  <a:schemeClr val="bg1"/>
+                </a:solidFill>
+                <a:effectLst/>
+                <a:latin typeface="Open Sans" panose="020B0606030504020204" pitchFamily="34" charset="0"/>
+                <a:ea typeface="Open Sans" panose="020B0606030504020204" pitchFamily="34" charset="0"/>
+                <a:cs typeface="Open Sans" panose="020B0606030504020204" pitchFamily="34" charset="0"/>
+              </a:rPr>
+              <a:t>The results indicate that there is omitted variable bias from unobserved variables that vary across states but not time, but not from those constant across states that change with time. </a:t>
+            </a:r>
+          </a:p>
+        </p:txBody>
+      </p:sp>
+      <p:sp>
+        <p:nvSpPr>
+          <p:cNvPr id="55" name="TextBox 54">
+            <a:extLst>
+              <a:ext uri="{FF2B5EF4-FFF2-40B4-BE49-F238E27FC236}">
+                <a16:creationId xmlns:a16="http://schemas.microsoft.com/office/drawing/2014/main" id="{F1540D67-A5D6-4C1B-9C73-B84C088CEFA4}"/>
+              </a:ext>
+            </a:extLst>
+          </p:cNvPr>
+          <p:cNvSpPr txBox="1"/>
+          <p:nvPr/>
+        </p:nvSpPr>
+        <p:spPr>
+          <a:xfrm>
+            <a:off x="27614301" y="12745378"/>
+            <a:ext cx="9869145" cy="2893100"/>
+          </a:xfrm>
+          <a:prstGeom prst="rect">
+            <a:avLst/>
+          </a:prstGeom>
+          <a:noFill/>
+        </p:spPr>
+        <p:txBody>
+          <a:bodyPr wrap="square" rtlCol="0">
+            <a:spAutoFit/>
+          </a:bodyPr>
+          <a:lstStyle/>
+          <a:p>
+            <a:pPr algn="just">
+              <a:spcAft>
+                <a:spcPts val="1200"/>
+              </a:spcAft>
+            </a:pPr>
+            <a:r>
+              <a:rPr lang="en-US" sz="2600" dirty="0">
+                <a:solidFill>
+                  <a:schemeClr val="bg1"/>
+                </a:solidFill>
+                <a:latin typeface="Open Sans" panose="020B0606030504020204" pitchFamily="34" charset="0"/>
+                <a:ea typeface="Open Sans" panose="020B0606030504020204" pitchFamily="34" charset="0"/>
+                <a:cs typeface="Open Sans" panose="020B0606030504020204" pitchFamily="34" charset="0"/>
+              </a:rPr>
+              <a:t>Given the geographical nature of the data, a map provides a useful visualization that allows us to compare across different states at one glance and more intuitively understand the relationship between arrivals and COVID-19 cases. The map supports the results of our statistical tests by showing  that there is some positive correlation between the independent and dependent variables, </a:t>
+            </a:r>
+            <a:r>
+              <a:rPr lang="en-US" sz="2600">
+                <a:solidFill>
+                  <a:schemeClr val="bg1"/>
+                </a:solidFill>
+                <a:latin typeface="Open Sans" panose="020B0606030504020204" pitchFamily="34" charset="0"/>
+                <a:ea typeface="Open Sans" panose="020B0606030504020204" pitchFamily="34" charset="0"/>
+                <a:cs typeface="Open Sans" panose="020B0606030504020204" pitchFamily="34" charset="0"/>
+              </a:rPr>
+              <a:t>but it </a:t>
+            </a:r>
+            <a:r>
+              <a:rPr lang="en-US" sz="2600" dirty="0">
+                <a:solidFill>
+                  <a:schemeClr val="bg1"/>
+                </a:solidFill>
+                <a:latin typeface="Open Sans" panose="020B0606030504020204" pitchFamily="34" charset="0"/>
+                <a:ea typeface="Open Sans" panose="020B0606030504020204" pitchFamily="34" charset="0"/>
+                <a:cs typeface="Open Sans" panose="020B0606030504020204" pitchFamily="34" charset="0"/>
+              </a:rPr>
+              <a:t>is limited. </a:t>
+            </a:r>
+          </a:p>
+        </p:txBody>
+      </p:sp>
+      <p:pic>
+        <p:nvPicPr>
+          <p:cNvPr id="24" name="Picture 23">
+            <a:extLst>
+              <a:ext uri="{FF2B5EF4-FFF2-40B4-BE49-F238E27FC236}">
+                <a16:creationId xmlns:a16="http://schemas.microsoft.com/office/drawing/2014/main" id="{2FAA1B83-B5FA-4936-B6C3-9BAD6EC8A244}"/>
               </a:ext>
             </a:extLst>
           </p:cNvPr>
@@ -5356,20 +8133,634 @@
           </p:cNvPicPr>
           <p:nvPr/>
         </p:nvPicPr>
+        <p:blipFill rotWithShape="1">
+          <a:blip r:embed="rId6"/>
+          <a:srcRect t="1859" b="23571"/>
+          <a:stretch/>
+        </p:blipFill>
+        <p:spPr>
+          <a:xfrm>
+            <a:off x="28089388" y="4075457"/>
+            <a:ext cx="8918970" cy="8607163"/>
+          </a:xfrm>
+          <a:prstGeom prst="rect">
+            <a:avLst/>
+          </a:prstGeom>
+          <a:solidFill>
+            <a:schemeClr val="bg1"/>
+          </a:solidFill>
+        </p:spPr>
+      </p:pic>
+      <p:sp>
+        <p:nvSpPr>
+          <p:cNvPr id="59" name="TextBox 58">
+            <a:extLst>
+              <a:ext uri="{FF2B5EF4-FFF2-40B4-BE49-F238E27FC236}">
+                <a16:creationId xmlns:a16="http://schemas.microsoft.com/office/drawing/2014/main" id="{0A2CD3AE-2438-4FA0-98BA-829156778726}"/>
+              </a:ext>
+            </a:extLst>
+          </p:cNvPr>
+          <p:cNvSpPr txBox="1"/>
+          <p:nvPr/>
+        </p:nvSpPr>
+        <p:spPr>
+          <a:xfrm>
+            <a:off x="27614301" y="16781934"/>
+            <a:ext cx="9869145" cy="5355312"/>
+          </a:xfrm>
+          <a:prstGeom prst="rect">
+            <a:avLst/>
+          </a:prstGeom>
+          <a:noFill/>
+        </p:spPr>
+        <p:txBody>
+          <a:bodyPr wrap="square">
+            <a:spAutoFit/>
+          </a:bodyPr>
+          <a:lstStyle/>
+          <a:p>
+            <a:pPr marL="457200" indent="-457200" algn="just">
+              <a:spcAft>
+                <a:spcPts val="1200"/>
+              </a:spcAft>
+              <a:buFont typeface="Arial" panose="020B0604020202020204" pitchFamily="34" charset="0"/>
+              <a:buChar char="•"/>
+            </a:pPr>
+            <a:r>
+              <a:rPr lang="en-US" sz="2600" b="0" i="0" u="none" strike="noStrike" dirty="0">
+                <a:solidFill>
+                  <a:schemeClr val="bg1"/>
+                </a:solidFill>
+                <a:effectLst/>
+                <a:latin typeface="Open Sans" panose="020B0606030504020204" pitchFamily="34" charset="0"/>
+                <a:ea typeface="Open Sans" panose="020B0606030504020204" pitchFamily="34" charset="0"/>
+                <a:cs typeface="Open Sans" panose="020B0606030504020204" pitchFamily="34" charset="0"/>
+              </a:rPr>
+              <a:t>There is a statistically-significant positive correlation between air passenger arrivals and new COVID-19 cases, although the independent variable explains only a small proportion of the variance in the independent variable. </a:t>
+            </a:r>
+          </a:p>
+          <a:p>
+            <a:pPr marL="457200" indent="-457200" algn="just">
+              <a:spcAft>
+                <a:spcPts val="1200"/>
+              </a:spcAft>
+              <a:buFont typeface="Arial" panose="020B0604020202020204" pitchFamily="34" charset="0"/>
+              <a:buChar char="•"/>
+            </a:pPr>
+            <a:r>
+              <a:rPr lang="en-US" sz="2600" b="0" i="0" u="none" strike="noStrike" dirty="0">
+                <a:solidFill>
+                  <a:schemeClr val="bg1"/>
+                </a:solidFill>
+                <a:effectLst/>
+                <a:latin typeface="Open Sans" panose="020B0606030504020204" pitchFamily="34" charset="0"/>
+                <a:ea typeface="Open Sans" panose="020B0606030504020204" pitchFamily="34" charset="0"/>
+                <a:cs typeface="Open Sans" panose="020B0606030504020204" pitchFamily="34" charset="0"/>
+              </a:rPr>
+              <a:t>The relationship between domestic air passenger arrivals and new COVID-19 cases is likel</a:t>
+            </a:r>
+            <a:r>
+              <a:rPr lang="en-US" sz="2600" dirty="0">
+                <a:solidFill>
+                  <a:schemeClr val="bg1"/>
+                </a:solidFill>
+                <a:latin typeface="Open Sans" panose="020B0606030504020204" pitchFamily="34" charset="0"/>
+                <a:ea typeface="Open Sans" panose="020B0606030504020204" pitchFamily="34" charset="0"/>
+                <a:cs typeface="Open Sans" panose="020B0606030504020204" pitchFamily="34" charset="0"/>
+              </a:rPr>
+              <a:t>y polynomial and not linear.</a:t>
+            </a:r>
+          </a:p>
+          <a:p>
+            <a:pPr marL="457200" indent="-457200" algn="just">
+              <a:spcAft>
+                <a:spcPts val="1200"/>
+              </a:spcAft>
+              <a:buFont typeface="Arial" panose="020B0604020202020204" pitchFamily="34" charset="0"/>
+              <a:buChar char="•"/>
+            </a:pPr>
+            <a:r>
+              <a:rPr lang="en-US" sz="2600" dirty="0">
+                <a:solidFill>
+                  <a:schemeClr val="bg1"/>
+                </a:solidFill>
+                <a:latin typeface="Open Sans" panose="020B0606030504020204" pitchFamily="34" charset="0"/>
+                <a:ea typeface="Open Sans" panose="020B0606030504020204" pitchFamily="34" charset="0"/>
+                <a:cs typeface="Open Sans" panose="020B0606030504020204" pitchFamily="34" charset="0"/>
+              </a:rPr>
+              <a:t>Social distancing policies are negatively correlated with COVID-19 cases, but are not the only omitted variables that vary across states.  </a:t>
+            </a:r>
+          </a:p>
+          <a:p>
+            <a:pPr marL="457200" indent="-457200" algn="just">
+              <a:spcAft>
+                <a:spcPts val="1200"/>
+              </a:spcAft>
+              <a:buFont typeface="Arial" panose="020B0604020202020204" pitchFamily="34" charset="0"/>
+              <a:buChar char="•"/>
+            </a:pPr>
+            <a:r>
+              <a:rPr lang="en-US" sz="2600" dirty="0">
+                <a:solidFill>
+                  <a:schemeClr val="bg1"/>
+                </a:solidFill>
+                <a:latin typeface="Open Sans" panose="020B0606030504020204" pitchFamily="34" charset="0"/>
+                <a:ea typeface="Open Sans" panose="020B0606030504020204" pitchFamily="34" charset="0"/>
+                <a:cs typeface="Open Sans" panose="020B0606030504020204" pitchFamily="34" charset="0"/>
+              </a:rPr>
+              <a:t>More variables that are neither entity- nor time-fixed are needed as controls to understand the true relationship between air passenger arrivals and COVID-19 cases.</a:t>
+            </a:r>
+          </a:p>
+        </p:txBody>
+      </p:sp>
+      <p:sp>
+        <p:nvSpPr>
+          <p:cNvPr id="62" name="TextBox 61">
+            <a:extLst>
+              <a:ext uri="{FF2B5EF4-FFF2-40B4-BE49-F238E27FC236}">
+                <a16:creationId xmlns:a16="http://schemas.microsoft.com/office/drawing/2014/main" id="{DB0A1367-AEBD-480A-AF35-D815F0989604}"/>
+              </a:ext>
+            </a:extLst>
+          </p:cNvPr>
+          <p:cNvSpPr txBox="1"/>
+          <p:nvPr/>
+        </p:nvSpPr>
+        <p:spPr>
+          <a:xfrm>
+            <a:off x="27614301" y="23480438"/>
+            <a:ext cx="9869145" cy="4801314"/>
+          </a:xfrm>
+          <a:prstGeom prst="rect">
+            <a:avLst/>
+          </a:prstGeom>
+          <a:noFill/>
+        </p:spPr>
+        <p:txBody>
+          <a:bodyPr wrap="square" rtlCol="0">
+            <a:spAutoFit/>
+          </a:bodyPr>
+          <a:lstStyle/>
+          <a:p>
+            <a:pPr marL="457200" indent="-457200" algn="just">
+              <a:spcAft>
+                <a:spcPts val="1200"/>
+              </a:spcAft>
+              <a:buFont typeface="Arial" panose="020B0604020202020204" pitchFamily="34" charset="0"/>
+              <a:buChar char="•"/>
+            </a:pPr>
+            <a:r>
+              <a:rPr lang="en-US" sz="2600" dirty="0">
+                <a:solidFill>
+                  <a:schemeClr val="bg1"/>
+                </a:solidFill>
+                <a:latin typeface="Open Sans" panose="020B0606030504020204" pitchFamily="34" charset="0"/>
+                <a:ea typeface="Open Sans" panose="020B0606030504020204" pitchFamily="34" charset="0"/>
+                <a:cs typeface="Open Sans" panose="020B0606030504020204" pitchFamily="34" charset="0"/>
+              </a:rPr>
+              <a:t>Due to its proprietary nature, data from the USDOT is available only by month or quarter, limiting the resolution of our analysis. More granular data will allow for a more precise analysis of the relationship.</a:t>
+            </a:r>
+          </a:p>
+          <a:p>
+            <a:pPr marL="457200" indent="-457200" algn="just">
+              <a:spcAft>
+                <a:spcPts val="1200"/>
+              </a:spcAft>
+              <a:buFont typeface="Arial" panose="020B0604020202020204" pitchFamily="34" charset="0"/>
+              <a:buChar char="•"/>
+            </a:pPr>
+            <a:r>
+              <a:rPr lang="en-SG" sz="2600" dirty="0">
+                <a:solidFill>
+                  <a:schemeClr val="bg1"/>
+                </a:solidFill>
+                <a:latin typeface="Open Sans" panose="020B0606030504020204" pitchFamily="34" charset="0"/>
+                <a:ea typeface="Open Sans" panose="020B0606030504020204" pitchFamily="34" charset="0"/>
+                <a:cs typeface="Open Sans" panose="020B0606030504020204" pitchFamily="34" charset="0"/>
+              </a:rPr>
+              <a:t>There is likely simultaneous causality where air passenger arrivals affect COVID-19 cases, and vice versa. Instrumental variable regression can allow us to eliminate the bias.</a:t>
+            </a:r>
+          </a:p>
+          <a:p>
+            <a:pPr marL="457200" indent="-457200" algn="just">
+              <a:spcAft>
+                <a:spcPts val="1200"/>
+              </a:spcAft>
+              <a:buFont typeface="Arial" panose="020B0604020202020204" pitchFamily="34" charset="0"/>
+              <a:buChar char="•"/>
+            </a:pPr>
+            <a:r>
+              <a:rPr lang="en-SG" sz="2600" dirty="0">
+                <a:solidFill>
+                  <a:schemeClr val="bg1"/>
+                </a:solidFill>
+                <a:latin typeface="Open Sans" panose="020B0606030504020204" pitchFamily="34" charset="0"/>
+                <a:ea typeface="Open Sans" panose="020B0606030504020204" pitchFamily="34" charset="0"/>
+                <a:cs typeface="Open Sans" panose="020B0606030504020204" pitchFamily="34" charset="0"/>
+              </a:rPr>
+              <a:t>As an extension, the relationship between international flight volumes and COVID-19 cases can be explored. Stricter international travel restrictions may mean that flights have a greater impact on the cross border spread of COVID-19.</a:t>
+            </a:r>
+          </a:p>
+        </p:txBody>
+      </p:sp>
+      <p:sp>
+        <p:nvSpPr>
+          <p:cNvPr id="36" name="Rectangle: Rounded Corners 35">
+            <a:extLst>
+              <a:ext uri="{FF2B5EF4-FFF2-40B4-BE49-F238E27FC236}">
+                <a16:creationId xmlns:a16="http://schemas.microsoft.com/office/drawing/2014/main" id="{4E917EEF-C4F6-4339-9B39-F667BB105924}"/>
+              </a:ext>
+            </a:extLst>
+          </p:cNvPr>
+          <p:cNvSpPr/>
+          <p:nvPr/>
+        </p:nvSpPr>
+        <p:spPr>
+          <a:xfrm>
+            <a:off x="1230327" y="859015"/>
+            <a:ext cx="5870863" cy="1058509"/>
+          </a:xfrm>
+          <a:prstGeom prst="roundRect">
+            <a:avLst>
+              <a:gd name="adj" fmla="val 24019"/>
+            </a:avLst>
+          </a:prstGeom>
+          <a:solidFill>
+            <a:srgbClr val="FFFFFF">
+              <a:alpha val="50196"/>
+            </a:srgbClr>
+          </a:solidFill>
+        </p:spPr>
+        <p:style>
+          <a:lnRef idx="2">
+            <a:schemeClr val="dk1"/>
+          </a:lnRef>
+          <a:fillRef idx="1">
+            <a:schemeClr val="lt1"/>
+          </a:fillRef>
+          <a:effectRef idx="0">
+            <a:schemeClr val="dk1"/>
+          </a:effectRef>
+          <a:fontRef idx="minor">
+            <a:schemeClr val="dk1"/>
+          </a:fontRef>
+        </p:style>
+        <p:txBody>
+          <a:bodyPr rtlCol="0" anchor="ctr"/>
+          <a:lstStyle/>
+          <a:p>
+            <a:pPr algn="ctr"/>
+            <a:endParaRPr lang="en-SG"/>
+          </a:p>
+        </p:txBody>
+      </p:sp>
+      <p:sp>
+        <p:nvSpPr>
+          <p:cNvPr id="37" name="Rectangle: Rounded Corners 36">
+            <a:extLst>
+              <a:ext uri="{FF2B5EF4-FFF2-40B4-BE49-F238E27FC236}">
+                <a16:creationId xmlns:a16="http://schemas.microsoft.com/office/drawing/2014/main" id="{B379DA25-EB4E-40A7-B48C-7A1F211E3BB4}"/>
+              </a:ext>
+            </a:extLst>
+          </p:cNvPr>
+          <p:cNvSpPr/>
+          <p:nvPr/>
+        </p:nvSpPr>
+        <p:spPr>
+          <a:xfrm>
+            <a:off x="1230327" y="859015"/>
+            <a:ext cx="1792005" cy="1058509"/>
+          </a:xfrm>
+          <a:prstGeom prst="roundRect">
+            <a:avLst>
+              <a:gd name="adj" fmla="val 24019"/>
+            </a:avLst>
+          </a:prstGeom>
+          <a:gradFill flip="none" rotWithShape="1">
+            <a:gsLst>
+              <a:gs pos="0">
+                <a:srgbClr val="A10027"/>
+              </a:gs>
+              <a:gs pos="100000">
+                <a:srgbClr val="530014"/>
+              </a:gs>
+            </a:gsLst>
+            <a:lin ang="5400000" scaled="1"/>
+            <a:tileRect/>
+          </a:gradFill>
+          <a:ln w="28575"/>
+        </p:spPr>
+        <p:style>
+          <a:lnRef idx="2">
+            <a:schemeClr val="dk1"/>
+          </a:lnRef>
+          <a:fillRef idx="1">
+            <a:schemeClr val="lt1"/>
+          </a:fillRef>
+          <a:effectRef idx="0">
+            <a:schemeClr val="dk1"/>
+          </a:effectRef>
+          <a:fontRef idx="minor">
+            <a:schemeClr val="dk1"/>
+          </a:fontRef>
+        </p:style>
+        <p:txBody>
+          <a:bodyPr rtlCol="0" anchor="ctr"/>
+          <a:lstStyle/>
+          <a:p>
+            <a:pPr algn="ctr"/>
+            <a:endParaRPr lang="en-SG">
+              <a:ln w="3175">
+                <a:solidFill>
+                  <a:schemeClr val="tx1"/>
+                </a:solidFill>
+              </a:ln>
+            </a:endParaRPr>
+          </a:p>
+        </p:txBody>
+      </p:sp>
+      <p:pic>
+        <p:nvPicPr>
+          <p:cNvPr id="1034" name="Picture 10" descr="DNA PNG">
+            <a:extLst>
+              <a:ext uri="{FF2B5EF4-FFF2-40B4-BE49-F238E27FC236}">
+                <a16:creationId xmlns:a16="http://schemas.microsoft.com/office/drawing/2014/main" id="{B067E9B2-6766-4CD3-9A63-B2BB87F04C29}"/>
+              </a:ext>
+            </a:extLst>
+          </p:cNvPr>
+          <p:cNvPicPr>
+            <a:picLocks noChangeAspect="1" noChangeArrowheads="1"/>
+          </p:cNvPicPr>
+          <p:nvPr/>
+        </p:nvPicPr>
         <p:blipFill>
-          <a:blip r:embed="rId7"/>
+          <a:blip r:embed="rId7">
+            <a:extLst>
+              <a:ext uri="{BEBA8EAE-BF5A-486C-A8C5-ECC9F3942E4B}">
+                <a14:imgProps xmlns:a14="http://schemas.microsoft.com/office/drawing/2010/main">
+                  <a14:imgLayer r:embed="rId8">
+                    <a14:imgEffect>
+                      <a14:colorTemperature colorTemp="1500"/>
+                    </a14:imgEffect>
+                    <a14:imgEffect>
+                      <a14:saturation sat="0"/>
+                    </a14:imgEffect>
+                    <a14:imgEffect>
+                      <a14:brightnessContrast bright="100000" contrast="100000"/>
+                    </a14:imgEffect>
+                  </a14:imgLayer>
+                </a14:imgProps>
+              </a:ext>
+              <a:ext uri="{28A0092B-C50C-407E-A947-70E740481C1C}">
+                <a14:useLocalDpi xmlns:a14="http://schemas.microsoft.com/office/drawing/2010/main" val="0"/>
+              </a:ext>
+            </a:extLst>
+          </a:blip>
+          <a:srcRect/>
           <a:stretch>
             <a:fillRect/>
           </a:stretch>
         </p:blipFill>
-        <p:spPr>
+        <p:spPr bwMode="auto">
           <a:xfrm>
-            <a:off x="27604015" y="4122149"/>
-            <a:ext cx="9877747" cy="9893887"/>
+            <a:off x="1430848" y="1073790"/>
+            <a:ext cx="628958" cy="628958"/>
           </a:xfrm>
           <a:prstGeom prst="rect">
             <a:avLst/>
           </a:prstGeom>
+          <a:noFill/>
+          <a:extLst>
+            <a:ext uri="{909E8E84-426E-40DD-AFC4-6F175D3DCCD1}">
+              <a14:hiddenFill xmlns:a14="http://schemas.microsoft.com/office/drawing/2010/main">
+                <a:solidFill>
+                  <a:srgbClr val="FFFFFF"/>
+                </a:solidFill>
+              </a14:hiddenFill>
+            </a:ext>
+          </a:extLst>
+        </p:spPr>
+      </p:pic>
+      <p:sp>
+        <p:nvSpPr>
+          <p:cNvPr id="39" name="TextBox 38">
+            <a:extLst>
+              <a:ext uri="{FF2B5EF4-FFF2-40B4-BE49-F238E27FC236}">
+                <a16:creationId xmlns:a16="http://schemas.microsoft.com/office/drawing/2014/main" id="{ABCB5D20-CA64-4EE0-90F6-C0C7230F4660}"/>
+              </a:ext>
+            </a:extLst>
+          </p:cNvPr>
+          <p:cNvSpPr txBox="1"/>
+          <p:nvPr/>
+        </p:nvSpPr>
+        <p:spPr>
+          <a:xfrm>
+            <a:off x="2142013" y="1065104"/>
+            <a:ext cx="5419433" cy="646331"/>
+          </a:xfrm>
+          <a:prstGeom prst="rect">
+            <a:avLst/>
+          </a:prstGeom>
+          <a:noFill/>
+        </p:spPr>
+        <p:txBody>
+          <a:bodyPr wrap="square" rtlCol="0">
+            <a:spAutoFit/>
+          </a:bodyPr>
+          <a:lstStyle/>
+          <a:p>
+            <a:pPr algn="just"/>
+            <a:r>
+              <a:rPr lang="en-US" sz="3600" dirty="0">
+                <a:solidFill>
+                  <a:schemeClr val="bg1"/>
+                </a:solidFill>
+                <a:latin typeface="Open Sans" panose="020B0606030504020204" pitchFamily="34" charset="0"/>
+                <a:ea typeface="Open Sans" panose="020B0606030504020204" pitchFamily="34" charset="0"/>
+                <a:cs typeface="Open Sans" panose="020B0606030504020204" pitchFamily="34" charset="0"/>
+              </a:rPr>
+              <a:t>DNA                          20</a:t>
+            </a:r>
+            <a:endParaRPr lang="en-SG" sz="3600" dirty="0">
+              <a:solidFill>
+                <a:schemeClr val="bg1"/>
+              </a:solidFill>
+              <a:latin typeface="Open Sans" panose="020B0606030504020204" pitchFamily="34" charset="0"/>
+              <a:ea typeface="Open Sans" panose="020B0606030504020204" pitchFamily="34" charset="0"/>
+              <a:cs typeface="Open Sans" panose="020B0606030504020204" pitchFamily="34" charset="0"/>
+            </a:endParaRPr>
+          </a:p>
+        </p:txBody>
+      </p:sp>
+      <p:sp>
+        <p:nvSpPr>
+          <p:cNvPr id="50" name="Rectangle: Rounded Corners 49">
+            <a:extLst>
+              <a:ext uri="{FF2B5EF4-FFF2-40B4-BE49-F238E27FC236}">
+                <a16:creationId xmlns:a16="http://schemas.microsoft.com/office/drawing/2014/main" id="{FDCCEAD6-B122-4397-926E-57606E7F0EEE}"/>
+              </a:ext>
+            </a:extLst>
+          </p:cNvPr>
+          <p:cNvSpPr/>
+          <p:nvPr/>
+        </p:nvSpPr>
+        <p:spPr>
+          <a:xfrm>
+            <a:off x="31134984" y="859015"/>
+            <a:ext cx="5915970" cy="1058509"/>
+          </a:xfrm>
+          <a:prstGeom prst="roundRect">
+            <a:avLst>
+              <a:gd name="adj" fmla="val 24019"/>
+            </a:avLst>
+          </a:prstGeom>
+          <a:gradFill flip="none" rotWithShape="1">
+            <a:gsLst>
+              <a:gs pos="0">
+                <a:srgbClr val="01BDDB"/>
+              </a:gs>
+              <a:gs pos="100000">
+                <a:srgbClr val="0190C3"/>
+              </a:gs>
+            </a:gsLst>
+            <a:lin ang="5400000" scaled="1"/>
+            <a:tileRect/>
+          </a:gradFill>
+          <a:ln w="28575"/>
+        </p:spPr>
+        <p:style>
+          <a:lnRef idx="2">
+            <a:schemeClr val="dk1"/>
+          </a:lnRef>
+          <a:fillRef idx="1">
+            <a:schemeClr val="lt1"/>
+          </a:fillRef>
+          <a:effectRef idx="0">
+            <a:schemeClr val="dk1"/>
+          </a:effectRef>
+          <a:fontRef idx="minor">
+            <a:schemeClr val="dk1"/>
+          </a:fontRef>
+        </p:style>
+        <p:txBody>
+          <a:bodyPr rtlCol="0" anchor="ctr"/>
+          <a:lstStyle/>
+          <a:p>
+            <a:pPr algn="ctr"/>
+            <a:endParaRPr lang="en-SG">
+              <a:ln w="3175">
+                <a:solidFill>
+                  <a:schemeClr val="tx1"/>
+                </a:solidFill>
+              </a:ln>
+            </a:endParaRPr>
+          </a:p>
+        </p:txBody>
+      </p:sp>
+      <p:sp>
+        <p:nvSpPr>
+          <p:cNvPr id="52" name="TextBox 51">
+            <a:extLst>
+              <a:ext uri="{FF2B5EF4-FFF2-40B4-BE49-F238E27FC236}">
+                <a16:creationId xmlns:a16="http://schemas.microsoft.com/office/drawing/2014/main" id="{47DB9E14-64F3-4566-8332-74FE6BD5FFC7}"/>
+              </a:ext>
+            </a:extLst>
+          </p:cNvPr>
+          <p:cNvSpPr txBox="1"/>
+          <p:nvPr/>
+        </p:nvSpPr>
+        <p:spPr>
+          <a:xfrm>
+            <a:off x="31927450" y="1112148"/>
+            <a:ext cx="6157771" cy="646331"/>
+          </a:xfrm>
+          <a:prstGeom prst="rect">
+            <a:avLst/>
+          </a:prstGeom>
+          <a:noFill/>
+        </p:spPr>
+        <p:txBody>
+          <a:bodyPr wrap="square" rtlCol="0">
+            <a:spAutoFit/>
+          </a:bodyPr>
+          <a:lstStyle/>
+          <a:p>
+            <a:pPr algn="just"/>
+            <a:r>
+              <a:rPr lang="en-US" sz="3600" dirty="0">
+                <a:solidFill>
+                  <a:schemeClr val="bg1"/>
+                </a:solidFill>
+                <a:latin typeface="Open Sans" panose="020B0606030504020204" pitchFamily="34" charset="0"/>
+                <a:ea typeface="Open Sans" panose="020B0606030504020204" pitchFamily="34" charset="0"/>
+                <a:cs typeface="Open Sans" panose="020B0606030504020204" pitchFamily="34" charset="0"/>
+              </a:rPr>
+              <a:t>Cure                      100%</a:t>
+            </a:r>
+            <a:endParaRPr lang="en-SG" sz="3600" dirty="0">
+              <a:solidFill>
+                <a:schemeClr val="bg1"/>
+              </a:solidFill>
+              <a:latin typeface="Open Sans" panose="020B0606030504020204" pitchFamily="34" charset="0"/>
+              <a:ea typeface="Open Sans" panose="020B0606030504020204" pitchFamily="34" charset="0"/>
+              <a:cs typeface="Open Sans" panose="020B0606030504020204" pitchFamily="34" charset="0"/>
+            </a:endParaRPr>
+          </a:p>
+        </p:txBody>
+      </p:sp>
+      <p:pic>
+        <p:nvPicPr>
+          <p:cNvPr id="1028" name="Picture 4" descr="Free Icon | Erlenmeyer flask">
+            <a:extLst>
+              <a:ext uri="{FF2B5EF4-FFF2-40B4-BE49-F238E27FC236}">
+                <a16:creationId xmlns:a16="http://schemas.microsoft.com/office/drawing/2014/main" id="{0B5CAD71-2150-41F3-A18D-266A0EAACF1C}"/>
+              </a:ext>
+            </a:extLst>
+          </p:cNvPr>
+          <p:cNvPicPr>
+            <a:picLocks noChangeAspect="1" noChangeArrowheads="1"/>
+          </p:cNvPicPr>
+          <p:nvPr/>
+        </p:nvPicPr>
+        <p:blipFill>
+          <a:blip r:embed="rId9">
+            <a:extLst>
+              <a:ext uri="{BEBA8EAE-BF5A-486C-A8C5-ECC9F3942E4B}">
+                <a14:imgProps xmlns:a14="http://schemas.microsoft.com/office/drawing/2010/main">
+                  <a14:imgLayer r:embed="rId10">
+                    <a14:imgEffect>
+                      <a14:brightnessContrast bright="100000" contrast="100000"/>
+                    </a14:imgEffect>
+                  </a14:imgLayer>
+                </a14:imgProps>
+              </a:ext>
+              <a:ext uri="{28A0092B-C50C-407E-A947-70E740481C1C}">
+                <a14:useLocalDpi xmlns:a14="http://schemas.microsoft.com/office/drawing/2010/main" val="0"/>
+              </a:ext>
+            </a:extLst>
+          </a:blip>
+          <a:srcRect/>
+          <a:stretch>
+            <a:fillRect/>
+          </a:stretch>
+        </p:blipFill>
+        <p:spPr bwMode="auto">
+          <a:xfrm>
+            <a:off x="31328026" y="1088557"/>
+            <a:ext cx="599424" cy="599424"/>
+          </a:xfrm>
+          <a:prstGeom prst="rect">
+            <a:avLst/>
+          </a:prstGeom>
+          <a:noFill/>
+          <a:extLst>
+            <a:ext uri="{909E8E84-426E-40DD-AFC4-6F175D3DCCD1}">
+              <a14:hiddenFill xmlns:a14="http://schemas.microsoft.com/office/drawing/2010/main">
+                <a:solidFill>
+                  <a:srgbClr val="FFFFFF"/>
+                </a:solidFill>
+              </a14:hiddenFill>
+            </a:ext>
+          </a:extLst>
         </p:spPr>
       </p:pic>
     </p:spTree>
